--- a/slides.pptx
+++ b/slides.pptx
@@ -5,7 +5,7 @@
     <p:sldMasterId id="2147483648" r:id="rId1"/>
   </p:sldMasterIdLst>
   <p:notesMasterIdLst>
-    <p:notesMasterId r:id="rId13"/>
+    <p:notesMasterId r:id="rId10"/>
   </p:notesMasterIdLst>
   <p:sldIdLst>
     <p:sldId id="256" r:id="rId2"/>
@@ -16,9 +16,6 @@
     <p:sldId id="260" r:id="rId7"/>
     <p:sldId id="262" r:id="rId8"/>
     <p:sldId id="278" r:id="rId9"/>
-    <p:sldId id="263" r:id="rId10"/>
-    <p:sldId id="264" r:id="rId11"/>
-    <p:sldId id="266" r:id="rId12"/>
   </p:sldIdLst>
   <p:sldSz cx="12192000" cy="6858000"/>
   <p:notesSz cx="6858000" cy="9144000"/>
@@ -134,9 +131,6 @@
             <p14:sldId id="260"/>
             <p14:sldId id="262"/>
             <p14:sldId id="278"/>
-            <p14:sldId id="263"/>
-            <p14:sldId id="264"/>
-            <p14:sldId id="266"/>
           </p14:sldIdLst>
         </p14:section>
       </p14:sectionLst>
@@ -230,7 +224,7 @@
           <a:p>
             <a:fld id="{D5CCF024-8058-4E92-8B35-074515495720}" type="datetimeFigureOut">
               <a:rPr lang="en-GB" smtClean="0"/>
-              <a:t>16/01/2017</a:t>
+              <a:t>23/01/2017</a:t>
             </a:fld>
             <a:endParaRPr lang="en-GB"/>
           </a:p>
@@ -1046,96 +1040,6 @@
 </p:notes>
 </file>
 
-<file path=ppt/notesSlides/notesSlide7.xml><?xml version="1.0" encoding="utf-8"?>
-<p:notes xmlns:a="http://schemas.openxmlformats.org/drawingml/2006/main" xmlns:r="http://schemas.openxmlformats.org/officeDocument/2006/relationships" xmlns:p="http://schemas.openxmlformats.org/presentationml/2006/main">
-  <p:cSld>
-    <p:spTree>
-      <p:nvGrpSpPr>
-        <p:cNvPr id="1" name=""/>
-        <p:cNvGrpSpPr/>
-        <p:nvPr/>
-      </p:nvGrpSpPr>
-      <p:grpSpPr>
-        <a:xfrm>
-          <a:off x="0" y="0"/>
-          <a:ext cx="0" cy="0"/>
-          <a:chOff x="0" y="0"/>
-          <a:chExt cx="0" cy="0"/>
-        </a:xfrm>
-      </p:grpSpPr>
-      <p:sp>
-        <p:nvSpPr>
-          <p:cNvPr id="2" name="Slide Image Placeholder 1"/>
-          <p:cNvSpPr>
-            <a:spLocks noGrp="1" noRot="1" noChangeAspect="1"/>
-          </p:cNvSpPr>
-          <p:nvPr>
-            <p:ph type="sldImg"/>
-          </p:nvPr>
-        </p:nvSpPr>
-        <p:spPr/>
-      </p:sp>
-      <p:sp>
-        <p:nvSpPr>
-          <p:cNvPr id="3" name="Notes Placeholder 2"/>
-          <p:cNvSpPr>
-            <a:spLocks noGrp="1"/>
-          </p:cNvSpPr>
-          <p:nvPr>
-            <p:ph type="body" idx="1"/>
-          </p:nvPr>
-        </p:nvSpPr>
-        <p:spPr/>
-        <p:txBody>
-          <a:bodyPr/>
-          <a:lstStyle/>
-          <a:p>
-            <a:r>
-              <a:rPr lang="en-GB" dirty="0"/>
-              <a:t>[First recap data types]</a:t>
-            </a:r>
-          </a:p>
-          <a:p>
-            <a:endParaRPr lang="en-GB" dirty="0"/>
-          </a:p>
-        </p:txBody>
-      </p:sp>
-      <p:sp>
-        <p:nvSpPr>
-          <p:cNvPr id="4" name="Slide Number Placeholder 3"/>
-          <p:cNvSpPr>
-            <a:spLocks noGrp="1"/>
-          </p:cNvSpPr>
-          <p:nvPr>
-            <p:ph type="sldNum" sz="quarter" idx="10"/>
-          </p:nvPr>
-        </p:nvSpPr>
-        <p:spPr/>
-        <p:txBody>
-          <a:bodyPr/>
-          <a:lstStyle/>
-          <a:p>
-            <a:fld id="{6E50C31B-5128-4CB2-8D4B-CBF503D17F3C}" type="slidenum">
-              <a:rPr lang="en-GB" smtClean="0"/>
-              <a:t>9</a:t>
-            </a:fld>
-            <a:endParaRPr lang="en-GB"/>
-          </a:p>
-        </p:txBody>
-      </p:sp>
-    </p:spTree>
-    <p:extLst>
-      <p:ext uri="{BB962C8B-B14F-4D97-AF65-F5344CB8AC3E}">
-        <p14:creationId xmlns:p14="http://schemas.microsoft.com/office/powerpoint/2010/main" val="1497119430"/>
-      </p:ext>
-    </p:extLst>
-  </p:cSld>
-  <p:clrMapOvr>
-    <a:masterClrMapping/>
-  </p:clrMapOvr>
-</p:notes>
-</file>
-
 <file path=ppt/slideLayouts/slideLayout1.xml><?xml version="1.0" encoding="utf-8"?>
 <p:sldLayout xmlns:a="http://schemas.openxmlformats.org/drawingml/2006/main" xmlns:r="http://schemas.openxmlformats.org/officeDocument/2006/relationships" xmlns:p="http://schemas.openxmlformats.org/presentationml/2006/main" showMasterSp="0" type="title" preserve="1">
   <p:cSld name="Title Slide">
@@ -1186,7 +1090,7 @@
           <a:noFill/>
           <a:extLst>
             <a:ext uri="{909E8E84-426E-40dd-AFC4-6F175D3DCCD1}">
-              <a14:hiddenFill xmlns="" xmlns:a14="http://schemas.microsoft.com/office/drawing/2010/main">
+              <a14:hiddenFill xmlns:a14="http://schemas.microsoft.com/office/drawing/2010/main" xmlns="">
                 <a:solidFill>
                   <a:srgbClr val="FFFFFF"/>
                 </a:solidFill>
@@ -1246,7 +1150,7 @@
             </a:ln>
             <a:extLst>
               <a:ext uri="{91240B29-F687-4f45-9708-019B960494DF}">
-                <a14:hiddenLine xmlns="" xmlns:a14="http://schemas.microsoft.com/office/drawing/2010/main" w="9525">
+                <a14:hiddenLine xmlns:a14="http://schemas.microsoft.com/office/drawing/2010/main" xmlns="" w="9525">
                   <a:solidFill>
                     <a:srgbClr val="000000"/>
                   </a:solidFill>
@@ -1336,7 +1240,7 @@
             </a:ln>
             <a:extLst>
               <a:ext uri="{91240B29-F687-4f45-9708-019B960494DF}">
-                <a14:hiddenLine xmlns="" xmlns:a14="http://schemas.microsoft.com/office/drawing/2010/main" w="9525">
+                <a14:hiddenLine xmlns:a14="http://schemas.microsoft.com/office/drawing/2010/main" xmlns="" w="9525">
                   <a:solidFill>
                     <a:srgbClr val="000000"/>
                   </a:solidFill>
@@ -1426,7 +1330,7 @@
             </a:ln>
             <a:extLst>
               <a:ext uri="{91240B29-F687-4f45-9708-019B960494DF}">
-                <a14:hiddenLine xmlns="" xmlns:a14="http://schemas.microsoft.com/office/drawing/2010/main" w="9525">
+                <a14:hiddenLine xmlns:a14="http://schemas.microsoft.com/office/drawing/2010/main" xmlns="" w="9525">
                   <a:solidFill>
                     <a:srgbClr val="000000"/>
                   </a:solidFill>
@@ -1460,7 +1364,7 @@
             </a:ln>
             <a:extLst>
               <a:ext uri="{91240B29-F687-4f45-9708-019B960494DF}">
-                <a14:hiddenLine xmlns="" xmlns:a14="http://schemas.microsoft.com/office/drawing/2010/main" w="9525">
+                <a14:hiddenLine xmlns:a14="http://schemas.microsoft.com/office/drawing/2010/main" xmlns="" w="9525">
                   <a:solidFill>
                     <a:srgbClr val="000000"/>
                   </a:solidFill>
@@ -1550,7 +1454,7 @@
             </a:ln>
             <a:extLst>
               <a:ext uri="{91240B29-F687-4f45-9708-019B960494DF}">
-                <a14:hiddenLine xmlns="" xmlns:a14="http://schemas.microsoft.com/office/drawing/2010/main" w="9525">
+                <a14:hiddenLine xmlns:a14="http://schemas.microsoft.com/office/drawing/2010/main" xmlns="" w="9525">
                   <a:solidFill>
                     <a:srgbClr val="000000"/>
                   </a:solidFill>
@@ -1612,7 +1516,7 @@
             </a:ln>
             <a:extLst>
               <a:ext uri="{91240B29-F687-4f45-9708-019B960494DF}">
-                <a14:hiddenLine xmlns="" xmlns:a14="http://schemas.microsoft.com/office/drawing/2010/main" w="9525">
+                <a14:hiddenLine xmlns:a14="http://schemas.microsoft.com/office/drawing/2010/main" xmlns="" w="9525">
                   <a:solidFill>
                     <a:srgbClr val="000000"/>
                   </a:solidFill>
@@ -1674,7 +1578,7 @@
             </a:ln>
             <a:extLst>
               <a:ext uri="{91240B29-F687-4f45-9708-019B960494DF}">
-                <a14:hiddenLine xmlns="" xmlns:a14="http://schemas.microsoft.com/office/drawing/2010/main" w="9525">
+                <a14:hiddenLine xmlns:a14="http://schemas.microsoft.com/office/drawing/2010/main" xmlns="" w="9525">
                   <a:solidFill>
                     <a:srgbClr val="000000"/>
                   </a:solidFill>
@@ -1764,7 +1668,7 @@
             </a:ln>
             <a:extLst>
               <a:ext uri="{91240B29-F687-4f45-9708-019B960494DF}">
-                <a14:hiddenLine xmlns="" xmlns:a14="http://schemas.microsoft.com/office/drawing/2010/main" w="9525">
+                <a14:hiddenLine xmlns:a14="http://schemas.microsoft.com/office/drawing/2010/main" xmlns="" w="9525">
                   <a:solidFill>
                     <a:srgbClr val="000000"/>
                   </a:solidFill>
@@ -1826,7 +1730,7 @@
             </a:ln>
             <a:extLst>
               <a:ext uri="{91240B29-F687-4f45-9708-019B960494DF}">
-                <a14:hiddenLine xmlns="" xmlns:a14="http://schemas.microsoft.com/office/drawing/2010/main" w="9525">
+                <a14:hiddenLine xmlns:a14="http://schemas.microsoft.com/office/drawing/2010/main" xmlns="" w="9525">
                   <a:solidFill>
                     <a:srgbClr val="000000"/>
                   </a:solidFill>
@@ -1888,7 +1792,7 @@
             </a:ln>
             <a:extLst>
               <a:ext uri="{91240B29-F687-4f45-9708-019B960494DF}">
-                <a14:hiddenLine xmlns="" xmlns:a14="http://schemas.microsoft.com/office/drawing/2010/main" w="9525">
+                <a14:hiddenLine xmlns:a14="http://schemas.microsoft.com/office/drawing/2010/main" xmlns="" w="9525">
                   <a:solidFill>
                     <a:srgbClr val="000000"/>
                   </a:solidFill>
@@ -1978,7 +1882,7 @@
             </a:ln>
             <a:extLst>
               <a:ext uri="{91240B29-F687-4f45-9708-019B960494DF}">
-                <a14:hiddenLine xmlns="" xmlns:a14="http://schemas.microsoft.com/office/drawing/2010/main" w="9525">
+                <a14:hiddenLine xmlns:a14="http://schemas.microsoft.com/office/drawing/2010/main" xmlns="" w="9525">
                   <a:solidFill>
                     <a:srgbClr val="000000"/>
                   </a:solidFill>
@@ -2068,7 +1972,7 @@
             </a:ln>
             <a:extLst>
               <a:ext uri="{91240B29-F687-4f45-9708-019B960494DF}">
-                <a14:hiddenLine xmlns="" xmlns:a14="http://schemas.microsoft.com/office/drawing/2010/main" w="9525">
+                <a14:hiddenLine xmlns:a14="http://schemas.microsoft.com/office/drawing/2010/main" xmlns="" w="9525">
                   <a:solidFill>
                     <a:srgbClr val="000000"/>
                   </a:solidFill>
@@ -2130,7 +2034,7 @@
             </a:ln>
             <a:extLst>
               <a:ext uri="{91240B29-F687-4f45-9708-019B960494DF}">
-                <a14:hiddenLine xmlns="" xmlns:a14="http://schemas.microsoft.com/office/drawing/2010/main" w="9525">
+                <a14:hiddenLine xmlns:a14="http://schemas.microsoft.com/office/drawing/2010/main" xmlns="" w="9525">
                   <a:solidFill>
                     <a:srgbClr val="000000"/>
                   </a:solidFill>
@@ -2240,7 +2144,7 @@
             </a:ln>
             <a:extLst>
               <a:ext uri="{91240B29-F687-4f45-9708-019B960494DF}">
-                <a14:hiddenLine xmlns="" xmlns:a14="http://schemas.microsoft.com/office/drawing/2010/main" w="9525">
+                <a14:hiddenLine xmlns:a14="http://schemas.microsoft.com/office/drawing/2010/main" xmlns="" w="9525">
                   <a:solidFill>
                     <a:srgbClr val="000000"/>
                   </a:solidFill>
@@ -2302,7 +2206,7 @@
             </a:ln>
             <a:extLst>
               <a:ext uri="{91240B29-F687-4f45-9708-019B960494DF}">
-                <a14:hiddenLine xmlns="" xmlns:a14="http://schemas.microsoft.com/office/drawing/2010/main" w="9525">
+                <a14:hiddenLine xmlns:a14="http://schemas.microsoft.com/office/drawing/2010/main" xmlns="" w="9525">
                   <a:solidFill>
                     <a:srgbClr val="000000"/>
                   </a:solidFill>
@@ -2392,7 +2296,7 @@
             </a:ln>
             <a:extLst>
               <a:ext uri="{91240B29-F687-4f45-9708-019B960494DF}">
-                <a14:hiddenLine xmlns="" xmlns:a14="http://schemas.microsoft.com/office/drawing/2010/main" w="9525">
+                <a14:hiddenLine xmlns:a14="http://schemas.microsoft.com/office/drawing/2010/main" xmlns="" w="9525">
                   <a:solidFill>
                     <a:srgbClr val="000000"/>
                   </a:solidFill>
@@ -2482,7 +2386,7 @@
             </a:ln>
             <a:extLst>
               <a:ext uri="{91240B29-F687-4f45-9708-019B960494DF}">
-                <a14:hiddenLine xmlns="" xmlns:a14="http://schemas.microsoft.com/office/drawing/2010/main" w="9525">
+                <a14:hiddenLine xmlns:a14="http://schemas.microsoft.com/office/drawing/2010/main" xmlns="" w="9525">
                   <a:solidFill>
                     <a:srgbClr val="000000"/>
                   </a:solidFill>
@@ -2544,7 +2448,7 @@
             </a:ln>
             <a:extLst>
               <a:ext uri="{91240B29-F687-4f45-9708-019B960494DF}">
-                <a14:hiddenLine xmlns="" xmlns:a14="http://schemas.microsoft.com/office/drawing/2010/main" w="9525">
+                <a14:hiddenLine xmlns:a14="http://schemas.microsoft.com/office/drawing/2010/main" xmlns="" w="9525">
                   <a:solidFill>
                     <a:srgbClr val="000000"/>
                   </a:solidFill>
@@ -2634,7 +2538,7 @@
             </a:ln>
             <a:extLst>
               <a:ext uri="{91240B29-F687-4f45-9708-019B960494DF}">
-                <a14:hiddenLine xmlns="" xmlns:a14="http://schemas.microsoft.com/office/drawing/2010/main" w="9525">
+                <a14:hiddenLine xmlns:a14="http://schemas.microsoft.com/office/drawing/2010/main" xmlns="" w="9525">
                   <a:solidFill>
                     <a:srgbClr val="000000"/>
                   </a:solidFill>
@@ -2724,7 +2628,7 @@
             </a:ln>
             <a:extLst>
               <a:ext uri="{91240B29-F687-4f45-9708-019B960494DF}">
-                <a14:hiddenLine xmlns="" xmlns:a14="http://schemas.microsoft.com/office/drawing/2010/main" w="9525">
+                <a14:hiddenLine xmlns:a14="http://schemas.microsoft.com/office/drawing/2010/main" xmlns="" w="9525">
                   <a:solidFill>
                     <a:srgbClr val="000000"/>
                   </a:solidFill>
@@ -2780,7 +2684,7 @@
             </a:ln>
             <a:extLst>
               <a:ext uri="{91240B29-F687-4f45-9708-019B960494DF}">
-                <a14:hiddenLine xmlns="" xmlns:a14="http://schemas.microsoft.com/office/drawing/2010/main" w="9525">
+                <a14:hiddenLine xmlns:a14="http://schemas.microsoft.com/office/drawing/2010/main" xmlns="" w="9525">
                   <a:solidFill>
                     <a:srgbClr val="000000"/>
                   </a:solidFill>
@@ -2870,7 +2774,7 @@
             </a:ln>
             <a:extLst>
               <a:ext uri="{91240B29-F687-4f45-9708-019B960494DF}">
-                <a14:hiddenLine xmlns="" xmlns:a14="http://schemas.microsoft.com/office/drawing/2010/main" w="9525">
+                <a14:hiddenLine xmlns:a14="http://schemas.microsoft.com/office/drawing/2010/main" xmlns="" w="9525">
                   <a:solidFill>
                     <a:srgbClr val="000000"/>
                   </a:solidFill>
@@ -2926,7 +2830,7 @@
             </a:ln>
             <a:extLst>
               <a:ext uri="{91240B29-F687-4f45-9708-019B960494DF}">
-                <a14:hiddenLine xmlns="" xmlns:a14="http://schemas.microsoft.com/office/drawing/2010/main" w="9525">
+                <a14:hiddenLine xmlns:a14="http://schemas.microsoft.com/office/drawing/2010/main" xmlns="" w="9525">
                   <a:solidFill>
                     <a:srgbClr val="000000"/>
                   </a:solidFill>
@@ -3016,7 +2920,7 @@
             </a:ln>
             <a:extLst>
               <a:ext uri="{91240B29-F687-4f45-9708-019B960494DF}">
-                <a14:hiddenLine xmlns="" xmlns:a14="http://schemas.microsoft.com/office/drawing/2010/main" w="9525">
+                <a14:hiddenLine xmlns:a14="http://schemas.microsoft.com/office/drawing/2010/main" xmlns="" w="9525">
                   <a:solidFill>
                     <a:srgbClr val="000000"/>
                   </a:solidFill>
@@ -3084,7 +2988,7 @@
             </a:ln>
             <a:extLst>
               <a:ext uri="{91240B29-F687-4f45-9708-019B960494DF}">
-                <a14:hiddenLine xmlns="" xmlns:a14="http://schemas.microsoft.com/office/drawing/2010/main" w="9525">
+                <a14:hiddenLine xmlns:a14="http://schemas.microsoft.com/office/drawing/2010/main" xmlns="" w="9525">
                   <a:solidFill>
                     <a:srgbClr val="000000"/>
                   </a:solidFill>
@@ -3174,7 +3078,7 @@
             </a:ln>
             <a:extLst>
               <a:ext uri="{91240B29-F687-4f45-9708-019B960494DF}">
-                <a14:hiddenLine xmlns="" xmlns:a14="http://schemas.microsoft.com/office/drawing/2010/main" w="9525">
+                <a14:hiddenLine xmlns:a14="http://schemas.microsoft.com/office/drawing/2010/main" xmlns="" w="9525">
                   <a:solidFill>
                     <a:srgbClr val="000000"/>
                   </a:solidFill>
@@ -3242,7 +3146,7 @@
             </a:ln>
             <a:extLst>
               <a:ext uri="{91240B29-F687-4f45-9708-019B960494DF}">
-                <a14:hiddenLine xmlns="" xmlns:a14="http://schemas.microsoft.com/office/drawing/2010/main" w="9525">
+                <a14:hiddenLine xmlns:a14="http://schemas.microsoft.com/office/drawing/2010/main" xmlns="" w="9525">
                   <a:solidFill>
                     <a:srgbClr val="000000"/>
                   </a:solidFill>
@@ -3332,7 +3236,7 @@
             </a:ln>
             <a:extLst>
               <a:ext uri="{91240B29-F687-4f45-9708-019B960494DF}">
-                <a14:hiddenLine xmlns="" xmlns:a14="http://schemas.microsoft.com/office/drawing/2010/main" w="9525">
+                <a14:hiddenLine xmlns:a14="http://schemas.microsoft.com/office/drawing/2010/main" xmlns="" w="9525">
                   <a:solidFill>
                     <a:srgbClr val="000000"/>
                   </a:solidFill>
@@ -3366,7 +3270,7 @@
             </a:ln>
             <a:extLst>
               <a:ext uri="{91240B29-F687-4f45-9708-019B960494DF}">
-                <a14:hiddenLine xmlns="" xmlns:a14="http://schemas.microsoft.com/office/drawing/2010/main" w="9525">
+                <a14:hiddenLine xmlns:a14="http://schemas.microsoft.com/office/drawing/2010/main" xmlns="" w="9525">
                   <a:solidFill>
                     <a:srgbClr val="000000"/>
                   </a:solidFill>
@@ -3456,7 +3360,7 @@
             </a:ln>
             <a:extLst>
               <a:ext uri="{91240B29-F687-4f45-9708-019B960494DF}">
-                <a14:hiddenLine xmlns="" xmlns:a14="http://schemas.microsoft.com/office/drawing/2010/main" w="9525">
+                <a14:hiddenLine xmlns:a14="http://schemas.microsoft.com/office/drawing/2010/main" xmlns="" w="9525">
                   <a:solidFill>
                     <a:srgbClr val="000000"/>
                   </a:solidFill>
@@ -3518,7 +3422,7 @@
             </a:ln>
             <a:extLst>
               <a:ext uri="{91240B29-F687-4f45-9708-019B960494DF}">
-                <a14:hiddenLine xmlns="" xmlns:a14="http://schemas.microsoft.com/office/drawing/2010/main" w="9525">
+                <a14:hiddenLine xmlns:a14="http://schemas.microsoft.com/office/drawing/2010/main" xmlns="" w="9525">
                   <a:solidFill>
                     <a:srgbClr val="000000"/>
                   </a:solidFill>
@@ -3580,7 +3484,7 @@
             </a:ln>
             <a:extLst>
               <a:ext uri="{91240B29-F687-4f45-9708-019B960494DF}">
-                <a14:hiddenLine xmlns="" xmlns:a14="http://schemas.microsoft.com/office/drawing/2010/main" w="9525">
+                <a14:hiddenLine xmlns:a14="http://schemas.microsoft.com/office/drawing/2010/main" xmlns="" w="9525">
                   <a:solidFill>
                     <a:srgbClr val="000000"/>
                   </a:solidFill>
@@ -3670,7 +3574,7 @@
             </a:ln>
             <a:extLst>
               <a:ext uri="{91240B29-F687-4f45-9708-019B960494DF}">
-                <a14:hiddenLine xmlns="" xmlns:a14="http://schemas.microsoft.com/office/drawing/2010/main" w="9525">
+                <a14:hiddenLine xmlns:a14="http://schemas.microsoft.com/office/drawing/2010/main" xmlns="" w="9525">
                   <a:solidFill>
                     <a:srgbClr val="000000"/>
                   </a:solidFill>
@@ -3738,7 +3642,7 @@
             </a:ln>
             <a:extLst>
               <a:ext uri="{91240B29-F687-4f45-9708-019B960494DF}">
-                <a14:hiddenLine xmlns="" xmlns:a14="http://schemas.microsoft.com/office/drawing/2010/main" w="9525">
+                <a14:hiddenLine xmlns:a14="http://schemas.microsoft.com/office/drawing/2010/main" xmlns="" w="9525">
                   <a:solidFill>
                     <a:srgbClr val="000000"/>
                   </a:solidFill>
@@ -3800,7 +3704,7 @@
             </a:ln>
             <a:extLst>
               <a:ext uri="{91240B29-F687-4f45-9708-019B960494DF}">
-                <a14:hiddenLine xmlns="" xmlns:a14="http://schemas.microsoft.com/office/drawing/2010/main" w="9525">
+                <a14:hiddenLine xmlns:a14="http://schemas.microsoft.com/office/drawing/2010/main" xmlns="" w="9525">
                   <a:solidFill>
                     <a:srgbClr val="000000"/>
                   </a:solidFill>
@@ -3890,7 +3794,7 @@
             </a:ln>
             <a:extLst>
               <a:ext uri="{91240B29-F687-4f45-9708-019B960494DF}">
-                <a14:hiddenLine xmlns="" xmlns:a14="http://schemas.microsoft.com/office/drawing/2010/main" w="9525">
+                <a14:hiddenLine xmlns:a14="http://schemas.microsoft.com/office/drawing/2010/main" xmlns="" w="9525">
                   <a:solidFill>
                     <a:srgbClr val="000000"/>
                   </a:solidFill>
@@ -3952,7 +3856,7 @@
             </a:ln>
             <a:extLst>
               <a:ext uri="{91240B29-F687-4f45-9708-019B960494DF}">
-                <a14:hiddenLine xmlns="" xmlns:a14="http://schemas.microsoft.com/office/drawing/2010/main" w="9525">
+                <a14:hiddenLine xmlns:a14="http://schemas.microsoft.com/office/drawing/2010/main" xmlns="" w="9525">
                   <a:solidFill>
                     <a:srgbClr val="000000"/>
                   </a:solidFill>
@@ -4042,7 +3946,7 @@
             </a:ln>
             <a:extLst>
               <a:ext uri="{91240B29-F687-4f45-9708-019B960494DF}">
-                <a14:hiddenLine xmlns="" xmlns:a14="http://schemas.microsoft.com/office/drawing/2010/main" w="9525">
+                <a14:hiddenLine xmlns:a14="http://schemas.microsoft.com/office/drawing/2010/main" xmlns="" w="9525">
                   <a:solidFill>
                     <a:srgbClr val="000000"/>
                   </a:solidFill>
@@ -4104,7 +4008,7 @@
             </a:ln>
             <a:extLst>
               <a:ext uri="{91240B29-F687-4f45-9708-019B960494DF}">
-                <a14:hiddenLine xmlns="" xmlns:a14="http://schemas.microsoft.com/office/drawing/2010/main" w="9525">
+                <a14:hiddenLine xmlns:a14="http://schemas.microsoft.com/office/drawing/2010/main" xmlns="" w="9525">
                   <a:solidFill>
                     <a:srgbClr val="000000"/>
                   </a:solidFill>
@@ -4194,7 +4098,7 @@
             </a:ln>
             <a:extLst>
               <a:ext uri="{91240B29-F687-4f45-9708-019B960494DF}">
-                <a14:hiddenLine xmlns="" xmlns:a14="http://schemas.microsoft.com/office/drawing/2010/main" w="9525">
+                <a14:hiddenLine xmlns:a14="http://schemas.microsoft.com/office/drawing/2010/main" xmlns="" w="9525">
                   <a:solidFill>
                     <a:srgbClr val="000000"/>
                   </a:solidFill>
@@ -4228,7 +4132,7 @@
             </a:ln>
             <a:extLst>
               <a:ext uri="{91240B29-F687-4f45-9708-019B960494DF}">
-                <a14:hiddenLine xmlns="" xmlns:a14="http://schemas.microsoft.com/office/drawing/2010/main" w="9525">
+                <a14:hiddenLine xmlns:a14="http://schemas.microsoft.com/office/drawing/2010/main" xmlns="" w="9525">
                   <a:solidFill>
                     <a:srgbClr val="000000"/>
                   </a:solidFill>
@@ -4293,7 +4197,7 @@
             </a:ln>
             <a:extLst>
               <a:ext uri="{91240B29-F687-4f45-9708-019B960494DF}">
-                <a14:hiddenLine xmlns="" xmlns:a14="http://schemas.microsoft.com/office/drawing/2010/main" w="9525">
+                <a14:hiddenLine xmlns:a14="http://schemas.microsoft.com/office/drawing/2010/main" xmlns="" w="9525">
                   <a:solidFill>
                     <a:srgbClr val="000000"/>
                   </a:solidFill>
@@ -4383,7 +4287,7 @@
             </a:ln>
             <a:extLst>
               <a:ext uri="{91240B29-F687-4f45-9708-019B960494DF}">
-                <a14:hiddenLine xmlns="" xmlns:a14="http://schemas.microsoft.com/office/drawing/2010/main" w="9525">
+                <a14:hiddenLine xmlns:a14="http://schemas.microsoft.com/office/drawing/2010/main" xmlns="" w="9525">
                   <a:solidFill>
                     <a:srgbClr val="000000"/>
                   </a:solidFill>
@@ -4445,7 +4349,7 @@
             </a:ln>
             <a:extLst>
               <a:ext uri="{91240B29-F687-4f45-9708-019B960494DF}">
-                <a14:hiddenLine xmlns="" xmlns:a14="http://schemas.microsoft.com/office/drawing/2010/main" w="9525">
+                <a14:hiddenLine xmlns:a14="http://schemas.microsoft.com/office/drawing/2010/main" xmlns="" w="9525">
                   <a:solidFill>
                     <a:srgbClr val="000000"/>
                   </a:solidFill>
@@ -4535,7 +4439,7 @@
             </a:ln>
             <a:extLst>
               <a:ext uri="{91240B29-F687-4f45-9708-019B960494DF}">
-                <a14:hiddenLine xmlns="" xmlns:a14="http://schemas.microsoft.com/office/drawing/2010/main" w="9525">
+                <a14:hiddenLine xmlns:a14="http://schemas.microsoft.com/office/drawing/2010/main" xmlns="" w="9525">
                   <a:solidFill>
                     <a:srgbClr val="000000"/>
                   </a:solidFill>
@@ -4625,7 +4529,7 @@
             </a:ln>
             <a:extLst>
               <a:ext uri="{91240B29-F687-4f45-9708-019B960494DF}">
-                <a14:hiddenLine xmlns="" xmlns:a14="http://schemas.microsoft.com/office/drawing/2010/main" w="9525">
+                <a14:hiddenLine xmlns:a14="http://schemas.microsoft.com/office/drawing/2010/main" xmlns="" w="9525">
                   <a:solidFill>
                     <a:srgbClr val="000000"/>
                   </a:solidFill>
@@ -4690,7 +4594,7 @@
             </a:ln>
             <a:extLst>
               <a:ext uri="{91240B29-F687-4f45-9708-019B960494DF}">
-                <a14:hiddenLine xmlns="" xmlns:a14="http://schemas.microsoft.com/office/drawing/2010/main" w="9525">
+                <a14:hiddenLine xmlns:a14="http://schemas.microsoft.com/office/drawing/2010/main" xmlns="" w="9525">
                   <a:solidFill>
                     <a:srgbClr val="000000"/>
                   </a:solidFill>
@@ -4752,7 +4656,7 @@
             </a:ln>
             <a:extLst>
               <a:ext uri="{91240B29-F687-4f45-9708-019B960494DF}">
-                <a14:hiddenLine xmlns="" xmlns:a14="http://schemas.microsoft.com/office/drawing/2010/main" w="9525">
+                <a14:hiddenLine xmlns:a14="http://schemas.microsoft.com/office/drawing/2010/main" xmlns="" w="9525">
                   <a:solidFill>
                     <a:srgbClr val="000000"/>
                   </a:solidFill>
@@ -4842,7 +4746,7 @@
             </a:ln>
             <a:extLst>
               <a:ext uri="{91240B29-F687-4f45-9708-019B960494DF}">
-                <a14:hiddenLine xmlns="" xmlns:a14="http://schemas.microsoft.com/office/drawing/2010/main" w="9525">
+                <a14:hiddenLine xmlns:a14="http://schemas.microsoft.com/office/drawing/2010/main" xmlns="" w="9525">
                   <a:solidFill>
                     <a:srgbClr val="000000"/>
                   </a:solidFill>
@@ -4932,7 +4836,7 @@
             </a:ln>
             <a:extLst>
               <a:ext uri="{91240B29-F687-4f45-9708-019B960494DF}">
-                <a14:hiddenLine xmlns="" xmlns:a14="http://schemas.microsoft.com/office/drawing/2010/main" w="9525">
+                <a14:hiddenLine xmlns:a14="http://schemas.microsoft.com/office/drawing/2010/main" xmlns="" w="9525">
                   <a:solidFill>
                     <a:srgbClr val="000000"/>
                   </a:solidFill>
@@ -4994,7 +4898,7 @@
             </a:ln>
             <a:extLst>
               <a:ext uri="{91240B29-F687-4f45-9708-019B960494DF}">
-                <a14:hiddenLine xmlns="" xmlns:a14="http://schemas.microsoft.com/office/drawing/2010/main" w="9525">
+                <a14:hiddenLine xmlns:a14="http://schemas.microsoft.com/office/drawing/2010/main" xmlns="" w="9525">
                   <a:solidFill>
                     <a:srgbClr val="000000"/>
                   </a:solidFill>
@@ -5114,7 +5018,7 @@
             </a:ln>
             <a:extLst>
               <a:ext uri="{91240B29-F687-4f45-9708-019B960494DF}">
-                <a14:hiddenLine xmlns="" xmlns:a14="http://schemas.microsoft.com/office/drawing/2010/main" w="9525">
+                <a14:hiddenLine xmlns:a14="http://schemas.microsoft.com/office/drawing/2010/main" xmlns="" w="9525">
                   <a:solidFill>
                     <a:srgbClr val="000000"/>
                   </a:solidFill>
@@ -5182,7 +5086,7 @@
             </a:ln>
             <a:extLst>
               <a:ext uri="{91240B29-F687-4f45-9708-019B960494DF}">
-                <a14:hiddenLine xmlns="" xmlns:a14="http://schemas.microsoft.com/office/drawing/2010/main" w="9525">
+                <a14:hiddenLine xmlns:a14="http://schemas.microsoft.com/office/drawing/2010/main" xmlns="" w="9525">
                   <a:solidFill>
                     <a:srgbClr val="000000"/>
                   </a:solidFill>
@@ -5272,7 +5176,7 @@
             </a:ln>
             <a:extLst>
               <a:ext uri="{91240B29-F687-4f45-9708-019B960494DF}">
-                <a14:hiddenLine xmlns="" xmlns:a14="http://schemas.microsoft.com/office/drawing/2010/main" w="9525">
+                <a14:hiddenLine xmlns:a14="http://schemas.microsoft.com/office/drawing/2010/main" xmlns="" w="9525">
                   <a:solidFill>
                     <a:srgbClr val="000000"/>
                   </a:solidFill>
@@ -5412,7 +5316,7 @@
           <a:p>
             <a:fld id="{D8087129-5EB3-407F-9D58-12B58254E57D}" type="datetime1">
               <a:rPr lang="en-US" smtClean="0"/>
-              <a:t>1/16/2017</a:t>
+              <a:t>1/23/2017</a:t>
             </a:fld>
             <a:endParaRPr lang="en-US" dirty="0"/>
           </a:p>
@@ -5678,7 +5582,7 @@
           <a:p>
             <a:fld id="{D3E4790F-9337-4CDC-8D14-B06CCEB6C73C}" type="datetime1">
               <a:rPr lang="en-US" smtClean="0"/>
-              <a:t>1/16/2017</a:t>
+              <a:t>1/23/2017</a:t>
             </a:fld>
             <a:endParaRPr lang="en-US" dirty="0"/>
           </a:p>
@@ -5873,7 +5777,7 @@
           <a:p>
             <a:fld id="{9B0760F9-7BA8-4EC7-8BDB-5C223A9F1787}" type="datetime1">
               <a:rPr lang="en-US" smtClean="0"/>
-              <a:t>1/16/2017</a:t>
+              <a:t>1/23/2017</a:t>
             </a:fld>
             <a:endParaRPr lang="en-US" dirty="0"/>
           </a:p>
@@ -6135,7 +6039,7 @@
           <a:p>
             <a:fld id="{A03E3F31-3630-4F25-9FD3-9398F0ABBE91}" type="datetime1">
               <a:rPr lang="en-US" smtClean="0"/>
-              <a:t>1/16/2017</a:t>
+              <a:t>1/23/2017</a:t>
             </a:fld>
             <a:endParaRPr lang="en-US" dirty="0"/>
           </a:p>
@@ -6568,7 +6472,7 @@
           <a:p>
             <a:fld id="{A66298DF-41F0-4FCA-8F78-168349C886A1}" type="datetime1">
               <a:rPr lang="en-US" smtClean="0"/>
-              <a:t>1/16/2017</a:t>
+              <a:t>1/23/2017</a:t>
             </a:fld>
             <a:endParaRPr lang="en-US" dirty="0"/>
           </a:p>
@@ -7113,7 +7017,7 @@
           <a:p>
             <a:fld id="{E78E2497-700C-4D1C-8F0E-0217BC78D22A}" type="datetime1">
               <a:rPr lang="en-US" smtClean="0"/>
-              <a:t>1/16/2017</a:t>
+              <a:t>1/23/2017</a:t>
             </a:fld>
             <a:endParaRPr lang="en-US" dirty="0"/>
           </a:p>
@@ -7832,7 +7736,7 @@
           <a:p>
             <a:fld id="{11B0A668-7952-4E05-A29E-3CAE9E4C88B3}" type="datetime1">
               <a:rPr lang="en-US" smtClean="0"/>
-              <a:t>1/16/2017</a:t>
+              <a:t>1/23/2017</a:t>
             </a:fld>
             <a:endParaRPr lang="en-US" dirty="0"/>
           </a:p>
@@ -8001,7 +7905,7 @@
           <a:p>
             <a:fld id="{51572ADD-8853-4F9B-BE74-04D3631B0AE8}" type="datetime1">
               <a:rPr lang="en-US" smtClean="0"/>
-              <a:t>1/16/2017</a:t>
+              <a:t>1/23/2017</a:t>
             </a:fld>
             <a:endParaRPr lang="en-US" dirty="0"/>
           </a:p>
@@ -8180,7 +8084,7 @@
           <a:p>
             <a:fld id="{F4AE7FAB-9C63-45B1-B528-0E08F0958326}" type="datetime1">
               <a:rPr lang="en-US" smtClean="0"/>
-              <a:t>1/16/2017</a:t>
+              <a:t>1/23/2017</a:t>
             </a:fld>
             <a:endParaRPr lang="en-US" dirty="0"/>
           </a:p>
@@ -8349,7 +8253,7 @@
           <a:p>
             <a:fld id="{789D286F-1FB1-4449-8266-6E87DF39D004}" type="datetime1">
               <a:rPr lang="en-US" smtClean="0"/>
-              <a:t>1/16/2017</a:t>
+              <a:t>1/23/2017</a:t>
             </a:fld>
             <a:endParaRPr lang="en-US" dirty="0"/>
           </a:p>
@@ -8598,7 +8502,7 @@
           <a:p>
             <a:fld id="{71778EDE-CE0C-4BA8-BD03-52FA661B2ABD}" type="datetime1">
               <a:rPr lang="en-US" smtClean="0"/>
-              <a:t>1/16/2017</a:t>
+              <a:t>1/23/2017</a:t>
             </a:fld>
             <a:endParaRPr lang="en-US" dirty="0"/>
           </a:p>
@@ -8829,7 +8733,7 @@
           <a:p>
             <a:fld id="{88B2015C-2313-4FA0-967E-15787170F8A4}" type="datetime1">
               <a:rPr lang="en-US" smtClean="0"/>
-              <a:t>1/16/2017</a:t>
+              <a:t>1/23/2017</a:t>
             </a:fld>
             <a:endParaRPr lang="en-US" dirty="0"/>
           </a:p>
@@ -9209,7 +9113,7 @@
           <a:p>
             <a:fld id="{337E4337-038C-466F-9539-3AC9182A3E7A}" type="datetime1">
               <a:rPr lang="en-US" smtClean="0"/>
-              <a:t>1/16/2017</a:t>
+              <a:t>1/23/2017</a:t>
             </a:fld>
             <a:endParaRPr lang="en-US" dirty="0"/>
           </a:p>
@@ -9326,7 +9230,7 @@
           <a:p>
             <a:fld id="{8AD42594-B169-4822-92C9-42932B767ACF}" type="datetime1">
               <a:rPr lang="en-US" smtClean="0"/>
-              <a:t>1/16/2017</a:t>
+              <a:t>1/23/2017</a:t>
             </a:fld>
             <a:endParaRPr lang="en-US" dirty="0"/>
           </a:p>
@@ -9420,7 +9324,7 @@
           <a:p>
             <a:fld id="{F960638A-EF8D-4E59-9B91-E876A1027CEA}" type="datetime1">
               <a:rPr lang="en-US" smtClean="0"/>
-              <a:t>1/16/2017</a:t>
+              <a:t>1/23/2017</a:t>
             </a:fld>
             <a:endParaRPr lang="en-US" dirty="0"/>
           </a:p>
@@ -9668,7 +9572,7 @@
           <a:p>
             <a:fld id="{77094E32-9543-411B-B3AF-87FC3BF95F14}" type="datetime1">
               <a:rPr lang="en-US" smtClean="0"/>
-              <a:t>1/16/2017</a:t>
+              <a:t>1/23/2017</a:t>
             </a:fld>
             <a:endParaRPr lang="en-US" dirty="0"/>
           </a:p>
@@ -9947,7 +9851,7 @@
           <a:p>
             <a:fld id="{6ADE433C-70DD-4676-82F0-30FDB4061909}" type="datetime1">
               <a:rPr lang="en-US" smtClean="0"/>
-              <a:t>1/16/2017</a:t>
+              <a:t>1/23/2017</a:t>
             </a:fld>
             <a:endParaRPr lang="en-US" dirty="0"/>
           </a:p>
@@ -10062,7 +9966,7 @@
           <a:noFill/>
           <a:extLst>
             <a:ext uri="{909E8E84-426E-40dd-AFC4-6F175D3DCCD1}">
-              <a14:hiddenFill xmlns="" xmlns:a14="http://schemas.microsoft.com/office/drawing/2010/main">
+              <a14:hiddenFill xmlns:a14="http://schemas.microsoft.com/office/drawing/2010/main" xmlns="">
                 <a:solidFill>
                   <a:srgbClr val="FFFFFF"/>
                 </a:solidFill>
@@ -10136,7 +10040,7 @@
               </a:ln>
               <a:extLst>
                 <a:ext uri="{91240B29-F687-4f45-9708-019B960494DF}">
-                  <a14:hiddenLine xmlns="" xmlns:a14="http://schemas.microsoft.com/office/drawing/2010/main" w="9525">
+                  <a14:hiddenLine xmlns:a14="http://schemas.microsoft.com/office/drawing/2010/main" xmlns="" w="9525">
                     <a:solidFill>
                       <a:srgbClr val="000000"/>
                     </a:solidFill>
@@ -10226,7 +10130,7 @@
               </a:ln>
               <a:extLst>
                 <a:ext uri="{91240B29-F687-4f45-9708-019B960494DF}">
-                  <a14:hiddenLine xmlns="" xmlns:a14="http://schemas.microsoft.com/office/drawing/2010/main" w="9525">
+                  <a14:hiddenLine xmlns:a14="http://schemas.microsoft.com/office/drawing/2010/main" xmlns="" w="9525">
                     <a:solidFill>
                       <a:srgbClr val="000000"/>
                     </a:solidFill>
@@ -10316,7 +10220,7 @@
               </a:ln>
               <a:extLst>
                 <a:ext uri="{91240B29-F687-4f45-9708-019B960494DF}">
-                  <a14:hiddenLine xmlns="" xmlns:a14="http://schemas.microsoft.com/office/drawing/2010/main" w="9525">
+                  <a14:hiddenLine xmlns:a14="http://schemas.microsoft.com/office/drawing/2010/main" xmlns="" w="9525">
                     <a:solidFill>
                       <a:srgbClr val="000000"/>
                     </a:solidFill>
@@ -10378,7 +10282,7 @@
               </a:ln>
               <a:extLst>
                 <a:ext uri="{91240B29-F687-4f45-9708-019B960494DF}">
-                  <a14:hiddenLine xmlns="" xmlns:a14="http://schemas.microsoft.com/office/drawing/2010/main" w="9525">
+                  <a14:hiddenLine xmlns:a14="http://schemas.microsoft.com/office/drawing/2010/main" xmlns="" w="9525">
                     <a:solidFill>
                       <a:srgbClr val="000000"/>
                     </a:solidFill>
@@ -10468,7 +10372,7 @@
               </a:ln>
               <a:extLst>
                 <a:ext uri="{91240B29-F687-4f45-9708-019B960494DF}">
-                  <a14:hiddenLine xmlns="" xmlns:a14="http://schemas.microsoft.com/office/drawing/2010/main" w="9525">
+                  <a14:hiddenLine xmlns:a14="http://schemas.microsoft.com/office/drawing/2010/main" xmlns="" w="9525">
                     <a:solidFill>
                       <a:srgbClr val="000000"/>
                     </a:solidFill>
@@ -10530,7 +10434,7 @@
               </a:ln>
               <a:extLst>
                 <a:ext uri="{91240B29-F687-4f45-9708-019B960494DF}">
-                  <a14:hiddenLine xmlns="" xmlns:a14="http://schemas.microsoft.com/office/drawing/2010/main" w="9525">
+                  <a14:hiddenLine xmlns:a14="http://schemas.microsoft.com/office/drawing/2010/main" xmlns="" w="9525">
                     <a:solidFill>
                       <a:srgbClr val="000000"/>
                     </a:solidFill>
@@ -10592,7 +10496,7 @@
               </a:ln>
               <a:extLst>
                 <a:ext uri="{91240B29-F687-4f45-9708-019B960494DF}">
-                  <a14:hiddenLine xmlns="" xmlns:a14="http://schemas.microsoft.com/office/drawing/2010/main" w="9525">
+                  <a14:hiddenLine xmlns:a14="http://schemas.microsoft.com/office/drawing/2010/main" xmlns="" w="9525">
                     <a:solidFill>
                       <a:srgbClr val="000000"/>
                     </a:solidFill>
@@ -10682,7 +10586,7 @@
               </a:ln>
               <a:extLst>
                 <a:ext uri="{91240B29-F687-4f45-9708-019B960494DF}">
-                  <a14:hiddenLine xmlns="" xmlns:a14="http://schemas.microsoft.com/office/drawing/2010/main" w="9525">
+                  <a14:hiddenLine xmlns:a14="http://schemas.microsoft.com/office/drawing/2010/main" xmlns="" w="9525">
                     <a:solidFill>
                       <a:srgbClr val="000000"/>
                     </a:solidFill>
@@ -10772,7 +10676,7 @@
               </a:ln>
               <a:extLst>
                 <a:ext uri="{91240B29-F687-4f45-9708-019B960494DF}">
-                  <a14:hiddenLine xmlns="" xmlns:a14="http://schemas.microsoft.com/office/drawing/2010/main" w="9525">
+                  <a14:hiddenLine xmlns:a14="http://schemas.microsoft.com/office/drawing/2010/main" xmlns="" w="9525">
                     <a:solidFill>
                       <a:srgbClr val="000000"/>
                     </a:solidFill>
@@ -10834,7 +10738,7 @@
               </a:ln>
               <a:extLst>
                 <a:ext uri="{91240B29-F687-4f45-9708-019B960494DF}">
-                  <a14:hiddenLine xmlns="" xmlns:a14="http://schemas.microsoft.com/office/drawing/2010/main" w="9525">
+                  <a14:hiddenLine xmlns:a14="http://schemas.microsoft.com/office/drawing/2010/main" xmlns="" w="9525">
                     <a:solidFill>
                       <a:srgbClr val="000000"/>
                     </a:solidFill>
@@ -10944,7 +10848,7 @@
               </a:ln>
               <a:extLst>
                 <a:ext uri="{91240B29-F687-4f45-9708-019B960494DF}">
-                  <a14:hiddenLine xmlns="" xmlns:a14="http://schemas.microsoft.com/office/drawing/2010/main" w="9525">
+                  <a14:hiddenLine xmlns:a14="http://schemas.microsoft.com/office/drawing/2010/main" xmlns="" w="9525">
                     <a:solidFill>
                       <a:srgbClr val="000000"/>
                     </a:solidFill>
@@ -11028,7 +10932,7 @@
               </a:ln>
               <a:extLst>
                 <a:ext uri="{91240B29-F687-4f45-9708-019B960494DF}">
-                  <a14:hiddenLine xmlns="" xmlns:a14="http://schemas.microsoft.com/office/drawing/2010/main" w="9525">
+                  <a14:hiddenLine xmlns:a14="http://schemas.microsoft.com/office/drawing/2010/main" xmlns="" w="9525">
                     <a:solidFill>
                       <a:srgbClr val="000000"/>
                     </a:solidFill>
@@ -11090,7 +10994,7 @@
               </a:ln>
               <a:extLst>
                 <a:ext uri="{91240B29-F687-4f45-9708-019B960494DF}">
-                  <a14:hiddenLine xmlns="" xmlns:a14="http://schemas.microsoft.com/office/drawing/2010/main" w="9525">
+                  <a14:hiddenLine xmlns:a14="http://schemas.microsoft.com/office/drawing/2010/main" xmlns="" w="9525">
                     <a:solidFill>
                       <a:srgbClr val="000000"/>
                     </a:solidFill>
@@ -11152,7 +11056,7 @@
               </a:ln>
               <a:extLst>
                 <a:ext uri="{91240B29-F687-4f45-9708-019B960494DF}">
-                  <a14:hiddenLine xmlns="" xmlns:a14="http://schemas.microsoft.com/office/drawing/2010/main" w="9525">
+                  <a14:hiddenLine xmlns:a14="http://schemas.microsoft.com/office/drawing/2010/main" xmlns="" w="9525">
                     <a:solidFill>
                       <a:srgbClr val="000000"/>
                     </a:solidFill>
@@ -11242,7 +11146,7 @@
               </a:ln>
               <a:extLst>
                 <a:ext uri="{91240B29-F687-4f45-9708-019B960494DF}">
-                  <a14:hiddenLine xmlns="" xmlns:a14="http://schemas.microsoft.com/office/drawing/2010/main" w="9525">
+                  <a14:hiddenLine xmlns:a14="http://schemas.microsoft.com/office/drawing/2010/main" xmlns="" w="9525">
                     <a:solidFill>
                       <a:srgbClr val="000000"/>
                     </a:solidFill>
@@ -11276,7 +11180,7 @@
               </a:ln>
               <a:extLst>
                 <a:ext uri="{91240B29-F687-4f45-9708-019B960494DF}">
-                  <a14:hiddenLine xmlns="" xmlns:a14="http://schemas.microsoft.com/office/drawing/2010/main" w="9525">
+                  <a14:hiddenLine xmlns:a14="http://schemas.microsoft.com/office/drawing/2010/main" xmlns="" w="9525">
                     <a:solidFill>
                       <a:srgbClr val="000000"/>
                     </a:solidFill>
@@ -11341,7 +11245,7 @@
               </a:ln>
               <a:extLst>
                 <a:ext uri="{91240B29-F687-4f45-9708-019B960494DF}">
-                  <a14:hiddenLine xmlns="" xmlns:a14="http://schemas.microsoft.com/office/drawing/2010/main" w="9525">
+                  <a14:hiddenLine xmlns:a14="http://schemas.microsoft.com/office/drawing/2010/main" xmlns="" w="9525">
                     <a:solidFill>
                       <a:srgbClr val="000000"/>
                     </a:solidFill>
@@ -11431,7 +11335,7 @@
               </a:ln>
               <a:extLst>
                 <a:ext uri="{91240B29-F687-4f45-9708-019B960494DF}">
-                  <a14:hiddenLine xmlns="" xmlns:a14="http://schemas.microsoft.com/office/drawing/2010/main" w="9525">
+                  <a14:hiddenLine xmlns:a14="http://schemas.microsoft.com/office/drawing/2010/main" xmlns="" w="9525">
                     <a:solidFill>
                       <a:srgbClr val="000000"/>
                     </a:solidFill>
@@ -11493,7 +11397,7 @@
               </a:ln>
               <a:extLst>
                 <a:ext uri="{91240B29-F687-4f45-9708-019B960494DF}">
-                  <a14:hiddenLine xmlns="" xmlns:a14="http://schemas.microsoft.com/office/drawing/2010/main" w="9525">
+                  <a14:hiddenLine xmlns:a14="http://schemas.microsoft.com/office/drawing/2010/main" xmlns="" w="9525">
                     <a:solidFill>
                       <a:srgbClr val="000000"/>
                     </a:solidFill>
@@ -11583,7 +11487,7 @@
               </a:ln>
               <a:extLst>
                 <a:ext uri="{91240B29-F687-4f45-9708-019B960494DF}">
-                  <a14:hiddenLine xmlns="" xmlns:a14="http://schemas.microsoft.com/office/drawing/2010/main" w="9525">
+                  <a14:hiddenLine xmlns:a14="http://schemas.microsoft.com/office/drawing/2010/main" xmlns="" w="9525">
                     <a:solidFill>
                       <a:srgbClr val="000000"/>
                     </a:solidFill>
@@ -11648,7 +11552,7 @@
               </a:ln>
               <a:extLst>
                 <a:ext uri="{91240B29-F687-4f45-9708-019B960494DF}">
-                  <a14:hiddenLine xmlns="" xmlns:a14="http://schemas.microsoft.com/office/drawing/2010/main" w="9525">
+                  <a14:hiddenLine xmlns:a14="http://schemas.microsoft.com/office/drawing/2010/main" xmlns="" w="9525">
                     <a:solidFill>
                       <a:srgbClr val="000000"/>
                     </a:solidFill>
@@ -11710,7 +11614,7 @@
               </a:ln>
               <a:extLst>
                 <a:ext uri="{91240B29-F687-4f45-9708-019B960494DF}">
-                  <a14:hiddenLine xmlns="" xmlns:a14="http://schemas.microsoft.com/office/drawing/2010/main" w="9525">
+                  <a14:hiddenLine xmlns:a14="http://schemas.microsoft.com/office/drawing/2010/main" xmlns="" w="9525">
                     <a:solidFill>
                       <a:srgbClr val="000000"/>
                     </a:solidFill>
@@ -11800,7 +11704,7 @@
               </a:ln>
               <a:extLst>
                 <a:ext uri="{91240B29-F687-4f45-9708-019B960494DF}">
-                  <a14:hiddenLine xmlns="" xmlns:a14="http://schemas.microsoft.com/office/drawing/2010/main" w="9525">
+                  <a14:hiddenLine xmlns:a14="http://schemas.microsoft.com/office/drawing/2010/main" xmlns="" w="9525">
                     <a:solidFill>
                       <a:srgbClr val="000000"/>
                     </a:solidFill>
@@ -11890,7 +11794,7 @@
               </a:ln>
               <a:extLst>
                 <a:ext uri="{91240B29-F687-4f45-9708-019B960494DF}">
-                  <a14:hiddenLine xmlns="" xmlns:a14="http://schemas.microsoft.com/office/drawing/2010/main" w="9525">
+                  <a14:hiddenLine xmlns:a14="http://schemas.microsoft.com/office/drawing/2010/main" xmlns="" w="9525">
                     <a:solidFill>
                       <a:srgbClr val="000000"/>
                     </a:solidFill>
@@ -11955,7 +11859,7 @@
               </a:ln>
               <a:extLst>
                 <a:ext uri="{91240B29-F687-4f45-9708-019B960494DF}">
-                  <a14:hiddenLine xmlns="" xmlns:a14="http://schemas.microsoft.com/office/drawing/2010/main" w="9525">
+                  <a14:hiddenLine xmlns:a14="http://schemas.microsoft.com/office/drawing/2010/main" xmlns="" w="9525">
                     <a:solidFill>
                       <a:srgbClr val="000000"/>
                     </a:solidFill>
@@ -12075,7 +11979,7 @@
               </a:ln>
               <a:extLst>
                 <a:ext uri="{91240B29-F687-4f45-9708-019B960494DF}">
-                  <a14:hiddenLine xmlns="" xmlns:a14="http://schemas.microsoft.com/office/drawing/2010/main" w="9525">
+                  <a14:hiddenLine xmlns:a14="http://schemas.microsoft.com/office/drawing/2010/main" xmlns="" w="9525">
                     <a:solidFill>
                       <a:srgbClr val="000000"/>
                     </a:solidFill>
@@ -12173,7 +12077,7 @@
               </a:ln>
               <a:extLst>
                 <a:ext uri="{91240B29-F687-4f45-9708-019B960494DF}">
-                  <a14:hiddenLine xmlns="" xmlns:a14="http://schemas.microsoft.com/office/drawing/2010/main" w="9525">
+                  <a14:hiddenLine xmlns:a14="http://schemas.microsoft.com/office/drawing/2010/main" xmlns="" w="9525">
                     <a:solidFill>
                       <a:srgbClr val="000000"/>
                     </a:solidFill>
@@ -12288,7 +12192,7 @@
               </a:ln>
               <a:extLst>
                 <a:ext uri="{91240B29-F687-4f45-9708-019B960494DF}">
-                  <a14:hiddenLine xmlns="" xmlns:a14="http://schemas.microsoft.com/office/drawing/2010/main" w="9525">
+                  <a14:hiddenLine xmlns:a14="http://schemas.microsoft.com/office/drawing/2010/main" xmlns="" w="9525">
                     <a:solidFill>
                       <a:srgbClr val="000000"/>
                     </a:solidFill>
@@ -12378,7 +12282,7 @@
               </a:ln>
               <a:extLst>
                 <a:ext uri="{91240B29-F687-4f45-9708-019B960494DF}">
-                  <a14:hiddenLine xmlns="" xmlns:a14="http://schemas.microsoft.com/office/drawing/2010/main" w="9525">
+                  <a14:hiddenLine xmlns:a14="http://schemas.microsoft.com/office/drawing/2010/main" xmlns="" w="9525">
                     <a:solidFill>
                       <a:srgbClr val="000000"/>
                     </a:solidFill>
@@ -12443,7 +12347,7 @@
               </a:ln>
               <a:extLst>
                 <a:ext uri="{91240B29-F687-4f45-9708-019B960494DF}">
-                  <a14:hiddenLine xmlns="" xmlns:a14="http://schemas.microsoft.com/office/drawing/2010/main" w="9525">
+                  <a14:hiddenLine xmlns:a14="http://schemas.microsoft.com/office/drawing/2010/main" xmlns="" w="9525">
                     <a:solidFill>
                       <a:srgbClr val="000000"/>
                     </a:solidFill>
@@ -12533,7 +12437,7 @@
               </a:ln>
               <a:extLst>
                 <a:ext uri="{91240B29-F687-4f45-9708-019B960494DF}">
-                  <a14:hiddenLine xmlns="" xmlns:a14="http://schemas.microsoft.com/office/drawing/2010/main" w="9525">
+                  <a14:hiddenLine xmlns:a14="http://schemas.microsoft.com/office/drawing/2010/main" xmlns="" w="9525">
                     <a:solidFill>
                       <a:srgbClr val="000000"/>
                     </a:solidFill>
@@ -12601,7 +12505,7 @@
               </a:ln>
               <a:extLst>
                 <a:ext uri="{91240B29-F687-4f45-9708-019B960494DF}">
-                  <a14:hiddenLine xmlns="" xmlns:a14="http://schemas.microsoft.com/office/drawing/2010/main" w="9525">
+                  <a14:hiddenLine xmlns:a14="http://schemas.microsoft.com/office/drawing/2010/main" xmlns="" w="9525">
                     <a:solidFill>
                       <a:srgbClr val="000000"/>
                     </a:solidFill>
@@ -12691,7 +12595,7 @@
               </a:ln>
               <a:extLst>
                 <a:ext uri="{91240B29-F687-4f45-9708-019B960494DF}">
-                  <a14:hiddenLine xmlns="" xmlns:a14="http://schemas.microsoft.com/office/drawing/2010/main" w="9525">
+                  <a14:hiddenLine xmlns:a14="http://schemas.microsoft.com/office/drawing/2010/main" xmlns="" w="9525">
                     <a:solidFill>
                       <a:srgbClr val="000000"/>
                     </a:solidFill>
@@ -12759,7 +12663,7 @@
               </a:ln>
               <a:extLst>
                 <a:ext uri="{91240B29-F687-4f45-9708-019B960494DF}">
-                  <a14:hiddenLine xmlns="" xmlns:a14="http://schemas.microsoft.com/office/drawing/2010/main" w="9525">
+                  <a14:hiddenLine xmlns:a14="http://schemas.microsoft.com/office/drawing/2010/main" xmlns="" w="9525">
                     <a:solidFill>
                       <a:srgbClr val="000000"/>
                     </a:solidFill>
@@ -12849,7 +12753,7 @@
               </a:ln>
               <a:extLst>
                 <a:ext uri="{91240B29-F687-4f45-9708-019B960494DF}">
-                  <a14:hiddenLine xmlns="" xmlns:a14="http://schemas.microsoft.com/office/drawing/2010/main" w="9525">
+                  <a14:hiddenLine xmlns:a14="http://schemas.microsoft.com/office/drawing/2010/main" xmlns="" w="9525">
                     <a:solidFill>
                       <a:srgbClr val="000000"/>
                     </a:solidFill>
@@ -12883,7 +12787,7 @@
               </a:ln>
               <a:extLst>
                 <a:ext uri="{91240B29-F687-4f45-9708-019B960494DF}">
-                  <a14:hiddenLine xmlns="" xmlns:a14="http://schemas.microsoft.com/office/drawing/2010/main" w="9525">
+                  <a14:hiddenLine xmlns:a14="http://schemas.microsoft.com/office/drawing/2010/main" xmlns="" w="9525">
                     <a:solidFill>
                       <a:srgbClr val="000000"/>
                     </a:solidFill>
@@ -13023,7 +12927,7 @@
           <a:p>
             <a:fld id="{DF502B2A-9274-4FE7-A76D-3524148FACFA}" type="datetime1">
               <a:rPr lang="en-US" smtClean="0"/>
-              <a:t>1/16/2017</a:t>
+              <a:t>1/23/2017</a:t>
             </a:fld>
             <a:endParaRPr lang="en-US" dirty="0"/>
           </a:p>
@@ -13628,7 +13532,7 @@
       <p:sp>
         <p:nvSpPr>
           <p:cNvPr id="7" name="Oval 6">
-            <a:hlinkClick r:id="rId5" action="ppaction://hlinksldjump"/>
+            <a:hlinkClick r:id="" action="ppaction://noaction"/>
           </p:cNvPr>
           <p:cNvSpPr/>
           <p:nvPr/>
@@ -14049,715 +13953,6 @@
 </p:sld>
 </file>
 
-<file path=ppt/slides/slide10.xml><?xml version="1.0" encoding="utf-8"?>
-<p:sld xmlns:a="http://schemas.openxmlformats.org/drawingml/2006/main" xmlns:r="http://schemas.openxmlformats.org/officeDocument/2006/relationships" xmlns:p="http://schemas.openxmlformats.org/presentationml/2006/main">
-  <p:cSld>
-    <p:spTree>
-      <p:nvGrpSpPr>
-        <p:cNvPr id="1" name=""/>
-        <p:cNvGrpSpPr/>
-        <p:nvPr/>
-      </p:nvGrpSpPr>
-      <p:grpSpPr>
-        <a:xfrm>
-          <a:off x="0" y="0"/>
-          <a:ext cx="0" cy="0"/>
-          <a:chOff x="0" y="0"/>
-          <a:chExt cx="0" cy="0"/>
-        </a:xfrm>
-      </p:grpSpPr>
-      <p:sp>
-        <p:nvSpPr>
-          <p:cNvPr id="2" name="Title 1"/>
-          <p:cNvSpPr>
-            <a:spLocks noGrp="1"/>
-          </p:cNvSpPr>
-          <p:nvPr>
-            <p:ph type="title"/>
-          </p:nvPr>
-        </p:nvSpPr>
-        <p:spPr/>
-        <p:txBody>
-          <a:bodyPr/>
-          <a:lstStyle/>
-          <a:p>
-            <a:r>
-              <a:rPr lang="en-GB" dirty="0"/>
-              <a:t>Loops</a:t>
-            </a:r>
-          </a:p>
-        </p:txBody>
-      </p:sp>
-      <p:sp>
-        <p:nvSpPr>
-          <p:cNvPr id="3" name="Content Placeholder 2"/>
-          <p:cNvSpPr>
-            <a:spLocks noGrp="1"/>
-          </p:cNvSpPr>
-          <p:nvPr>
-            <p:ph idx="1"/>
-          </p:nvPr>
-        </p:nvSpPr>
-        <p:spPr>
-          <a:xfrm>
-            <a:off x="1141412" y="2097088"/>
-            <a:ext cx="9905999" cy="3694113"/>
-          </a:xfrm>
-          <a:solidFill>
-            <a:srgbClr val="36AAC5"/>
-          </a:solidFill>
-        </p:spPr>
-        <p:txBody>
-          <a:bodyPr numCol="2">
-            <a:normAutofit/>
-          </a:bodyPr>
-          <a:lstStyle/>
-          <a:p>
-            <a:pPr marL="0" indent="0">
-              <a:spcBef>
-                <a:spcPts val="0"/>
-              </a:spcBef>
-              <a:buNone/>
-            </a:pPr>
-            <a:r>
-              <a:rPr lang="en-GB" dirty="0">
-                <a:solidFill>
-                  <a:srgbClr val="7030A0"/>
-                </a:solidFill>
-                <a:latin typeface="Courier New" panose="02070309020205020404" pitchFamily="49" charset="0"/>
-                <a:cs typeface="Courier New" panose="02070309020205020404" pitchFamily="49" charset="0"/>
-              </a:rPr>
-              <a:t>while </a:t>
-            </a:r>
-            <a:r>
-              <a:rPr lang="en-GB" dirty="0">
-                <a:solidFill>
-                  <a:srgbClr val="7030A0"/>
-                </a:solidFill>
-              </a:rPr>
-              <a:t>[condition]</a:t>
-            </a:r>
-            <a:r>
-              <a:rPr lang="en-GB" dirty="0">
-                <a:solidFill>
-                  <a:srgbClr val="7030A0"/>
-                </a:solidFill>
-                <a:latin typeface="Courier New" panose="02070309020205020404" pitchFamily="49" charset="0"/>
-                <a:cs typeface="Courier New" panose="02070309020205020404" pitchFamily="49" charset="0"/>
-              </a:rPr>
-              <a:t>:</a:t>
-            </a:r>
-          </a:p>
-          <a:p>
-            <a:pPr marL="0" indent="0">
-              <a:spcBef>
-                <a:spcPts val="0"/>
-              </a:spcBef>
-              <a:buNone/>
-            </a:pPr>
-            <a:r>
-              <a:rPr lang="en-GB" dirty="0">
-                <a:solidFill>
-                  <a:srgbClr val="7030A0"/>
-                </a:solidFill>
-              </a:rPr>
-              <a:t>    [do this]</a:t>
-            </a:r>
-          </a:p>
-          <a:p>
-            <a:pPr marL="0" indent="0">
-              <a:spcBef>
-                <a:spcPts val="0"/>
-              </a:spcBef>
-              <a:buNone/>
-            </a:pPr>
-            <a:r>
-              <a:rPr lang="en-GB" dirty="0">
-                <a:solidFill>
-                  <a:srgbClr val="7030A0"/>
-                </a:solidFill>
-              </a:rPr>
-              <a:t>    </a:t>
-            </a:r>
-            <a:r>
-              <a:rPr lang="en-GB" dirty="0">
-                <a:solidFill>
-                  <a:srgbClr val="7030A0"/>
-                </a:solidFill>
-                <a:latin typeface="Courier New" panose="02070309020205020404" pitchFamily="49" charset="0"/>
-                <a:cs typeface="Courier New" panose="02070309020205020404" pitchFamily="49" charset="0"/>
-              </a:rPr>
-              <a:t>if </a:t>
-            </a:r>
-            <a:r>
-              <a:rPr lang="en-GB" dirty="0">
-                <a:solidFill>
-                  <a:srgbClr val="7030A0"/>
-                </a:solidFill>
-              </a:rPr>
-              <a:t>[condition]</a:t>
-            </a:r>
-            <a:r>
-              <a:rPr lang="en-GB" dirty="0">
-                <a:solidFill>
-                  <a:srgbClr val="7030A0"/>
-                </a:solidFill>
-                <a:latin typeface="Courier New" panose="02070309020205020404" pitchFamily="49" charset="0"/>
-                <a:cs typeface="Courier New" panose="02070309020205020404" pitchFamily="49" charset="0"/>
-              </a:rPr>
-              <a:t>:</a:t>
-            </a:r>
-          </a:p>
-          <a:p>
-            <a:pPr marL="0" indent="0">
-              <a:spcBef>
-                <a:spcPts val="0"/>
-              </a:spcBef>
-              <a:buNone/>
-            </a:pPr>
-            <a:r>
-              <a:rPr lang="en-GB" dirty="0">
-                <a:solidFill>
-                  <a:srgbClr val="7030A0"/>
-                </a:solidFill>
-              </a:rPr>
-              <a:t>         </a:t>
-            </a:r>
-            <a:r>
-              <a:rPr lang="en-GB" dirty="0">
-                <a:solidFill>
-                  <a:srgbClr val="7030A0"/>
-                </a:solidFill>
-                <a:latin typeface="Courier New" panose="02070309020205020404" pitchFamily="49" charset="0"/>
-                <a:cs typeface="Courier New" panose="02070309020205020404" pitchFamily="49" charset="0"/>
-              </a:rPr>
-              <a:t>break </a:t>
-            </a:r>
-            <a:r>
-              <a:rPr lang="en-GB" dirty="0"/>
-              <a:t>(optional)</a:t>
-            </a:r>
-          </a:p>
-          <a:p>
-            <a:pPr marL="0" indent="0">
-              <a:spcBef>
-                <a:spcPts val="0"/>
-              </a:spcBef>
-              <a:buNone/>
-            </a:pPr>
-            <a:endParaRPr lang="en-GB" dirty="0">
-              <a:solidFill>
-                <a:srgbClr val="7030A0"/>
-              </a:solidFill>
-              <a:latin typeface="Courier New" panose="02070309020205020404" pitchFamily="49" charset="0"/>
-              <a:cs typeface="Courier New" panose="02070309020205020404" pitchFamily="49" charset="0"/>
-            </a:endParaRPr>
-          </a:p>
-          <a:p>
-            <a:pPr marL="0" indent="0">
-              <a:spcBef>
-                <a:spcPts val="0"/>
-              </a:spcBef>
-              <a:buNone/>
-            </a:pPr>
-            <a:r>
-              <a:rPr lang="en-GB" dirty="0">
-                <a:solidFill>
-                  <a:srgbClr val="7030A0"/>
-                </a:solidFill>
-                <a:latin typeface="Courier New" panose="02070309020205020404" pitchFamily="49" charset="0"/>
-                <a:cs typeface="Courier New" panose="02070309020205020404" pitchFamily="49" charset="0"/>
-              </a:rPr>
-              <a:t>for </a:t>
-            </a:r>
-            <a:r>
-              <a:rPr lang="en-GB" dirty="0">
-                <a:solidFill>
-                  <a:srgbClr val="7030A0"/>
-                </a:solidFill>
-              </a:rPr>
-              <a:t>[variable]</a:t>
-            </a:r>
-            <a:r>
-              <a:rPr lang="en-GB" dirty="0">
-                <a:solidFill>
-                  <a:srgbClr val="7030A0"/>
-                </a:solidFill>
-                <a:latin typeface="Courier New" panose="02070309020205020404" pitchFamily="49" charset="0"/>
-                <a:cs typeface="Courier New" panose="02070309020205020404" pitchFamily="49" charset="0"/>
-              </a:rPr>
-              <a:t> in </a:t>
-            </a:r>
-            <a:r>
-              <a:rPr lang="en-GB" dirty="0">
-                <a:solidFill>
-                  <a:srgbClr val="7030A0"/>
-                </a:solidFill>
-              </a:rPr>
-              <a:t>[</a:t>
-            </a:r>
-            <a:r>
-              <a:rPr lang="en-GB" dirty="0" err="1">
-                <a:solidFill>
-                  <a:srgbClr val="7030A0"/>
-                </a:solidFill>
-              </a:rPr>
-              <a:t>iterable</a:t>
-            </a:r>
-            <a:r>
-              <a:rPr lang="en-GB" dirty="0">
-                <a:solidFill>
-                  <a:srgbClr val="7030A0"/>
-                </a:solidFill>
-              </a:rPr>
-              <a:t>]</a:t>
-            </a:r>
-            <a:r>
-              <a:rPr lang="en-GB" dirty="0">
-                <a:solidFill>
-                  <a:srgbClr val="7030A0"/>
-                </a:solidFill>
-                <a:latin typeface="Courier New" panose="02070309020205020404" pitchFamily="49" charset="0"/>
-                <a:cs typeface="Courier New" panose="02070309020205020404" pitchFamily="49" charset="0"/>
-              </a:rPr>
-              <a:t>:</a:t>
-            </a:r>
-          </a:p>
-          <a:p>
-            <a:pPr marL="0" indent="0">
-              <a:spcBef>
-                <a:spcPts val="0"/>
-              </a:spcBef>
-              <a:buNone/>
-            </a:pPr>
-            <a:r>
-              <a:rPr lang="en-GB" dirty="0">
-                <a:solidFill>
-                  <a:srgbClr val="7030A0"/>
-                </a:solidFill>
-              </a:rPr>
-              <a:t>    [do this]</a:t>
-            </a:r>
-          </a:p>
-          <a:p>
-            <a:pPr marL="0" indent="0">
-              <a:spcBef>
-                <a:spcPts val="0"/>
-              </a:spcBef>
-              <a:buNone/>
-            </a:pPr>
-            <a:endParaRPr lang="en-GB" dirty="0">
-              <a:solidFill>
-                <a:srgbClr val="7030A0"/>
-              </a:solidFill>
-              <a:latin typeface="Courier New" panose="02070309020205020404" pitchFamily="49" charset="0"/>
-              <a:cs typeface="Courier New" panose="02070309020205020404" pitchFamily="49" charset="0"/>
-            </a:endParaRPr>
-          </a:p>
-          <a:p>
-            <a:pPr marL="0" indent="0">
-              <a:spcBef>
-                <a:spcPts val="0"/>
-              </a:spcBef>
-              <a:buNone/>
-            </a:pPr>
-            <a:r>
-              <a:rPr lang="en-GB" dirty="0">
-                <a:solidFill>
-                  <a:srgbClr val="7030A0"/>
-                </a:solidFill>
-                <a:latin typeface="Courier New" panose="02070309020205020404" pitchFamily="49" charset="0"/>
-                <a:cs typeface="Courier New" panose="02070309020205020404" pitchFamily="49" charset="0"/>
-              </a:rPr>
-              <a:t>x = 1</a:t>
-            </a:r>
-          </a:p>
-          <a:p>
-            <a:pPr marL="0" indent="0">
-              <a:spcBef>
-                <a:spcPts val="0"/>
-              </a:spcBef>
-              <a:buNone/>
-            </a:pPr>
-            <a:r>
-              <a:rPr lang="en-GB" dirty="0">
-                <a:solidFill>
-                  <a:srgbClr val="7030A0"/>
-                </a:solidFill>
-                <a:latin typeface="Courier New" panose="02070309020205020404" pitchFamily="49" charset="0"/>
-                <a:cs typeface="Courier New" panose="02070309020205020404" pitchFamily="49" charset="0"/>
-              </a:rPr>
-              <a:t>while True: </a:t>
-            </a:r>
-            <a:r>
-              <a:rPr lang="en-GB" dirty="0">
-                <a:cs typeface="Courier New" panose="02070309020205020404" pitchFamily="49" charset="0"/>
-              </a:rPr>
-              <a:t>(infinite loop!)</a:t>
-            </a:r>
-          </a:p>
-          <a:p>
-            <a:pPr marL="0" indent="0">
-              <a:spcBef>
-                <a:spcPts val="0"/>
-              </a:spcBef>
-              <a:buNone/>
-            </a:pPr>
-            <a:r>
-              <a:rPr lang="en-GB" dirty="0">
-                <a:solidFill>
-                  <a:srgbClr val="7030A0"/>
-                </a:solidFill>
-                <a:latin typeface="Courier New" panose="02070309020205020404" pitchFamily="49" charset="0"/>
-                <a:cs typeface="Courier New" panose="02070309020205020404" pitchFamily="49" charset="0"/>
-              </a:rPr>
-              <a:t>    print(x)</a:t>
-            </a:r>
-          </a:p>
-          <a:p>
-            <a:pPr marL="0" indent="0">
-              <a:spcBef>
-                <a:spcPts val="0"/>
-              </a:spcBef>
-              <a:buNone/>
-            </a:pPr>
-            <a:r>
-              <a:rPr lang="en-GB" dirty="0">
-                <a:solidFill>
-                  <a:srgbClr val="7030A0"/>
-                </a:solidFill>
-                <a:latin typeface="Courier New" panose="02070309020205020404" pitchFamily="49" charset="0"/>
-                <a:cs typeface="Courier New" panose="02070309020205020404" pitchFamily="49" charset="0"/>
-              </a:rPr>
-              <a:t>    x += 1</a:t>
-            </a:r>
-          </a:p>
-          <a:p>
-            <a:pPr marL="0" indent="0">
-              <a:spcBef>
-                <a:spcPts val="0"/>
-              </a:spcBef>
-              <a:buNone/>
-            </a:pPr>
-            <a:r>
-              <a:rPr lang="en-GB" dirty="0">
-                <a:solidFill>
-                  <a:srgbClr val="7030A0"/>
-                </a:solidFill>
-                <a:latin typeface="Courier New" panose="02070309020205020404" pitchFamily="49" charset="0"/>
-                <a:cs typeface="Courier New" panose="02070309020205020404" pitchFamily="49" charset="0"/>
-              </a:rPr>
-              <a:t>    if x &gt; 5:</a:t>
-            </a:r>
-          </a:p>
-          <a:p>
-            <a:pPr marL="0" indent="0">
-              <a:spcBef>
-                <a:spcPts val="0"/>
-              </a:spcBef>
-              <a:buNone/>
-            </a:pPr>
-            <a:r>
-              <a:rPr lang="en-GB" dirty="0">
-                <a:solidFill>
-                  <a:srgbClr val="7030A0"/>
-                </a:solidFill>
-                <a:latin typeface="Courier New" panose="02070309020205020404" pitchFamily="49" charset="0"/>
-                <a:cs typeface="Courier New" panose="02070309020205020404" pitchFamily="49" charset="0"/>
-              </a:rPr>
-              <a:t>         break</a:t>
-            </a:r>
-          </a:p>
-          <a:p>
-            <a:pPr marL="0" indent="0">
-              <a:spcBef>
-                <a:spcPts val="0"/>
-              </a:spcBef>
-              <a:buNone/>
-            </a:pPr>
-            <a:r>
-              <a:rPr lang="en-GB" dirty="0">
-                <a:solidFill>
-                  <a:srgbClr val="7030A0"/>
-                </a:solidFill>
-                <a:latin typeface="Courier New" panose="02070309020205020404" pitchFamily="49" charset="0"/>
-                <a:cs typeface="Courier New" panose="02070309020205020404" pitchFamily="49" charset="0"/>
-              </a:rPr>
-              <a:t>for </a:t>
-            </a:r>
-            <a:r>
-              <a:rPr lang="en-GB" dirty="0" err="1">
-                <a:solidFill>
-                  <a:srgbClr val="7030A0"/>
-                </a:solidFill>
-                <a:latin typeface="Courier New" panose="02070309020205020404" pitchFamily="49" charset="0"/>
-                <a:cs typeface="Courier New" panose="02070309020205020404" pitchFamily="49" charset="0"/>
-              </a:rPr>
-              <a:t>i</a:t>
-            </a:r>
-            <a:r>
-              <a:rPr lang="en-GB" dirty="0">
-                <a:solidFill>
-                  <a:srgbClr val="7030A0"/>
-                </a:solidFill>
-                <a:latin typeface="Courier New" panose="02070309020205020404" pitchFamily="49" charset="0"/>
-                <a:cs typeface="Courier New" panose="02070309020205020404" pitchFamily="49" charset="0"/>
-              </a:rPr>
-              <a:t> in [1, 2, “text!”]:</a:t>
-            </a:r>
-          </a:p>
-          <a:p>
-            <a:pPr marL="0" indent="0">
-              <a:spcBef>
-                <a:spcPts val="0"/>
-              </a:spcBef>
-              <a:buNone/>
-            </a:pPr>
-            <a:r>
-              <a:rPr lang="en-GB" dirty="0">
-                <a:solidFill>
-                  <a:srgbClr val="7030A0"/>
-                </a:solidFill>
-                <a:latin typeface="Courier New" panose="02070309020205020404" pitchFamily="49" charset="0"/>
-                <a:cs typeface="Courier New" panose="02070309020205020404" pitchFamily="49" charset="0"/>
-              </a:rPr>
-              <a:t>    print(</a:t>
-            </a:r>
-            <a:r>
-              <a:rPr lang="en-GB" dirty="0" err="1">
-                <a:solidFill>
-                  <a:srgbClr val="7030A0"/>
-                </a:solidFill>
-                <a:latin typeface="Courier New" panose="02070309020205020404" pitchFamily="49" charset="0"/>
-                <a:cs typeface="Courier New" panose="02070309020205020404" pitchFamily="49" charset="0"/>
-              </a:rPr>
-              <a:t>i</a:t>
-            </a:r>
-            <a:r>
-              <a:rPr lang="en-GB" dirty="0">
-                <a:solidFill>
-                  <a:srgbClr val="7030A0"/>
-                </a:solidFill>
-                <a:latin typeface="Courier New" panose="02070309020205020404" pitchFamily="49" charset="0"/>
-                <a:cs typeface="Courier New" panose="02070309020205020404" pitchFamily="49" charset="0"/>
-              </a:rPr>
-              <a:t>)</a:t>
-            </a:r>
-          </a:p>
-        </p:txBody>
-      </p:sp>
-      <p:sp>
-        <p:nvSpPr>
-          <p:cNvPr id="4" name="Footer Placeholder 3"/>
-          <p:cNvSpPr>
-            <a:spLocks noGrp="1"/>
-          </p:cNvSpPr>
-          <p:nvPr>
-            <p:ph type="ftr" sz="quarter" idx="11"/>
-          </p:nvPr>
-        </p:nvSpPr>
-        <p:spPr/>
-        <p:txBody>
-          <a:bodyPr/>
-          <a:lstStyle/>
-          <a:p>
-            <a:r>
-              <a:rPr lang="en-US"/>
-              <a:t>lewis.gaul@seh.ox.ac.uk</a:t>
-            </a:r>
-            <a:endParaRPr lang="en-US" dirty="0"/>
-          </a:p>
-        </p:txBody>
-      </p:sp>
-      <p:sp>
-        <p:nvSpPr>
-          <p:cNvPr id="5" name="TextBox 4"/>
-          <p:cNvSpPr txBox="1"/>
-          <p:nvPr/>
-        </p:nvSpPr>
-        <p:spPr>
-          <a:xfrm>
-            <a:off x="6794695" y="833476"/>
-            <a:ext cx="4252716" cy="707886"/>
-          </a:xfrm>
-          <a:prstGeom prst="rect">
-            <a:avLst/>
-          </a:prstGeom>
-          <a:noFill/>
-        </p:spPr>
-        <p:txBody>
-          <a:bodyPr wrap="square" rtlCol="0">
-            <a:spAutoFit/>
-          </a:bodyPr>
-          <a:lstStyle/>
-          <a:p>
-            <a:pPr algn="ctr"/>
-            <a:r>
-              <a:rPr lang="en-GB" sz="2000" dirty="0">
-                <a:cs typeface="Courier New" panose="02070309020205020404" pitchFamily="49" charset="0"/>
-              </a:rPr>
-              <a:t>Use the </a:t>
-            </a:r>
-            <a:r>
-              <a:rPr lang="en-GB" sz="2000" dirty="0">
-                <a:latin typeface="Courier New" panose="02070309020205020404" pitchFamily="49" charset="0"/>
-                <a:cs typeface="Courier New" panose="02070309020205020404" pitchFamily="49" charset="0"/>
-              </a:rPr>
-              <a:t>break</a:t>
-            </a:r>
-            <a:r>
-              <a:rPr lang="en-GB" sz="2000" dirty="0">
-                <a:cs typeface="Courier New" panose="02070309020205020404" pitchFamily="49" charset="0"/>
-              </a:rPr>
-              <a:t> keyword to immediately stop the innermost loop.</a:t>
-            </a:r>
-          </a:p>
-        </p:txBody>
-      </p:sp>
-    </p:spTree>
-    <p:extLst>
-      <p:ext uri="{BB962C8B-B14F-4D97-AF65-F5344CB8AC3E}">
-        <p14:creationId xmlns:p14="http://schemas.microsoft.com/office/powerpoint/2010/main" val="3404945232"/>
-      </p:ext>
-    </p:extLst>
-  </p:cSld>
-  <p:clrMapOvr>
-    <a:masterClrMapping/>
-  </p:clrMapOvr>
-</p:sld>
-</file>
-
-<file path=ppt/slides/slide11.xml><?xml version="1.0" encoding="utf-8"?>
-<p:sld xmlns:a="http://schemas.openxmlformats.org/drawingml/2006/main" xmlns:r="http://schemas.openxmlformats.org/officeDocument/2006/relationships" xmlns:p="http://schemas.openxmlformats.org/presentationml/2006/main">
-  <p:cSld>
-    <p:spTree>
-      <p:nvGrpSpPr>
-        <p:cNvPr id="1" name=""/>
-        <p:cNvGrpSpPr/>
-        <p:nvPr/>
-      </p:nvGrpSpPr>
-      <p:grpSpPr>
-        <a:xfrm>
-          <a:off x="0" y="0"/>
-          <a:ext cx="0" cy="0"/>
-          <a:chOff x="0" y="0"/>
-          <a:chExt cx="0" cy="0"/>
-        </a:xfrm>
-      </p:grpSpPr>
-      <p:sp>
-        <p:nvSpPr>
-          <p:cNvPr id="2" name="Title 1"/>
-          <p:cNvSpPr>
-            <a:spLocks noGrp="1"/>
-          </p:cNvSpPr>
-          <p:nvPr>
-            <p:ph type="title"/>
-          </p:nvPr>
-        </p:nvSpPr>
-        <p:spPr/>
-        <p:txBody>
-          <a:bodyPr/>
-          <a:lstStyle/>
-          <a:p>
-            <a:r>
-              <a:rPr lang="en-GB" dirty="0"/>
-              <a:t>Challenge 2</a:t>
-            </a:r>
-          </a:p>
-        </p:txBody>
-      </p:sp>
-      <p:sp>
-        <p:nvSpPr>
-          <p:cNvPr id="3" name="Content Placeholder 2"/>
-          <p:cNvSpPr>
-            <a:spLocks noGrp="1"/>
-          </p:cNvSpPr>
-          <p:nvPr>
-            <p:ph idx="1"/>
-          </p:nvPr>
-        </p:nvSpPr>
-        <p:spPr>
-          <a:solidFill>
-            <a:srgbClr val="36AAC5"/>
-          </a:solidFill>
-        </p:spPr>
-        <p:txBody>
-          <a:bodyPr/>
-          <a:lstStyle/>
-          <a:p>
-            <a:r>
-              <a:rPr lang="en-GB" dirty="0"/>
-              <a:t>Work out how the code works (try adding in some print statements)</a:t>
-            </a:r>
-          </a:p>
-          <a:p>
-            <a:r>
-              <a:rPr lang="en-GB" dirty="0"/>
-              <a:t>Write comments with ‘#’ to explain how it works</a:t>
-            </a:r>
-          </a:p>
-          <a:p>
-            <a:r>
-              <a:rPr lang="en-GB" dirty="0"/>
-              <a:t>Can you think of any other (better?) ways to write it?</a:t>
-            </a:r>
-          </a:p>
-          <a:p>
-            <a:r>
-              <a:rPr lang="en-GB" dirty="0"/>
-              <a:t>When you understand it all, try to modify the code to achieve the challenge</a:t>
-            </a:r>
-          </a:p>
-          <a:p>
-            <a:r>
-              <a:rPr lang="en-GB" dirty="0"/>
-              <a:t>Try to use sensible variable names</a:t>
-            </a:r>
-          </a:p>
-          <a:p>
-            <a:r>
-              <a:rPr lang="en-GB" dirty="0"/>
-              <a:t>Avoid using too many indented layers or repeating code</a:t>
-            </a:r>
-          </a:p>
-        </p:txBody>
-      </p:sp>
-      <p:sp>
-        <p:nvSpPr>
-          <p:cNvPr id="4" name="Footer Placeholder 3"/>
-          <p:cNvSpPr>
-            <a:spLocks noGrp="1"/>
-          </p:cNvSpPr>
-          <p:nvPr>
-            <p:ph type="ftr" sz="quarter" idx="11"/>
-          </p:nvPr>
-        </p:nvSpPr>
-        <p:spPr/>
-        <p:txBody>
-          <a:bodyPr/>
-          <a:lstStyle/>
-          <a:p>
-            <a:r>
-              <a:rPr lang="en-US"/>
-              <a:t>lewis.gaul@seh.ox.ac.uk</a:t>
-            </a:r>
-            <a:endParaRPr lang="en-US" dirty="0"/>
-          </a:p>
-        </p:txBody>
-      </p:sp>
-    </p:spTree>
-    <p:extLst>
-      <p:ext uri="{BB962C8B-B14F-4D97-AF65-F5344CB8AC3E}">
-        <p14:creationId xmlns:p14="http://schemas.microsoft.com/office/powerpoint/2010/main" val="1194985485"/>
-      </p:ext>
-    </p:extLst>
-  </p:cSld>
-  <p:clrMapOvr>
-    <a:masterClrMapping/>
-  </p:clrMapOvr>
-</p:sld>
-</file>
-
 <file path=ppt/slides/slide2.xml><?xml version="1.0" encoding="utf-8"?>
 <p:sld xmlns:a="http://schemas.openxmlformats.org/drawingml/2006/main" xmlns:r="http://schemas.openxmlformats.org/officeDocument/2006/relationships" xmlns:p="http://schemas.openxmlformats.org/presentationml/2006/main">
   <p:cSld>
@@ -16252,537 +15447,6 @@
     <p:extLst>
       <p:ext uri="{BB962C8B-B14F-4D97-AF65-F5344CB8AC3E}">
         <p14:creationId xmlns:p14="http://schemas.microsoft.com/office/powerpoint/2010/main" val="404595877"/>
-      </p:ext>
-    </p:extLst>
-  </p:cSld>
-  <p:clrMapOvr>
-    <a:masterClrMapping/>
-  </p:clrMapOvr>
-</p:sld>
-</file>
-
-<file path=ppt/slides/slide9.xml><?xml version="1.0" encoding="utf-8"?>
-<p:sld xmlns:a="http://schemas.openxmlformats.org/drawingml/2006/main" xmlns:r="http://schemas.openxmlformats.org/officeDocument/2006/relationships" xmlns:p="http://schemas.openxmlformats.org/presentationml/2006/main">
-  <p:cSld>
-    <p:spTree>
-      <p:nvGrpSpPr>
-        <p:cNvPr id="1" name=""/>
-        <p:cNvGrpSpPr/>
-        <p:nvPr/>
-      </p:nvGrpSpPr>
-      <p:grpSpPr>
-        <a:xfrm>
-          <a:off x="0" y="0"/>
-          <a:ext cx="0" cy="0"/>
-          <a:chOff x="0" y="0"/>
-          <a:chExt cx="0" cy="0"/>
-        </a:xfrm>
-      </p:grpSpPr>
-      <p:sp>
-        <p:nvSpPr>
-          <p:cNvPr id="2" name="Title 1"/>
-          <p:cNvSpPr>
-            <a:spLocks noGrp="1"/>
-          </p:cNvSpPr>
-          <p:nvPr>
-            <p:ph type="title"/>
-          </p:nvPr>
-        </p:nvSpPr>
-        <p:spPr/>
-        <p:txBody>
-          <a:bodyPr/>
-          <a:lstStyle/>
-          <a:p>
-            <a:r>
-              <a:rPr lang="en-GB" dirty="0">
-                <a:latin typeface="+mn-lt"/>
-                <a:cs typeface="Courier New" panose="02070309020205020404" pitchFamily="49" charset="0"/>
-              </a:rPr>
-              <a:t>If</a:t>
-            </a:r>
-            <a:r>
-              <a:rPr lang="en-GB" dirty="0"/>
-              <a:t> Statements</a:t>
-            </a:r>
-          </a:p>
-        </p:txBody>
-      </p:sp>
-      <p:sp>
-        <p:nvSpPr>
-          <p:cNvPr id="3" name="Content Placeholder 2"/>
-          <p:cNvSpPr>
-            <a:spLocks noGrp="1"/>
-          </p:cNvSpPr>
-          <p:nvPr>
-            <p:ph idx="1"/>
-          </p:nvPr>
-        </p:nvSpPr>
-        <p:spPr>
-          <a:solidFill>
-            <a:srgbClr val="36AAC5"/>
-          </a:solidFill>
-        </p:spPr>
-        <p:txBody>
-          <a:bodyPr numCol="2">
-            <a:normAutofit lnSpcReduction="10000"/>
-          </a:bodyPr>
-          <a:lstStyle/>
-          <a:p>
-            <a:pPr marL="0" indent="0">
-              <a:spcBef>
-                <a:spcPts val="0"/>
-              </a:spcBef>
-              <a:buNone/>
-            </a:pPr>
-            <a:r>
-              <a:rPr lang="en-GB" dirty="0">
-                <a:solidFill>
-                  <a:srgbClr val="7030A0"/>
-                </a:solidFill>
-                <a:latin typeface="Courier New" panose="02070309020205020404" pitchFamily="49" charset="0"/>
-                <a:cs typeface="Courier New" panose="02070309020205020404" pitchFamily="49" charset="0"/>
-              </a:rPr>
-              <a:t>if </a:t>
-            </a:r>
-            <a:r>
-              <a:rPr lang="en-GB" dirty="0">
-                <a:solidFill>
-                  <a:srgbClr val="7030A0"/>
-                </a:solidFill>
-              </a:rPr>
-              <a:t>[condition]</a:t>
-            </a:r>
-            <a:r>
-              <a:rPr lang="en-GB" dirty="0">
-                <a:solidFill>
-                  <a:srgbClr val="7030A0"/>
-                </a:solidFill>
-                <a:latin typeface="Courier New" panose="02070309020205020404" pitchFamily="49" charset="0"/>
-                <a:cs typeface="Courier New" panose="02070309020205020404" pitchFamily="49" charset="0"/>
-              </a:rPr>
-              <a:t>:</a:t>
-            </a:r>
-          </a:p>
-          <a:p>
-            <a:pPr marL="0" indent="0">
-              <a:spcBef>
-                <a:spcPts val="0"/>
-              </a:spcBef>
-              <a:buNone/>
-            </a:pPr>
-            <a:r>
-              <a:rPr lang="en-GB" dirty="0">
-                <a:solidFill>
-                  <a:srgbClr val="7030A0"/>
-                </a:solidFill>
-              </a:rPr>
-              <a:t>    [do this]</a:t>
-            </a:r>
-          </a:p>
-          <a:p>
-            <a:pPr marL="0" indent="0">
-              <a:spcBef>
-                <a:spcPts val="0"/>
-              </a:spcBef>
-              <a:buNone/>
-            </a:pPr>
-            <a:r>
-              <a:rPr lang="en-GB" dirty="0" err="1">
-                <a:solidFill>
-                  <a:srgbClr val="7030A0"/>
-                </a:solidFill>
-                <a:latin typeface="Courier New" panose="02070309020205020404" pitchFamily="49" charset="0"/>
-                <a:cs typeface="Courier New" panose="02070309020205020404" pitchFamily="49" charset="0"/>
-              </a:rPr>
-              <a:t>elif</a:t>
-            </a:r>
-            <a:r>
-              <a:rPr lang="en-GB" dirty="0">
-                <a:solidFill>
-                  <a:srgbClr val="7030A0"/>
-                </a:solidFill>
-                <a:latin typeface="Courier New" panose="02070309020205020404" pitchFamily="49" charset="0"/>
-                <a:cs typeface="Courier New" panose="02070309020205020404" pitchFamily="49" charset="0"/>
-              </a:rPr>
-              <a:t> </a:t>
-            </a:r>
-            <a:r>
-              <a:rPr lang="en-GB" dirty="0">
-                <a:solidFill>
-                  <a:srgbClr val="7030A0"/>
-                </a:solidFill>
-              </a:rPr>
-              <a:t>[condition]</a:t>
-            </a:r>
-            <a:r>
-              <a:rPr lang="en-GB" dirty="0">
-                <a:solidFill>
-                  <a:srgbClr val="7030A0"/>
-                </a:solidFill>
-                <a:latin typeface="Courier New" panose="02070309020205020404" pitchFamily="49" charset="0"/>
-                <a:cs typeface="Courier New" panose="02070309020205020404" pitchFamily="49" charset="0"/>
-              </a:rPr>
-              <a:t>: </a:t>
-            </a:r>
-            <a:r>
-              <a:rPr lang="en-GB" dirty="0"/>
-              <a:t>(optional)</a:t>
-            </a:r>
-          </a:p>
-          <a:p>
-            <a:pPr marL="0" indent="0">
-              <a:spcBef>
-                <a:spcPts val="0"/>
-              </a:spcBef>
-              <a:buNone/>
-            </a:pPr>
-            <a:r>
-              <a:rPr lang="en-GB" dirty="0">
-                <a:solidFill>
-                  <a:srgbClr val="7030A0"/>
-                </a:solidFill>
-              </a:rPr>
-              <a:t>    [do this]</a:t>
-            </a:r>
-          </a:p>
-          <a:p>
-            <a:pPr marL="0" indent="0">
-              <a:spcBef>
-                <a:spcPts val="0"/>
-              </a:spcBef>
-              <a:buNone/>
-            </a:pPr>
-            <a:r>
-              <a:rPr lang="en-GB" dirty="0">
-                <a:solidFill>
-                  <a:srgbClr val="7030A0"/>
-                </a:solidFill>
-              </a:rPr>
-              <a:t>    [and this]</a:t>
-            </a:r>
-          </a:p>
-          <a:p>
-            <a:pPr marL="0" indent="0">
-              <a:spcBef>
-                <a:spcPts val="0"/>
-              </a:spcBef>
-              <a:buNone/>
-            </a:pPr>
-            <a:r>
-              <a:rPr lang="en-GB" dirty="0">
-                <a:solidFill>
-                  <a:srgbClr val="7030A0"/>
-                </a:solidFill>
-                <a:latin typeface="Courier New" panose="02070309020205020404" pitchFamily="49" charset="0"/>
-                <a:cs typeface="Courier New" panose="02070309020205020404" pitchFamily="49" charset="0"/>
-              </a:rPr>
-              <a:t>else: </a:t>
-            </a:r>
-            <a:r>
-              <a:rPr lang="en-GB" dirty="0"/>
-              <a:t>(optional)</a:t>
-            </a:r>
-          </a:p>
-          <a:p>
-            <a:pPr marL="0" indent="0">
-              <a:spcBef>
-                <a:spcPts val="0"/>
-              </a:spcBef>
-              <a:buNone/>
-            </a:pPr>
-            <a:r>
-              <a:rPr lang="en-GB" dirty="0">
-                <a:solidFill>
-                  <a:srgbClr val="7030A0"/>
-                </a:solidFill>
-              </a:rPr>
-              <a:t>    [do this]</a:t>
-            </a:r>
-          </a:p>
-          <a:p>
-            <a:pPr marL="0" indent="0">
-              <a:spcBef>
-                <a:spcPts val="0"/>
-              </a:spcBef>
-              <a:buNone/>
-            </a:pPr>
-            <a:endParaRPr lang="en-GB" dirty="0">
-              <a:solidFill>
-                <a:srgbClr val="7030A0"/>
-              </a:solidFill>
-            </a:endParaRPr>
-          </a:p>
-          <a:p>
-            <a:pPr marL="0" indent="0">
-              <a:spcBef>
-                <a:spcPts val="0"/>
-              </a:spcBef>
-              <a:buNone/>
-            </a:pPr>
-            <a:r>
-              <a:rPr lang="en-GB" dirty="0">
-                <a:solidFill>
-                  <a:srgbClr val="7030A0"/>
-                </a:solidFill>
-                <a:latin typeface="Courier New" panose="02070309020205020404" pitchFamily="49" charset="0"/>
-                <a:cs typeface="Courier New" panose="02070309020205020404" pitchFamily="49" charset="0"/>
-              </a:rPr>
-              <a:t>x = 1</a:t>
-            </a:r>
-          </a:p>
-          <a:p>
-            <a:pPr marL="0" indent="0">
-              <a:spcBef>
-                <a:spcPts val="0"/>
-              </a:spcBef>
-              <a:buNone/>
-            </a:pPr>
-            <a:r>
-              <a:rPr lang="en-GB" dirty="0">
-                <a:solidFill>
-                  <a:srgbClr val="7030A0"/>
-                </a:solidFill>
-                <a:latin typeface="Courier New" panose="02070309020205020404" pitchFamily="49" charset="0"/>
-                <a:cs typeface="Courier New" panose="02070309020205020404" pitchFamily="49" charset="0"/>
-              </a:rPr>
-              <a:t>if x &gt; 0:</a:t>
-            </a:r>
-          </a:p>
-          <a:p>
-            <a:pPr marL="0" indent="0">
-              <a:spcBef>
-                <a:spcPts val="0"/>
-              </a:spcBef>
-              <a:buNone/>
-            </a:pPr>
-            <a:r>
-              <a:rPr lang="en-GB" dirty="0">
-                <a:solidFill>
-                  <a:srgbClr val="7030A0"/>
-                </a:solidFill>
-                <a:latin typeface="Courier New" panose="02070309020205020404" pitchFamily="49" charset="0"/>
-                <a:cs typeface="Courier New" panose="02070309020205020404" pitchFamily="49" charset="0"/>
-              </a:rPr>
-              <a:t>    print(“Positive”)</a:t>
-            </a:r>
-          </a:p>
-          <a:p>
-            <a:pPr marL="0" indent="0">
-              <a:spcBef>
-                <a:spcPts val="0"/>
-              </a:spcBef>
-              <a:buNone/>
-            </a:pPr>
-            <a:r>
-              <a:rPr lang="en-GB" dirty="0" err="1">
-                <a:solidFill>
-                  <a:srgbClr val="7030A0"/>
-                </a:solidFill>
-                <a:latin typeface="Courier New" panose="02070309020205020404" pitchFamily="49" charset="0"/>
-                <a:cs typeface="Courier New" panose="02070309020205020404" pitchFamily="49" charset="0"/>
-              </a:rPr>
-              <a:t>elif</a:t>
-            </a:r>
-            <a:r>
-              <a:rPr lang="en-GB" dirty="0">
-                <a:solidFill>
-                  <a:srgbClr val="7030A0"/>
-                </a:solidFill>
-                <a:latin typeface="Courier New" panose="02070309020205020404" pitchFamily="49" charset="0"/>
-                <a:cs typeface="Courier New" panose="02070309020205020404" pitchFamily="49" charset="0"/>
-              </a:rPr>
-              <a:t> x == 0:</a:t>
-            </a:r>
-          </a:p>
-          <a:p>
-            <a:pPr marL="0" indent="0">
-              <a:spcBef>
-                <a:spcPts val="0"/>
-              </a:spcBef>
-              <a:buNone/>
-            </a:pPr>
-            <a:r>
-              <a:rPr lang="en-GB" dirty="0">
-                <a:solidFill>
-                  <a:srgbClr val="7030A0"/>
-                </a:solidFill>
-                <a:latin typeface="Courier New" panose="02070309020205020404" pitchFamily="49" charset="0"/>
-                <a:cs typeface="Courier New" panose="02070309020205020404" pitchFamily="49" charset="0"/>
-              </a:rPr>
-              <a:t>    print(“Zero”)</a:t>
-            </a:r>
-          </a:p>
-          <a:p>
-            <a:pPr marL="0" indent="0">
-              <a:spcBef>
-                <a:spcPts val="0"/>
-              </a:spcBef>
-              <a:buNone/>
-            </a:pPr>
-            <a:r>
-              <a:rPr lang="en-GB" dirty="0">
-                <a:solidFill>
-                  <a:srgbClr val="7030A0"/>
-                </a:solidFill>
-                <a:latin typeface="Courier New" panose="02070309020205020404" pitchFamily="49" charset="0"/>
-                <a:cs typeface="Courier New" panose="02070309020205020404" pitchFamily="49" charset="0"/>
-              </a:rPr>
-              <a:t>    x -= 1</a:t>
-            </a:r>
-          </a:p>
-          <a:p>
-            <a:pPr marL="0" indent="0">
-              <a:spcBef>
-                <a:spcPts val="0"/>
-              </a:spcBef>
-              <a:buNone/>
-            </a:pPr>
-            <a:r>
-              <a:rPr lang="en-GB" dirty="0">
-                <a:solidFill>
-                  <a:srgbClr val="7030A0"/>
-                </a:solidFill>
-                <a:latin typeface="Courier New" panose="02070309020205020404" pitchFamily="49" charset="0"/>
-                <a:cs typeface="Courier New" panose="02070309020205020404" pitchFamily="49" charset="0"/>
-              </a:rPr>
-              <a:t>else:</a:t>
-            </a:r>
-            <a:endParaRPr lang="en-GB" dirty="0">
-              <a:latin typeface="Courier New" panose="02070309020205020404" pitchFamily="49" charset="0"/>
-              <a:cs typeface="Courier New" panose="02070309020205020404" pitchFamily="49" charset="0"/>
-            </a:endParaRPr>
-          </a:p>
-          <a:p>
-            <a:pPr marL="0" indent="0">
-              <a:spcBef>
-                <a:spcPts val="0"/>
-              </a:spcBef>
-              <a:buNone/>
-            </a:pPr>
-            <a:r>
-              <a:rPr lang="en-GB" dirty="0">
-                <a:solidFill>
-                  <a:srgbClr val="7030A0"/>
-                </a:solidFill>
-                <a:latin typeface="Courier New" panose="02070309020205020404" pitchFamily="49" charset="0"/>
-                <a:cs typeface="Courier New" panose="02070309020205020404" pitchFamily="49" charset="0"/>
-              </a:rPr>
-              <a:t>    print(“Negative”)</a:t>
-            </a:r>
-          </a:p>
-        </p:txBody>
-      </p:sp>
-      <p:sp>
-        <p:nvSpPr>
-          <p:cNvPr id="4" name="Footer Placeholder 3"/>
-          <p:cNvSpPr>
-            <a:spLocks noGrp="1"/>
-          </p:cNvSpPr>
-          <p:nvPr>
-            <p:ph type="ftr" sz="quarter" idx="11"/>
-          </p:nvPr>
-        </p:nvSpPr>
-        <p:spPr/>
-        <p:txBody>
-          <a:bodyPr/>
-          <a:lstStyle/>
-          <a:p>
-            <a:r>
-              <a:rPr lang="en-US"/>
-              <a:t>lewis.gaul@seh.ox.ac.uk</a:t>
-            </a:r>
-            <a:endParaRPr lang="en-US" dirty="0"/>
-          </a:p>
-        </p:txBody>
-      </p:sp>
-      <p:sp>
-        <p:nvSpPr>
-          <p:cNvPr id="5" name="TextBox 4"/>
-          <p:cNvSpPr txBox="1"/>
-          <p:nvPr/>
-        </p:nvSpPr>
-        <p:spPr>
-          <a:xfrm>
-            <a:off x="6223819" y="679956"/>
-            <a:ext cx="4823592" cy="1015663"/>
-          </a:xfrm>
-          <a:prstGeom prst="rect">
-            <a:avLst/>
-          </a:prstGeom>
-          <a:noFill/>
-        </p:spPr>
-        <p:txBody>
-          <a:bodyPr wrap="square" rtlCol="0">
-            <a:spAutoFit/>
-          </a:bodyPr>
-          <a:lstStyle/>
-          <a:p>
-            <a:pPr algn="ctr"/>
-            <a:r>
-              <a:rPr lang="en-GB" sz="2000" dirty="0">
-                <a:cs typeface="Courier New" panose="02070309020205020404" pitchFamily="49" charset="0"/>
-              </a:rPr>
-              <a:t>Remember the </a:t>
-            </a:r>
-            <a:r>
-              <a:rPr lang="en-GB" sz="2000" b="1" dirty="0">
-                <a:cs typeface="Courier New" panose="02070309020205020404" pitchFamily="49" charset="0"/>
-              </a:rPr>
-              <a:t>colon</a:t>
-            </a:r>
-            <a:r>
-              <a:rPr lang="en-GB" sz="2000" dirty="0">
-                <a:cs typeface="Courier New" panose="02070309020205020404" pitchFamily="49" charset="0"/>
-              </a:rPr>
-              <a:t> after the </a:t>
-            </a:r>
-            <a:r>
-              <a:rPr lang="en-GB" sz="2000" dirty="0">
-                <a:latin typeface="Courier New" panose="02070309020205020404" pitchFamily="49" charset="0"/>
-                <a:cs typeface="Courier New" panose="02070309020205020404" pitchFamily="49" charset="0"/>
-              </a:rPr>
-              <a:t>if</a:t>
-            </a:r>
-            <a:r>
-              <a:rPr lang="en-GB" sz="2000" dirty="0">
-                <a:cs typeface="Courier New" panose="02070309020205020404" pitchFamily="49" charset="0"/>
-              </a:rPr>
-              <a:t> statement, and that an </a:t>
-            </a:r>
-            <a:r>
-              <a:rPr lang="en-GB" sz="2000" b="1" dirty="0">
-                <a:cs typeface="Courier New" panose="02070309020205020404" pitchFamily="49" charset="0"/>
-              </a:rPr>
-              <a:t>indent</a:t>
-            </a:r>
-            <a:r>
-              <a:rPr lang="en-GB" sz="2000" dirty="0">
-                <a:cs typeface="Courier New" panose="02070309020205020404" pitchFamily="49" charset="0"/>
-              </a:rPr>
-              <a:t> always follows a colon.</a:t>
-            </a:r>
-          </a:p>
-          <a:p>
-            <a:pPr algn="ctr"/>
-            <a:r>
-              <a:rPr lang="en-GB" sz="2000" b="1" dirty="0">
-                <a:cs typeface="Courier New" panose="02070309020205020404" pitchFamily="49" charset="0"/>
-              </a:rPr>
-              <a:t>Indentation</a:t>
-            </a:r>
-            <a:r>
-              <a:rPr lang="en-GB" sz="2000" dirty="0">
-                <a:cs typeface="Courier New" panose="02070309020205020404" pitchFamily="49" charset="0"/>
-              </a:rPr>
-              <a:t> is essential in Python.</a:t>
-            </a:r>
-          </a:p>
-        </p:txBody>
-      </p:sp>
-    </p:spTree>
-    <p:extLst>
-      <p:ext uri="{BB962C8B-B14F-4D97-AF65-F5344CB8AC3E}">
-        <p14:creationId xmlns:p14="http://schemas.microsoft.com/office/powerpoint/2010/main" val="2599195807"/>
       </p:ext>
     </p:extLst>
   </p:cSld>

--- a/slides.pptx
+++ b/slides.pptx
@@ -224,7 +224,7 @@
           <a:p>
             <a:fld id="{D5CCF024-8058-4E92-8B35-074515495720}" type="datetimeFigureOut">
               <a:rPr lang="en-GB" smtClean="0"/>
-              <a:t>23/01/2017</a:t>
+              <a:t>08/02/2017</a:t>
             </a:fld>
             <a:endParaRPr lang="en-GB"/>
           </a:p>
@@ -1090,7 +1090,7 @@
           <a:noFill/>
           <a:extLst>
             <a:ext uri="{909E8E84-426E-40dd-AFC4-6F175D3DCCD1}">
-              <a14:hiddenFill xmlns:a14="http://schemas.microsoft.com/office/drawing/2010/main" xmlns="">
+              <a14:hiddenFill xmlns="" xmlns:a14="http://schemas.microsoft.com/office/drawing/2010/main">
                 <a:solidFill>
                   <a:srgbClr val="FFFFFF"/>
                 </a:solidFill>
@@ -1150,7 +1150,7 @@
             </a:ln>
             <a:extLst>
               <a:ext uri="{91240B29-F687-4f45-9708-019B960494DF}">
-                <a14:hiddenLine xmlns:a14="http://schemas.microsoft.com/office/drawing/2010/main" xmlns="" w="9525">
+                <a14:hiddenLine xmlns="" xmlns:a14="http://schemas.microsoft.com/office/drawing/2010/main" w="9525">
                   <a:solidFill>
                     <a:srgbClr val="000000"/>
                   </a:solidFill>
@@ -1240,7 +1240,7 @@
             </a:ln>
             <a:extLst>
               <a:ext uri="{91240B29-F687-4f45-9708-019B960494DF}">
-                <a14:hiddenLine xmlns:a14="http://schemas.microsoft.com/office/drawing/2010/main" xmlns="" w="9525">
+                <a14:hiddenLine xmlns="" xmlns:a14="http://schemas.microsoft.com/office/drawing/2010/main" w="9525">
                   <a:solidFill>
                     <a:srgbClr val="000000"/>
                   </a:solidFill>
@@ -1330,7 +1330,7 @@
             </a:ln>
             <a:extLst>
               <a:ext uri="{91240B29-F687-4f45-9708-019B960494DF}">
-                <a14:hiddenLine xmlns:a14="http://schemas.microsoft.com/office/drawing/2010/main" xmlns="" w="9525">
+                <a14:hiddenLine xmlns="" xmlns:a14="http://schemas.microsoft.com/office/drawing/2010/main" w="9525">
                   <a:solidFill>
                     <a:srgbClr val="000000"/>
                   </a:solidFill>
@@ -1364,7 +1364,7 @@
             </a:ln>
             <a:extLst>
               <a:ext uri="{91240B29-F687-4f45-9708-019B960494DF}">
-                <a14:hiddenLine xmlns:a14="http://schemas.microsoft.com/office/drawing/2010/main" xmlns="" w="9525">
+                <a14:hiddenLine xmlns="" xmlns:a14="http://schemas.microsoft.com/office/drawing/2010/main" w="9525">
                   <a:solidFill>
                     <a:srgbClr val="000000"/>
                   </a:solidFill>
@@ -1454,7 +1454,7 @@
             </a:ln>
             <a:extLst>
               <a:ext uri="{91240B29-F687-4f45-9708-019B960494DF}">
-                <a14:hiddenLine xmlns:a14="http://schemas.microsoft.com/office/drawing/2010/main" xmlns="" w="9525">
+                <a14:hiddenLine xmlns="" xmlns:a14="http://schemas.microsoft.com/office/drawing/2010/main" w="9525">
                   <a:solidFill>
                     <a:srgbClr val="000000"/>
                   </a:solidFill>
@@ -1516,7 +1516,7 @@
             </a:ln>
             <a:extLst>
               <a:ext uri="{91240B29-F687-4f45-9708-019B960494DF}">
-                <a14:hiddenLine xmlns:a14="http://schemas.microsoft.com/office/drawing/2010/main" xmlns="" w="9525">
+                <a14:hiddenLine xmlns="" xmlns:a14="http://schemas.microsoft.com/office/drawing/2010/main" w="9525">
                   <a:solidFill>
                     <a:srgbClr val="000000"/>
                   </a:solidFill>
@@ -1578,7 +1578,7 @@
             </a:ln>
             <a:extLst>
               <a:ext uri="{91240B29-F687-4f45-9708-019B960494DF}">
-                <a14:hiddenLine xmlns:a14="http://schemas.microsoft.com/office/drawing/2010/main" xmlns="" w="9525">
+                <a14:hiddenLine xmlns="" xmlns:a14="http://schemas.microsoft.com/office/drawing/2010/main" w="9525">
                   <a:solidFill>
                     <a:srgbClr val="000000"/>
                   </a:solidFill>
@@ -1668,7 +1668,7 @@
             </a:ln>
             <a:extLst>
               <a:ext uri="{91240B29-F687-4f45-9708-019B960494DF}">
-                <a14:hiddenLine xmlns:a14="http://schemas.microsoft.com/office/drawing/2010/main" xmlns="" w="9525">
+                <a14:hiddenLine xmlns="" xmlns:a14="http://schemas.microsoft.com/office/drawing/2010/main" w="9525">
                   <a:solidFill>
                     <a:srgbClr val="000000"/>
                   </a:solidFill>
@@ -1730,7 +1730,7 @@
             </a:ln>
             <a:extLst>
               <a:ext uri="{91240B29-F687-4f45-9708-019B960494DF}">
-                <a14:hiddenLine xmlns:a14="http://schemas.microsoft.com/office/drawing/2010/main" xmlns="" w="9525">
+                <a14:hiddenLine xmlns="" xmlns:a14="http://schemas.microsoft.com/office/drawing/2010/main" w="9525">
                   <a:solidFill>
                     <a:srgbClr val="000000"/>
                   </a:solidFill>
@@ -1792,7 +1792,7 @@
             </a:ln>
             <a:extLst>
               <a:ext uri="{91240B29-F687-4f45-9708-019B960494DF}">
-                <a14:hiddenLine xmlns:a14="http://schemas.microsoft.com/office/drawing/2010/main" xmlns="" w="9525">
+                <a14:hiddenLine xmlns="" xmlns:a14="http://schemas.microsoft.com/office/drawing/2010/main" w="9525">
                   <a:solidFill>
                     <a:srgbClr val="000000"/>
                   </a:solidFill>
@@ -1882,7 +1882,7 @@
             </a:ln>
             <a:extLst>
               <a:ext uri="{91240B29-F687-4f45-9708-019B960494DF}">
-                <a14:hiddenLine xmlns:a14="http://schemas.microsoft.com/office/drawing/2010/main" xmlns="" w="9525">
+                <a14:hiddenLine xmlns="" xmlns:a14="http://schemas.microsoft.com/office/drawing/2010/main" w="9525">
                   <a:solidFill>
                     <a:srgbClr val="000000"/>
                   </a:solidFill>
@@ -1972,7 +1972,7 @@
             </a:ln>
             <a:extLst>
               <a:ext uri="{91240B29-F687-4f45-9708-019B960494DF}">
-                <a14:hiddenLine xmlns:a14="http://schemas.microsoft.com/office/drawing/2010/main" xmlns="" w="9525">
+                <a14:hiddenLine xmlns="" xmlns:a14="http://schemas.microsoft.com/office/drawing/2010/main" w="9525">
                   <a:solidFill>
                     <a:srgbClr val="000000"/>
                   </a:solidFill>
@@ -2034,7 +2034,7 @@
             </a:ln>
             <a:extLst>
               <a:ext uri="{91240B29-F687-4f45-9708-019B960494DF}">
-                <a14:hiddenLine xmlns:a14="http://schemas.microsoft.com/office/drawing/2010/main" xmlns="" w="9525">
+                <a14:hiddenLine xmlns="" xmlns:a14="http://schemas.microsoft.com/office/drawing/2010/main" w="9525">
                   <a:solidFill>
                     <a:srgbClr val="000000"/>
                   </a:solidFill>
@@ -2144,7 +2144,7 @@
             </a:ln>
             <a:extLst>
               <a:ext uri="{91240B29-F687-4f45-9708-019B960494DF}">
-                <a14:hiddenLine xmlns:a14="http://schemas.microsoft.com/office/drawing/2010/main" xmlns="" w="9525">
+                <a14:hiddenLine xmlns="" xmlns:a14="http://schemas.microsoft.com/office/drawing/2010/main" w="9525">
                   <a:solidFill>
                     <a:srgbClr val="000000"/>
                   </a:solidFill>
@@ -2206,7 +2206,7 @@
             </a:ln>
             <a:extLst>
               <a:ext uri="{91240B29-F687-4f45-9708-019B960494DF}">
-                <a14:hiddenLine xmlns:a14="http://schemas.microsoft.com/office/drawing/2010/main" xmlns="" w="9525">
+                <a14:hiddenLine xmlns="" xmlns:a14="http://schemas.microsoft.com/office/drawing/2010/main" w="9525">
                   <a:solidFill>
                     <a:srgbClr val="000000"/>
                   </a:solidFill>
@@ -2296,7 +2296,7 @@
             </a:ln>
             <a:extLst>
               <a:ext uri="{91240B29-F687-4f45-9708-019B960494DF}">
-                <a14:hiddenLine xmlns:a14="http://schemas.microsoft.com/office/drawing/2010/main" xmlns="" w="9525">
+                <a14:hiddenLine xmlns="" xmlns:a14="http://schemas.microsoft.com/office/drawing/2010/main" w="9525">
                   <a:solidFill>
                     <a:srgbClr val="000000"/>
                   </a:solidFill>
@@ -2386,7 +2386,7 @@
             </a:ln>
             <a:extLst>
               <a:ext uri="{91240B29-F687-4f45-9708-019B960494DF}">
-                <a14:hiddenLine xmlns:a14="http://schemas.microsoft.com/office/drawing/2010/main" xmlns="" w="9525">
+                <a14:hiddenLine xmlns="" xmlns:a14="http://schemas.microsoft.com/office/drawing/2010/main" w="9525">
                   <a:solidFill>
                     <a:srgbClr val="000000"/>
                   </a:solidFill>
@@ -2448,7 +2448,7 @@
             </a:ln>
             <a:extLst>
               <a:ext uri="{91240B29-F687-4f45-9708-019B960494DF}">
-                <a14:hiddenLine xmlns:a14="http://schemas.microsoft.com/office/drawing/2010/main" xmlns="" w="9525">
+                <a14:hiddenLine xmlns="" xmlns:a14="http://schemas.microsoft.com/office/drawing/2010/main" w="9525">
                   <a:solidFill>
                     <a:srgbClr val="000000"/>
                   </a:solidFill>
@@ -2538,7 +2538,7 @@
             </a:ln>
             <a:extLst>
               <a:ext uri="{91240B29-F687-4f45-9708-019B960494DF}">
-                <a14:hiddenLine xmlns:a14="http://schemas.microsoft.com/office/drawing/2010/main" xmlns="" w="9525">
+                <a14:hiddenLine xmlns="" xmlns:a14="http://schemas.microsoft.com/office/drawing/2010/main" w="9525">
                   <a:solidFill>
                     <a:srgbClr val="000000"/>
                   </a:solidFill>
@@ -2628,7 +2628,7 @@
             </a:ln>
             <a:extLst>
               <a:ext uri="{91240B29-F687-4f45-9708-019B960494DF}">
-                <a14:hiddenLine xmlns:a14="http://schemas.microsoft.com/office/drawing/2010/main" xmlns="" w="9525">
+                <a14:hiddenLine xmlns="" xmlns:a14="http://schemas.microsoft.com/office/drawing/2010/main" w="9525">
                   <a:solidFill>
                     <a:srgbClr val="000000"/>
                   </a:solidFill>
@@ -2684,7 +2684,7 @@
             </a:ln>
             <a:extLst>
               <a:ext uri="{91240B29-F687-4f45-9708-019B960494DF}">
-                <a14:hiddenLine xmlns:a14="http://schemas.microsoft.com/office/drawing/2010/main" xmlns="" w="9525">
+                <a14:hiddenLine xmlns="" xmlns:a14="http://schemas.microsoft.com/office/drawing/2010/main" w="9525">
                   <a:solidFill>
                     <a:srgbClr val="000000"/>
                   </a:solidFill>
@@ -2774,7 +2774,7 @@
             </a:ln>
             <a:extLst>
               <a:ext uri="{91240B29-F687-4f45-9708-019B960494DF}">
-                <a14:hiddenLine xmlns:a14="http://schemas.microsoft.com/office/drawing/2010/main" xmlns="" w="9525">
+                <a14:hiddenLine xmlns="" xmlns:a14="http://schemas.microsoft.com/office/drawing/2010/main" w="9525">
                   <a:solidFill>
                     <a:srgbClr val="000000"/>
                   </a:solidFill>
@@ -2830,7 +2830,7 @@
             </a:ln>
             <a:extLst>
               <a:ext uri="{91240B29-F687-4f45-9708-019B960494DF}">
-                <a14:hiddenLine xmlns:a14="http://schemas.microsoft.com/office/drawing/2010/main" xmlns="" w="9525">
+                <a14:hiddenLine xmlns="" xmlns:a14="http://schemas.microsoft.com/office/drawing/2010/main" w="9525">
                   <a:solidFill>
                     <a:srgbClr val="000000"/>
                   </a:solidFill>
@@ -2920,7 +2920,7 @@
             </a:ln>
             <a:extLst>
               <a:ext uri="{91240B29-F687-4f45-9708-019B960494DF}">
-                <a14:hiddenLine xmlns:a14="http://schemas.microsoft.com/office/drawing/2010/main" xmlns="" w="9525">
+                <a14:hiddenLine xmlns="" xmlns:a14="http://schemas.microsoft.com/office/drawing/2010/main" w="9525">
                   <a:solidFill>
                     <a:srgbClr val="000000"/>
                   </a:solidFill>
@@ -2988,7 +2988,7 @@
             </a:ln>
             <a:extLst>
               <a:ext uri="{91240B29-F687-4f45-9708-019B960494DF}">
-                <a14:hiddenLine xmlns:a14="http://schemas.microsoft.com/office/drawing/2010/main" xmlns="" w="9525">
+                <a14:hiddenLine xmlns="" xmlns:a14="http://schemas.microsoft.com/office/drawing/2010/main" w="9525">
                   <a:solidFill>
                     <a:srgbClr val="000000"/>
                   </a:solidFill>
@@ -3078,7 +3078,7 @@
             </a:ln>
             <a:extLst>
               <a:ext uri="{91240B29-F687-4f45-9708-019B960494DF}">
-                <a14:hiddenLine xmlns:a14="http://schemas.microsoft.com/office/drawing/2010/main" xmlns="" w="9525">
+                <a14:hiddenLine xmlns="" xmlns:a14="http://schemas.microsoft.com/office/drawing/2010/main" w="9525">
                   <a:solidFill>
                     <a:srgbClr val="000000"/>
                   </a:solidFill>
@@ -3146,7 +3146,7 @@
             </a:ln>
             <a:extLst>
               <a:ext uri="{91240B29-F687-4f45-9708-019B960494DF}">
-                <a14:hiddenLine xmlns:a14="http://schemas.microsoft.com/office/drawing/2010/main" xmlns="" w="9525">
+                <a14:hiddenLine xmlns="" xmlns:a14="http://schemas.microsoft.com/office/drawing/2010/main" w="9525">
                   <a:solidFill>
                     <a:srgbClr val="000000"/>
                   </a:solidFill>
@@ -3236,7 +3236,7 @@
             </a:ln>
             <a:extLst>
               <a:ext uri="{91240B29-F687-4f45-9708-019B960494DF}">
-                <a14:hiddenLine xmlns:a14="http://schemas.microsoft.com/office/drawing/2010/main" xmlns="" w="9525">
+                <a14:hiddenLine xmlns="" xmlns:a14="http://schemas.microsoft.com/office/drawing/2010/main" w="9525">
                   <a:solidFill>
                     <a:srgbClr val="000000"/>
                   </a:solidFill>
@@ -3270,7 +3270,7 @@
             </a:ln>
             <a:extLst>
               <a:ext uri="{91240B29-F687-4f45-9708-019B960494DF}">
-                <a14:hiddenLine xmlns:a14="http://schemas.microsoft.com/office/drawing/2010/main" xmlns="" w="9525">
+                <a14:hiddenLine xmlns="" xmlns:a14="http://schemas.microsoft.com/office/drawing/2010/main" w="9525">
                   <a:solidFill>
                     <a:srgbClr val="000000"/>
                   </a:solidFill>
@@ -3360,7 +3360,7 @@
             </a:ln>
             <a:extLst>
               <a:ext uri="{91240B29-F687-4f45-9708-019B960494DF}">
-                <a14:hiddenLine xmlns:a14="http://schemas.microsoft.com/office/drawing/2010/main" xmlns="" w="9525">
+                <a14:hiddenLine xmlns="" xmlns:a14="http://schemas.microsoft.com/office/drawing/2010/main" w="9525">
                   <a:solidFill>
                     <a:srgbClr val="000000"/>
                   </a:solidFill>
@@ -3422,7 +3422,7 @@
             </a:ln>
             <a:extLst>
               <a:ext uri="{91240B29-F687-4f45-9708-019B960494DF}">
-                <a14:hiddenLine xmlns:a14="http://schemas.microsoft.com/office/drawing/2010/main" xmlns="" w="9525">
+                <a14:hiddenLine xmlns="" xmlns:a14="http://schemas.microsoft.com/office/drawing/2010/main" w="9525">
                   <a:solidFill>
                     <a:srgbClr val="000000"/>
                   </a:solidFill>
@@ -3484,7 +3484,7 @@
             </a:ln>
             <a:extLst>
               <a:ext uri="{91240B29-F687-4f45-9708-019B960494DF}">
-                <a14:hiddenLine xmlns:a14="http://schemas.microsoft.com/office/drawing/2010/main" xmlns="" w="9525">
+                <a14:hiddenLine xmlns="" xmlns:a14="http://schemas.microsoft.com/office/drawing/2010/main" w="9525">
                   <a:solidFill>
                     <a:srgbClr val="000000"/>
                   </a:solidFill>
@@ -3574,7 +3574,7 @@
             </a:ln>
             <a:extLst>
               <a:ext uri="{91240B29-F687-4f45-9708-019B960494DF}">
-                <a14:hiddenLine xmlns:a14="http://schemas.microsoft.com/office/drawing/2010/main" xmlns="" w="9525">
+                <a14:hiddenLine xmlns="" xmlns:a14="http://schemas.microsoft.com/office/drawing/2010/main" w="9525">
                   <a:solidFill>
                     <a:srgbClr val="000000"/>
                   </a:solidFill>
@@ -3642,7 +3642,7 @@
             </a:ln>
             <a:extLst>
               <a:ext uri="{91240B29-F687-4f45-9708-019B960494DF}">
-                <a14:hiddenLine xmlns:a14="http://schemas.microsoft.com/office/drawing/2010/main" xmlns="" w="9525">
+                <a14:hiddenLine xmlns="" xmlns:a14="http://schemas.microsoft.com/office/drawing/2010/main" w="9525">
                   <a:solidFill>
                     <a:srgbClr val="000000"/>
                   </a:solidFill>
@@ -3704,7 +3704,7 @@
             </a:ln>
             <a:extLst>
               <a:ext uri="{91240B29-F687-4f45-9708-019B960494DF}">
-                <a14:hiddenLine xmlns:a14="http://schemas.microsoft.com/office/drawing/2010/main" xmlns="" w="9525">
+                <a14:hiddenLine xmlns="" xmlns:a14="http://schemas.microsoft.com/office/drawing/2010/main" w="9525">
                   <a:solidFill>
                     <a:srgbClr val="000000"/>
                   </a:solidFill>
@@ -3794,7 +3794,7 @@
             </a:ln>
             <a:extLst>
               <a:ext uri="{91240B29-F687-4f45-9708-019B960494DF}">
-                <a14:hiddenLine xmlns:a14="http://schemas.microsoft.com/office/drawing/2010/main" xmlns="" w="9525">
+                <a14:hiddenLine xmlns="" xmlns:a14="http://schemas.microsoft.com/office/drawing/2010/main" w="9525">
                   <a:solidFill>
                     <a:srgbClr val="000000"/>
                   </a:solidFill>
@@ -3856,7 +3856,7 @@
             </a:ln>
             <a:extLst>
               <a:ext uri="{91240B29-F687-4f45-9708-019B960494DF}">
-                <a14:hiddenLine xmlns:a14="http://schemas.microsoft.com/office/drawing/2010/main" xmlns="" w="9525">
+                <a14:hiddenLine xmlns="" xmlns:a14="http://schemas.microsoft.com/office/drawing/2010/main" w="9525">
                   <a:solidFill>
                     <a:srgbClr val="000000"/>
                   </a:solidFill>
@@ -3946,7 +3946,7 @@
             </a:ln>
             <a:extLst>
               <a:ext uri="{91240B29-F687-4f45-9708-019B960494DF}">
-                <a14:hiddenLine xmlns:a14="http://schemas.microsoft.com/office/drawing/2010/main" xmlns="" w="9525">
+                <a14:hiddenLine xmlns="" xmlns:a14="http://schemas.microsoft.com/office/drawing/2010/main" w="9525">
                   <a:solidFill>
                     <a:srgbClr val="000000"/>
                   </a:solidFill>
@@ -4008,7 +4008,7 @@
             </a:ln>
             <a:extLst>
               <a:ext uri="{91240B29-F687-4f45-9708-019B960494DF}">
-                <a14:hiddenLine xmlns:a14="http://schemas.microsoft.com/office/drawing/2010/main" xmlns="" w="9525">
+                <a14:hiddenLine xmlns="" xmlns:a14="http://schemas.microsoft.com/office/drawing/2010/main" w="9525">
                   <a:solidFill>
                     <a:srgbClr val="000000"/>
                   </a:solidFill>
@@ -4098,7 +4098,7 @@
             </a:ln>
             <a:extLst>
               <a:ext uri="{91240B29-F687-4f45-9708-019B960494DF}">
-                <a14:hiddenLine xmlns:a14="http://schemas.microsoft.com/office/drawing/2010/main" xmlns="" w="9525">
+                <a14:hiddenLine xmlns="" xmlns:a14="http://schemas.microsoft.com/office/drawing/2010/main" w="9525">
                   <a:solidFill>
                     <a:srgbClr val="000000"/>
                   </a:solidFill>
@@ -4132,7 +4132,7 @@
             </a:ln>
             <a:extLst>
               <a:ext uri="{91240B29-F687-4f45-9708-019B960494DF}">
-                <a14:hiddenLine xmlns:a14="http://schemas.microsoft.com/office/drawing/2010/main" xmlns="" w="9525">
+                <a14:hiddenLine xmlns="" xmlns:a14="http://schemas.microsoft.com/office/drawing/2010/main" w="9525">
                   <a:solidFill>
                     <a:srgbClr val="000000"/>
                   </a:solidFill>
@@ -4197,7 +4197,7 @@
             </a:ln>
             <a:extLst>
               <a:ext uri="{91240B29-F687-4f45-9708-019B960494DF}">
-                <a14:hiddenLine xmlns:a14="http://schemas.microsoft.com/office/drawing/2010/main" xmlns="" w="9525">
+                <a14:hiddenLine xmlns="" xmlns:a14="http://schemas.microsoft.com/office/drawing/2010/main" w="9525">
                   <a:solidFill>
                     <a:srgbClr val="000000"/>
                   </a:solidFill>
@@ -4287,7 +4287,7 @@
             </a:ln>
             <a:extLst>
               <a:ext uri="{91240B29-F687-4f45-9708-019B960494DF}">
-                <a14:hiddenLine xmlns:a14="http://schemas.microsoft.com/office/drawing/2010/main" xmlns="" w="9525">
+                <a14:hiddenLine xmlns="" xmlns:a14="http://schemas.microsoft.com/office/drawing/2010/main" w="9525">
                   <a:solidFill>
                     <a:srgbClr val="000000"/>
                   </a:solidFill>
@@ -4349,7 +4349,7 @@
             </a:ln>
             <a:extLst>
               <a:ext uri="{91240B29-F687-4f45-9708-019B960494DF}">
-                <a14:hiddenLine xmlns:a14="http://schemas.microsoft.com/office/drawing/2010/main" xmlns="" w="9525">
+                <a14:hiddenLine xmlns="" xmlns:a14="http://schemas.microsoft.com/office/drawing/2010/main" w="9525">
                   <a:solidFill>
                     <a:srgbClr val="000000"/>
                   </a:solidFill>
@@ -4439,7 +4439,7 @@
             </a:ln>
             <a:extLst>
               <a:ext uri="{91240B29-F687-4f45-9708-019B960494DF}">
-                <a14:hiddenLine xmlns:a14="http://schemas.microsoft.com/office/drawing/2010/main" xmlns="" w="9525">
+                <a14:hiddenLine xmlns="" xmlns:a14="http://schemas.microsoft.com/office/drawing/2010/main" w="9525">
                   <a:solidFill>
                     <a:srgbClr val="000000"/>
                   </a:solidFill>
@@ -4529,7 +4529,7 @@
             </a:ln>
             <a:extLst>
               <a:ext uri="{91240B29-F687-4f45-9708-019B960494DF}">
-                <a14:hiddenLine xmlns:a14="http://schemas.microsoft.com/office/drawing/2010/main" xmlns="" w="9525">
+                <a14:hiddenLine xmlns="" xmlns:a14="http://schemas.microsoft.com/office/drawing/2010/main" w="9525">
                   <a:solidFill>
                     <a:srgbClr val="000000"/>
                   </a:solidFill>
@@ -4594,7 +4594,7 @@
             </a:ln>
             <a:extLst>
               <a:ext uri="{91240B29-F687-4f45-9708-019B960494DF}">
-                <a14:hiddenLine xmlns:a14="http://schemas.microsoft.com/office/drawing/2010/main" xmlns="" w="9525">
+                <a14:hiddenLine xmlns="" xmlns:a14="http://schemas.microsoft.com/office/drawing/2010/main" w="9525">
                   <a:solidFill>
                     <a:srgbClr val="000000"/>
                   </a:solidFill>
@@ -4656,7 +4656,7 @@
             </a:ln>
             <a:extLst>
               <a:ext uri="{91240B29-F687-4f45-9708-019B960494DF}">
-                <a14:hiddenLine xmlns:a14="http://schemas.microsoft.com/office/drawing/2010/main" xmlns="" w="9525">
+                <a14:hiddenLine xmlns="" xmlns:a14="http://schemas.microsoft.com/office/drawing/2010/main" w="9525">
                   <a:solidFill>
                     <a:srgbClr val="000000"/>
                   </a:solidFill>
@@ -4746,7 +4746,7 @@
             </a:ln>
             <a:extLst>
               <a:ext uri="{91240B29-F687-4f45-9708-019B960494DF}">
-                <a14:hiddenLine xmlns:a14="http://schemas.microsoft.com/office/drawing/2010/main" xmlns="" w="9525">
+                <a14:hiddenLine xmlns="" xmlns:a14="http://schemas.microsoft.com/office/drawing/2010/main" w="9525">
                   <a:solidFill>
                     <a:srgbClr val="000000"/>
                   </a:solidFill>
@@ -4836,7 +4836,7 @@
             </a:ln>
             <a:extLst>
               <a:ext uri="{91240B29-F687-4f45-9708-019B960494DF}">
-                <a14:hiddenLine xmlns:a14="http://schemas.microsoft.com/office/drawing/2010/main" xmlns="" w="9525">
+                <a14:hiddenLine xmlns="" xmlns:a14="http://schemas.microsoft.com/office/drawing/2010/main" w="9525">
                   <a:solidFill>
                     <a:srgbClr val="000000"/>
                   </a:solidFill>
@@ -4898,7 +4898,7 @@
             </a:ln>
             <a:extLst>
               <a:ext uri="{91240B29-F687-4f45-9708-019B960494DF}">
-                <a14:hiddenLine xmlns:a14="http://schemas.microsoft.com/office/drawing/2010/main" xmlns="" w="9525">
+                <a14:hiddenLine xmlns="" xmlns:a14="http://schemas.microsoft.com/office/drawing/2010/main" w="9525">
                   <a:solidFill>
                     <a:srgbClr val="000000"/>
                   </a:solidFill>
@@ -5018,7 +5018,7 @@
             </a:ln>
             <a:extLst>
               <a:ext uri="{91240B29-F687-4f45-9708-019B960494DF}">
-                <a14:hiddenLine xmlns:a14="http://schemas.microsoft.com/office/drawing/2010/main" xmlns="" w="9525">
+                <a14:hiddenLine xmlns="" xmlns:a14="http://schemas.microsoft.com/office/drawing/2010/main" w="9525">
                   <a:solidFill>
                     <a:srgbClr val="000000"/>
                   </a:solidFill>
@@ -5086,7 +5086,7 @@
             </a:ln>
             <a:extLst>
               <a:ext uri="{91240B29-F687-4f45-9708-019B960494DF}">
-                <a14:hiddenLine xmlns:a14="http://schemas.microsoft.com/office/drawing/2010/main" xmlns="" w="9525">
+                <a14:hiddenLine xmlns="" xmlns:a14="http://schemas.microsoft.com/office/drawing/2010/main" w="9525">
                   <a:solidFill>
                     <a:srgbClr val="000000"/>
                   </a:solidFill>
@@ -5176,7 +5176,7 @@
             </a:ln>
             <a:extLst>
               <a:ext uri="{91240B29-F687-4f45-9708-019B960494DF}">
-                <a14:hiddenLine xmlns:a14="http://schemas.microsoft.com/office/drawing/2010/main" xmlns="" w="9525">
+                <a14:hiddenLine xmlns="" xmlns:a14="http://schemas.microsoft.com/office/drawing/2010/main" w="9525">
                   <a:solidFill>
                     <a:srgbClr val="000000"/>
                   </a:solidFill>
@@ -5316,7 +5316,7 @@
           <a:p>
             <a:fld id="{D8087129-5EB3-407F-9D58-12B58254E57D}" type="datetime1">
               <a:rPr lang="en-US" smtClean="0"/>
-              <a:t>1/23/2017</a:t>
+              <a:t>2/8/2017</a:t>
             </a:fld>
             <a:endParaRPr lang="en-US" dirty="0"/>
           </a:p>
@@ -5582,7 +5582,7 @@
           <a:p>
             <a:fld id="{D3E4790F-9337-4CDC-8D14-B06CCEB6C73C}" type="datetime1">
               <a:rPr lang="en-US" smtClean="0"/>
-              <a:t>1/23/2017</a:t>
+              <a:t>2/8/2017</a:t>
             </a:fld>
             <a:endParaRPr lang="en-US" dirty="0"/>
           </a:p>
@@ -5777,7 +5777,7 @@
           <a:p>
             <a:fld id="{9B0760F9-7BA8-4EC7-8BDB-5C223A9F1787}" type="datetime1">
               <a:rPr lang="en-US" smtClean="0"/>
-              <a:t>1/23/2017</a:t>
+              <a:t>2/8/2017</a:t>
             </a:fld>
             <a:endParaRPr lang="en-US" dirty="0"/>
           </a:p>
@@ -6039,7 +6039,7 @@
           <a:p>
             <a:fld id="{A03E3F31-3630-4F25-9FD3-9398F0ABBE91}" type="datetime1">
               <a:rPr lang="en-US" smtClean="0"/>
-              <a:t>1/23/2017</a:t>
+              <a:t>2/8/2017</a:t>
             </a:fld>
             <a:endParaRPr lang="en-US" dirty="0"/>
           </a:p>
@@ -6472,7 +6472,7 @@
           <a:p>
             <a:fld id="{A66298DF-41F0-4FCA-8F78-168349C886A1}" type="datetime1">
               <a:rPr lang="en-US" smtClean="0"/>
-              <a:t>1/23/2017</a:t>
+              <a:t>2/8/2017</a:t>
             </a:fld>
             <a:endParaRPr lang="en-US" dirty="0"/>
           </a:p>
@@ -7017,7 +7017,7 @@
           <a:p>
             <a:fld id="{E78E2497-700C-4D1C-8F0E-0217BC78D22A}" type="datetime1">
               <a:rPr lang="en-US" smtClean="0"/>
-              <a:t>1/23/2017</a:t>
+              <a:t>2/8/2017</a:t>
             </a:fld>
             <a:endParaRPr lang="en-US" dirty="0"/>
           </a:p>
@@ -7736,7 +7736,7 @@
           <a:p>
             <a:fld id="{11B0A668-7952-4E05-A29E-3CAE9E4C88B3}" type="datetime1">
               <a:rPr lang="en-US" smtClean="0"/>
-              <a:t>1/23/2017</a:t>
+              <a:t>2/8/2017</a:t>
             </a:fld>
             <a:endParaRPr lang="en-US" dirty="0"/>
           </a:p>
@@ -7905,7 +7905,7 @@
           <a:p>
             <a:fld id="{51572ADD-8853-4F9B-BE74-04D3631B0AE8}" type="datetime1">
               <a:rPr lang="en-US" smtClean="0"/>
-              <a:t>1/23/2017</a:t>
+              <a:t>2/8/2017</a:t>
             </a:fld>
             <a:endParaRPr lang="en-US" dirty="0"/>
           </a:p>
@@ -8084,7 +8084,7 @@
           <a:p>
             <a:fld id="{F4AE7FAB-9C63-45B1-B528-0E08F0958326}" type="datetime1">
               <a:rPr lang="en-US" smtClean="0"/>
-              <a:t>1/23/2017</a:t>
+              <a:t>2/8/2017</a:t>
             </a:fld>
             <a:endParaRPr lang="en-US" dirty="0"/>
           </a:p>
@@ -8253,7 +8253,7 @@
           <a:p>
             <a:fld id="{789D286F-1FB1-4449-8266-6E87DF39D004}" type="datetime1">
               <a:rPr lang="en-US" smtClean="0"/>
-              <a:t>1/23/2017</a:t>
+              <a:t>2/8/2017</a:t>
             </a:fld>
             <a:endParaRPr lang="en-US" dirty="0"/>
           </a:p>
@@ -8502,7 +8502,7 @@
           <a:p>
             <a:fld id="{71778EDE-CE0C-4BA8-BD03-52FA661B2ABD}" type="datetime1">
               <a:rPr lang="en-US" smtClean="0"/>
-              <a:t>1/23/2017</a:t>
+              <a:t>2/8/2017</a:t>
             </a:fld>
             <a:endParaRPr lang="en-US" dirty="0"/>
           </a:p>
@@ -8733,7 +8733,7 @@
           <a:p>
             <a:fld id="{88B2015C-2313-4FA0-967E-15787170F8A4}" type="datetime1">
               <a:rPr lang="en-US" smtClean="0"/>
-              <a:t>1/23/2017</a:t>
+              <a:t>2/8/2017</a:t>
             </a:fld>
             <a:endParaRPr lang="en-US" dirty="0"/>
           </a:p>
@@ -9113,7 +9113,7 @@
           <a:p>
             <a:fld id="{337E4337-038C-466F-9539-3AC9182A3E7A}" type="datetime1">
               <a:rPr lang="en-US" smtClean="0"/>
-              <a:t>1/23/2017</a:t>
+              <a:t>2/8/2017</a:t>
             </a:fld>
             <a:endParaRPr lang="en-US" dirty="0"/>
           </a:p>
@@ -9230,7 +9230,7 @@
           <a:p>
             <a:fld id="{8AD42594-B169-4822-92C9-42932B767ACF}" type="datetime1">
               <a:rPr lang="en-US" smtClean="0"/>
-              <a:t>1/23/2017</a:t>
+              <a:t>2/8/2017</a:t>
             </a:fld>
             <a:endParaRPr lang="en-US" dirty="0"/>
           </a:p>
@@ -9324,7 +9324,7 @@
           <a:p>
             <a:fld id="{F960638A-EF8D-4E59-9B91-E876A1027CEA}" type="datetime1">
               <a:rPr lang="en-US" smtClean="0"/>
-              <a:t>1/23/2017</a:t>
+              <a:t>2/8/2017</a:t>
             </a:fld>
             <a:endParaRPr lang="en-US" dirty="0"/>
           </a:p>
@@ -9572,7 +9572,7 @@
           <a:p>
             <a:fld id="{77094E32-9543-411B-B3AF-87FC3BF95F14}" type="datetime1">
               <a:rPr lang="en-US" smtClean="0"/>
-              <a:t>1/23/2017</a:t>
+              <a:t>2/8/2017</a:t>
             </a:fld>
             <a:endParaRPr lang="en-US" dirty="0"/>
           </a:p>
@@ -9851,7 +9851,7 @@
           <a:p>
             <a:fld id="{6ADE433C-70DD-4676-82F0-30FDB4061909}" type="datetime1">
               <a:rPr lang="en-US" smtClean="0"/>
-              <a:t>1/23/2017</a:t>
+              <a:t>2/8/2017</a:t>
             </a:fld>
             <a:endParaRPr lang="en-US" dirty="0"/>
           </a:p>
@@ -9966,7 +9966,7 @@
           <a:noFill/>
           <a:extLst>
             <a:ext uri="{909E8E84-426E-40dd-AFC4-6F175D3DCCD1}">
-              <a14:hiddenFill xmlns:a14="http://schemas.microsoft.com/office/drawing/2010/main" xmlns="">
+              <a14:hiddenFill xmlns="" xmlns:a14="http://schemas.microsoft.com/office/drawing/2010/main">
                 <a:solidFill>
                   <a:srgbClr val="FFFFFF"/>
                 </a:solidFill>
@@ -10040,7 +10040,7 @@
               </a:ln>
               <a:extLst>
                 <a:ext uri="{91240B29-F687-4f45-9708-019B960494DF}">
-                  <a14:hiddenLine xmlns:a14="http://schemas.microsoft.com/office/drawing/2010/main" xmlns="" w="9525">
+                  <a14:hiddenLine xmlns="" xmlns:a14="http://schemas.microsoft.com/office/drawing/2010/main" w="9525">
                     <a:solidFill>
                       <a:srgbClr val="000000"/>
                     </a:solidFill>
@@ -10130,7 +10130,7 @@
               </a:ln>
               <a:extLst>
                 <a:ext uri="{91240B29-F687-4f45-9708-019B960494DF}">
-                  <a14:hiddenLine xmlns:a14="http://schemas.microsoft.com/office/drawing/2010/main" xmlns="" w="9525">
+                  <a14:hiddenLine xmlns="" xmlns:a14="http://schemas.microsoft.com/office/drawing/2010/main" w="9525">
                     <a:solidFill>
                       <a:srgbClr val="000000"/>
                     </a:solidFill>
@@ -10220,7 +10220,7 @@
               </a:ln>
               <a:extLst>
                 <a:ext uri="{91240B29-F687-4f45-9708-019B960494DF}">
-                  <a14:hiddenLine xmlns:a14="http://schemas.microsoft.com/office/drawing/2010/main" xmlns="" w="9525">
+                  <a14:hiddenLine xmlns="" xmlns:a14="http://schemas.microsoft.com/office/drawing/2010/main" w="9525">
                     <a:solidFill>
                       <a:srgbClr val="000000"/>
                     </a:solidFill>
@@ -10282,7 +10282,7 @@
               </a:ln>
               <a:extLst>
                 <a:ext uri="{91240B29-F687-4f45-9708-019B960494DF}">
-                  <a14:hiddenLine xmlns:a14="http://schemas.microsoft.com/office/drawing/2010/main" xmlns="" w="9525">
+                  <a14:hiddenLine xmlns="" xmlns:a14="http://schemas.microsoft.com/office/drawing/2010/main" w="9525">
                     <a:solidFill>
                       <a:srgbClr val="000000"/>
                     </a:solidFill>
@@ -10372,7 +10372,7 @@
               </a:ln>
               <a:extLst>
                 <a:ext uri="{91240B29-F687-4f45-9708-019B960494DF}">
-                  <a14:hiddenLine xmlns:a14="http://schemas.microsoft.com/office/drawing/2010/main" xmlns="" w="9525">
+                  <a14:hiddenLine xmlns="" xmlns:a14="http://schemas.microsoft.com/office/drawing/2010/main" w="9525">
                     <a:solidFill>
                       <a:srgbClr val="000000"/>
                     </a:solidFill>
@@ -10434,7 +10434,7 @@
               </a:ln>
               <a:extLst>
                 <a:ext uri="{91240B29-F687-4f45-9708-019B960494DF}">
-                  <a14:hiddenLine xmlns:a14="http://schemas.microsoft.com/office/drawing/2010/main" xmlns="" w="9525">
+                  <a14:hiddenLine xmlns="" xmlns:a14="http://schemas.microsoft.com/office/drawing/2010/main" w="9525">
                     <a:solidFill>
                       <a:srgbClr val="000000"/>
                     </a:solidFill>
@@ -10496,7 +10496,7 @@
               </a:ln>
               <a:extLst>
                 <a:ext uri="{91240B29-F687-4f45-9708-019B960494DF}">
-                  <a14:hiddenLine xmlns:a14="http://schemas.microsoft.com/office/drawing/2010/main" xmlns="" w="9525">
+                  <a14:hiddenLine xmlns="" xmlns:a14="http://schemas.microsoft.com/office/drawing/2010/main" w="9525">
                     <a:solidFill>
                       <a:srgbClr val="000000"/>
                     </a:solidFill>
@@ -10586,7 +10586,7 @@
               </a:ln>
               <a:extLst>
                 <a:ext uri="{91240B29-F687-4f45-9708-019B960494DF}">
-                  <a14:hiddenLine xmlns:a14="http://schemas.microsoft.com/office/drawing/2010/main" xmlns="" w="9525">
+                  <a14:hiddenLine xmlns="" xmlns:a14="http://schemas.microsoft.com/office/drawing/2010/main" w="9525">
                     <a:solidFill>
                       <a:srgbClr val="000000"/>
                     </a:solidFill>
@@ -10676,7 +10676,7 @@
               </a:ln>
               <a:extLst>
                 <a:ext uri="{91240B29-F687-4f45-9708-019B960494DF}">
-                  <a14:hiddenLine xmlns:a14="http://schemas.microsoft.com/office/drawing/2010/main" xmlns="" w="9525">
+                  <a14:hiddenLine xmlns="" xmlns:a14="http://schemas.microsoft.com/office/drawing/2010/main" w="9525">
                     <a:solidFill>
                       <a:srgbClr val="000000"/>
                     </a:solidFill>
@@ -10738,7 +10738,7 @@
               </a:ln>
               <a:extLst>
                 <a:ext uri="{91240B29-F687-4f45-9708-019B960494DF}">
-                  <a14:hiddenLine xmlns:a14="http://schemas.microsoft.com/office/drawing/2010/main" xmlns="" w="9525">
+                  <a14:hiddenLine xmlns="" xmlns:a14="http://schemas.microsoft.com/office/drawing/2010/main" w="9525">
                     <a:solidFill>
                       <a:srgbClr val="000000"/>
                     </a:solidFill>
@@ -10848,7 +10848,7 @@
               </a:ln>
               <a:extLst>
                 <a:ext uri="{91240B29-F687-4f45-9708-019B960494DF}">
-                  <a14:hiddenLine xmlns:a14="http://schemas.microsoft.com/office/drawing/2010/main" xmlns="" w="9525">
+                  <a14:hiddenLine xmlns="" xmlns:a14="http://schemas.microsoft.com/office/drawing/2010/main" w="9525">
                     <a:solidFill>
                       <a:srgbClr val="000000"/>
                     </a:solidFill>
@@ -10932,7 +10932,7 @@
               </a:ln>
               <a:extLst>
                 <a:ext uri="{91240B29-F687-4f45-9708-019B960494DF}">
-                  <a14:hiddenLine xmlns:a14="http://schemas.microsoft.com/office/drawing/2010/main" xmlns="" w="9525">
+                  <a14:hiddenLine xmlns="" xmlns:a14="http://schemas.microsoft.com/office/drawing/2010/main" w="9525">
                     <a:solidFill>
                       <a:srgbClr val="000000"/>
                     </a:solidFill>
@@ -10994,7 +10994,7 @@
               </a:ln>
               <a:extLst>
                 <a:ext uri="{91240B29-F687-4f45-9708-019B960494DF}">
-                  <a14:hiddenLine xmlns:a14="http://schemas.microsoft.com/office/drawing/2010/main" xmlns="" w="9525">
+                  <a14:hiddenLine xmlns="" xmlns:a14="http://schemas.microsoft.com/office/drawing/2010/main" w="9525">
                     <a:solidFill>
                       <a:srgbClr val="000000"/>
                     </a:solidFill>
@@ -11056,7 +11056,7 @@
               </a:ln>
               <a:extLst>
                 <a:ext uri="{91240B29-F687-4f45-9708-019B960494DF}">
-                  <a14:hiddenLine xmlns:a14="http://schemas.microsoft.com/office/drawing/2010/main" xmlns="" w="9525">
+                  <a14:hiddenLine xmlns="" xmlns:a14="http://schemas.microsoft.com/office/drawing/2010/main" w="9525">
                     <a:solidFill>
                       <a:srgbClr val="000000"/>
                     </a:solidFill>
@@ -11146,7 +11146,7 @@
               </a:ln>
               <a:extLst>
                 <a:ext uri="{91240B29-F687-4f45-9708-019B960494DF}">
-                  <a14:hiddenLine xmlns:a14="http://schemas.microsoft.com/office/drawing/2010/main" xmlns="" w="9525">
+                  <a14:hiddenLine xmlns="" xmlns:a14="http://schemas.microsoft.com/office/drawing/2010/main" w="9525">
                     <a:solidFill>
                       <a:srgbClr val="000000"/>
                     </a:solidFill>
@@ -11180,7 +11180,7 @@
               </a:ln>
               <a:extLst>
                 <a:ext uri="{91240B29-F687-4f45-9708-019B960494DF}">
-                  <a14:hiddenLine xmlns:a14="http://schemas.microsoft.com/office/drawing/2010/main" xmlns="" w="9525">
+                  <a14:hiddenLine xmlns="" xmlns:a14="http://schemas.microsoft.com/office/drawing/2010/main" w="9525">
                     <a:solidFill>
                       <a:srgbClr val="000000"/>
                     </a:solidFill>
@@ -11245,7 +11245,7 @@
               </a:ln>
               <a:extLst>
                 <a:ext uri="{91240B29-F687-4f45-9708-019B960494DF}">
-                  <a14:hiddenLine xmlns:a14="http://schemas.microsoft.com/office/drawing/2010/main" xmlns="" w="9525">
+                  <a14:hiddenLine xmlns="" xmlns:a14="http://schemas.microsoft.com/office/drawing/2010/main" w="9525">
                     <a:solidFill>
                       <a:srgbClr val="000000"/>
                     </a:solidFill>
@@ -11335,7 +11335,7 @@
               </a:ln>
               <a:extLst>
                 <a:ext uri="{91240B29-F687-4f45-9708-019B960494DF}">
-                  <a14:hiddenLine xmlns:a14="http://schemas.microsoft.com/office/drawing/2010/main" xmlns="" w="9525">
+                  <a14:hiddenLine xmlns="" xmlns:a14="http://schemas.microsoft.com/office/drawing/2010/main" w="9525">
                     <a:solidFill>
                       <a:srgbClr val="000000"/>
                     </a:solidFill>
@@ -11397,7 +11397,7 @@
               </a:ln>
               <a:extLst>
                 <a:ext uri="{91240B29-F687-4f45-9708-019B960494DF}">
-                  <a14:hiddenLine xmlns:a14="http://schemas.microsoft.com/office/drawing/2010/main" xmlns="" w="9525">
+                  <a14:hiddenLine xmlns="" xmlns:a14="http://schemas.microsoft.com/office/drawing/2010/main" w="9525">
                     <a:solidFill>
                       <a:srgbClr val="000000"/>
                     </a:solidFill>
@@ -11487,7 +11487,7 @@
               </a:ln>
               <a:extLst>
                 <a:ext uri="{91240B29-F687-4f45-9708-019B960494DF}">
-                  <a14:hiddenLine xmlns:a14="http://schemas.microsoft.com/office/drawing/2010/main" xmlns="" w="9525">
+                  <a14:hiddenLine xmlns="" xmlns:a14="http://schemas.microsoft.com/office/drawing/2010/main" w="9525">
                     <a:solidFill>
                       <a:srgbClr val="000000"/>
                     </a:solidFill>
@@ -11552,7 +11552,7 @@
               </a:ln>
               <a:extLst>
                 <a:ext uri="{91240B29-F687-4f45-9708-019B960494DF}">
-                  <a14:hiddenLine xmlns:a14="http://schemas.microsoft.com/office/drawing/2010/main" xmlns="" w="9525">
+                  <a14:hiddenLine xmlns="" xmlns:a14="http://schemas.microsoft.com/office/drawing/2010/main" w="9525">
                     <a:solidFill>
                       <a:srgbClr val="000000"/>
                     </a:solidFill>
@@ -11614,7 +11614,7 @@
               </a:ln>
               <a:extLst>
                 <a:ext uri="{91240B29-F687-4f45-9708-019B960494DF}">
-                  <a14:hiddenLine xmlns:a14="http://schemas.microsoft.com/office/drawing/2010/main" xmlns="" w="9525">
+                  <a14:hiddenLine xmlns="" xmlns:a14="http://schemas.microsoft.com/office/drawing/2010/main" w="9525">
                     <a:solidFill>
                       <a:srgbClr val="000000"/>
                     </a:solidFill>
@@ -11704,7 +11704,7 @@
               </a:ln>
               <a:extLst>
                 <a:ext uri="{91240B29-F687-4f45-9708-019B960494DF}">
-                  <a14:hiddenLine xmlns:a14="http://schemas.microsoft.com/office/drawing/2010/main" xmlns="" w="9525">
+                  <a14:hiddenLine xmlns="" xmlns:a14="http://schemas.microsoft.com/office/drawing/2010/main" w="9525">
                     <a:solidFill>
                       <a:srgbClr val="000000"/>
                     </a:solidFill>
@@ -11794,7 +11794,7 @@
               </a:ln>
               <a:extLst>
                 <a:ext uri="{91240B29-F687-4f45-9708-019B960494DF}">
-                  <a14:hiddenLine xmlns:a14="http://schemas.microsoft.com/office/drawing/2010/main" xmlns="" w="9525">
+                  <a14:hiddenLine xmlns="" xmlns:a14="http://schemas.microsoft.com/office/drawing/2010/main" w="9525">
                     <a:solidFill>
                       <a:srgbClr val="000000"/>
                     </a:solidFill>
@@ -11859,7 +11859,7 @@
               </a:ln>
               <a:extLst>
                 <a:ext uri="{91240B29-F687-4f45-9708-019B960494DF}">
-                  <a14:hiddenLine xmlns:a14="http://schemas.microsoft.com/office/drawing/2010/main" xmlns="" w="9525">
+                  <a14:hiddenLine xmlns="" xmlns:a14="http://schemas.microsoft.com/office/drawing/2010/main" w="9525">
                     <a:solidFill>
                       <a:srgbClr val="000000"/>
                     </a:solidFill>
@@ -11979,7 +11979,7 @@
               </a:ln>
               <a:extLst>
                 <a:ext uri="{91240B29-F687-4f45-9708-019B960494DF}">
-                  <a14:hiddenLine xmlns:a14="http://schemas.microsoft.com/office/drawing/2010/main" xmlns="" w="9525">
+                  <a14:hiddenLine xmlns="" xmlns:a14="http://schemas.microsoft.com/office/drawing/2010/main" w="9525">
                     <a:solidFill>
                       <a:srgbClr val="000000"/>
                     </a:solidFill>
@@ -12077,7 +12077,7 @@
               </a:ln>
               <a:extLst>
                 <a:ext uri="{91240B29-F687-4f45-9708-019B960494DF}">
-                  <a14:hiddenLine xmlns:a14="http://schemas.microsoft.com/office/drawing/2010/main" xmlns="" w="9525">
+                  <a14:hiddenLine xmlns="" xmlns:a14="http://schemas.microsoft.com/office/drawing/2010/main" w="9525">
                     <a:solidFill>
                       <a:srgbClr val="000000"/>
                     </a:solidFill>
@@ -12192,7 +12192,7 @@
               </a:ln>
               <a:extLst>
                 <a:ext uri="{91240B29-F687-4f45-9708-019B960494DF}">
-                  <a14:hiddenLine xmlns:a14="http://schemas.microsoft.com/office/drawing/2010/main" xmlns="" w="9525">
+                  <a14:hiddenLine xmlns="" xmlns:a14="http://schemas.microsoft.com/office/drawing/2010/main" w="9525">
                     <a:solidFill>
                       <a:srgbClr val="000000"/>
                     </a:solidFill>
@@ -12282,7 +12282,7 @@
               </a:ln>
               <a:extLst>
                 <a:ext uri="{91240B29-F687-4f45-9708-019B960494DF}">
-                  <a14:hiddenLine xmlns:a14="http://schemas.microsoft.com/office/drawing/2010/main" xmlns="" w="9525">
+                  <a14:hiddenLine xmlns="" xmlns:a14="http://schemas.microsoft.com/office/drawing/2010/main" w="9525">
                     <a:solidFill>
                       <a:srgbClr val="000000"/>
                     </a:solidFill>
@@ -12347,7 +12347,7 @@
               </a:ln>
               <a:extLst>
                 <a:ext uri="{91240B29-F687-4f45-9708-019B960494DF}">
-                  <a14:hiddenLine xmlns:a14="http://schemas.microsoft.com/office/drawing/2010/main" xmlns="" w="9525">
+                  <a14:hiddenLine xmlns="" xmlns:a14="http://schemas.microsoft.com/office/drawing/2010/main" w="9525">
                     <a:solidFill>
                       <a:srgbClr val="000000"/>
                     </a:solidFill>
@@ -12437,7 +12437,7 @@
               </a:ln>
               <a:extLst>
                 <a:ext uri="{91240B29-F687-4f45-9708-019B960494DF}">
-                  <a14:hiddenLine xmlns:a14="http://schemas.microsoft.com/office/drawing/2010/main" xmlns="" w="9525">
+                  <a14:hiddenLine xmlns="" xmlns:a14="http://schemas.microsoft.com/office/drawing/2010/main" w="9525">
                     <a:solidFill>
                       <a:srgbClr val="000000"/>
                     </a:solidFill>
@@ -12505,7 +12505,7 @@
               </a:ln>
               <a:extLst>
                 <a:ext uri="{91240B29-F687-4f45-9708-019B960494DF}">
-                  <a14:hiddenLine xmlns:a14="http://schemas.microsoft.com/office/drawing/2010/main" xmlns="" w="9525">
+                  <a14:hiddenLine xmlns="" xmlns:a14="http://schemas.microsoft.com/office/drawing/2010/main" w="9525">
                     <a:solidFill>
                       <a:srgbClr val="000000"/>
                     </a:solidFill>
@@ -12595,7 +12595,7 @@
               </a:ln>
               <a:extLst>
                 <a:ext uri="{91240B29-F687-4f45-9708-019B960494DF}">
-                  <a14:hiddenLine xmlns:a14="http://schemas.microsoft.com/office/drawing/2010/main" xmlns="" w="9525">
+                  <a14:hiddenLine xmlns="" xmlns:a14="http://schemas.microsoft.com/office/drawing/2010/main" w="9525">
                     <a:solidFill>
                       <a:srgbClr val="000000"/>
                     </a:solidFill>
@@ -12663,7 +12663,7 @@
               </a:ln>
               <a:extLst>
                 <a:ext uri="{91240B29-F687-4f45-9708-019B960494DF}">
-                  <a14:hiddenLine xmlns:a14="http://schemas.microsoft.com/office/drawing/2010/main" xmlns="" w="9525">
+                  <a14:hiddenLine xmlns="" xmlns:a14="http://schemas.microsoft.com/office/drawing/2010/main" w="9525">
                     <a:solidFill>
                       <a:srgbClr val="000000"/>
                     </a:solidFill>
@@ -12753,7 +12753,7 @@
               </a:ln>
               <a:extLst>
                 <a:ext uri="{91240B29-F687-4f45-9708-019B960494DF}">
-                  <a14:hiddenLine xmlns:a14="http://schemas.microsoft.com/office/drawing/2010/main" xmlns="" w="9525">
+                  <a14:hiddenLine xmlns="" xmlns:a14="http://schemas.microsoft.com/office/drawing/2010/main" w="9525">
                     <a:solidFill>
                       <a:srgbClr val="000000"/>
                     </a:solidFill>
@@ -12787,7 +12787,7 @@
               </a:ln>
               <a:extLst>
                 <a:ext uri="{91240B29-F687-4f45-9708-019B960494DF}">
-                  <a14:hiddenLine xmlns:a14="http://schemas.microsoft.com/office/drawing/2010/main" xmlns="" w="9525">
+                  <a14:hiddenLine xmlns="" xmlns:a14="http://schemas.microsoft.com/office/drawing/2010/main" w="9525">
                     <a:solidFill>
                       <a:srgbClr val="000000"/>
                     </a:solidFill>
@@ -12927,7 +12927,7 @@
           <a:p>
             <a:fld id="{DF502B2A-9274-4FE7-A76D-3524148FACFA}" type="datetime1">
               <a:rPr lang="en-US" smtClean="0"/>
-              <a:t>1/23/2017</a:t>
+              <a:t>2/8/2017</a:t>
             </a:fld>
             <a:endParaRPr lang="en-US" dirty="0"/>
           </a:p>
@@ -13469,477 +13469,6 @@
           </a:prstGeom>
         </p:spPr>
       </p:pic>
-      <p:sp>
-        <p:nvSpPr>
-          <p:cNvPr id="6" name="Oval 5">
-            <a:hlinkClick r:id="rId4" action="ppaction://hlinksldjump"/>
-          </p:cNvPr>
-          <p:cNvSpPr/>
-          <p:nvPr/>
-        </p:nvSpPr>
-        <p:spPr>
-          <a:xfrm>
-            <a:off x="7739834" y="4807635"/>
-            <a:ext cx="548640" cy="604911"/>
-          </a:xfrm>
-          <a:prstGeom prst="ellipse">
-            <a:avLst/>
-          </a:prstGeom>
-          <a:solidFill>
-            <a:schemeClr val="accent4">
-              <a:lumMod val="20000"/>
-              <a:lumOff val="80000"/>
-            </a:schemeClr>
-          </a:solidFill>
-          <a:ln>
-            <a:noFill/>
-          </a:ln>
-        </p:spPr>
-        <p:style>
-          <a:lnRef idx="2">
-            <a:schemeClr val="accent1">
-              <a:shade val="50000"/>
-            </a:schemeClr>
-          </a:lnRef>
-          <a:fillRef idx="1">
-            <a:schemeClr val="accent1"/>
-          </a:fillRef>
-          <a:effectRef idx="0">
-            <a:schemeClr val="accent1"/>
-          </a:effectRef>
-          <a:fontRef idx="minor">
-            <a:schemeClr val="lt1"/>
-          </a:fontRef>
-        </p:style>
-        <p:txBody>
-          <a:bodyPr rtlCol="0" anchor="ctr"/>
-          <a:lstStyle/>
-          <a:p>
-            <a:pPr algn="ctr"/>
-            <a:r>
-              <a:rPr lang="en-GB" dirty="0">
-                <a:solidFill>
-                  <a:schemeClr val="bg1"/>
-                </a:solidFill>
-                <a:latin typeface="Courier New" panose="02070309020205020404" pitchFamily="49" charset="0"/>
-                <a:cs typeface="Courier New" panose="02070309020205020404" pitchFamily="49" charset="0"/>
-              </a:rPr>
-              <a:t>1</a:t>
-            </a:r>
-          </a:p>
-        </p:txBody>
-      </p:sp>
-      <p:sp>
-        <p:nvSpPr>
-          <p:cNvPr id="7" name="Oval 6">
-            <a:hlinkClick r:id="" action="ppaction://noaction"/>
-          </p:cNvPr>
-          <p:cNvSpPr/>
-          <p:nvPr/>
-        </p:nvSpPr>
-        <p:spPr>
-          <a:xfrm>
-            <a:off x="8471786" y="4807635"/>
-            <a:ext cx="548640" cy="604911"/>
-          </a:xfrm>
-          <a:prstGeom prst="ellipse">
-            <a:avLst/>
-          </a:prstGeom>
-          <a:solidFill>
-            <a:schemeClr val="accent4">
-              <a:lumMod val="40000"/>
-              <a:lumOff val="60000"/>
-            </a:schemeClr>
-          </a:solidFill>
-          <a:ln>
-            <a:noFill/>
-          </a:ln>
-        </p:spPr>
-        <p:style>
-          <a:lnRef idx="2">
-            <a:schemeClr val="accent1">
-              <a:shade val="50000"/>
-            </a:schemeClr>
-          </a:lnRef>
-          <a:fillRef idx="1">
-            <a:schemeClr val="accent1"/>
-          </a:fillRef>
-          <a:effectRef idx="0">
-            <a:schemeClr val="accent1"/>
-          </a:effectRef>
-          <a:fontRef idx="minor">
-            <a:schemeClr val="lt1"/>
-          </a:fontRef>
-        </p:style>
-        <p:txBody>
-          <a:bodyPr rtlCol="0" anchor="ctr"/>
-          <a:lstStyle/>
-          <a:p>
-            <a:pPr algn="ctr"/>
-            <a:r>
-              <a:rPr lang="en-GB" dirty="0">
-                <a:solidFill>
-                  <a:schemeClr val="bg1"/>
-                </a:solidFill>
-                <a:latin typeface="Courier New" panose="02070309020205020404" pitchFamily="49" charset="0"/>
-                <a:cs typeface="Courier New" panose="02070309020205020404" pitchFamily="49" charset="0"/>
-              </a:rPr>
-              <a:t>2</a:t>
-            </a:r>
-          </a:p>
-        </p:txBody>
-      </p:sp>
-      <p:sp>
-        <p:nvSpPr>
-          <p:cNvPr id="8" name="Oval 7">
-            <a:hlinkClick r:id="" action="ppaction://noaction"/>
-          </p:cNvPr>
-          <p:cNvSpPr/>
-          <p:nvPr/>
-        </p:nvSpPr>
-        <p:spPr>
-          <a:xfrm>
-            <a:off x="9212036" y="4805291"/>
-            <a:ext cx="548640" cy="604911"/>
-          </a:xfrm>
-          <a:prstGeom prst="ellipse">
-            <a:avLst/>
-          </a:prstGeom>
-          <a:solidFill>
-            <a:schemeClr val="accent4">
-              <a:lumMod val="60000"/>
-              <a:lumOff val="40000"/>
-            </a:schemeClr>
-          </a:solidFill>
-          <a:ln>
-            <a:noFill/>
-          </a:ln>
-        </p:spPr>
-        <p:style>
-          <a:lnRef idx="2">
-            <a:schemeClr val="accent1">
-              <a:shade val="50000"/>
-            </a:schemeClr>
-          </a:lnRef>
-          <a:fillRef idx="1">
-            <a:schemeClr val="accent1"/>
-          </a:fillRef>
-          <a:effectRef idx="0">
-            <a:schemeClr val="accent1"/>
-          </a:effectRef>
-          <a:fontRef idx="minor">
-            <a:schemeClr val="lt1"/>
-          </a:fontRef>
-        </p:style>
-        <p:txBody>
-          <a:bodyPr rtlCol="0" anchor="ctr"/>
-          <a:lstStyle/>
-          <a:p>
-            <a:pPr algn="ctr"/>
-            <a:r>
-              <a:rPr lang="en-GB" dirty="0">
-                <a:solidFill>
-                  <a:schemeClr val="bg1"/>
-                </a:solidFill>
-                <a:latin typeface="Courier New" panose="02070309020205020404" pitchFamily="49" charset="0"/>
-                <a:cs typeface="Courier New" panose="02070309020205020404" pitchFamily="49" charset="0"/>
-              </a:rPr>
-              <a:t>3</a:t>
-            </a:r>
-          </a:p>
-        </p:txBody>
-      </p:sp>
-      <p:sp>
-        <p:nvSpPr>
-          <p:cNvPr id="9" name="Oval 8">
-            <a:hlinkClick r:id="" action="ppaction://noaction"/>
-          </p:cNvPr>
-          <p:cNvSpPr/>
-          <p:nvPr/>
-        </p:nvSpPr>
-        <p:spPr>
-          <a:xfrm>
-            <a:off x="9952286" y="4805290"/>
-            <a:ext cx="548640" cy="604911"/>
-          </a:xfrm>
-          <a:prstGeom prst="ellipse">
-            <a:avLst/>
-          </a:prstGeom>
-          <a:solidFill>
-            <a:schemeClr val="accent4">
-              <a:lumMod val="75000"/>
-            </a:schemeClr>
-          </a:solidFill>
-          <a:ln>
-            <a:noFill/>
-          </a:ln>
-        </p:spPr>
-        <p:style>
-          <a:lnRef idx="2">
-            <a:schemeClr val="accent1">
-              <a:shade val="50000"/>
-            </a:schemeClr>
-          </a:lnRef>
-          <a:fillRef idx="1">
-            <a:schemeClr val="accent1"/>
-          </a:fillRef>
-          <a:effectRef idx="0">
-            <a:schemeClr val="accent1"/>
-          </a:effectRef>
-          <a:fontRef idx="minor">
-            <a:schemeClr val="lt1"/>
-          </a:fontRef>
-        </p:style>
-        <p:txBody>
-          <a:bodyPr rtlCol="0" anchor="ctr"/>
-          <a:lstStyle/>
-          <a:p>
-            <a:pPr algn="ctr"/>
-            <a:r>
-              <a:rPr lang="en-GB" dirty="0">
-                <a:solidFill>
-                  <a:schemeClr val="bg1"/>
-                </a:solidFill>
-                <a:latin typeface="Courier New" panose="02070309020205020404" pitchFamily="49" charset="0"/>
-                <a:cs typeface="Courier New" panose="02070309020205020404" pitchFamily="49" charset="0"/>
-              </a:rPr>
-              <a:t>4</a:t>
-            </a:r>
-          </a:p>
-        </p:txBody>
-      </p:sp>
-      <p:sp>
-        <p:nvSpPr>
-          <p:cNvPr id="10" name="Oval 9">
-            <a:hlinkClick r:id="" action="ppaction://noaction"/>
-          </p:cNvPr>
-          <p:cNvSpPr/>
-          <p:nvPr/>
-        </p:nvSpPr>
-        <p:spPr>
-          <a:xfrm>
-            <a:off x="7739834" y="5584706"/>
-            <a:ext cx="548640" cy="604911"/>
-          </a:xfrm>
-          <a:prstGeom prst="ellipse">
-            <a:avLst/>
-          </a:prstGeom>
-          <a:solidFill>
-            <a:schemeClr val="accent4">
-              <a:lumMod val="50000"/>
-            </a:schemeClr>
-          </a:solidFill>
-          <a:ln>
-            <a:noFill/>
-          </a:ln>
-        </p:spPr>
-        <p:style>
-          <a:lnRef idx="2">
-            <a:schemeClr val="accent1">
-              <a:shade val="50000"/>
-            </a:schemeClr>
-          </a:lnRef>
-          <a:fillRef idx="1">
-            <a:schemeClr val="accent1"/>
-          </a:fillRef>
-          <a:effectRef idx="0">
-            <a:schemeClr val="accent1"/>
-          </a:effectRef>
-          <a:fontRef idx="minor">
-            <a:schemeClr val="lt1"/>
-          </a:fontRef>
-        </p:style>
-        <p:txBody>
-          <a:bodyPr rtlCol="0" anchor="ctr"/>
-          <a:lstStyle/>
-          <a:p>
-            <a:pPr algn="ctr"/>
-            <a:r>
-              <a:rPr lang="en-GB" dirty="0">
-                <a:solidFill>
-                  <a:schemeClr val="bg1"/>
-                </a:solidFill>
-                <a:latin typeface="Courier New" panose="02070309020205020404" pitchFamily="49" charset="0"/>
-                <a:cs typeface="Courier New" panose="02070309020205020404" pitchFamily="49" charset="0"/>
-              </a:rPr>
-              <a:t>5</a:t>
-            </a:r>
-          </a:p>
-        </p:txBody>
-      </p:sp>
-      <p:sp>
-        <p:nvSpPr>
-          <p:cNvPr id="11" name="Oval 10"/>
-          <p:cNvSpPr/>
-          <p:nvPr/>
-        </p:nvSpPr>
-        <p:spPr>
-          <a:xfrm>
-            <a:off x="8471786" y="5584706"/>
-            <a:ext cx="548640" cy="604911"/>
-          </a:xfrm>
-          <a:prstGeom prst="ellipse">
-            <a:avLst/>
-          </a:prstGeom>
-          <a:solidFill>
-            <a:schemeClr val="accent4">
-              <a:lumMod val="75000"/>
-            </a:schemeClr>
-          </a:solidFill>
-          <a:ln>
-            <a:noFill/>
-          </a:ln>
-        </p:spPr>
-        <p:style>
-          <a:lnRef idx="2">
-            <a:schemeClr val="accent1">
-              <a:shade val="50000"/>
-            </a:schemeClr>
-          </a:lnRef>
-          <a:fillRef idx="1">
-            <a:schemeClr val="accent1"/>
-          </a:fillRef>
-          <a:effectRef idx="0">
-            <a:schemeClr val="accent1"/>
-          </a:effectRef>
-          <a:fontRef idx="minor">
-            <a:schemeClr val="lt1"/>
-          </a:fontRef>
-        </p:style>
-        <p:txBody>
-          <a:bodyPr rtlCol="0" anchor="ctr"/>
-          <a:lstStyle/>
-          <a:p>
-            <a:pPr algn="ctr"/>
-            <a:r>
-              <a:rPr lang="en-GB" dirty="0">
-                <a:solidFill>
-                  <a:schemeClr val="bg1"/>
-                </a:solidFill>
-                <a:latin typeface="Courier New" panose="02070309020205020404" pitchFamily="49" charset="0"/>
-                <a:cs typeface="Courier New" panose="02070309020205020404" pitchFamily="49" charset="0"/>
-              </a:rPr>
-              <a:t>6</a:t>
-            </a:r>
-          </a:p>
-        </p:txBody>
-      </p:sp>
-      <p:sp>
-        <p:nvSpPr>
-          <p:cNvPr id="12" name="Oval 11"/>
-          <p:cNvSpPr/>
-          <p:nvPr/>
-        </p:nvSpPr>
-        <p:spPr>
-          <a:xfrm>
-            <a:off x="9212036" y="5582362"/>
-            <a:ext cx="548640" cy="604911"/>
-          </a:xfrm>
-          <a:prstGeom prst="ellipse">
-            <a:avLst/>
-          </a:prstGeom>
-          <a:solidFill>
-            <a:schemeClr val="accent4">
-              <a:lumMod val="60000"/>
-              <a:lumOff val="40000"/>
-            </a:schemeClr>
-          </a:solidFill>
-          <a:ln>
-            <a:noFill/>
-          </a:ln>
-        </p:spPr>
-        <p:style>
-          <a:lnRef idx="2">
-            <a:schemeClr val="accent1">
-              <a:shade val="50000"/>
-            </a:schemeClr>
-          </a:lnRef>
-          <a:fillRef idx="1">
-            <a:schemeClr val="accent1"/>
-          </a:fillRef>
-          <a:effectRef idx="0">
-            <a:schemeClr val="accent1"/>
-          </a:effectRef>
-          <a:fontRef idx="minor">
-            <a:schemeClr val="lt1"/>
-          </a:fontRef>
-        </p:style>
-        <p:txBody>
-          <a:bodyPr rtlCol="0" anchor="ctr"/>
-          <a:lstStyle/>
-          <a:p>
-            <a:pPr algn="ctr"/>
-            <a:r>
-              <a:rPr lang="en-GB" dirty="0">
-                <a:solidFill>
-                  <a:schemeClr val="bg1"/>
-                </a:solidFill>
-                <a:latin typeface="Courier New" panose="02070309020205020404" pitchFamily="49" charset="0"/>
-                <a:cs typeface="Courier New" panose="02070309020205020404" pitchFamily="49" charset="0"/>
-              </a:rPr>
-              <a:t>7</a:t>
-            </a:r>
-          </a:p>
-        </p:txBody>
-      </p:sp>
-      <p:sp>
-        <p:nvSpPr>
-          <p:cNvPr id="13" name="Oval 12"/>
-          <p:cNvSpPr/>
-          <p:nvPr/>
-        </p:nvSpPr>
-        <p:spPr>
-          <a:xfrm>
-            <a:off x="9952286" y="5582361"/>
-            <a:ext cx="548640" cy="604911"/>
-          </a:xfrm>
-          <a:prstGeom prst="ellipse">
-            <a:avLst/>
-          </a:prstGeom>
-          <a:solidFill>
-            <a:schemeClr val="accent4">
-              <a:lumMod val="40000"/>
-              <a:lumOff val="60000"/>
-            </a:schemeClr>
-          </a:solidFill>
-          <a:ln>
-            <a:noFill/>
-          </a:ln>
-        </p:spPr>
-        <p:style>
-          <a:lnRef idx="2">
-            <a:schemeClr val="accent1">
-              <a:shade val="50000"/>
-            </a:schemeClr>
-          </a:lnRef>
-          <a:fillRef idx="1">
-            <a:schemeClr val="accent1"/>
-          </a:fillRef>
-          <a:effectRef idx="0">
-            <a:schemeClr val="accent1"/>
-          </a:effectRef>
-          <a:fontRef idx="minor">
-            <a:schemeClr val="lt1"/>
-          </a:fontRef>
-        </p:style>
-        <p:txBody>
-          <a:bodyPr rtlCol="0" anchor="ctr"/>
-          <a:lstStyle/>
-          <a:p>
-            <a:pPr algn="ctr"/>
-            <a:r>
-              <a:rPr lang="en-GB" dirty="0">
-                <a:solidFill>
-                  <a:schemeClr val="bg1"/>
-                </a:solidFill>
-                <a:latin typeface="Courier New" panose="02070309020205020404" pitchFamily="49" charset="0"/>
-                <a:cs typeface="Courier New" panose="02070309020205020404" pitchFamily="49" charset="0"/>
-              </a:rPr>
-              <a:t>8</a:t>
-            </a:r>
-          </a:p>
-        </p:txBody>
-      </p:sp>
     </p:spTree>
     <p:extLst>
       <p:ext uri="{BB962C8B-B14F-4D97-AF65-F5344CB8AC3E}">
@@ -15380,12 +14909,21 @@
             </a:r>
             <a:r>
               <a:rPr lang="en-GB" dirty="0"/>
-              <a:t>, download challenge1.py</a:t>
+              <a:t>, download </a:t>
+            </a:r>
+            <a:r>
+              <a:rPr lang="en-GB" dirty="0">
+                <a:latin typeface="Courier New" panose="02070309020205020404" pitchFamily="49" charset="0"/>
+                <a:cs typeface="Courier New" panose="02070309020205020404" pitchFamily="49" charset="0"/>
+              </a:rPr>
+              <a:t>challenge1.py</a:t>
             </a:r>
             <a:endParaRPr lang="en-GB" dirty="0">
               <a:solidFill>
                 <a:srgbClr val="7030A0"/>
               </a:solidFill>
+              <a:latin typeface="Courier New" panose="02070309020205020404" pitchFamily="49" charset="0"/>
+              <a:cs typeface="Courier New" panose="02070309020205020404" pitchFamily="49" charset="0"/>
             </a:endParaRPr>
           </a:p>
           <a:p>

--- a/slides.pptx
+++ b/slides.pptx
@@ -5,16 +5,15 @@
     <p:sldMasterId id="2147483648" r:id="rId1"/>
   </p:sldMasterIdLst>
   <p:notesMasterIdLst>
-    <p:notesMasterId r:id="rId9"/>
+    <p:notesMasterId r:id="rId8"/>
   </p:notesMasterIdLst>
   <p:sldIdLst>
     <p:sldId id="256" r:id="rId2"/>
-    <p:sldId id="257" r:id="rId3"/>
-    <p:sldId id="288" r:id="rId4"/>
-    <p:sldId id="289" r:id="rId5"/>
-    <p:sldId id="263" r:id="rId6"/>
-    <p:sldId id="264" r:id="rId7"/>
-    <p:sldId id="266" r:id="rId8"/>
+    <p:sldId id="288" r:id="rId3"/>
+    <p:sldId id="289" r:id="rId4"/>
+    <p:sldId id="263" r:id="rId5"/>
+    <p:sldId id="264" r:id="rId6"/>
+    <p:sldId id="266" r:id="rId7"/>
   </p:sldIdLst>
   <p:sldSz cx="12192000" cy="6858000"/>
   <p:notesSz cx="6858000" cy="9144000"/>
@@ -119,7 +118,6 @@
         <p14:section name="Title page" id="{2CCD16A2-9EF6-4F56-A5FF-A51AF0E40F6A}">
           <p14:sldIdLst>
             <p14:sldId id="256"/>
-            <p14:sldId id="257"/>
           </p14:sldIdLst>
         </p14:section>
         <p14:section name="Week 2 - lists, ifs, loops" id="{FB578273-FB69-4C74-870A-1CBB668726A2}">
@@ -222,7 +220,7 @@
           <a:p>
             <a:fld id="{D5CCF024-8058-4E92-8B35-074515495720}" type="datetimeFigureOut">
               <a:rPr lang="en-GB" smtClean="0"/>
-              <a:t>23/01/2017</a:t>
+              <a:t>08/02/2017</a:t>
             </a:fld>
             <a:endParaRPr lang="en-GB"/>
           </a:p>
@@ -688,7 +686,7 @@
           <a:p>
             <a:fld id="{6E50C31B-5128-4CB2-8D4B-CBF503D17F3C}" type="slidenum">
               <a:rPr lang="en-GB" smtClean="0"/>
-              <a:t>3</a:t>
+              <a:t>2</a:t>
             </a:fld>
             <a:endParaRPr lang="en-GB"/>
           </a:p>
@@ -781,7 +779,7 @@
           <a:p>
             <a:fld id="{6E50C31B-5128-4CB2-8D4B-CBF503D17F3C}" type="slidenum">
               <a:rPr lang="en-GB" smtClean="0"/>
-              <a:t>4</a:t>
+              <a:t>3</a:t>
             </a:fld>
             <a:endParaRPr lang="en-GB"/>
           </a:p>
@@ -868,7 +866,7 @@
           <a:p>
             <a:fld id="{6E50C31B-5128-4CB2-8D4B-CBF503D17F3C}" type="slidenum">
               <a:rPr lang="en-GB" smtClean="0"/>
-              <a:t>5</a:t>
+              <a:t>4</a:t>
             </a:fld>
             <a:endParaRPr lang="en-GB"/>
           </a:p>
@@ -983,7 +981,7 @@
           <a:p>
             <a:fld id="{6E50C31B-5128-4CB2-8D4B-CBF503D17F3C}" type="slidenum">
               <a:rPr lang="en-GB" smtClean="0"/>
-              <a:t>6</a:t>
+              <a:t>5</a:t>
             </a:fld>
             <a:endParaRPr lang="en-GB"/>
           </a:p>
@@ -1052,7 +1050,7 @@
           <a:noFill/>
           <a:extLst>
             <a:ext uri="{909E8E84-426E-40dd-AFC4-6F175D3DCCD1}">
-              <a14:hiddenFill xmlns:a14="http://schemas.microsoft.com/office/drawing/2010/main" xmlns="">
+              <a14:hiddenFill xmlns="" xmlns:a14="http://schemas.microsoft.com/office/drawing/2010/main">
                 <a:solidFill>
                   <a:srgbClr val="FFFFFF"/>
                 </a:solidFill>
@@ -1112,7 +1110,7 @@
             </a:ln>
             <a:extLst>
               <a:ext uri="{91240B29-F687-4f45-9708-019B960494DF}">
-                <a14:hiddenLine xmlns:a14="http://schemas.microsoft.com/office/drawing/2010/main" xmlns="" w="9525">
+                <a14:hiddenLine xmlns="" xmlns:a14="http://schemas.microsoft.com/office/drawing/2010/main" w="9525">
                   <a:solidFill>
                     <a:srgbClr val="000000"/>
                   </a:solidFill>
@@ -1202,7 +1200,7 @@
             </a:ln>
             <a:extLst>
               <a:ext uri="{91240B29-F687-4f45-9708-019B960494DF}">
-                <a14:hiddenLine xmlns:a14="http://schemas.microsoft.com/office/drawing/2010/main" xmlns="" w="9525">
+                <a14:hiddenLine xmlns="" xmlns:a14="http://schemas.microsoft.com/office/drawing/2010/main" w="9525">
                   <a:solidFill>
                     <a:srgbClr val="000000"/>
                   </a:solidFill>
@@ -1292,7 +1290,7 @@
             </a:ln>
             <a:extLst>
               <a:ext uri="{91240B29-F687-4f45-9708-019B960494DF}">
-                <a14:hiddenLine xmlns:a14="http://schemas.microsoft.com/office/drawing/2010/main" xmlns="" w="9525">
+                <a14:hiddenLine xmlns="" xmlns:a14="http://schemas.microsoft.com/office/drawing/2010/main" w="9525">
                   <a:solidFill>
                     <a:srgbClr val="000000"/>
                   </a:solidFill>
@@ -1326,7 +1324,7 @@
             </a:ln>
             <a:extLst>
               <a:ext uri="{91240B29-F687-4f45-9708-019B960494DF}">
-                <a14:hiddenLine xmlns:a14="http://schemas.microsoft.com/office/drawing/2010/main" xmlns="" w="9525">
+                <a14:hiddenLine xmlns="" xmlns:a14="http://schemas.microsoft.com/office/drawing/2010/main" w="9525">
                   <a:solidFill>
                     <a:srgbClr val="000000"/>
                   </a:solidFill>
@@ -1416,7 +1414,7 @@
             </a:ln>
             <a:extLst>
               <a:ext uri="{91240B29-F687-4f45-9708-019B960494DF}">
-                <a14:hiddenLine xmlns:a14="http://schemas.microsoft.com/office/drawing/2010/main" xmlns="" w="9525">
+                <a14:hiddenLine xmlns="" xmlns:a14="http://schemas.microsoft.com/office/drawing/2010/main" w="9525">
                   <a:solidFill>
                     <a:srgbClr val="000000"/>
                   </a:solidFill>
@@ -1478,7 +1476,7 @@
             </a:ln>
             <a:extLst>
               <a:ext uri="{91240B29-F687-4f45-9708-019B960494DF}">
-                <a14:hiddenLine xmlns:a14="http://schemas.microsoft.com/office/drawing/2010/main" xmlns="" w="9525">
+                <a14:hiddenLine xmlns="" xmlns:a14="http://schemas.microsoft.com/office/drawing/2010/main" w="9525">
                   <a:solidFill>
                     <a:srgbClr val="000000"/>
                   </a:solidFill>
@@ -1540,7 +1538,7 @@
             </a:ln>
             <a:extLst>
               <a:ext uri="{91240B29-F687-4f45-9708-019B960494DF}">
-                <a14:hiddenLine xmlns:a14="http://schemas.microsoft.com/office/drawing/2010/main" xmlns="" w="9525">
+                <a14:hiddenLine xmlns="" xmlns:a14="http://schemas.microsoft.com/office/drawing/2010/main" w="9525">
                   <a:solidFill>
                     <a:srgbClr val="000000"/>
                   </a:solidFill>
@@ -1630,7 +1628,7 @@
             </a:ln>
             <a:extLst>
               <a:ext uri="{91240B29-F687-4f45-9708-019B960494DF}">
-                <a14:hiddenLine xmlns:a14="http://schemas.microsoft.com/office/drawing/2010/main" xmlns="" w="9525">
+                <a14:hiddenLine xmlns="" xmlns:a14="http://schemas.microsoft.com/office/drawing/2010/main" w="9525">
                   <a:solidFill>
                     <a:srgbClr val="000000"/>
                   </a:solidFill>
@@ -1692,7 +1690,7 @@
             </a:ln>
             <a:extLst>
               <a:ext uri="{91240B29-F687-4f45-9708-019B960494DF}">
-                <a14:hiddenLine xmlns:a14="http://schemas.microsoft.com/office/drawing/2010/main" xmlns="" w="9525">
+                <a14:hiddenLine xmlns="" xmlns:a14="http://schemas.microsoft.com/office/drawing/2010/main" w="9525">
                   <a:solidFill>
                     <a:srgbClr val="000000"/>
                   </a:solidFill>
@@ -1754,7 +1752,7 @@
             </a:ln>
             <a:extLst>
               <a:ext uri="{91240B29-F687-4f45-9708-019B960494DF}">
-                <a14:hiddenLine xmlns:a14="http://schemas.microsoft.com/office/drawing/2010/main" xmlns="" w="9525">
+                <a14:hiddenLine xmlns="" xmlns:a14="http://schemas.microsoft.com/office/drawing/2010/main" w="9525">
                   <a:solidFill>
                     <a:srgbClr val="000000"/>
                   </a:solidFill>
@@ -1844,7 +1842,7 @@
             </a:ln>
             <a:extLst>
               <a:ext uri="{91240B29-F687-4f45-9708-019B960494DF}">
-                <a14:hiddenLine xmlns:a14="http://schemas.microsoft.com/office/drawing/2010/main" xmlns="" w="9525">
+                <a14:hiddenLine xmlns="" xmlns:a14="http://schemas.microsoft.com/office/drawing/2010/main" w="9525">
                   <a:solidFill>
                     <a:srgbClr val="000000"/>
                   </a:solidFill>
@@ -1934,7 +1932,7 @@
             </a:ln>
             <a:extLst>
               <a:ext uri="{91240B29-F687-4f45-9708-019B960494DF}">
-                <a14:hiddenLine xmlns:a14="http://schemas.microsoft.com/office/drawing/2010/main" xmlns="" w="9525">
+                <a14:hiddenLine xmlns="" xmlns:a14="http://schemas.microsoft.com/office/drawing/2010/main" w="9525">
                   <a:solidFill>
                     <a:srgbClr val="000000"/>
                   </a:solidFill>
@@ -1996,7 +1994,7 @@
             </a:ln>
             <a:extLst>
               <a:ext uri="{91240B29-F687-4f45-9708-019B960494DF}">
-                <a14:hiddenLine xmlns:a14="http://schemas.microsoft.com/office/drawing/2010/main" xmlns="" w="9525">
+                <a14:hiddenLine xmlns="" xmlns:a14="http://schemas.microsoft.com/office/drawing/2010/main" w="9525">
                   <a:solidFill>
                     <a:srgbClr val="000000"/>
                   </a:solidFill>
@@ -2106,7 +2104,7 @@
             </a:ln>
             <a:extLst>
               <a:ext uri="{91240B29-F687-4f45-9708-019B960494DF}">
-                <a14:hiddenLine xmlns:a14="http://schemas.microsoft.com/office/drawing/2010/main" xmlns="" w="9525">
+                <a14:hiddenLine xmlns="" xmlns:a14="http://schemas.microsoft.com/office/drawing/2010/main" w="9525">
                   <a:solidFill>
                     <a:srgbClr val="000000"/>
                   </a:solidFill>
@@ -2168,7 +2166,7 @@
             </a:ln>
             <a:extLst>
               <a:ext uri="{91240B29-F687-4f45-9708-019B960494DF}">
-                <a14:hiddenLine xmlns:a14="http://schemas.microsoft.com/office/drawing/2010/main" xmlns="" w="9525">
+                <a14:hiddenLine xmlns="" xmlns:a14="http://schemas.microsoft.com/office/drawing/2010/main" w="9525">
                   <a:solidFill>
                     <a:srgbClr val="000000"/>
                   </a:solidFill>
@@ -2258,7 +2256,7 @@
             </a:ln>
             <a:extLst>
               <a:ext uri="{91240B29-F687-4f45-9708-019B960494DF}">
-                <a14:hiddenLine xmlns:a14="http://schemas.microsoft.com/office/drawing/2010/main" xmlns="" w="9525">
+                <a14:hiddenLine xmlns="" xmlns:a14="http://schemas.microsoft.com/office/drawing/2010/main" w="9525">
                   <a:solidFill>
                     <a:srgbClr val="000000"/>
                   </a:solidFill>
@@ -2348,7 +2346,7 @@
             </a:ln>
             <a:extLst>
               <a:ext uri="{91240B29-F687-4f45-9708-019B960494DF}">
-                <a14:hiddenLine xmlns:a14="http://schemas.microsoft.com/office/drawing/2010/main" xmlns="" w="9525">
+                <a14:hiddenLine xmlns="" xmlns:a14="http://schemas.microsoft.com/office/drawing/2010/main" w="9525">
                   <a:solidFill>
                     <a:srgbClr val="000000"/>
                   </a:solidFill>
@@ -2410,7 +2408,7 @@
             </a:ln>
             <a:extLst>
               <a:ext uri="{91240B29-F687-4f45-9708-019B960494DF}">
-                <a14:hiddenLine xmlns:a14="http://schemas.microsoft.com/office/drawing/2010/main" xmlns="" w="9525">
+                <a14:hiddenLine xmlns="" xmlns:a14="http://schemas.microsoft.com/office/drawing/2010/main" w="9525">
                   <a:solidFill>
                     <a:srgbClr val="000000"/>
                   </a:solidFill>
@@ -2500,7 +2498,7 @@
             </a:ln>
             <a:extLst>
               <a:ext uri="{91240B29-F687-4f45-9708-019B960494DF}">
-                <a14:hiddenLine xmlns:a14="http://schemas.microsoft.com/office/drawing/2010/main" xmlns="" w="9525">
+                <a14:hiddenLine xmlns="" xmlns:a14="http://schemas.microsoft.com/office/drawing/2010/main" w="9525">
                   <a:solidFill>
                     <a:srgbClr val="000000"/>
                   </a:solidFill>
@@ -2590,7 +2588,7 @@
             </a:ln>
             <a:extLst>
               <a:ext uri="{91240B29-F687-4f45-9708-019B960494DF}">
-                <a14:hiddenLine xmlns:a14="http://schemas.microsoft.com/office/drawing/2010/main" xmlns="" w="9525">
+                <a14:hiddenLine xmlns="" xmlns:a14="http://schemas.microsoft.com/office/drawing/2010/main" w="9525">
                   <a:solidFill>
                     <a:srgbClr val="000000"/>
                   </a:solidFill>
@@ -2646,7 +2644,7 @@
             </a:ln>
             <a:extLst>
               <a:ext uri="{91240B29-F687-4f45-9708-019B960494DF}">
-                <a14:hiddenLine xmlns:a14="http://schemas.microsoft.com/office/drawing/2010/main" xmlns="" w="9525">
+                <a14:hiddenLine xmlns="" xmlns:a14="http://schemas.microsoft.com/office/drawing/2010/main" w="9525">
                   <a:solidFill>
                     <a:srgbClr val="000000"/>
                   </a:solidFill>
@@ -2736,7 +2734,7 @@
             </a:ln>
             <a:extLst>
               <a:ext uri="{91240B29-F687-4f45-9708-019B960494DF}">
-                <a14:hiddenLine xmlns:a14="http://schemas.microsoft.com/office/drawing/2010/main" xmlns="" w="9525">
+                <a14:hiddenLine xmlns="" xmlns:a14="http://schemas.microsoft.com/office/drawing/2010/main" w="9525">
                   <a:solidFill>
                     <a:srgbClr val="000000"/>
                   </a:solidFill>
@@ -2792,7 +2790,7 @@
             </a:ln>
             <a:extLst>
               <a:ext uri="{91240B29-F687-4f45-9708-019B960494DF}">
-                <a14:hiddenLine xmlns:a14="http://schemas.microsoft.com/office/drawing/2010/main" xmlns="" w="9525">
+                <a14:hiddenLine xmlns="" xmlns:a14="http://schemas.microsoft.com/office/drawing/2010/main" w="9525">
                   <a:solidFill>
                     <a:srgbClr val="000000"/>
                   </a:solidFill>
@@ -2882,7 +2880,7 @@
             </a:ln>
             <a:extLst>
               <a:ext uri="{91240B29-F687-4f45-9708-019B960494DF}">
-                <a14:hiddenLine xmlns:a14="http://schemas.microsoft.com/office/drawing/2010/main" xmlns="" w="9525">
+                <a14:hiddenLine xmlns="" xmlns:a14="http://schemas.microsoft.com/office/drawing/2010/main" w="9525">
                   <a:solidFill>
                     <a:srgbClr val="000000"/>
                   </a:solidFill>
@@ -2950,7 +2948,7 @@
             </a:ln>
             <a:extLst>
               <a:ext uri="{91240B29-F687-4f45-9708-019B960494DF}">
-                <a14:hiddenLine xmlns:a14="http://schemas.microsoft.com/office/drawing/2010/main" xmlns="" w="9525">
+                <a14:hiddenLine xmlns="" xmlns:a14="http://schemas.microsoft.com/office/drawing/2010/main" w="9525">
                   <a:solidFill>
                     <a:srgbClr val="000000"/>
                   </a:solidFill>
@@ -3040,7 +3038,7 @@
             </a:ln>
             <a:extLst>
               <a:ext uri="{91240B29-F687-4f45-9708-019B960494DF}">
-                <a14:hiddenLine xmlns:a14="http://schemas.microsoft.com/office/drawing/2010/main" xmlns="" w="9525">
+                <a14:hiddenLine xmlns="" xmlns:a14="http://schemas.microsoft.com/office/drawing/2010/main" w="9525">
                   <a:solidFill>
                     <a:srgbClr val="000000"/>
                   </a:solidFill>
@@ -3108,7 +3106,7 @@
             </a:ln>
             <a:extLst>
               <a:ext uri="{91240B29-F687-4f45-9708-019B960494DF}">
-                <a14:hiddenLine xmlns:a14="http://schemas.microsoft.com/office/drawing/2010/main" xmlns="" w="9525">
+                <a14:hiddenLine xmlns="" xmlns:a14="http://schemas.microsoft.com/office/drawing/2010/main" w="9525">
                   <a:solidFill>
                     <a:srgbClr val="000000"/>
                   </a:solidFill>
@@ -3198,7 +3196,7 @@
             </a:ln>
             <a:extLst>
               <a:ext uri="{91240B29-F687-4f45-9708-019B960494DF}">
-                <a14:hiddenLine xmlns:a14="http://schemas.microsoft.com/office/drawing/2010/main" xmlns="" w="9525">
+                <a14:hiddenLine xmlns="" xmlns:a14="http://schemas.microsoft.com/office/drawing/2010/main" w="9525">
                   <a:solidFill>
                     <a:srgbClr val="000000"/>
                   </a:solidFill>
@@ -3232,7 +3230,7 @@
             </a:ln>
             <a:extLst>
               <a:ext uri="{91240B29-F687-4f45-9708-019B960494DF}">
-                <a14:hiddenLine xmlns:a14="http://schemas.microsoft.com/office/drawing/2010/main" xmlns="" w="9525">
+                <a14:hiddenLine xmlns="" xmlns:a14="http://schemas.microsoft.com/office/drawing/2010/main" w="9525">
                   <a:solidFill>
                     <a:srgbClr val="000000"/>
                   </a:solidFill>
@@ -3322,7 +3320,7 @@
             </a:ln>
             <a:extLst>
               <a:ext uri="{91240B29-F687-4f45-9708-019B960494DF}">
-                <a14:hiddenLine xmlns:a14="http://schemas.microsoft.com/office/drawing/2010/main" xmlns="" w="9525">
+                <a14:hiddenLine xmlns="" xmlns:a14="http://schemas.microsoft.com/office/drawing/2010/main" w="9525">
                   <a:solidFill>
                     <a:srgbClr val="000000"/>
                   </a:solidFill>
@@ -3384,7 +3382,7 @@
             </a:ln>
             <a:extLst>
               <a:ext uri="{91240B29-F687-4f45-9708-019B960494DF}">
-                <a14:hiddenLine xmlns:a14="http://schemas.microsoft.com/office/drawing/2010/main" xmlns="" w="9525">
+                <a14:hiddenLine xmlns="" xmlns:a14="http://schemas.microsoft.com/office/drawing/2010/main" w="9525">
                   <a:solidFill>
                     <a:srgbClr val="000000"/>
                   </a:solidFill>
@@ -3446,7 +3444,7 @@
             </a:ln>
             <a:extLst>
               <a:ext uri="{91240B29-F687-4f45-9708-019B960494DF}">
-                <a14:hiddenLine xmlns:a14="http://schemas.microsoft.com/office/drawing/2010/main" xmlns="" w="9525">
+                <a14:hiddenLine xmlns="" xmlns:a14="http://schemas.microsoft.com/office/drawing/2010/main" w="9525">
                   <a:solidFill>
                     <a:srgbClr val="000000"/>
                   </a:solidFill>
@@ -3536,7 +3534,7 @@
             </a:ln>
             <a:extLst>
               <a:ext uri="{91240B29-F687-4f45-9708-019B960494DF}">
-                <a14:hiddenLine xmlns:a14="http://schemas.microsoft.com/office/drawing/2010/main" xmlns="" w="9525">
+                <a14:hiddenLine xmlns="" xmlns:a14="http://schemas.microsoft.com/office/drawing/2010/main" w="9525">
                   <a:solidFill>
                     <a:srgbClr val="000000"/>
                   </a:solidFill>
@@ -3604,7 +3602,7 @@
             </a:ln>
             <a:extLst>
               <a:ext uri="{91240B29-F687-4f45-9708-019B960494DF}">
-                <a14:hiddenLine xmlns:a14="http://schemas.microsoft.com/office/drawing/2010/main" xmlns="" w="9525">
+                <a14:hiddenLine xmlns="" xmlns:a14="http://schemas.microsoft.com/office/drawing/2010/main" w="9525">
                   <a:solidFill>
                     <a:srgbClr val="000000"/>
                   </a:solidFill>
@@ -3666,7 +3664,7 @@
             </a:ln>
             <a:extLst>
               <a:ext uri="{91240B29-F687-4f45-9708-019B960494DF}">
-                <a14:hiddenLine xmlns:a14="http://schemas.microsoft.com/office/drawing/2010/main" xmlns="" w="9525">
+                <a14:hiddenLine xmlns="" xmlns:a14="http://schemas.microsoft.com/office/drawing/2010/main" w="9525">
                   <a:solidFill>
                     <a:srgbClr val="000000"/>
                   </a:solidFill>
@@ -3756,7 +3754,7 @@
             </a:ln>
             <a:extLst>
               <a:ext uri="{91240B29-F687-4f45-9708-019B960494DF}">
-                <a14:hiddenLine xmlns:a14="http://schemas.microsoft.com/office/drawing/2010/main" xmlns="" w="9525">
+                <a14:hiddenLine xmlns="" xmlns:a14="http://schemas.microsoft.com/office/drawing/2010/main" w="9525">
                   <a:solidFill>
                     <a:srgbClr val="000000"/>
                   </a:solidFill>
@@ -3818,7 +3816,7 @@
             </a:ln>
             <a:extLst>
               <a:ext uri="{91240B29-F687-4f45-9708-019B960494DF}">
-                <a14:hiddenLine xmlns:a14="http://schemas.microsoft.com/office/drawing/2010/main" xmlns="" w="9525">
+                <a14:hiddenLine xmlns="" xmlns:a14="http://schemas.microsoft.com/office/drawing/2010/main" w="9525">
                   <a:solidFill>
                     <a:srgbClr val="000000"/>
                   </a:solidFill>
@@ -3908,7 +3906,7 @@
             </a:ln>
             <a:extLst>
               <a:ext uri="{91240B29-F687-4f45-9708-019B960494DF}">
-                <a14:hiddenLine xmlns:a14="http://schemas.microsoft.com/office/drawing/2010/main" xmlns="" w="9525">
+                <a14:hiddenLine xmlns="" xmlns:a14="http://schemas.microsoft.com/office/drawing/2010/main" w="9525">
                   <a:solidFill>
                     <a:srgbClr val="000000"/>
                   </a:solidFill>
@@ -3970,7 +3968,7 @@
             </a:ln>
             <a:extLst>
               <a:ext uri="{91240B29-F687-4f45-9708-019B960494DF}">
-                <a14:hiddenLine xmlns:a14="http://schemas.microsoft.com/office/drawing/2010/main" xmlns="" w="9525">
+                <a14:hiddenLine xmlns="" xmlns:a14="http://schemas.microsoft.com/office/drawing/2010/main" w="9525">
                   <a:solidFill>
                     <a:srgbClr val="000000"/>
                   </a:solidFill>
@@ -4060,7 +4058,7 @@
             </a:ln>
             <a:extLst>
               <a:ext uri="{91240B29-F687-4f45-9708-019B960494DF}">
-                <a14:hiddenLine xmlns:a14="http://schemas.microsoft.com/office/drawing/2010/main" xmlns="" w="9525">
+                <a14:hiddenLine xmlns="" xmlns:a14="http://schemas.microsoft.com/office/drawing/2010/main" w="9525">
                   <a:solidFill>
                     <a:srgbClr val="000000"/>
                   </a:solidFill>
@@ -4094,7 +4092,7 @@
             </a:ln>
             <a:extLst>
               <a:ext uri="{91240B29-F687-4f45-9708-019B960494DF}">
-                <a14:hiddenLine xmlns:a14="http://schemas.microsoft.com/office/drawing/2010/main" xmlns="" w="9525">
+                <a14:hiddenLine xmlns="" xmlns:a14="http://schemas.microsoft.com/office/drawing/2010/main" w="9525">
                   <a:solidFill>
                     <a:srgbClr val="000000"/>
                   </a:solidFill>
@@ -4159,7 +4157,7 @@
             </a:ln>
             <a:extLst>
               <a:ext uri="{91240B29-F687-4f45-9708-019B960494DF}">
-                <a14:hiddenLine xmlns:a14="http://schemas.microsoft.com/office/drawing/2010/main" xmlns="" w="9525">
+                <a14:hiddenLine xmlns="" xmlns:a14="http://schemas.microsoft.com/office/drawing/2010/main" w="9525">
                   <a:solidFill>
                     <a:srgbClr val="000000"/>
                   </a:solidFill>
@@ -4249,7 +4247,7 @@
             </a:ln>
             <a:extLst>
               <a:ext uri="{91240B29-F687-4f45-9708-019B960494DF}">
-                <a14:hiddenLine xmlns:a14="http://schemas.microsoft.com/office/drawing/2010/main" xmlns="" w="9525">
+                <a14:hiddenLine xmlns="" xmlns:a14="http://schemas.microsoft.com/office/drawing/2010/main" w="9525">
                   <a:solidFill>
                     <a:srgbClr val="000000"/>
                   </a:solidFill>
@@ -4311,7 +4309,7 @@
             </a:ln>
             <a:extLst>
               <a:ext uri="{91240B29-F687-4f45-9708-019B960494DF}">
-                <a14:hiddenLine xmlns:a14="http://schemas.microsoft.com/office/drawing/2010/main" xmlns="" w="9525">
+                <a14:hiddenLine xmlns="" xmlns:a14="http://schemas.microsoft.com/office/drawing/2010/main" w="9525">
                   <a:solidFill>
                     <a:srgbClr val="000000"/>
                   </a:solidFill>
@@ -4401,7 +4399,7 @@
             </a:ln>
             <a:extLst>
               <a:ext uri="{91240B29-F687-4f45-9708-019B960494DF}">
-                <a14:hiddenLine xmlns:a14="http://schemas.microsoft.com/office/drawing/2010/main" xmlns="" w="9525">
+                <a14:hiddenLine xmlns="" xmlns:a14="http://schemas.microsoft.com/office/drawing/2010/main" w="9525">
                   <a:solidFill>
                     <a:srgbClr val="000000"/>
                   </a:solidFill>
@@ -4491,7 +4489,7 @@
             </a:ln>
             <a:extLst>
               <a:ext uri="{91240B29-F687-4f45-9708-019B960494DF}">
-                <a14:hiddenLine xmlns:a14="http://schemas.microsoft.com/office/drawing/2010/main" xmlns="" w="9525">
+                <a14:hiddenLine xmlns="" xmlns:a14="http://schemas.microsoft.com/office/drawing/2010/main" w="9525">
                   <a:solidFill>
                     <a:srgbClr val="000000"/>
                   </a:solidFill>
@@ -4556,7 +4554,7 @@
             </a:ln>
             <a:extLst>
               <a:ext uri="{91240B29-F687-4f45-9708-019B960494DF}">
-                <a14:hiddenLine xmlns:a14="http://schemas.microsoft.com/office/drawing/2010/main" xmlns="" w="9525">
+                <a14:hiddenLine xmlns="" xmlns:a14="http://schemas.microsoft.com/office/drawing/2010/main" w="9525">
                   <a:solidFill>
                     <a:srgbClr val="000000"/>
                   </a:solidFill>
@@ -4618,7 +4616,7 @@
             </a:ln>
             <a:extLst>
               <a:ext uri="{91240B29-F687-4f45-9708-019B960494DF}">
-                <a14:hiddenLine xmlns:a14="http://schemas.microsoft.com/office/drawing/2010/main" xmlns="" w="9525">
+                <a14:hiddenLine xmlns="" xmlns:a14="http://schemas.microsoft.com/office/drawing/2010/main" w="9525">
                   <a:solidFill>
                     <a:srgbClr val="000000"/>
                   </a:solidFill>
@@ -4708,7 +4706,7 @@
             </a:ln>
             <a:extLst>
               <a:ext uri="{91240B29-F687-4f45-9708-019B960494DF}">
-                <a14:hiddenLine xmlns:a14="http://schemas.microsoft.com/office/drawing/2010/main" xmlns="" w="9525">
+                <a14:hiddenLine xmlns="" xmlns:a14="http://schemas.microsoft.com/office/drawing/2010/main" w="9525">
                   <a:solidFill>
                     <a:srgbClr val="000000"/>
                   </a:solidFill>
@@ -4798,7 +4796,7 @@
             </a:ln>
             <a:extLst>
               <a:ext uri="{91240B29-F687-4f45-9708-019B960494DF}">
-                <a14:hiddenLine xmlns:a14="http://schemas.microsoft.com/office/drawing/2010/main" xmlns="" w="9525">
+                <a14:hiddenLine xmlns="" xmlns:a14="http://schemas.microsoft.com/office/drawing/2010/main" w="9525">
                   <a:solidFill>
                     <a:srgbClr val="000000"/>
                   </a:solidFill>
@@ -4860,7 +4858,7 @@
             </a:ln>
             <a:extLst>
               <a:ext uri="{91240B29-F687-4f45-9708-019B960494DF}">
-                <a14:hiddenLine xmlns:a14="http://schemas.microsoft.com/office/drawing/2010/main" xmlns="" w="9525">
+                <a14:hiddenLine xmlns="" xmlns:a14="http://schemas.microsoft.com/office/drawing/2010/main" w="9525">
                   <a:solidFill>
                     <a:srgbClr val="000000"/>
                   </a:solidFill>
@@ -4980,7 +4978,7 @@
             </a:ln>
             <a:extLst>
               <a:ext uri="{91240B29-F687-4f45-9708-019B960494DF}">
-                <a14:hiddenLine xmlns:a14="http://schemas.microsoft.com/office/drawing/2010/main" xmlns="" w="9525">
+                <a14:hiddenLine xmlns="" xmlns:a14="http://schemas.microsoft.com/office/drawing/2010/main" w="9525">
                   <a:solidFill>
                     <a:srgbClr val="000000"/>
                   </a:solidFill>
@@ -5048,7 +5046,7 @@
             </a:ln>
             <a:extLst>
               <a:ext uri="{91240B29-F687-4f45-9708-019B960494DF}">
-                <a14:hiddenLine xmlns:a14="http://schemas.microsoft.com/office/drawing/2010/main" xmlns="" w="9525">
+                <a14:hiddenLine xmlns="" xmlns:a14="http://schemas.microsoft.com/office/drawing/2010/main" w="9525">
                   <a:solidFill>
                     <a:srgbClr val="000000"/>
                   </a:solidFill>
@@ -5138,7 +5136,7 @@
             </a:ln>
             <a:extLst>
               <a:ext uri="{91240B29-F687-4f45-9708-019B960494DF}">
-                <a14:hiddenLine xmlns:a14="http://schemas.microsoft.com/office/drawing/2010/main" xmlns="" w="9525">
+                <a14:hiddenLine xmlns="" xmlns:a14="http://schemas.microsoft.com/office/drawing/2010/main" w="9525">
                   <a:solidFill>
                     <a:srgbClr val="000000"/>
                   </a:solidFill>
@@ -5278,7 +5276,7 @@
           <a:p>
             <a:fld id="{D8087129-5EB3-407F-9D58-12B58254E57D}" type="datetime1">
               <a:rPr lang="en-US" smtClean="0"/>
-              <a:t>1/23/2017</a:t>
+              <a:t>2/8/2017</a:t>
             </a:fld>
             <a:endParaRPr lang="en-US" dirty="0"/>
           </a:p>
@@ -5544,7 +5542,7 @@
           <a:p>
             <a:fld id="{D3E4790F-9337-4CDC-8D14-B06CCEB6C73C}" type="datetime1">
               <a:rPr lang="en-US" smtClean="0"/>
-              <a:t>1/23/2017</a:t>
+              <a:t>2/8/2017</a:t>
             </a:fld>
             <a:endParaRPr lang="en-US" dirty="0"/>
           </a:p>
@@ -5739,7 +5737,7 @@
           <a:p>
             <a:fld id="{9B0760F9-7BA8-4EC7-8BDB-5C223A9F1787}" type="datetime1">
               <a:rPr lang="en-US" smtClean="0"/>
-              <a:t>1/23/2017</a:t>
+              <a:t>2/8/2017</a:t>
             </a:fld>
             <a:endParaRPr lang="en-US" dirty="0"/>
           </a:p>
@@ -6001,7 +5999,7 @@
           <a:p>
             <a:fld id="{A03E3F31-3630-4F25-9FD3-9398F0ABBE91}" type="datetime1">
               <a:rPr lang="en-US" smtClean="0"/>
-              <a:t>1/23/2017</a:t>
+              <a:t>2/8/2017</a:t>
             </a:fld>
             <a:endParaRPr lang="en-US" dirty="0"/>
           </a:p>
@@ -6434,7 +6432,7 @@
           <a:p>
             <a:fld id="{A66298DF-41F0-4FCA-8F78-168349C886A1}" type="datetime1">
               <a:rPr lang="en-US" smtClean="0"/>
-              <a:t>1/23/2017</a:t>
+              <a:t>2/8/2017</a:t>
             </a:fld>
             <a:endParaRPr lang="en-US" dirty="0"/>
           </a:p>
@@ -6979,7 +6977,7 @@
           <a:p>
             <a:fld id="{E78E2497-700C-4D1C-8F0E-0217BC78D22A}" type="datetime1">
               <a:rPr lang="en-US" smtClean="0"/>
-              <a:t>1/23/2017</a:t>
+              <a:t>2/8/2017</a:t>
             </a:fld>
             <a:endParaRPr lang="en-US" dirty="0"/>
           </a:p>
@@ -7698,7 +7696,7 @@
           <a:p>
             <a:fld id="{11B0A668-7952-4E05-A29E-3CAE9E4C88B3}" type="datetime1">
               <a:rPr lang="en-US" smtClean="0"/>
-              <a:t>1/23/2017</a:t>
+              <a:t>2/8/2017</a:t>
             </a:fld>
             <a:endParaRPr lang="en-US" dirty="0"/>
           </a:p>
@@ -7867,7 +7865,7 @@
           <a:p>
             <a:fld id="{51572ADD-8853-4F9B-BE74-04D3631B0AE8}" type="datetime1">
               <a:rPr lang="en-US" smtClean="0"/>
-              <a:t>1/23/2017</a:t>
+              <a:t>2/8/2017</a:t>
             </a:fld>
             <a:endParaRPr lang="en-US" dirty="0"/>
           </a:p>
@@ -8046,7 +8044,7 @@
           <a:p>
             <a:fld id="{F4AE7FAB-9C63-45B1-B528-0E08F0958326}" type="datetime1">
               <a:rPr lang="en-US" smtClean="0"/>
-              <a:t>1/23/2017</a:t>
+              <a:t>2/8/2017</a:t>
             </a:fld>
             <a:endParaRPr lang="en-US" dirty="0"/>
           </a:p>
@@ -8215,7 +8213,7 @@
           <a:p>
             <a:fld id="{789D286F-1FB1-4449-8266-6E87DF39D004}" type="datetime1">
               <a:rPr lang="en-US" smtClean="0"/>
-              <a:t>1/23/2017</a:t>
+              <a:t>2/8/2017</a:t>
             </a:fld>
             <a:endParaRPr lang="en-US" dirty="0"/>
           </a:p>
@@ -8464,7 +8462,7 @@
           <a:p>
             <a:fld id="{71778EDE-CE0C-4BA8-BD03-52FA661B2ABD}" type="datetime1">
               <a:rPr lang="en-US" smtClean="0"/>
-              <a:t>1/23/2017</a:t>
+              <a:t>2/8/2017</a:t>
             </a:fld>
             <a:endParaRPr lang="en-US" dirty="0"/>
           </a:p>
@@ -8695,7 +8693,7 @@
           <a:p>
             <a:fld id="{88B2015C-2313-4FA0-967E-15787170F8A4}" type="datetime1">
               <a:rPr lang="en-US" smtClean="0"/>
-              <a:t>1/23/2017</a:t>
+              <a:t>2/8/2017</a:t>
             </a:fld>
             <a:endParaRPr lang="en-US" dirty="0"/>
           </a:p>
@@ -9075,7 +9073,7 @@
           <a:p>
             <a:fld id="{337E4337-038C-466F-9539-3AC9182A3E7A}" type="datetime1">
               <a:rPr lang="en-US" smtClean="0"/>
-              <a:t>1/23/2017</a:t>
+              <a:t>2/8/2017</a:t>
             </a:fld>
             <a:endParaRPr lang="en-US" dirty="0"/>
           </a:p>
@@ -9192,7 +9190,7 @@
           <a:p>
             <a:fld id="{8AD42594-B169-4822-92C9-42932B767ACF}" type="datetime1">
               <a:rPr lang="en-US" smtClean="0"/>
-              <a:t>1/23/2017</a:t>
+              <a:t>2/8/2017</a:t>
             </a:fld>
             <a:endParaRPr lang="en-US" dirty="0"/>
           </a:p>
@@ -9286,7 +9284,7 @@
           <a:p>
             <a:fld id="{F960638A-EF8D-4E59-9B91-E876A1027CEA}" type="datetime1">
               <a:rPr lang="en-US" smtClean="0"/>
-              <a:t>1/23/2017</a:t>
+              <a:t>2/8/2017</a:t>
             </a:fld>
             <a:endParaRPr lang="en-US" dirty="0"/>
           </a:p>
@@ -9534,7 +9532,7 @@
           <a:p>
             <a:fld id="{77094E32-9543-411B-B3AF-87FC3BF95F14}" type="datetime1">
               <a:rPr lang="en-US" smtClean="0"/>
-              <a:t>1/23/2017</a:t>
+              <a:t>2/8/2017</a:t>
             </a:fld>
             <a:endParaRPr lang="en-US" dirty="0"/>
           </a:p>
@@ -9813,7 +9811,7 @@
           <a:p>
             <a:fld id="{6ADE433C-70DD-4676-82F0-30FDB4061909}" type="datetime1">
               <a:rPr lang="en-US" smtClean="0"/>
-              <a:t>1/23/2017</a:t>
+              <a:t>2/8/2017</a:t>
             </a:fld>
             <a:endParaRPr lang="en-US" dirty="0"/>
           </a:p>
@@ -9928,7 +9926,7 @@
           <a:noFill/>
           <a:extLst>
             <a:ext uri="{909E8E84-426E-40dd-AFC4-6F175D3DCCD1}">
-              <a14:hiddenFill xmlns:a14="http://schemas.microsoft.com/office/drawing/2010/main" xmlns="">
+              <a14:hiddenFill xmlns="" xmlns:a14="http://schemas.microsoft.com/office/drawing/2010/main">
                 <a:solidFill>
                   <a:srgbClr val="FFFFFF"/>
                 </a:solidFill>
@@ -10002,7 +10000,7 @@
               </a:ln>
               <a:extLst>
                 <a:ext uri="{91240B29-F687-4f45-9708-019B960494DF}">
-                  <a14:hiddenLine xmlns:a14="http://schemas.microsoft.com/office/drawing/2010/main" xmlns="" w="9525">
+                  <a14:hiddenLine xmlns="" xmlns:a14="http://schemas.microsoft.com/office/drawing/2010/main" w="9525">
                     <a:solidFill>
                       <a:srgbClr val="000000"/>
                     </a:solidFill>
@@ -10092,7 +10090,7 @@
               </a:ln>
               <a:extLst>
                 <a:ext uri="{91240B29-F687-4f45-9708-019B960494DF}">
-                  <a14:hiddenLine xmlns:a14="http://schemas.microsoft.com/office/drawing/2010/main" xmlns="" w="9525">
+                  <a14:hiddenLine xmlns="" xmlns:a14="http://schemas.microsoft.com/office/drawing/2010/main" w="9525">
                     <a:solidFill>
                       <a:srgbClr val="000000"/>
                     </a:solidFill>
@@ -10182,7 +10180,7 @@
               </a:ln>
               <a:extLst>
                 <a:ext uri="{91240B29-F687-4f45-9708-019B960494DF}">
-                  <a14:hiddenLine xmlns:a14="http://schemas.microsoft.com/office/drawing/2010/main" xmlns="" w="9525">
+                  <a14:hiddenLine xmlns="" xmlns:a14="http://schemas.microsoft.com/office/drawing/2010/main" w="9525">
                     <a:solidFill>
                       <a:srgbClr val="000000"/>
                     </a:solidFill>
@@ -10244,7 +10242,7 @@
               </a:ln>
               <a:extLst>
                 <a:ext uri="{91240B29-F687-4f45-9708-019B960494DF}">
-                  <a14:hiddenLine xmlns:a14="http://schemas.microsoft.com/office/drawing/2010/main" xmlns="" w="9525">
+                  <a14:hiddenLine xmlns="" xmlns:a14="http://schemas.microsoft.com/office/drawing/2010/main" w="9525">
                     <a:solidFill>
                       <a:srgbClr val="000000"/>
                     </a:solidFill>
@@ -10334,7 +10332,7 @@
               </a:ln>
               <a:extLst>
                 <a:ext uri="{91240B29-F687-4f45-9708-019B960494DF}">
-                  <a14:hiddenLine xmlns:a14="http://schemas.microsoft.com/office/drawing/2010/main" xmlns="" w="9525">
+                  <a14:hiddenLine xmlns="" xmlns:a14="http://schemas.microsoft.com/office/drawing/2010/main" w="9525">
                     <a:solidFill>
                       <a:srgbClr val="000000"/>
                     </a:solidFill>
@@ -10396,7 +10394,7 @@
               </a:ln>
               <a:extLst>
                 <a:ext uri="{91240B29-F687-4f45-9708-019B960494DF}">
-                  <a14:hiddenLine xmlns:a14="http://schemas.microsoft.com/office/drawing/2010/main" xmlns="" w="9525">
+                  <a14:hiddenLine xmlns="" xmlns:a14="http://schemas.microsoft.com/office/drawing/2010/main" w="9525">
                     <a:solidFill>
                       <a:srgbClr val="000000"/>
                     </a:solidFill>
@@ -10458,7 +10456,7 @@
               </a:ln>
               <a:extLst>
                 <a:ext uri="{91240B29-F687-4f45-9708-019B960494DF}">
-                  <a14:hiddenLine xmlns:a14="http://schemas.microsoft.com/office/drawing/2010/main" xmlns="" w="9525">
+                  <a14:hiddenLine xmlns="" xmlns:a14="http://schemas.microsoft.com/office/drawing/2010/main" w="9525">
                     <a:solidFill>
                       <a:srgbClr val="000000"/>
                     </a:solidFill>
@@ -10548,7 +10546,7 @@
               </a:ln>
               <a:extLst>
                 <a:ext uri="{91240B29-F687-4f45-9708-019B960494DF}">
-                  <a14:hiddenLine xmlns:a14="http://schemas.microsoft.com/office/drawing/2010/main" xmlns="" w="9525">
+                  <a14:hiddenLine xmlns="" xmlns:a14="http://schemas.microsoft.com/office/drawing/2010/main" w="9525">
                     <a:solidFill>
                       <a:srgbClr val="000000"/>
                     </a:solidFill>
@@ -10638,7 +10636,7 @@
               </a:ln>
               <a:extLst>
                 <a:ext uri="{91240B29-F687-4f45-9708-019B960494DF}">
-                  <a14:hiddenLine xmlns:a14="http://schemas.microsoft.com/office/drawing/2010/main" xmlns="" w="9525">
+                  <a14:hiddenLine xmlns="" xmlns:a14="http://schemas.microsoft.com/office/drawing/2010/main" w="9525">
                     <a:solidFill>
                       <a:srgbClr val="000000"/>
                     </a:solidFill>
@@ -10700,7 +10698,7 @@
               </a:ln>
               <a:extLst>
                 <a:ext uri="{91240B29-F687-4f45-9708-019B960494DF}">
-                  <a14:hiddenLine xmlns:a14="http://schemas.microsoft.com/office/drawing/2010/main" xmlns="" w="9525">
+                  <a14:hiddenLine xmlns="" xmlns:a14="http://schemas.microsoft.com/office/drawing/2010/main" w="9525">
                     <a:solidFill>
                       <a:srgbClr val="000000"/>
                     </a:solidFill>
@@ -10810,7 +10808,7 @@
               </a:ln>
               <a:extLst>
                 <a:ext uri="{91240B29-F687-4f45-9708-019B960494DF}">
-                  <a14:hiddenLine xmlns:a14="http://schemas.microsoft.com/office/drawing/2010/main" xmlns="" w="9525">
+                  <a14:hiddenLine xmlns="" xmlns:a14="http://schemas.microsoft.com/office/drawing/2010/main" w="9525">
                     <a:solidFill>
                       <a:srgbClr val="000000"/>
                     </a:solidFill>
@@ -10894,7 +10892,7 @@
               </a:ln>
               <a:extLst>
                 <a:ext uri="{91240B29-F687-4f45-9708-019B960494DF}">
-                  <a14:hiddenLine xmlns:a14="http://schemas.microsoft.com/office/drawing/2010/main" xmlns="" w="9525">
+                  <a14:hiddenLine xmlns="" xmlns:a14="http://schemas.microsoft.com/office/drawing/2010/main" w="9525">
                     <a:solidFill>
                       <a:srgbClr val="000000"/>
                     </a:solidFill>
@@ -10956,7 +10954,7 @@
               </a:ln>
               <a:extLst>
                 <a:ext uri="{91240B29-F687-4f45-9708-019B960494DF}">
-                  <a14:hiddenLine xmlns:a14="http://schemas.microsoft.com/office/drawing/2010/main" xmlns="" w="9525">
+                  <a14:hiddenLine xmlns="" xmlns:a14="http://schemas.microsoft.com/office/drawing/2010/main" w="9525">
                     <a:solidFill>
                       <a:srgbClr val="000000"/>
                     </a:solidFill>
@@ -11018,7 +11016,7 @@
               </a:ln>
               <a:extLst>
                 <a:ext uri="{91240B29-F687-4f45-9708-019B960494DF}">
-                  <a14:hiddenLine xmlns:a14="http://schemas.microsoft.com/office/drawing/2010/main" xmlns="" w="9525">
+                  <a14:hiddenLine xmlns="" xmlns:a14="http://schemas.microsoft.com/office/drawing/2010/main" w="9525">
                     <a:solidFill>
                       <a:srgbClr val="000000"/>
                     </a:solidFill>
@@ -11108,7 +11106,7 @@
               </a:ln>
               <a:extLst>
                 <a:ext uri="{91240B29-F687-4f45-9708-019B960494DF}">
-                  <a14:hiddenLine xmlns:a14="http://schemas.microsoft.com/office/drawing/2010/main" xmlns="" w="9525">
+                  <a14:hiddenLine xmlns="" xmlns:a14="http://schemas.microsoft.com/office/drawing/2010/main" w="9525">
                     <a:solidFill>
                       <a:srgbClr val="000000"/>
                     </a:solidFill>
@@ -11142,7 +11140,7 @@
               </a:ln>
               <a:extLst>
                 <a:ext uri="{91240B29-F687-4f45-9708-019B960494DF}">
-                  <a14:hiddenLine xmlns:a14="http://schemas.microsoft.com/office/drawing/2010/main" xmlns="" w="9525">
+                  <a14:hiddenLine xmlns="" xmlns:a14="http://schemas.microsoft.com/office/drawing/2010/main" w="9525">
                     <a:solidFill>
                       <a:srgbClr val="000000"/>
                     </a:solidFill>
@@ -11207,7 +11205,7 @@
               </a:ln>
               <a:extLst>
                 <a:ext uri="{91240B29-F687-4f45-9708-019B960494DF}">
-                  <a14:hiddenLine xmlns:a14="http://schemas.microsoft.com/office/drawing/2010/main" xmlns="" w="9525">
+                  <a14:hiddenLine xmlns="" xmlns:a14="http://schemas.microsoft.com/office/drawing/2010/main" w="9525">
                     <a:solidFill>
                       <a:srgbClr val="000000"/>
                     </a:solidFill>
@@ -11297,7 +11295,7 @@
               </a:ln>
               <a:extLst>
                 <a:ext uri="{91240B29-F687-4f45-9708-019B960494DF}">
-                  <a14:hiddenLine xmlns:a14="http://schemas.microsoft.com/office/drawing/2010/main" xmlns="" w="9525">
+                  <a14:hiddenLine xmlns="" xmlns:a14="http://schemas.microsoft.com/office/drawing/2010/main" w="9525">
                     <a:solidFill>
                       <a:srgbClr val="000000"/>
                     </a:solidFill>
@@ -11359,7 +11357,7 @@
               </a:ln>
               <a:extLst>
                 <a:ext uri="{91240B29-F687-4f45-9708-019B960494DF}">
-                  <a14:hiddenLine xmlns:a14="http://schemas.microsoft.com/office/drawing/2010/main" xmlns="" w="9525">
+                  <a14:hiddenLine xmlns="" xmlns:a14="http://schemas.microsoft.com/office/drawing/2010/main" w="9525">
                     <a:solidFill>
                       <a:srgbClr val="000000"/>
                     </a:solidFill>
@@ -11449,7 +11447,7 @@
               </a:ln>
               <a:extLst>
                 <a:ext uri="{91240B29-F687-4f45-9708-019B960494DF}">
-                  <a14:hiddenLine xmlns:a14="http://schemas.microsoft.com/office/drawing/2010/main" xmlns="" w="9525">
+                  <a14:hiddenLine xmlns="" xmlns:a14="http://schemas.microsoft.com/office/drawing/2010/main" w="9525">
                     <a:solidFill>
                       <a:srgbClr val="000000"/>
                     </a:solidFill>
@@ -11514,7 +11512,7 @@
               </a:ln>
               <a:extLst>
                 <a:ext uri="{91240B29-F687-4f45-9708-019B960494DF}">
-                  <a14:hiddenLine xmlns:a14="http://schemas.microsoft.com/office/drawing/2010/main" xmlns="" w="9525">
+                  <a14:hiddenLine xmlns="" xmlns:a14="http://schemas.microsoft.com/office/drawing/2010/main" w="9525">
                     <a:solidFill>
                       <a:srgbClr val="000000"/>
                     </a:solidFill>
@@ -11576,7 +11574,7 @@
               </a:ln>
               <a:extLst>
                 <a:ext uri="{91240B29-F687-4f45-9708-019B960494DF}">
-                  <a14:hiddenLine xmlns:a14="http://schemas.microsoft.com/office/drawing/2010/main" xmlns="" w="9525">
+                  <a14:hiddenLine xmlns="" xmlns:a14="http://schemas.microsoft.com/office/drawing/2010/main" w="9525">
                     <a:solidFill>
                       <a:srgbClr val="000000"/>
                     </a:solidFill>
@@ -11666,7 +11664,7 @@
               </a:ln>
               <a:extLst>
                 <a:ext uri="{91240B29-F687-4f45-9708-019B960494DF}">
-                  <a14:hiddenLine xmlns:a14="http://schemas.microsoft.com/office/drawing/2010/main" xmlns="" w="9525">
+                  <a14:hiddenLine xmlns="" xmlns:a14="http://schemas.microsoft.com/office/drawing/2010/main" w="9525">
                     <a:solidFill>
                       <a:srgbClr val="000000"/>
                     </a:solidFill>
@@ -11756,7 +11754,7 @@
               </a:ln>
               <a:extLst>
                 <a:ext uri="{91240B29-F687-4f45-9708-019B960494DF}">
-                  <a14:hiddenLine xmlns:a14="http://schemas.microsoft.com/office/drawing/2010/main" xmlns="" w="9525">
+                  <a14:hiddenLine xmlns="" xmlns:a14="http://schemas.microsoft.com/office/drawing/2010/main" w="9525">
                     <a:solidFill>
                       <a:srgbClr val="000000"/>
                     </a:solidFill>
@@ -11821,7 +11819,7 @@
               </a:ln>
               <a:extLst>
                 <a:ext uri="{91240B29-F687-4f45-9708-019B960494DF}">
-                  <a14:hiddenLine xmlns:a14="http://schemas.microsoft.com/office/drawing/2010/main" xmlns="" w="9525">
+                  <a14:hiddenLine xmlns="" xmlns:a14="http://schemas.microsoft.com/office/drawing/2010/main" w="9525">
                     <a:solidFill>
                       <a:srgbClr val="000000"/>
                     </a:solidFill>
@@ -11941,7 +11939,7 @@
               </a:ln>
               <a:extLst>
                 <a:ext uri="{91240B29-F687-4f45-9708-019B960494DF}">
-                  <a14:hiddenLine xmlns:a14="http://schemas.microsoft.com/office/drawing/2010/main" xmlns="" w="9525">
+                  <a14:hiddenLine xmlns="" xmlns:a14="http://schemas.microsoft.com/office/drawing/2010/main" w="9525">
                     <a:solidFill>
                       <a:srgbClr val="000000"/>
                     </a:solidFill>
@@ -12039,7 +12037,7 @@
               </a:ln>
               <a:extLst>
                 <a:ext uri="{91240B29-F687-4f45-9708-019B960494DF}">
-                  <a14:hiddenLine xmlns:a14="http://schemas.microsoft.com/office/drawing/2010/main" xmlns="" w="9525">
+                  <a14:hiddenLine xmlns="" xmlns:a14="http://schemas.microsoft.com/office/drawing/2010/main" w="9525">
                     <a:solidFill>
                       <a:srgbClr val="000000"/>
                     </a:solidFill>
@@ -12154,7 +12152,7 @@
               </a:ln>
               <a:extLst>
                 <a:ext uri="{91240B29-F687-4f45-9708-019B960494DF}">
-                  <a14:hiddenLine xmlns:a14="http://schemas.microsoft.com/office/drawing/2010/main" xmlns="" w="9525">
+                  <a14:hiddenLine xmlns="" xmlns:a14="http://schemas.microsoft.com/office/drawing/2010/main" w="9525">
                     <a:solidFill>
                       <a:srgbClr val="000000"/>
                     </a:solidFill>
@@ -12244,7 +12242,7 @@
               </a:ln>
               <a:extLst>
                 <a:ext uri="{91240B29-F687-4f45-9708-019B960494DF}">
-                  <a14:hiddenLine xmlns:a14="http://schemas.microsoft.com/office/drawing/2010/main" xmlns="" w="9525">
+                  <a14:hiddenLine xmlns="" xmlns:a14="http://schemas.microsoft.com/office/drawing/2010/main" w="9525">
                     <a:solidFill>
                       <a:srgbClr val="000000"/>
                     </a:solidFill>
@@ -12309,7 +12307,7 @@
               </a:ln>
               <a:extLst>
                 <a:ext uri="{91240B29-F687-4f45-9708-019B960494DF}">
-                  <a14:hiddenLine xmlns:a14="http://schemas.microsoft.com/office/drawing/2010/main" xmlns="" w="9525">
+                  <a14:hiddenLine xmlns="" xmlns:a14="http://schemas.microsoft.com/office/drawing/2010/main" w="9525">
                     <a:solidFill>
                       <a:srgbClr val="000000"/>
                     </a:solidFill>
@@ -12399,7 +12397,7 @@
               </a:ln>
               <a:extLst>
                 <a:ext uri="{91240B29-F687-4f45-9708-019B960494DF}">
-                  <a14:hiddenLine xmlns:a14="http://schemas.microsoft.com/office/drawing/2010/main" xmlns="" w="9525">
+                  <a14:hiddenLine xmlns="" xmlns:a14="http://schemas.microsoft.com/office/drawing/2010/main" w="9525">
                     <a:solidFill>
                       <a:srgbClr val="000000"/>
                     </a:solidFill>
@@ -12467,7 +12465,7 @@
               </a:ln>
               <a:extLst>
                 <a:ext uri="{91240B29-F687-4f45-9708-019B960494DF}">
-                  <a14:hiddenLine xmlns:a14="http://schemas.microsoft.com/office/drawing/2010/main" xmlns="" w="9525">
+                  <a14:hiddenLine xmlns="" xmlns:a14="http://schemas.microsoft.com/office/drawing/2010/main" w="9525">
                     <a:solidFill>
                       <a:srgbClr val="000000"/>
                     </a:solidFill>
@@ -12557,7 +12555,7 @@
               </a:ln>
               <a:extLst>
                 <a:ext uri="{91240B29-F687-4f45-9708-019B960494DF}">
-                  <a14:hiddenLine xmlns:a14="http://schemas.microsoft.com/office/drawing/2010/main" xmlns="" w="9525">
+                  <a14:hiddenLine xmlns="" xmlns:a14="http://schemas.microsoft.com/office/drawing/2010/main" w="9525">
                     <a:solidFill>
                       <a:srgbClr val="000000"/>
                     </a:solidFill>
@@ -12625,7 +12623,7 @@
               </a:ln>
               <a:extLst>
                 <a:ext uri="{91240B29-F687-4f45-9708-019B960494DF}">
-                  <a14:hiddenLine xmlns:a14="http://schemas.microsoft.com/office/drawing/2010/main" xmlns="" w="9525">
+                  <a14:hiddenLine xmlns="" xmlns:a14="http://schemas.microsoft.com/office/drawing/2010/main" w="9525">
                     <a:solidFill>
                       <a:srgbClr val="000000"/>
                     </a:solidFill>
@@ -12715,7 +12713,7 @@
               </a:ln>
               <a:extLst>
                 <a:ext uri="{91240B29-F687-4f45-9708-019B960494DF}">
-                  <a14:hiddenLine xmlns:a14="http://schemas.microsoft.com/office/drawing/2010/main" xmlns="" w="9525">
+                  <a14:hiddenLine xmlns="" xmlns:a14="http://schemas.microsoft.com/office/drawing/2010/main" w="9525">
                     <a:solidFill>
                       <a:srgbClr val="000000"/>
                     </a:solidFill>
@@ -12749,7 +12747,7 @@
               </a:ln>
               <a:extLst>
                 <a:ext uri="{91240B29-F687-4f45-9708-019B960494DF}">
-                  <a14:hiddenLine xmlns:a14="http://schemas.microsoft.com/office/drawing/2010/main" xmlns="" w="9525">
+                  <a14:hiddenLine xmlns="" xmlns:a14="http://schemas.microsoft.com/office/drawing/2010/main" w="9525">
                     <a:solidFill>
                       <a:srgbClr val="000000"/>
                     </a:solidFill>
@@ -12889,7 +12887,7 @@
           <a:p>
             <a:fld id="{DF502B2A-9274-4FE7-A76D-3524148FACFA}" type="datetime1">
               <a:rPr lang="en-US" smtClean="0"/>
-              <a:t>1/23/2017</a:t>
+              <a:t>2/8/2017</a:t>
             </a:fld>
             <a:endParaRPr lang="en-US" dirty="0"/>
           </a:p>
@@ -13431,477 +13429,6 @@
           </a:prstGeom>
         </p:spPr>
       </p:pic>
-      <p:sp>
-        <p:nvSpPr>
-          <p:cNvPr id="6" name="Oval 5">
-            <a:hlinkClick r:id="rId4" action="ppaction://hlinksldjump"/>
-          </p:cNvPr>
-          <p:cNvSpPr/>
-          <p:nvPr/>
-        </p:nvSpPr>
-        <p:spPr>
-          <a:xfrm>
-            <a:off x="7739834" y="4807635"/>
-            <a:ext cx="548640" cy="604911"/>
-          </a:xfrm>
-          <a:prstGeom prst="ellipse">
-            <a:avLst/>
-          </a:prstGeom>
-          <a:solidFill>
-            <a:schemeClr val="accent4">
-              <a:lumMod val="20000"/>
-              <a:lumOff val="80000"/>
-            </a:schemeClr>
-          </a:solidFill>
-          <a:ln>
-            <a:noFill/>
-          </a:ln>
-        </p:spPr>
-        <p:style>
-          <a:lnRef idx="2">
-            <a:schemeClr val="accent1">
-              <a:shade val="50000"/>
-            </a:schemeClr>
-          </a:lnRef>
-          <a:fillRef idx="1">
-            <a:schemeClr val="accent1"/>
-          </a:fillRef>
-          <a:effectRef idx="0">
-            <a:schemeClr val="accent1"/>
-          </a:effectRef>
-          <a:fontRef idx="minor">
-            <a:schemeClr val="lt1"/>
-          </a:fontRef>
-        </p:style>
-        <p:txBody>
-          <a:bodyPr rtlCol="0" anchor="ctr"/>
-          <a:lstStyle/>
-          <a:p>
-            <a:pPr algn="ctr"/>
-            <a:r>
-              <a:rPr lang="en-GB" dirty="0">
-                <a:solidFill>
-                  <a:schemeClr val="bg1"/>
-                </a:solidFill>
-                <a:latin typeface="Courier New" panose="02070309020205020404" pitchFamily="49" charset="0"/>
-                <a:cs typeface="Courier New" panose="02070309020205020404" pitchFamily="49" charset="0"/>
-              </a:rPr>
-              <a:t>1</a:t>
-            </a:r>
-          </a:p>
-        </p:txBody>
-      </p:sp>
-      <p:sp>
-        <p:nvSpPr>
-          <p:cNvPr id="7" name="Oval 6">
-            <a:hlinkClick r:id="rId5" action="ppaction://hlinksldjump"/>
-          </p:cNvPr>
-          <p:cNvSpPr/>
-          <p:nvPr/>
-        </p:nvSpPr>
-        <p:spPr>
-          <a:xfrm>
-            <a:off x="8471786" y="4807635"/>
-            <a:ext cx="548640" cy="604911"/>
-          </a:xfrm>
-          <a:prstGeom prst="ellipse">
-            <a:avLst/>
-          </a:prstGeom>
-          <a:solidFill>
-            <a:schemeClr val="accent4">
-              <a:lumMod val="40000"/>
-              <a:lumOff val="60000"/>
-            </a:schemeClr>
-          </a:solidFill>
-          <a:ln>
-            <a:noFill/>
-          </a:ln>
-        </p:spPr>
-        <p:style>
-          <a:lnRef idx="2">
-            <a:schemeClr val="accent1">
-              <a:shade val="50000"/>
-            </a:schemeClr>
-          </a:lnRef>
-          <a:fillRef idx="1">
-            <a:schemeClr val="accent1"/>
-          </a:fillRef>
-          <a:effectRef idx="0">
-            <a:schemeClr val="accent1"/>
-          </a:effectRef>
-          <a:fontRef idx="minor">
-            <a:schemeClr val="lt1"/>
-          </a:fontRef>
-        </p:style>
-        <p:txBody>
-          <a:bodyPr rtlCol="0" anchor="ctr"/>
-          <a:lstStyle/>
-          <a:p>
-            <a:pPr algn="ctr"/>
-            <a:r>
-              <a:rPr lang="en-GB" dirty="0">
-                <a:solidFill>
-                  <a:schemeClr val="bg1"/>
-                </a:solidFill>
-                <a:latin typeface="Courier New" panose="02070309020205020404" pitchFamily="49" charset="0"/>
-                <a:cs typeface="Courier New" panose="02070309020205020404" pitchFamily="49" charset="0"/>
-              </a:rPr>
-              <a:t>2</a:t>
-            </a:r>
-          </a:p>
-        </p:txBody>
-      </p:sp>
-      <p:sp>
-        <p:nvSpPr>
-          <p:cNvPr id="8" name="Oval 7">
-            <a:hlinkClick r:id="" action="ppaction://noaction"/>
-          </p:cNvPr>
-          <p:cNvSpPr/>
-          <p:nvPr/>
-        </p:nvSpPr>
-        <p:spPr>
-          <a:xfrm>
-            <a:off x="9212036" y="4805291"/>
-            <a:ext cx="548640" cy="604911"/>
-          </a:xfrm>
-          <a:prstGeom prst="ellipse">
-            <a:avLst/>
-          </a:prstGeom>
-          <a:solidFill>
-            <a:schemeClr val="accent4">
-              <a:lumMod val="60000"/>
-              <a:lumOff val="40000"/>
-            </a:schemeClr>
-          </a:solidFill>
-          <a:ln>
-            <a:noFill/>
-          </a:ln>
-        </p:spPr>
-        <p:style>
-          <a:lnRef idx="2">
-            <a:schemeClr val="accent1">
-              <a:shade val="50000"/>
-            </a:schemeClr>
-          </a:lnRef>
-          <a:fillRef idx="1">
-            <a:schemeClr val="accent1"/>
-          </a:fillRef>
-          <a:effectRef idx="0">
-            <a:schemeClr val="accent1"/>
-          </a:effectRef>
-          <a:fontRef idx="minor">
-            <a:schemeClr val="lt1"/>
-          </a:fontRef>
-        </p:style>
-        <p:txBody>
-          <a:bodyPr rtlCol="0" anchor="ctr"/>
-          <a:lstStyle/>
-          <a:p>
-            <a:pPr algn="ctr"/>
-            <a:r>
-              <a:rPr lang="en-GB" dirty="0">
-                <a:solidFill>
-                  <a:schemeClr val="bg1"/>
-                </a:solidFill>
-                <a:latin typeface="Courier New" panose="02070309020205020404" pitchFamily="49" charset="0"/>
-                <a:cs typeface="Courier New" panose="02070309020205020404" pitchFamily="49" charset="0"/>
-              </a:rPr>
-              <a:t>3</a:t>
-            </a:r>
-          </a:p>
-        </p:txBody>
-      </p:sp>
-      <p:sp>
-        <p:nvSpPr>
-          <p:cNvPr id="9" name="Oval 8">
-            <a:hlinkClick r:id="" action="ppaction://noaction"/>
-          </p:cNvPr>
-          <p:cNvSpPr/>
-          <p:nvPr/>
-        </p:nvSpPr>
-        <p:spPr>
-          <a:xfrm>
-            <a:off x="9952286" y="4805290"/>
-            <a:ext cx="548640" cy="604911"/>
-          </a:xfrm>
-          <a:prstGeom prst="ellipse">
-            <a:avLst/>
-          </a:prstGeom>
-          <a:solidFill>
-            <a:schemeClr val="accent4">
-              <a:lumMod val="75000"/>
-            </a:schemeClr>
-          </a:solidFill>
-          <a:ln>
-            <a:noFill/>
-          </a:ln>
-        </p:spPr>
-        <p:style>
-          <a:lnRef idx="2">
-            <a:schemeClr val="accent1">
-              <a:shade val="50000"/>
-            </a:schemeClr>
-          </a:lnRef>
-          <a:fillRef idx="1">
-            <a:schemeClr val="accent1"/>
-          </a:fillRef>
-          <a:effectRef idx="0">
-            <a:schemeClr val="accent1"/>
-          </a:effectRef>
-          <a:fontRef idx="minor">
-            <a:schemeClr val="lt1"/>
-          </a:fontRef>
-        </p:style>
-        <p:txBody>
-          <a:bodyPr rtlCol="0" anchor="ctr"/>
-          <a:lstStyle/>
-          <a:p>
-            <a:pPr algn="ctr"/>
-            <a:r>
-              <a:rPr lang="en-GB" dirty="0">
-                <a:solidFill>
-                  <a:schemeClr val="bg1"/>
-                </a:solidFill>
-                <a:latin typeface="Courier New" panose="02070309020205020404" pitchFamily="49" charset="0"/>
-                <a:cs typeface="Courier New" panose="02070309020205020404" pitchFamily="49" charset="0"/>
-              </a:rPr>
-              <a:t>4</a:t>
-            </a:r>
-          </a:p>
-        </p:txBody>
-      </p:sp>
-      <p:sp>
-        <p:nvSpPr>
-          <p:cNvPr id="10" name="Oval 9">
-            <a:hlinkClick r:id="" action="ppaction://noaction"/>
-          </p:cNvPr>
-          <p:cNvSpPr/>
-          <p:nvPr/>
-        </p:nvSpPr>
-        <p:spPr>
-          <a:xfrm>
-            <a:off x="7739834" y="5584706"/>
-            <a:ext cx="548640" cy="604911"/>
-          </a:xfrm>
-          <a:prstGeom prst="ellipse">
-            <a:avLst/>
-          </a:prstGeom>
-          <a:solidFill>
-            <a:schemeClr val="accent4">
-              <a:lumMod val="50000"/>
-            </a:schemeClr>
-          </a:solidFill>
-          <a:ln>
-            <a:noFill/>
-          </a:ln>
-        </p:spPr>
-        <p:style>
-          <a:lnRef idx="2">
-            <a:schemeClr val="accent1">
-              <a:shade val="50000"/>
-            </a:schemeClr>
-          </a:lnRef>
-          <a:fillRef idx="1">
-            <a:schemeClr val="accent1"/>
-          </a:fillRef>
-          <a:effectRef idx="0">
-            <a:schemeClr val="accent1"/>
-          </a:effectRef>
-          <a:fontRef idx="minor">
-            <a:schemeClr val="lt1"/>
-          </a:fontRef>
-        </p:style>
-        <p:txBody>
-          <a:bodyPr rtlCol="0" anchor="ctr"/>
-          <a:lstStyle/>
-          <a:p>
-            <a:pPr algn="ctr"/>
-            <a:r>
-              <a:rPr lang="en-GB" dirty="0">
-                <a:solidFill>
-                  <a:schemeClr val="bg1"/>
-                </a:solidFill>
-                <a:latin typeface="Courier New" panose="02070309020205020404" pitchFamily="49" charset="0"/>
-                <a:cs typeface="Courier New" panose="02070309020205020404" pitchFamily="49" charset="0"/>
-              </a:rPr>
-              <a:t>5</a:t>
-            </a:r>
-          </a:p>
-        </p:txBody>
-      </p:sp>
-      <p:sp>
-        <p:nvSpPr>
-          <p:cNvPr id="11" name="Oval 10"/>
-          <p:cNvSpPr/>
-          <p:nvPr/>
-        </p:nvSpPr>
-        <p:spPr>
-          <a:xfrm>
-            <a:off x="8471786" y="5584706"/>
-            <a:ext cx="548640" cy="604911"/>
-          </a:xfrm>
-          <a:prstGeom prst="ellipse">
-            <a:avLst/>
-          </a:prstGeom>
-          <a:solidFill>
-            <a:schemeClr val="accent4">
-              <a:lumMod val="75000"/>
-            </a:schemeClr>
-          </a:solidFill>
-          <a:ln>
-            <a:noFill/>
-          </a:ln>
-        </p:spPr>
-        <p:style>
-          <a:lnRef idx="2">
-            <a:schemeClr val="accent1">
-              <a:shade val="50000"/>
-            </a:schemeClr>
-          </a:lnRef>
-          <a:fillRef idx="1">
-            <a:schemeClr val="accent1"/>
-          </a:fillRef>
-          <a:effectRef idx="0">
-            <a:schemeClr val="accent1"/>
-          </a:effectRef>
-          <a:fontRef idx="minor">
-            <a:schemeClr val="lt1"/>
-          </a:fontRef>
-        </p:style>
-        <p:txBody>
-          <a:bodyPr rtlCol="0" anchor="ctr"/>
-          <a:lstStyle/>
-          <a:p>
-            <a:pPr algn="ctr"/>
-            <a:r>
-              <a:rPr lang="en-GB" dirty="0">
-                <a:solidFill>
-                  <a:schemeClr val="bg1"/>
-                </a:solidFill>
-                <a:latin typeface="Courier New" panose="02070309020205020404" pitchFamily="49" charset="0"/>
-                <a:cs typeface="Courier New" panose="02070309020205020404" pitchFamily="49" charset="0"/>
-              </a:rPr>
-              <a:t>6</a:t>
-            </a:r>
-          </a:p>
-        </p:txBody>
-      </p:sp>
-      <p:sp>
-        <p:nvSpPr>
-          <p:cNvPr id="12" name="Oval 11"/>
-          <p:cNvSpPr/>
-          <p:nvPr/>
-        </p:nvSpPr>
-        <p:spPr>
-          <a:xfrm>
-            <a:off x="9212036" y="5582362"/>
-            <a:ext cx="548640" cy="604911"/>
-          </a:xfrm>
-          <a:prstGeom prst="ellipse">
-            <a:avLst/>
-          </a:prstGeom>
-          <a:solidFill>
-            <a:schemeClr val="accent4">
-              <a:lumMod val="60000"/>
-              <a:lumOff val="40000"/>
-            </a:schemeClr>
-          </a:solidFill>
-          <a:ln>
-            <a:noFill/>
-          </a:ln>
-        </p:spPr>
-        <p:style>
-          <a:lnRef idx="2">
-            <a:schemeClr val="accent1">
-              <a:shade val="50000"/>
-            </a:schemeClr>
-          </a:lnRef>
-          <a:fillRef idx="1">
-            <a:schemeClr val="accent1"/>
-          </a:fillRef>
-          <a:effectRef idx="0">
-            <a:schemeClr val="accent1"/>
-          </a:effectRef>
-          <a:fontRef idx="minor">
-            <a:schemeClr val="lt1"/>
-          </a:fontRef>
-        </p:style>
-        <p:txBody>
-          <a:bodyPr rtlCol="0" anchor="ctr"/>
-          <a:lstStyle/>
-          <a:p>
-            <a:pPr algn="ctr"/>
-            <a:r>
-              <a:rPr lang="en-GB" dirty="0">
-                <a:solidFill>
-                  <a:schemeClr val="bg1"/>
-                </a:solidFill>
-                <a:latin typeface="Courier New" panose="02070309020205020404" pitchFamily="49" charset="0"/>
-                <a:cs typeface="Courier New" panose="02070309020205020404" pitchFamily="49" charset="0"/>
-              </a:rPr>
-              <a:t>7</a:t>
-            </a:r>
-          </a:p>
-        </p:txBody>
-      </p:sp>
-      <p:sp>
-        <p:nvSpPr>
-          <p:cNvPr id="13" name="Oval 12"/>
-          <p:cNvSpPr/>
-          <p:nvPr/>
-        </p:nvSpPr>
-        <p:spPr>
-          <a:xfrm>
-            <a:off x="9952286" y="5582361"/>
-            <a:ext cx="548640" cy="604911"/>
-          </a:xfrm>
-          <a:prstGeom prst="ellipse">
-            <a:avLst/>
-          </a:prstGeom>
-          <a:solidFill>
-            <a:schemeClr val="accent4">
-              <a:lumMod val="40000"/>
-              <a:lumOff val="60000"/>
-            </a:schemeClr>
-          </a:solidFill>
-          <a:ln>
-            <a:noFill/>
-          </a:ln>
-        </p:spPr>
-        <p:style>
-          <a:lnRef idx="2">
-            <a:schemeClr val="accent1">
-              <a:shade val="50000"/>
-            </a:schemeClr>
-          </a:lnRef>
-          <a:fillRef idx="1">
-            <a:schemeClr val="accent1"/>
-          </a:fillRef>
-          <a:effectRef idx="0">
-            <a:schemeClr val="accent1"/>
-          </a:effectRef>
-          <a:fontRef idx="minor">
-            <a:schemeClr val="lt1"/>
-          </a:fontRef>
-        </p:style>
-        <p:txBody>
-          <a:bodyPr rtlCol="0" anchor="ctr"/>
-          <a:lstStyle/>
-          <a:p>
-            <a:pPr algn="ctr"/>
-            <a:r>
-              <a:rPr lang="en-GB" dirty="0">
-                <a:solidFill>
-                  <a:schemeClr val="bg1"/>
-                </a:solidFill>
-                <a:latin typeface="Courier New" panose="02070309020205020404" pitchFamily="49" charset="0"/>
-                <a:cs typeface="Courier New" panose="02070309020205020404" pitchFamily="49" charset="0"/>
-              </a:rPr>
-              <a:t>8</a:t>
-            </a:r>
-          </a:p>
-        </p:txBody>
-      </p:sp>
     </p:spTree>
     <p:extLst>
       <p:ext uri="{BB962C8B-B14F-4D97-AF65-F5344CB8AC3E}">
@@ -13949,7 +13476,7 @@
           <a:p>
             <a:r>
               <a:rPr lang="en-GB" dirty="0"/>
-              <a:t>Course Outline</a:t>
+              <a:t>List Indexing</a:t>
             </a:r>
           </a:p>
         </p:txBody>
@@ -13966,73 +13493,341 @@
         </p:nvSpPr>
         <p:spPr>
           <a:xfrm>
-            <a:off x="1141412" y="1843548"/>
-            <a:ext cx="9905999" cy="3947653"/>
+            <a:off x="1141412" y="2097088"/>
+            <a:ext cx="9905999" cy="3669532"/>
           </a:xfrm>
           <a:solidFill>
             <a:srgbClr val="36AAC5"/>
           </a:solidFill>
         </p:spPr>
         <p:txBody>
-          <a:bodyPr>
-            <a:normAutofit fontScale="92500" lnSpcReduction="10000"/>
+          <a:bodyPr numCol="1">
+            <a:normAutofit/>
           </a:bodyPr>
           <a:lstStyle/>
           <a:p>
-            <a:r>
-              <a:rPr lang="en-GB" dirty="0"/>
-              <a:t>Installation &amp; setup</a:t>
-            </a:r>
-          </a:p>
-          <a:p>
-            <a:r>
-              <a:rPr lang="en-GB" dirty="0"/>
-              <a:t>Introduction to data types</a:t>
-            </a:r>
-          </a:p>
-          <a:p>
-            <a:r>
-              <a:rPr lang="en-GB" dirty="0"/>
-              <a:t>Introduction to if statements and loops</a:t>
-            </a:r>
-          </a:p>
-          <a:p>
-            <a:r>
-              <a:rPr lang="en-GB" dirty="0"/>
-              <a:t>Using built-in functions, defining new functions and using them</a:t>
-            </a:r>
-          </a:p>
-          <a:p>
-            <a:r>
-              <a:rPr lang="en-GB" dirty="0"/>
-              <a:t>Using libraries – time, maths, GUI</a:t>
-            </a:r>
-          </a:p>
-          <a:p>
-            <a:r>
-              <a:rPr lang="en-GB" dirty="0"/>
-              <a:t>Introduction to classes</a:t>
-            </a:r>
-          </a:p>
-          <a:p>
-            <a:r>
-              <a:rPr lang="en-GB" dirty="0"/>
-              <a:t>Creating and using your own classes</a:t>
-            </a:r>
-          </a:p>
-          <a:p>
-            <a:r>
-              <a:rPr lang="en-GB" dirty="0"/>
-              <a:t>Steps to make </a:t>
-            </a:r>
-            <a:r>
-              <a:rPr lang="en-GB"/>
-              <a:t>a game</a:t>
-            </a:r>
-            <a:endParaRPr lang="en-GB" dirty="0"/>
-          </a:p>
-          <a:p>
-            <a:endParaRPr lang="en-GB" dirty="0"/>
+            <a:pPr>
+              <a:spcBef>
+                <a:spcPts val="1200"/>
+              </a:spcBef>
+            </a:pPr>
+            <a:r>
+              <a:rPr lang="en-GB" dirty="0">
+                <a:cs typeface="Courier New" panose="02070309020205020404" pitchFamily="49" charset="0"/>
+              </a:rPr>
+              <a:t>Create a list e.g. </a:t>
+            </a:r>
+            <a:r>
+              <a:rPr lang="en-GB" dirty="0" err="1">
+                <a:solidFill>
+                  <a:srgbClr val="7030A0"/>
+                </a:solidFill>
+                <a:latin typeface="Courier New" panose="02070309020205020404" pitchFamily="49" charset="0"/>
+                <a:cs typeface="Courier New" panose="02070309020205020404" pitchFamily="49" charset="0"/>
+              </a:rPr>
+              <a:t>my_list</a:t>
+            </a:r>
+            <a:r>
+              <a:rPr lang="en-GB" dirty="0">
+                <a:solidFill>
+                  <a:srgbClr val="7030A0"/>
+                </a:solidFill>
+                <a:latin typeface="Courier New" panose="02070309020205020404" pitchFamily="49" charset="0"/>
+                <a:cs typeface="Courier New" panose="02070309020205020404" pitchFamily="49" charset="0"/>
+              </a:rPr>
+              <a:t> = [3, -4, 2, 0, 3, 9]</a:t>
+            </a:r>
+            <a:endParaRPr lang="en-GB" dirty="0">
+              <a:cs typeface="Courier New" panose="02070309020205020404" pitchFamily="49" charset="0"/>
+            </a:endParaRPr>
+          </a:p>
+          <a:p>
+            <a:pPr>
+              <a:spcBef>
+                <a:spcPts val="1200"/>
+              </a:spcBef>
+            </a:pPr>
+            <a:r>
+              <a:rPr lang="en-GB" dirty="0">
+                <a:cs typeface="Courier New" panose="02070309020205020404" pitchFamily="49" charset="0"/>
+              </a:rPr>
+              <a:t>Indexing: </a:t>
+            </a:r>
+            <a:r>
+              <a:rPr lang="en-GB" dirty="0">
+                <a:latin typeface="Courier New" panose="02070309020205020404" pitchFamily="49" charset="0"/>
+                <a:cs typeface="Courier New" panose="02070309020205020404" pitchFamily="49" charset="0"/>
+              </a:rPr>
+              <a:t>list[index]</a:t>
+            </a:r>
+            <a:r>
+              <a:rPr lang="en-GB" dirty="0">
+                <a:cs typeface="Courier New" panose="02070309020205020404" pitchFamily="49" charset="0"/>
+              </a:rPr>
+              <a:t> e.g. </a:t>
+            </a:r>
+            <a:r>
+              <a:rPr lang="en-GB" dirty="0" err="1">
+                <a:solidFill>
+                  <a:srgbClr val="7030A0"/>
+                </a:solidFill>
+                <a:latin typeface="Courier New" panose="02070309020205020404" pitchFamily="49" charset="0"/>
+                <a:cs typeface="Courier New" panose="02070309020205020404" pitchFamily="49" charset="0"/>
+              </a:rPr>
+              <a:t>my_list</a:t>
+            </a:r>
+            <a:r>
+              <a:rPr lang="en-GB" dirty="0">
+                <a:solidFill>
+                  <a:srgbClr val="7030A0"/>
+                </a:solidFill>
+                <a:latin typeface="Courier New" panose="02070309020205020404" pitchFamily="49" charset="0"/>
+                <a:cs typeface="Courier New" panose="02070309020205020404" pitchFamily="49" charset="0"/>
+              </a:rPr>
+              <a:t>[0]</a:t>
+            </a:r>
+            <a:r>
+              <a:rPr lang="en-GB" dirty="0">
+                <a:cs typeface="Courier New" panose="02070309020205020404" pitchFamily="49" charset="0"/>
+              </a:rPr>
+              <a:t>, </a:t>
+            </a:r>
+            <a:r>
+              <a:rPr lang="en-GB" dirty="0" err="1">
+                <a:solidFill>
+                  <a:srgbClr val="7030A0"/>
+                </a:solidFill>
+                <a:latin typeface="Courier New" panose="02070309020205020404" pitchFamily="49" charset="0"/>
+                <a:cs typeface="Courier New" panose="02070309020205020404" pitchFamily="49" charset="0"/>
+              </a:rPr>
+              <a:t>my_list</a:t>
+            </a:r>
+            <a:r>
+              <a:rPr lang="en-GB" dirty="0">
+                <a:solidFill>
+                  <a:srgbClr val="7030A0"/>
+                </a:solidFill>
+                <a:latin typeface="Courier New" panose="02070309020205020404" pitchFamily="49" charset="0"/>
+                <a:cs typeface="Courier New" panose="02070309020205020404" pitchFamily="49" charset="0"/>
+              </a:rPr>
+              <a:t>[-2]</a:t>
+            </a:r>
+          </a:p>
+          <a:p>
+            <a:pPr>
+              <a:spcBef>
+                <a:spcPts val="1200"/>
+              </a:spcBef>
+            </a:pPr>
+            <a:r>
+              <a:rPr lang="en-GB" dirty="0">
+                <a:cs typeface="Courier New" panose="02070309020205020404" pitchFamily="49" charset="0"/>
+              </a:rPr>
+              <a:t>Slicing: </a:t>
+            </a:r>
+            <a:r>
+              <a:rPr lang="en-GB" dirty="0">
+                <a:latin typeface="Courier New" panose="02070309020205020404" pitchFamily="49" charset="0"/>
+                <a:cs typeface="Courier New" panose="02070309020205020404" pitchFamily="49" charset="0"/>
+              </a:rPr>
+              <a:t>list[</a:t>
+            </a:r>
+            <a:r>
+              <a:rPr lang="en-GB" dirty="0" err="1">
+                <a:latin typeface="Courier New" panose="02070309020205020404" pitchFamily="49" charset="0"/>
+                <a:cs typeface="Courier New" panose="02070309020205020404" pitchFamily="49" charset="0"/>
+              </a:rPr>
+              <a:t>start:end</a:t>
+            </a:r>
+            <a:r>
+              <a:rPr lang="en-GB" dirty="0">
+                <a:latin typeface="Courier New" panose="02070309020205020404" pitchFamily="49" charset="0"/>
+                <a:cs typeface="Courier New" panose="02070309020205020404" pitchFamily="49" charset="0"/>
+              </a:rPr>
+              <a:t>]</a:t>
+            </a:r>
+            <a:r>
+              <a:rPr lang="en-GB" dirty="0">
+                <a:cs typeface="Courier New" panose="02070309020205020404" pitchFamily="49" charset="0"/>
+              </a:rPr>
+              <a:t> e.g. </a:t>
+            </a:r>
+            <a:r>
+              <a:rPr lang="en-GB" dirty="0" err="1">
+                <a:solidFill>
+                  <a:srgbClr val="7030A0"/>
+                </a:solidFill>
+                <a:latin typeface="Courier New" panose="02070309020205020404" pitchFamily="49" charset="0"/>
+                <a:cs typeface="Courier New" panose="02070309020205020404" pitchFamily="49" charset="0"/>
+              </a:rPr>
+              <a:t>my_list</a:t>
+            </a:r>
+            <a:r>
+              <a:rPr lang="en-GB" dirty="0">
+                <a:solidFill>
+                  <a:srgbClr val="7030A0"/>
+                </a:solidFill>
+                <a:latin typeface="Courier New" panose="02070309020205020404" pitchFamily="49" charset="0"/>
+                <a:cs typeface="Courier New" panose="02070309020205020404" pitchFamily="49" charset="0"/>
+              </a:rPr>
+              <a:t>[1:3]</a:t>
+            </a:r>
+            <a:r>
+              <a:rPr lang="en-GB" dirty="0">
+                <a:cs typeface="Courier New" panose="02070309020205020404" pitchFamily="49" charset="0"/>
+              </a:rPr>
+              <a:t>, </a:t>
+            </a:r>
+            <a:r>
+              <a:rPr lang="en-GB" dirty="0" err="1">
+                <a:solidFill>
+                  <a:srgbClr val="7030A0"/>
+                </a:solidFill>
+                <a:latin typeface="Courier New" panose="02070309020205020404" pitchFamily="49" charset="0"/>
+                <a:cs typeface="Courier New" panose="02070309020205020404" pitchFamily="49" charset="0"/>
+              </a:rPr>
+              <a:t>my_list</a:t>
+            </a:r>
+            <a:r>
+              <a:rPr lang="en-GB" dirty="0">
+                <a:solidFill>
+                  <a:srgbClr val="7030A0"/>
+                </a:solidFill>
+                <a:latin typeface="Courier New" panose="02070309020205020404" pitchFamily="49" charset="0"/>
+                <a:cs typeface="Courier New" panose="02070309020205020404" pitchFamily="49" charset="0"/>
+              </a:rPr>
+              <a:t>[:-2]</a:t>
+            </a:r>
+            <a:r>
+              <a:rPr lang="en-GB" dirty="0">
+                <a:cs typeface="Courier New" panose="02070309020205020404" pitchFamily="49" charset="0"/>
+              </a:rPr>
+              <a:t>, </a:t>
+            </a:r>
+            <a:r>
+              <a:rPr lang="en-GB" dirty="0" err="1">
+                <a:solidFill>
+                  <a:srgbClr val="7030A0"/>
+                </a:solidFill>
+                <a:latin typeface="Courier New" panose="02070309020205020404" pitchFamily="49" charset="0"/>
+                <a:cs typeface="Courier New" panose="02070309020205020404" pitchFamily="49" charset="0"/>
+              </a:rPr>
+              <a:t>my_list</a:t>
+            </a:r>
+            <a:r>
+              <a:rPr lang="en-GB" dirty="0">
+                <a:solidFill>
+                  <a:srgbClr val="7030A0"/>
+                </a:solidFill>
+                <a:latin typeface="Courier New" panose="02070309020205020404" pitchFamily="49" charset="0"/>
+                <a:cs typeface="Courier New" panose="02070309020205020404" pitchFamily="49" charset="0"/>
+              </a:rPr>
+              <a:t>[:]</a:t>
+            </a:r>
+            <a:r>
+              <a:rPr lang="en-GB" dirty="0">
+                <a:latin typeface="+mj-lt"/>
+                <a:cs typeface="Courier New" panose="02070309020205020404" pitchFamily="49" charset="0"/>
+              </a:rPr>
+              <a:t> (copy the whole list)</a:t>
+            </a:r>
+          </a:p>
+          <a:p>
+            <a:pPr>
+              <a:spcBef>
+                <a:spcPts val="1200"/>
+              </a:spcBef>
+            </a:pPr>
+            <a:r>
+              <a:rPr lang="en-GB" dirty="0">
+                <a:cs typeface="Courier New" panose="02070309020205020404" pitchFamily="49" charset="0"/>
+              </a:rPr>
+              <a:t>More complex slicing: </a:t>
+            </a:r>
+            <a:r>
+              <a:rPr lang="en-GB" dirty="0">
+                <a:latin typeface="Courier New" panose="02070309020205020404" pitchFamily="49" charset="0"/>
+                <a:cs typeface="Courier New" panose="02070309020205020404" pitchFamily="49" charset="0"/>
+              </a:rPr>
+              <a:t>list[</a:t>
+            </a:r>
+            <a:r>
+              <a:rPr lang="en-GB" dirty="0" err="1">
+                <a:latin typeface="Courier New" panose="02070309020205020404" pitchFamily="49" charset="0"/>
+                <a:cs typeface="Courier New" panose="02070309020205020404" pitchFamily="49" charset="0"/>
+              </a:rPr>
+              <a:t>start:end:step</a:t>
+            </a:r>
+            <a:r>
+              <a:rPr lang="en-GB" dirty="0">
+                <a:latin typeface="Courier New" panose="02070309020205020404" pitchFamily="49" charset="0"/>
+                <a:cs typeface="Courier New" panose="02070309020205020404" pitchFamily="49" charset="0"/>
+              </a:rPr>
+              <a:t>]</a:t>
+            </a:r>
+            <a:r>
+              <a:rPr lang="en-GB" dirty="0">
+                <a:cs typeface="Courier New" panose="02070309020205020404" pitchFamily="49" charset="0"/>
+              </a:rPr>
+              <a:t> e.g. </a:t>
+            </a:r>
+            <a:r>
+              <a:rPr lang="en-GB" dirty="0" err="1">
+                <a:solidFill>
+                  <a:srgbClr val="7030A0"/>
+                </a:solidFill>
+                <a:latin typeface="Courier New" panose="02070309020205020404" pitchFamily="49" charset="0"/>
+                <a:cs typeface="Courier New" panose="02070309020205020404" pitchFamily="49" charset="0"/>
+              </a:rPr>
+              <a:t>my_list</a:t>
+            </a:r>
+            <a:r>
+              <a:rPr lang="en-GB" dirty="0">
+                <a:solidFill>
+                  <a:srgbClr val="7030A0"/>
+                </a:solidFill>
+                <a:latin typeface="Courier New" panose="02070309020205020404" pitchFamily="49" charset="0"/>
+                <a:cs typeface="Courier New" panose="02070309020205020404" pitchFamily="49" charset="0"/>
+              </a:rPr>
+              <a:t>[1::2]</a:t>
+            </a:r>
+            <a:r>
+              <a:rPr lang="en-GB" dirty="0">
+                <a:cs typeface="Courier New" panose="02070309020205020404" pitchFamily="49" charset="0"/>
+              </a:rPr>
+              <a:t>, </a:t>
+            </a:r>
+            <a:r>
+              <a:rPr lang="en-GB" dirty="0" err="1">
+                <a:solidFill>
+                  <a:srgbClr val="7030A0"/>
+                </a:solidFill>
+                <a:latin typeface="Courier New" panose="02070309020205020404" pitchFamily="49" charset="0"/>
+                <a:cs typeface="Courier New" panose="02070309020205020404" pitchFamily="49" charset="0"/>
+              </a:rPr>
+              <a:t>my_list</a:t>
+            </a:r>
+            <a:r>
+              <a:rPr lang="en-GB" dirty="0">
+                <a:solidFill>
+                  <a:srgbClr val="7030A0"/>
+                </a:solidFill>
+                <a:latin typeface="Courier New" panose="02070309020205020404" pitchFamily="49" charset="0"/>
+                <a:cs typeface="Courier New" panose="02070309020205020404" pitchFamily="49" charset="0"/>
+              </a:rPr>
+              <a:t>[::-1]</a:t>
+            </a:r>
+            <a:r>
+              <a:rPr lang="en-GB" dirty="0">
+                <a:latin typeface="+mj-lt"/>
+                <a:cs typeface="Courier New" panose="02070309020205020404" pitchFamily="49" charset="0"/>
+              </a:rPr>
+              <a:t> (reverse the list)</a:t>
+            </a:r>
+            <a:endParaRPr lang="en-GB" dirty="0">
+              <a:latin typeface="Courier New" panose="02070309020205020404" pitchFamily="49" charset="0"/>
+              <a:cs typeface="Courier New" panose="02070309020205020404" pitchFamily="49" charset="0"/>
+            </a:endParaRPr>
           </a:p>
         </p:txBody>
       </p:sp>
@@ -14062,7 +13857,7 @@
     </p:spTree>
     <p:extLst>
       <p:ext uri="{BB962C8B-B14F-4D97-AF65-F5344CB8AC3E}">
-        <p14:creationId xmlns:p14="http://schemas.microsoft.com/office/powerpoint/2010/main" val="1656948211"/>
+        <p14:creationId xmlns:p14="http://schemas.microsoft.com/office/powerpoint/2010/main" val="2167833124"/>
       </p:ext>
     </p:extLst>
   </p:cSld>
@@ -14106,7 +13901,7 @@
           <a:p>
             <a:r>
               <a:rPr lang="en-GB" dirty="0"/>
-              <a:t>List Indexing</a:t>
+              <a:t>List Operations</a:t>
             </a:r>
           </a:p>
         </p:txBody>
@@ -14124,7 +13919,7 @@
         <p:spPr>
           <a:xfrm>
             <a:off x="1141412" y="2097088"/>
-            <a:ext cx="9905999" cy="3669532"/>
+            <a:ext cx="9905999" cy="3669531"/>
           </a:xfrm>
           <a:solidFill>
             <a:srgbClr val="36AAC5"/>
@@ -14145,7 +13940,7 @@
               <a:rPr lang="en-GB" dirty="0">
                 <a:cs typeface="Courier New" panose="02070309020205020404" pitchFamily="49" charset="0"/>
               </a:rPr>
-              <a:t>Create a list e.g. </a:t>
+              <a:t>Addition, multiplication: </a:t>
             </a:r>
             <a:r>
               <a:rPr lang="en-GB" dirty="0" err="1">
@@ -14165,36 +13960,23 @@
                 <a:latin typeface="Courier New" panose="02070309020205020404" pitchFamily="49" charset="0"/>
                 <a:cs typeface="Courier New" panose="02070309020205020404" pitchFamily="49" charset="0"/>
               </a:rPr>
-              <a:t> = [3, -4, 2, 0, 3, 9]</a:t>
-            </a:r>
-            <a:endParaRPr lang="en-GB" dirty="0">
-              <a:cs typeface="Courier New" panose="02070309020205020404" pitchFamily="49" charset="0"/>
-            </a:endParaRPr>
-          </a:p>
-          <a:p>
-            <a:pPr>
-              <a:spcBef>
-                <a:spcPts val="1200"/>
-              </a:spcBef>
-            </a:pPr>
+              <a:t>+[1, 2]</a:t>
+            </a:r>
             <a:r>
               <a:rPr lang="en-GB" dirty="0">
                 <a:cs typeface="Courier New" panose="02070309020205020404" pitchFamily="49" charset="0"/>
               </a:rPr>
-              <a:t>Indexing: </a:t>
+              <a:t>,  </a:t>
             </a:r>
             <a:r>
               <a:rPr lang="en-GB" dirty="0">
+                <a:solidFill>
+                  <a:srgbClr val="7030A0"/>
+                </a:solidFill>
                 <a:latin typeface="Courier New" panose="02070309020205020404" pitchFamily="49" charset="0"/>
                 <a:cs typeface="Courier New" panose="02070309020205020404" pitchFamily="49" charset="0"/>
               </a:rPr>
-              <a:t>list[index]</a:t>
-            </a:r>
-            <a:r>
-              <a:rPr lang="en-GB" dirty="0">
-                <a:cs typeface="Courier New" panose="02070309020205020404" pitchFamily="49" charset="0"/>
-              </a:rPr>
-              <a:t> e.g. </a:t>
+              <a:t>3*</a:t>
             </a:r>
             <a:r>
               <a:rPr lang="en-GB" dirty="0" err="1">
@@ -14206,6 +13988,40 @@
               </a:rPr>
               <a:t>my_list</a:t>
             </a:r>
+            <a:endParaRPr lang="en-GB" dirty="0">
+              <a:solidFill>
+                <a:srgbClr val="7030A0"/>
+              </a:solidFill>
+              <a:latin typeface="Courier New" panose="02070309020205020404" pitchFamily="49" charset="0"/>
+              <a:cs typeface="Courier New" panose="02070309020205020404" pitchFamily="49" charset="0"/>
+            </a:endParaRPr>
+          </a:p>
+          <a:p>
+            <a:pPr>
+              <a:spcBef>
+                <a:spcPts val="1200"/>
+              </a:spcBef>
+            </a:pPr>
+            <a:r>
+              <a:rPr lang="en-GB" dirty="0">
+                <a:cs typeface="Courier New" panose="02070309020205020404" pitchFamily="49" charset="0"/>
+              </a:rPr>
+              <a:t>Create a list with </a:t>
+            </a:r>
+            <a:r>
+              <a:rPr lang="en-GB" dirty="0">
+                <a:latin typeface="Courier New" panose="02070309020205020404" pitchFamily="49" charset="0"/>
+                <a:cs typeface="Courier New" panose="02070309020205020404" pitchFamily="49" charset="0"/>
+              </a:rPr>
+              <a:t>range</a:t>
+            </a:r>
+            <a:r>
+              <a:rPr lang="en-GB" dirty="0">
+                <a:latin typeface="+mj-lt"/>
+                <a:cs typeface="Courier New" panose="02070309020205020404" pitchFamily="49" charset="0"/>
+              </a:rPr>
+              <a:t> e.g. </a:t>
+            </a:r>
             <a:r>
               <a:rPr lang="en-GB" dirty="0">
                 <a:solidFill>
@@ -14214,13 +14030,57 @@
                 <a:latin typeface="Courier New" panose="02070309020205020404" pitchFamily="49" charset="0"/>
                 <a:cs typeface="Courier New" panose="02070309020205020404" pitchFamily="49" charset="0"/>
               </a:rPr>
-              <a:t>[0]</a:t>
-            </a:r>
+              <a:t>list(range(10))</a:t>
+            </a:r>
+            <a:r>
+              <a:rPr lang="en-GB" dirty="0">
+                <a:latin typeface="+mj-lt"/>
+                <a:cs typeface="Courier New" panose="02070309020205020404" pitchFamily="49" charset="0"/>
+              </a:rPr>
+              <a:t>, </a:t>
+            </a:r>
+            <a:r>
+              <a:rPr lang="en-GB" dirty="0">
+                <a:solidFill>
+                  <a:srgbClr val="7030A0"/>
+                </a:solidFill>
+                <a:latin typeface="Courier New" panose="02070309020205020404" pitchFamily="49" charset="0"/>
+                <a:cs typeface="Courier New" panose="02070309020205020404" pitchFamily="49" charset="0"/>
+              </a:rPr>
+              <a:t>list(range(1,10,2))</a:t>
+            </a:r>
+          </a:p>
+          <a:p>
+            <a:pPr>
+              <a:spcBef>
+                <a:spcPts val="1200"/>
+              </a:spcBef>
+            </a:pPr>
             <a:r>
               <a:rPr lang="en-GB" dirty="0">
                 <a:cs typeface="Courier New" panose="02070309020205020404" pitchFamily="49" charset="0"/>
               </a:rPr>
-              <a:t>, </a:t>
+              <a:t>List functions: </a:t>
+            </a:r>
+            <a:r>
+              <a:rPr lang="en-GB" dirty="0" err="1">
+                <a:solidFill>
+                  <a:srgbClr val="7030A0"/>
+                </a:solidFill>
+                <a:latin typeface="Courier New" panose="02070309020205020404" pitchFamily="49" charset="0"/>
+                <a:cs typeface="Courier New" panose="02070309020205020404" pitchFamily="49" charset="0"/>
+              </a:rPr>
+              <a:t>len</a:t>
+            </a:r>
+            <a:r>
+              <a:rPr lang="en-GB" dirty="0">
+                <a:solidFill>
+                  <a:srgbClr val="7030A0"/>
+                </a:solidFill>
+                <a:latin typeface="Courier New" panose="02070309020205020404" pitchFamily="49" charset="0"/>
+                <a:cs typeface="Courier New" panose="02070309020205020404" pitchFamily="49" charset="0"/>
+              </a:rPr>
+              <a:t>(</a:t>
             </a:r>
             <a:r>
               <a:rPr lang="en-GB" dirty="0" err="1">
@@ -14240,47 +14100,23 @@
                 <a:latin typeface="Courier New" panose="02070309020205020404" pitchFamily="49" charset="0"/>
                 <a:cs typeface="Courier New" panose="02070309020205020404" pitchFamily="49" charset="0"/>
               </a:rPr>
-              <a:t>[-2]</a:t>
-            </a:r>
-          </a:p>
-          <a:p>
-            <a:pPr>
-              <a:spcBef>
-                <a:spcPts val="1200"/>
-              </a:spcBef>
-            </a:pPr>
+              <a:t>)</a:t>
+            </a:r>
             <a:r>
               <a:rPr lang="en-GB" dirty="0">
                 <a:cs typeface="Courier New" panose="02070309020205020404" pitchFamily="49" charset="0"/>
               </a:rPr>
-              <a:t>Slicing: </a:t>
+              <a:t>, </a:t>
             </a:r>
             <a:r>
               <a:rPr lang="en-GB" dirty="0">
+                <a:solidFill>
+                  <a:srgbClr val="7030A0"/>
+                </a:solidFill>
                 <a:latin typeface="Courier New" panose="02070309020205020404" pitchFamily="49" charset="0"/>
                 <a:cs typeface="Courier New" panose="02070309020205020404" pitchFamily="49" charset="0"/>
               </a:rPr>
-              <a:t>list[</a:t>
-            </a:r>
-            <a:r>
-              <a:rPr lang="en-GB" dirty="0" err="1">
-                <a:latin typeface="Courier New" panose="02070309020205020404" pitchFamily="49" charset="0"/>
-                <a:cs typeface="Courier New" panose="02070309020205020404" pitchFamily="49" charset="0"/>
-              </a:rPr>
-              <a:t>start:end</a:t>
-            </a:r>
-            <a:r>
-              <a:rPr lang="en-GB" dirty="0">
-                <a:latin typeface="Courier New" panose="02070309020205020404" pitchFamily="49" charset="0"/>
-                <a:cs typeface="Courier New" panose="02070309020205020404" pitchFamily="49" charset="0"/>
-              </a:rPr>
-              <a:t>]</a:t>
-            </a:r>
-            <a:r>
-              <a:rPr lang="en-GB" dirty="0">
-                <a:cs typeface="Courier New" panose="02070309020205020404" pitchFamily="49" charset="0"/>
-              </a:rPr>
-              <a:t> e.g. </a:t>
+              <a:t>sorted(</a:t>
             </a:r>
             <a:r>
               <a:rPr lang="en-GB" dirty="0" err="1">
@@ -14300,13 +14136,20 @@
                 <a:latin typeface="Courier New" panose="02070309020205020404" pitchFamily="49" charset="0"/>
                 <a:cs typeface="Courier New" panose="02070309020205020404" pitchFamily="49" charset="0"/>
               </a:rPr>
-              <a:t>[1:3]</a:t>
-            </a:r>
+              <a:t>)</a:t>
+            </a:r>
+          </a:p>
+          <a:p>
+            <a:pPr>
+              <a:spcBef>
+                <a:spcPts val="1200"/>
+              </a:spcBef>
+            </a:pPr>
             <a:r>
               <a:rPr lang="en-GB" dirty="0">
                 <a:cs typeface="Courier New" panose="02070309020205020404" pitchFamily="49" charset="0"/>
               </a:rPr>
-              <a:t>, </a:t>
+              <a:t>List methods: </a:t>
             </a:r>
             <a:r>
               <a:rPr lang="en-GB" dirty="0" err="1">
@@ -14316,7 +14159,7 @@
                 <a:latin typeface="Courier New" panose="02070309020205020404" pitchFamily="49" charset="0"/>
                 <a:cs typeface="Courier New" panose="02070309020205020404" pitchFamily="49" charset="0"/>
               </a:rPr>
-              <a:t>my_list</a:t>
+              <a:t>my_list.append</a:t>
             </a:r>
             <a:r>
               <a:rPr lang="en-GB" dirty="0">
@@ -14326,7 +14169,7 @@
                 <a:latin typeface="Courier New" panose="02070309020205020404" pitchFamily="49" charset="0"/>
                 <a:cs typeface="Courier New" panose="02070309020205020404" pitchFamily="49" charset="0"/>
               </a:rPr>
-              <a:t>[:-2]</a:t>
+              <a:t>(‘a’)</a:t>
             </a:r>
             <a:r>
               <a:rPr lang="en-GB" dirty="0">
@@ -14342,7 +14185,7 @@
                 <a:latin typeface="Courier New" panose="02070309020205020404" pitchFamily="49" charset="0"/>
                 <a:cs typeface="Courier New" panose="02070309020205020404" pitchFamily="49" charset="0"/>
               </a:rPr>
-              <a:t>my_list</a:t>
+              <a:t>my_list.insert</a:t>
             </a:r>
             <a:r>
               <a:rPr lang="en-GB" dirty="0">
@@ -14352,54 +14195,23 @@
                 <a:latin typeface="Courier New" panose="02070309020205020404" pitchFamily="49" charset="0"/>
                 <a:cs typeface="Courier New" panose="02070309020205020404" pitchFamily="49" charset="0"/>
               </a:rPr>
-              <a:t>[:]</a:t>
-            </a:r>
-            <a:r>
-              <a:rPr lang="en-GB" dirty="0">
-                <a:latin typeface="+mj-lt"/>
-                <a:cs typeface="Courier New" panose="02070309020205020404" pitchFamily="49" charset="0"/>
-              </a:rPr>
-              <a:t> (copy the whole list)</a:t>
-            </a:r>
-          </a:p>
-          <a:p>
-            <a:pPr>
-              <a:spcBef>
-                <a:spcPts val="1200"/>
-              </a:spcBef>
-            </a:pPr>
+              <a:t>(0, 35)</a:t>
+            </a:r>
             <a:r>
               <a:rPr lang="en-GB" dirty="0">
                 <a:cs typeface="Courier New" panose="02070309020205020404" pitchFamily="49" charset="0"/>
               </a:rPr>
-              <a:t>More complex slicing: </a:t>
+              <a:t>, </a:t>
             </a:r>
             <a:r>
               <a:rPr lang="en-GB" dirty="0">
+                <a:solidFill>
+                  <a:srgbClr val="7030A0"/>
+                </a:solidFill>
                 <a:latin typeface="Courier New" panose="02070309020205020404" pitchFamily="49" charset="0"/>
                 <a:cs typeface="Courier New" panose="02070309020205020404" pitchFamily="49" charset="0"/>
               </a:rPr>
-              <a:t>list[</a:t>
-            </a:r>
-            <a:r>
-              <a:rPr lang="en-GB" dirty="0" err="1">
-                <a:latin typeface="Courier New" panose="02070309020205020404" pitchFamily="49" charset="0"/>
-                <a:cs typeface="Courier New" panose="02070309020205020404" pitchFamily="49" charset="0"/>
-              </a:rPr>
-              <a:t>start:end:step</a:t>
-            </a:r>
-            <a:r>
-              <a:rPr lang="en-GB" dirty="0">
-                <a:latin typeface="Courier New" panose="02070309020205020404" pitchFamily="49" charset="0"/>
-                <a:cs typeface="Courier New" panose="02070309020205020404" pitchFamily="49" charset="0"/>
-              </a:rPr>
-              <a:t>]</a:t>
-            </a:r>
-            <a:r>
-              <a:rPr lang="en-GB" dirty="0">
-                <a:cs typeface="Courier New" panose="02070309020205020404" pitchFamily="49" charset="0"/>
-              </a:rPr>
-              <a:t> e.g. </a:t>
+              <a:t> </a:t>
             </a:r>
             <a:r>
               <a:rPr lang="en-GB" dirty="0" err="1">
@@ -14409,7 +14221,7 @@
                 <a:latin typeface="Courier New" panose="02070309020205020404" pitchFamily="49" charset="0"/>
                 <a:cs typeface="Courier New" panose="02070309020205020404" pitchFamily="49" charset="0"/>
               </a:rPr>
-              <a:t>my_list</a:t>
+              <a:t>my_list.pop</a:t>
             </a:r>
             <a:r>
               <a:rPr lang="en-GB" dirty="0">
@@ -14419,7 +14231,7 @@
                 <a:latin typeface="Courier New" panose="02070309020205020404" pitchFamily="49" charset="0"/>
                 <a:cs typeface="Courier New" panose="02070309020205020404" pitchFamily="49" charset="0"/>
               </a:rPr>
-              <a:t>[1::2]</a:t>
+              <a:t>(2)</a:t>
             </a:r>
             <a:r>
               <a:rPr lang="en-GB" dirty="0">
@@ -14435,7 +14247,7 @@
                 <a:latin typeface="Courier New" panose="02070309020205020404" pitchFamily="49" charset="0"/>
                 <a:cs typeface="Courier New" panose="02070309020205020404" pitchFamily="49" charset="0"/>
               </a:rPr>
-              <a:t>my_list</a:t>
+              <a:t>my_list.remove</a:t>
             </a:r>
             <a:r>
               <a:rPr lang="en-GB" dirty="0">
@@ -14445,17 +14257,42 @@
                 <a:latin typeface="Courier New" panose="02070309020205020404" pitchFamily="49" charset="0"/>
                 <a:cs typeface="Courier New" panose="02070309020205020404" pitchFamily="49" charset="0"/>
               </a:rPr>
-              <a:t>[::-1]</a:t>
+              <a:t>(‘a’)</a:t>
             </a:r>
             <a:r>
               <a:rPr lang="en-GB" dirty="0">
-                <a:latin typeface="+mj-lt"/>
                 <a:cs typeface="Courier New" panose="02070309020205020404" pitchFamily="49" charset="0"/>
               </a:rPr>
-              <a:t> (reverse the list)</a:t>
-            </a:r>
+              <a:t>, </a:t>
+            </a:r>
+            <a:r>
+              <a:rPr lang="en-GB" dirty="0" err="1">
+                <a:solidFill>
+                  <a:srgbClr val="7030A0"/>
+                </a:solidFill>
+                <a:latin typeface="Courier New" panose="02070309020205020404" pitchFamily="49" charset="0"/>
+                <a:cs typeface="Courier New" panose="02070309020205020404" pitchFamily="49" charset="0"/>
+              </a:rPr>
+              <a:t>my_list.index</a:t>
+            </a:r>
+            <a:r>
+              <a:rPr lang="en-GB" dirty="0">
+                <a:solidFill>
+                  <a:srgbClr val="7030A0"/>
+                </a:solidFill>
+                <a:latin typeface="Courier New" panose="02070309020205020404" pitchFamily="49" charset="0"/>
+                <a:cs typeface="Courier New" panose="02070309020205020404" pitchFamily="49" charset="0"/>
+              </a:rPr>
+              <a:t>(35)</a:t>
+            </a:r>
+          </a:p>
+          <a:p>
+            <a:pPr>
+              <a:spcBef>
+                <a:spcPts val="1200"/>
+              </a:spcBef>
+            </a:pPr>
             <a:endParaRPr lang="en-GB" dirty="0">
-              <a:latin typeface="Courier New" panose="02070309020205020404" pitchFamily="49" charset="0"/>
               <a:cs typeface="Courier New" panose="02070309020205020404" pitchFamily="49" charset="0"/>
             </a:endParaRPr>
           </a:p>
@@ -14484,10 +14321,104 @@
           </a:p>
         </p:txBody>
       </p:sp>
+      <p:sp>
+        <p:nvSpPr>
+          <p:cNvPr id="5" name="TextBox 4"/>
+          <p:cNvSpPr txBox="1"/>
+          <p:nvPr/>
+        </p:nvSpPr>
+        <p:spPr>
+          <a:xfrm>
+            <a:off x="5571242" y="755370"/>
+            <a:ext cx="5476170" cy="1015663"/>
+          </a:xfrm>
+          <a:prstGeom prst="rect">
+            <a:avLst/>
+          </a:prstGeom>
+          <a:noFill/>
+        </p:spPr>
+        <p:txBody>
+          <a:bodyPr wrap="square" rtlCol="0">
+            <a:spAutoFit/>
+          </a:bodyPr>
+          <a:lstStyle/>
+          <a:p>
+            <a:pPr algn="ctr"/>
+            <a:r>
+              <a:rPr lang="en-GB" sz="2000" dirty="0">
+                <a:cs typeface="Courier New" panose="02070309020205020404" pitchFamily="49" charset="0"/>
+              </a:rPr>
+              <a:t>Type help([function/object]) in the shell to see information about how to use the function/object, e.g. </a:t>
+            </a:r>
+            <a:r>
+              <a:rPr lang="en-GB" sz="2000" dirty="0">
+                <a:solidFill>
+                  <a:srgbClr val="7030A0"/>
+                </a:solidFill>
+                <a:latin typeface="Courier New" panose="02070309020205020404" pitchFamily="49" charset="0"/>
+                <a:cs typeface="Courier New" panose="02070309020205020404" pitchFamily="49" charset="0"/>
+              </a:rPr>
+              <a:t>help(range)</a:t>
+            </a:r>
+            <a:r>
+              <a:rPr lang="en-GB" sz="2000" dirty="0">
+                <a:cs typeface="Courier New" panose="02070309020205020404" pitchFamily="49" charset="0"/>
+              </a:rPr>
+              <a:t>, </a:t>
+            </a:r>
+            <a:r>
+              <a:rPr lang="en-GB" sz="2000" dirty="0">
+                <a:solidFill>
+                  <a:srgbClr val="7030A0"/>
+                </a:solidFill>
+                <a:latin typeface="Courier New" panose="02070309020205020404" pitchFamily="49" charset="0"/>
+                <a:cs typeface="Courier New" panose="02070309020205020404" pitchFamily="49" charset="0"/>
+              </a:rPr>
+              <a:t>help(</a:t>
+            </a:r>
+            <a:r>
+              <a:rPr lang="en-GB" sz="2000" dirty="0" err="1">
+                <a:solidFill>
+                  <a:srgbClr val="7030A0"/>
+                </a:solidFill>
+                <a:latin typeface="Courier New" panose="02070309020205020404" pitchFamily="49" charset="0"/>
+                <a:cs typeface="Courier New" panose="02070309020205020404" pitchFamily="49" charset="0"/>
+              </a:rPr>
+              <a:t>len</a:t>
+            </a:r>
+            <a:r>
+              <a:rPr lang="en-GB" sz="2000" dirty="0">
+                <a:solidFill>
+                  <a:srgbClr val="7030A0"/>
+                </a:solidFill>
+                <a:latin typeface="Courier New" panose="02070309020205020404" pitchFamily="49" charset="0"/>
+                <a:cs typeface="Courier New" panose="02070309020205020404" pitchFamily="49" charset="0"/>
+              </a:rPr>
+              <a:t>)</a:t>
+            </a:r>
+            <a:r>
+              <a:rPr lang="en-GB" sz="2000" dirty="0">
+                <a:cs typeface="Courier New" panose="02070309020205020404" pitchFamily="49" charset="0"/>
+              </a:rPr>
+              <a:t>, </a:t>
+            </a:r>
+            <a:r>
+              <a:rPr lang="en-GB" sz="2000" dirty="0">
+                <a:solidFill>
+                  <a:srgbClr val="7030A0"/>
+                </a:solidFill>
+                <a:latin typeface="Courier New" panose="02070309020205020404" pitchFamily="49" charset="0"/>
+                <a:cs typeface="Courier New" panose="02070309020205020404" pitchFamily="49" charset="0"/>
+              </a:rPr>
+              <a:t>help(list)</a:t>
+            </a:r>
+          </a:p>
+        </p:txBody>
+      </p:sp>
     </p:spTree>
     <p:extLst>
       <p:ext uri="{BB962C8B-B14F-4D97-AF65-F5344CB8AC3E}">
-        <p14:creationId xmlns:p14="http://schemas.microsoft.com/office/powerpoint/2010/main" val="2167833124"/>
+        <p14:creationId xmlns:p14="http://schemas.microsoft.com/office/powerpoint/2010/main" val="3124918447"/>
       </p:ext>
     </p:extLst>
   </p:cSld>
@@ -14530,8 +14461,15 @@
           <a:lstStyle/>
           <a:p>
             <a:r>
+              <a:rPr lang="en-GB" dirty="0">
+                <a:latin typeface="+mn-lt"/>
+                <a:cs typeface="Courier New" panose="02070309020205020404" pitchFamily="49" charset="0"/>
+              </a:rPr>
+              <a:t>If</a:t>
+            </a:r>
+            <a:r>
               <a:rPr lang="en-GB" dirty="0"/>
-              <a:t>List Operations</a:t>
+              <a:t> Statements</a:t>
             </a:r>
           </a:p>
         </p:txBody>
@@ -14547,31 +14485,74 @@
           </p:nvPr>
         </p:nvSpPr>
         <p:spPr>
-          <a:xfrm>
-            <a:off x="1141412" y="2097088"/>
-            <a:ext cx="9905999" cy="3669531"/>
-          </a:xfrm>
           <a:solidFill>
             <a:srgbClr val="36AAC5"/>
           </a:solidFill>
         </p:spPr>
         <p:txBody>
-          <a:bodyPr numCol="1">
-            <a:normAutofit/>
+          <a:bodyPr numCol="2">
+            <a:normAutofit lnSpcReduction="10000"/>
           </a:bodyPr>
           <a:lstStyle/>
           <a:p>
-            <a:pPr>
+            <a:pPr marL="0" indent="0">
               <a:spcBef>
-                <a:spcPts val="1200"/>
+                <a:spcPts val="0"/>
               </a:spcBef>
+              <a:buNone/>
             </a:pPr>
             <a:r>
               <a:rPr lang="en-GB" dirty="0">
+                <a:solidFill>
+                  <a:srgbClr val="7030A0"/>
+                </a:solidFill>
+                <a:latin typeface="Courier New" panose="02070309020205020404" pitchFamily="49" charset="0"/>
                 <a:cs typeface="Courier New" panose="02070309020205020404" pitchFamily="49" charset="0"/>
               </a:rPr>
-              <a:t>Addition, multiplication: </a:t>
-            </a:r>
+              <a:t>if </a:t>
+            </a:r>
+            <a:r>
+              <a:rPr lang="en-GB" dirty="0">
+                <a:solidFill>
+                  <a:srgbClr val="7030A0"/>
+                </a:solidFill>
+              </a:rPr>
+              <a:t>[condition]</a:t>
+            </a:r>
+            <a:r>
+              <a:rPr lang="en-GB" dirty="0">
+                <a:solidFill>
+                  <a:srgbClr val="7030A0"/>
+                </a:solidFill>
+                <a:latin typeface="Courier New" panose="02070309020205020404" pitchFamily="49" charset="0"/>
+                <a:cs typeface="Courier New" panose="02070309020205020404" pitchFamily="49" charset="0"/>
+              </a:rPr>
+              <a:t>:</a:t>
+            </a:r>
+          </a:p>
+          <a:p>
+            <a:pPr marL="0" indent="0">
+              <a:spcBef>
+                <a:spcPts val="0"/>
+              </a:spcBef>
+              <a:buNone/>
+            </a:pPr>
+            <a:r>
+              <a:rPr lang="en-GB" dirty="0">
+                <a:solidFill>
+                  <a:srgbClr val="7030A0"/>
+                </a:solidFill>
+              </a:rPr>
+              <a:t>    [do this]</a:t>
+            </a:r>
+          </a:p>
+          <a:p>
+            <a:pPr marL="0" indent="0">
+              <a:spcBef>
+                <a:spcPts val="0"/>
+              </a:spcBef>
+              <a:buNone/>
+            </a:pPr>
             <a:r>
               <a:rPr lang="en-GB" dirty="0" err="1">
                 <a:solidFill>
@@ -14580,258 +14561,7 @@
                 <a:latin typeface="Courier New" panose="02070309020205020404" pitchFamily="49" charset="0"/>
                 <a:cs typeface="Courier New" panose="02070309020205020404" pitchFamily="49" charset="0"/>
               </a:rPr>
-              <a:t>my_list</a:t>
-            </a:r>
-            <a:r>
-              <a:rPr lang="en-GB" dirty="0">
-                <a:solidFill>
-                  <a:srgbClr val="7030A0"/>
-                </a:solidFill>
-                <a:latin typeface="Courier New" panose="02070309020205020404" pitchFamily="49" charset="0"/>
-                <a:cs typeface="Courier New" panose="02070309020205020404" pitchFamily="49" charset="0"/>
-              </a:rPr>
-              <a:t>+[1, 2]</a:t>
-            </a:r>
-            <a:r>
-              <a:rPr lang="en-GB" dirty="0">
-                <a:cs typeface="Courier New" panose="02070309020205020404" pitchFamily="49" charset="0"/>
-              </a:rPr>
-              <a:t>,  </a:t>
-            </a:r>
-            <a:r>
-              <a:rPr lang="en-GB" dirty="0">
-                <a:solidFill>
-                  <a:srgbClr val="7030A0"/>
-                </a:solidFill>
-                <a:latin typeface="Courier New" panose="02070309020205020404" pitchFamily="49" charset="0"/>
-                <a:cs typeface="Courier New" panose="02070309020205020404" pitchFamily="49" charset="0"/>
-              </a:rPr>
-              <a:t>3*</a:t>
-            </a:r>
-            <a:r>
-              <a:rPr lang="en-GB" dirty="0" err="1">
-                <a:solidFill>
-                  <a:srgbClr val="7030A0"/>
-                </a:solidFill>
-                <a:latin typeface="Courier New" panose="02070309020205020404" pitchFamily="49" charset="0"/>
-                <a:cs typeface="Courier New" panose="02070309020205020404" pitchFamily="49" charset="0"/>
-              </a:rPr>
-              <a:t>my_list</a:t>
-            </a:r>
-            <a:endParaRPr lang="en-GB" dirty="0">
-              <a:solidFill>
-                <a:srgbClr val="7030A0"/>
-              </a:solidFill>
-              <a:latin typeface="Courier New" panose="02070309020205020404" pitchFamily="49" charset="0"/>
-              <a:cs typeface="Courier New" panose="02070309020205020404" pitchFamily="49" charset="0"/>
-            </a:endParaRPr>
-          </a:p>
-          <a:p>
-            <a:pPr>
-              <a:spcBef>
-                <a:spcPts val="1200"/>
-              </a:spcBef>
-            </a:pPr>
-            <a:r>
-              <a:rPr lang="en-GB" dirty="0">
-                <a:cs typeface="Courier New" panose="02070309020205020404" pitchFamily="49" charset="0"/>
-              </a:rPr>
-              <a:t>Create a list with </a:t>
-            </a:r>
-            <a:r>
-              <a:rPr lang="en-GB" dirty="0">
-                <a:latin typeface="Courier New" panose="02070309020205020404" pitchFamily="49" charset="0"/>
-                <a:cs typeface="Courier New" panose="02070309020205020404" pitchFamily="49" charset="0"/>
-              </a:rPr>
-              <a:t>range</a:t>
-            </a:r>
-            <a:r>
-              <a:rPr lang="en-GB" dirty="0">
-                <a:latin typeface="+mj-lt"/>
-                <a:cs typeface="Courier New" panose="02070309020205020404" pitchFamily="49" charset="0"/>
-              </a:rPr>
-              <a:t> e.g. </a:t>
-            </a:r>
-            <a:r>
-              <a:rPr lang="en-GB" dirty="0">
-                <a:solidFill>
-                  <a:srgbClr val="7030A0"/>
-                </a:solidFill>
-                <a:latin typeface="Courier New" panose="02070309020205020404" pitchFamily="49" charset="0"/>
-                <a:cs typeface="Courier New" panose="02070309020205020404" pitchFamily="49" charset="0"/>
-              </a:rPr>
-              <a:t>list(range(10))</a:t>
-            </a:r>
-            <a:r>
-              <a:rPr lang="en-GB" dirty="0">
-                <a:latin typeface="+mj-lt"/>
-                <a:cs typeface="Courier New" panose="02070309020205020404" pitchFamily="49" charset="0"/>
-              </a:rPr>
-              <a:t>, </a:t>
-            </a:r>
-            <a:r>
-              <a:rPr lang="en-GB" dirty="0">
-                <a:solidFill>
-                  <a:srgbClr val="7030A0"/>
-                </a:solidFill>
-                <a:latin typeface="Courier New" panose="02070309020205020404" pitchFamily="49" charset="0"/>
-                <a:cs typeface="Courier New" panose="02070309020205020404" pitchFamily="49" charset="0"/>
-              </a:rPr>
-              <a:t>list(range(1,10,2))</a:t>
-            </a:r>
-          </a:p>
-          <a:p>
-            <a:pPr>
-              <a:spcBef>
-                <a:spcPts val="1200"/>
-              </a:spcBef>
-            </a:pPr>
-            <a:r>
-              <a:rPr lang="en-GB" dirty="0">
-                <a:cs typeface="Courier New" panose="02070309020205020404" pitchFamily="49" charset="0"/>
-              </a:rPr>
-              <a:t>List functions: </a:t>
-            </a:r>
-            <a:r>
-              <a:rPr lang="en-GB" dirty="0" err="1">
-                <a:solidFill>
-                  <a:srgbClr val="7030A0"/>
-                </a:solidFill>
-                <a:latin typeface="Courier New" panose="02070309020205020404" pitchFamily="49" charset="0"/>
-                <a:cs typeface="Courier New" panose="02070309020205020404" pitchFamily="49" charset="0"/>
-              </a:rPr>
-              <a:t>len</a:t>
-            </a:r>
-            <a:r>
-              <a:rPr lang="en-GB" dirty="0">
-                <a:solidFill>
-                  <a:srgbClr val="7030A0"/>
-                </a:solidFill>
-                <a:latin typeface="Courier New" panose="02070309020205020404" pitchFamily="49" charset="0"/>
-                <a:cs typeface="Courier New" panose="02070309020205020404" pitchFamily="49" charset="0"/>
-              </a:rPr>
-              <a:t>(</a:t>
-            </a:r>
-            <a:r>
-              <a:rPr lang="en-GB" dirty="0" err="1">
-                <a:solidFill>
-                  <a:srgbClr val="7030A0"/>
-                </a:solidFill>
-                <a:latin typeface="Courier New" panose="02070309020205020404" pitchFamily="49" charset="0"/>
-                <a:cs typeface="Courier New" panose="02070309020205020404" pitchFamily="49" charset="0"/>
-              </a:rPr>
-              <a:t>my_list</a:t>
-            </a:r>
-            <a:r>
-              <a:rPr lang="en-GB" dirty="0">
-                <a:solidFill>
-                  <a:srgbClr val="7030A0"/>
-                </a:solidFill>
-                <a:latin typeface="Courier New" panose="02070309020205020404" pitchFamily="49" charset="0"/>
-                <a:cs typeface="Courier New" panose="02070309020205020404" pitchFamily="49" charset="0"/>
-              </a:rPr>
-              <a:t>)</a:t>
-            </a:r>
-            <a:r>
-              <a:rPr lang="en-GB" dirty="0">
-                <a:cs typeface="Courier New" panose="02070309020205020404" pitchFamily="49" charset="0"/>
-              </a:rPr>
-              <a:t>, </a:t>
-            </a:r>
-            <a:r>
-              <a:rPr lang="en-GB" dirty="0">
-                <a:solidFill>
-                  <a:srgbClr val="7030A0"/>
-                </a:solidFill>
-                <a:latin typeface="Courier New" panose="02070309020205020404" pitchFamily="49" charset="0"/>
-                <a:cs typeface="Courier New" panose="02070309020205020404" pitchFamily="49" charset="0"/>
-              </a:rPr>
-              <a:t>sorted(</a:t>
-            </a:r>
-            <a:r>
-              <a:rPr lang="en-GB" dirty="0" err="1">
-                <a:solidFill>
-                  <a:srgbClr val="7030A0"/>
-                </a:solidFill>
-                <a:latin typeface="Courier New" panose="02070309020205020404" pitchFamily="49" charset="0"/>
-                <a:cs typeface="Courier New" panose="02070309020205020404" pitchFamily="49" charset="0"/>
-              </a:rPr>
-              <a:t>my_list</a:t>
-            </a:r>
-            <a:r>
-              <a:rPr lang="en-GB" dirty="0">
-                <a:solidFill>
-                  <a:srgbClr val="7030A0"/>
-                </a:solidFill>
-                <a:latin typeface="Courier New" panose="02070309020205020404" pitchFamily="49" charset="0"/>
-                <a:cs typeface="Courier New" panose="02070309020205020404" pitchFamily="49" charset="0"/>
-              </a:rPr>
-              <a:t>)</a:t>
-            </a:r>
-          </a:p>
-          <a:p>
-            <a:pPr>
-              <a:spcBef>
-                <a:spcPts val="1200"/>
-              </a:spcBef>
-            </a:pPr>
-            <a:r>
-              <a:rPr lang="en-GB" dirty="0">
-                <a:cs typeface="Courier New" panose="02070309020205020404" pitchFamily="49" charset="0"/>
-              </a:rPr>
-              <a:t>List methods: </a:t>
-            </a:r>
-            <a:r>
-              <a:rPr lang="en-GB" dirty="0" err="1">
-                <a:solidFill>
-                  <a:srgbClr val="7030A0"/>
-                </a:solidFill>
-                <a:latin typeface="Courier New" panose="02070309020205020404" pitchFamily="49" charset="0"/>
-                <a:cs typeface="Courier New" panose="02070309020205020404" pitchFamily="49" charset="0"/>
-              </a:rPr>
-              <a:t>my_list.append</a:t>
-            </a:r>
-            <a:r>
-              <a:rPr lang="en-GB" dirty="0">
-                <a:solidFill>
-                  <a:srgbClr val="7030A0"/>
-                </a:solidFill>
-                <a:latin typeface="Courier New" panose="02070309020205020404" pitchFamily="49" charset="0"/>
-                <a:cs typeface="Courier New" panose="02070309020205020404" pitchFamily="49" charset="0"/>
-              </a:rPr>
-              <a:t>(‘a’)</a:t>
-            </a:r>
-            <a:r>
-              <a:rPr lang="en-GB" dirty="0">
-                <a:cs typeface="Courier New" panose="02070309020205020404" pitchFamily="49" charset="0"/>
-              </a:rPr>
-              <a:t>, </a:t>
-            </a:r>
-            <a:r>
-              <a:rPr lang="en-GB" dirty="0" err="1">
-                <a:solidFill>
-                  <a:srgbClr val="7030A0"/>
-                </a:solidFill>
-                <a:latin typeface="Courier New" panose="02070309020205020404" pitchFamily="49" charset="0"/>
-                <a:cs typeface="Courier New" panose="02070309020205020404" pitchFamily="49" charset="0"/>
-              </a:rPr>
-              <a:t>my_list.insert</a:t>
-            </a:r>
-            <a:r>
-              <a:rPr lang="en-GB" dirty="0">
-                <a:solidFill>
-                  <a:srgbClr val="7030A0"/>
-                </a:solidFill>
-                <a:latin typeface="Courier New" panose="02070309020205020404" pitchFamily="49" charset="0"/>
-                <a:cs typeface="Courier New" panose="02070309020205020404" pitchFamily="49" charset="0"/>
-              </a:rPr>
-              <a:t>(0, 35)</a:t>
-            </a:r>
-            <a:r>
-              <a:rPr lang="en-GB" dirty="0">
-                <a:cs typeface="Courier New" panose="02070309020205020404" pitchFamily="49" charset="0"/>
-              </a:rPr>
-              <a:t>, </a:t>
+              <a:t>elif</a:t>
             </a:r>
             <a:r>
               <a:rPr lang="en-GB" dirty="0">
@@ -14844,6 +14574,173 @@
               <a:t> </a:t>
             </a:r>
             <a:r>
+              <a:rPr lang="en-GB" dirty="0">
+                <a:solidFill>
+                  <a:srgbClr val="7030A0"/>
+                </a:solidFill>
+              </a:rPr>
+              <a:t>[condition]</a:t>
+            </a:r>
+            <a:r>
+              <a:rPr lang="en-GB" dirty="0">
+                <a:solidFill>
+                  <a:srgbClr val="7030A0"/>
+                </a:solidFill>
+                <a:latin typeface="Courier New" panose="02070309020205020404" pitchFamily="49" charset="0"/>
+                <a:cs typeface="Courier New" panose="02070309020205020404" pitchFamily="49" charset="0"/>
+              </a:rPr>
+              <a:t>: </a:t>
+            </a:r>
+            <a:r>
+              <a:rPr lang="en-GB" dirty="0"/>
+              <a:t>(optional)</a:t>
+            </a:r>
+          </a:p>
+          <a:p>
+            <a:pPr marL="0" indent="0">
+              <a:spcBef>
+                <a:spcPts val="0"/>
+              </a:spcBef>
+              <a:buNone/>
+            </a:pPr>
+            <a:r>
+              <a:rPr lang="en-GB" dirty="0">
+                <a:solidFill>
+                  <a:srgbClr val="7030A0"/>
+                </a:solidFill>
+              </a:rPr>
+              <a:t>    [do this]</a:t>
+            </a:r>
+          </a:p>
+          <a:p>
+            <a:pPr marL="0" indent="0">
+              <a:spcBef>
+                <a:spcPts val="0"/>
+              </a:spcBef>
+              <a:buNone/>
+            </a:pPr>
+            <a:r>
+              <a:rPr lang="en-GB" dirty="0">
+                <a:solidFill>
+                  <a:srgbClr val="7030A0"/>
+                </a:solidFill>
+              </a:rPr>
+              <a:t>    [and this]</a:t>
+            </a:r>
+          </a:p>
+          <a:p>
+            <a:pPr marL="0" indent="0">
+              <a:spcBef>
+                <a:spcPts val="0"/>
+              </a:spcBef>
+              <a:buNone/>
+            </a:pPr>
+            <a:r>
+              <a:rPr lang="en-GB" dirty="0">
+                <a:solidFill>
+                  <a:srgbClr val="7030A0"/>
+                </a:solidFill>
+                <a:latin typeface="Courier New" panose="02070309020205020404" pitchFamily="49" charset="0"/>
+                <a:cs typeface="Courier New" panose="02070309020205020404" pitchFamily="49" charset="0"/>
+              </a:rPr>
+              <a:t>else: </a:t>
+            </a:r>
+            <a:r>
+              <a:rPr lang="en-GB" dirty="0"/>
+              <a:t>(optional)</a:t>
+            </a:r>
+          </a:p>
+          <a:p>
+            <a:pPr marL="0" indent="0">
+              <a:spcBef>
+                <a:spcPts val="0"/>
+              </a:spcBef>
+              <a:buNone/>
+            </a:pPr>
+            <a:r>
+              <a:rPr lang="en-GB" dirty="0">
+                <a:solidFill>
+                  <a:srgbClr val="7030A0"/>
+                </a:solidFill>
+              </a:rPr>
+              <a:t>    [do this]</a:t>
+            </a:r>
+          </a:p>
+          <a:p>
+            <a:pPr marL="0" indent="0">
+              <a:spcBef>
+                <a:spcPts val="0"/>
+              </a:spcBef>
+              <a:buNone/>
+            </a:pPr>
+            <a:endParaRPr lang="en-GB" dirty="0">
+              <a:solidFill>
+                <a:srgbClr val="7030A0"/>
+              </a:solidFill>
+            </a:endParaRPr>
+          </a:p>
+          <a:p>
+            <a:pPr marL="0" indent="0">
+              <a:spcBef>
+                <a:spcPts val="0"/>
+              </a:spcBef>
+              <a:buNone/>
+            </a:pPr>
+            <a:r>
+              <a:rPr lang="en-GB" dirty="0">
+                <a:solidFill>
+                  <a:srgbClr val="7030A0"/>
+                </a:solidFill>
+                <a:latin typeface="Courier New" panose="02070309020205020404" pitchFamily="49" charset="0"/>
+                <a:cs typeface="Courier New" panose="02070309020205020404" pitchFamily="49" charset="0"/>
+              </a:rPr>
+              <a:t>x = 1</a:t>
+            </a:r>
+          </a:p>
+          <a:p>
+            <a:pPr marL="0" indent="0">
+              <a:spcBef>
+                <a:spcPts val="0"/>
+              </a:spcBef>
+              <a:buNone/>
+            </a:pPr>
+            <a:r>
+              <a:rPr lang="en-GB" dirty="0">
+                <a:solidFill>
+                  <a:srgbClr val="7030A0"/>
+                </a:solidFill>
+                <a:latin typeface="Courier New" panose="02070309020205020404" pitchFamily="49" charset="0"/>
+                <a:cs typeface="Courier New" panose="02070309020205020404" pitchFamily="49" charset="0"/>
+              </a:rPr>
+              <a:t>if x &gt; 0:</a:t>
+            </a:r>
+          </a:p>
+          <a:p>
+            <a:pPr marL="0" indent="0">
+              <a:spcBef>
+                <a:spcPts val="0"/>
+              </a:spcBef>
+              <a:buNone/>
+            </a:pPr>
+            <a:r>
+              <a:rPr lang="en-GB" dirty="0">
+                <a:solidFill>
+                  <a:srgbClr val="7030A0"/>
+                </a:solidFill>
+                <a:latin typeface="Courier New" panose="02070309020205020404" pitchFamily="49" charset="0"/>
+                <a:cs typeface="Courier New" panose="02070309020205020404" pitchFamily="49" charset="0"/>
+              </a:rPr>
+              <a:t>    print(“Positive”)</a:t>
+            </a:r>
+          </a:p>
+          <a:p>
+            <a:pPr marL="0" indent="0">
+              <a:spcBef>
+                <a:spcPts val="0"/>
+              </a:spcBef>
+              <a:buNone/>
+            </a:pPr>
+            <a:r>
               <a:rPr lang="en-GB" dirty="0" err="1">
                 <a:solidFill>
                   <a:srgbClr val="7030A0"/>
@@ -14851,7 +14748,7 @@
                 <a:latin typeface="Courier New" panose="02070309020205020404" pitchFamily="49" charset="0"/>
                 <a:cs typeface="Courier New" panose="02070309020205020404" pitchFamily="49" charset="0"/>
               </a:rPr>
-              <a:t>my_list.pop</a:t>
+              <a:t>elif</a:t>
             </a:r>
             <a:r>
               <a:rPr lang="en-GB" dirty="0">
@@ -14861,24 +14758,16 @@
                 <a:latin typeface="Courier New" panose="02070309020205020404" pitchFamily="49" charset="0"/>
                 <a:cs typeface="Courier New" panose="02070309020205020404" pitchFamily="49" charset="0"/>
               </a:rPr>
-              <a:t>(2)</a:t>
-            </a:r>
-            <a:r>
-              <a:rPr lang="en-GB" dirty="0">
-                <a:cs typeface="Courier New" panose="02070309020205020404" pitchFamily="49" charset="0"/>
-              </a:rPr>
-              <a:t>, </a:t>
-            </a:r>
-            <a:r>
-              <a:rPr lang="en-GB" dirty="0" err="1">
-                <a:solidFill>
-                  <a:srgbClr val="7030A0"/>
-                </a:solidFill>
-                <a:latin typeface="Courier New" panose="02070309020205020404" pitchFamily="49" charset="0"/>
-                <a:cs typeface="Courier New" panose="02070309020205020404" pitchFamily="49" charset="0"/>
-              </a:rPr>
-              <a:t>my_list.remove</a:t>
-            </a:r>
+              <a:t> x == 0:</a:t>
+            </a:r>
+          </a:p>
+          <a:p>
+            <a:pPr marL="0" indent="0">
+              <a:spcBef>
+                <a:spcPts val="0"/>
+              </a:spcBef>
+              <a:buNone/>
+            </a:pPr>
             <a:r>
               <a:rPr lang="en-GB" dirty="0">
                 <a:solidFill>
@@ -14887,24 +14776,16 @@
                 <a:latin typeface="Courier New" panose="02070309020205020404" pitchFamily="49" charset="0"/>
                 <a:cs typeface="Courier New" panose="02070309020205020404" pitchFamily="49" charset="0"/>
               </a:rPr>
-              <a:t>(‘a’)</a:t>
-            </a:r>
-            <a:r>
-              <a:rPr lang="en-GB" dirty="0">
-                <a:cs typeface="Courier New" panose="02070309020205020404" pitchFamily="49" charset="0"/>
-              </a:rPr>
-              <a:t>, </a:t>
-            </a:r>
-            <a:r>
-              <a:rPr lang="en-GB" dirty="0" err="1">
-                <a:solidFill>
-                  <a:srgbClr val="7030A0"/>
-                </a:solidFill>
-                <a:latin typeface="Courier New" panose="02070309020205020404" pitchFamily="49" charset="0"/>
-                <a:cs typeface="Courier New" panose="02070309020205020404" pitchFamily="49" charset="0"/>
-              </a:rPr>
-              <a:t>my_list.index</a:t>
-            </a:r>
+              <a:t>    print(“Zero”)</a:t>
+            </a:r>
+          </a:p>
+          <a:p>
+            <a:pPr marL="0" indent="0">
+              <a:spcBef>
+                <a:spcPts val="0"/>
+              </a:spcBef>
+              <a:buNone/>
+            </a:pPr>
             <a:r>
               <a:rPr lang="en-GB" dirty="0">
                 <a:solidFill>
@@ -14913,18 +14794,48 @@
                 <a:latin typeface="Courier New" panose="02070309020205020404" pitchFamily="49" charset="0"/>
                 <a:cs typeface="Courier New" panose="02070309020205020404" pitchFamily="49" charset="0"/>
               </a:rPr>
-              <a:t>(35)</a:t>
-            </a:r>
-          </a:p>
-          <a:p>
-            <a:pPr>
+              <a:t>    x -= 1</a:t>
+            </a:r>
+          </a:p>
+          <a:p>
+            <a:pPr marL="0" indent="0">
               <a:spcBef>
-                <a:spcPts val="1200"/>
+                <a:spcPts val="0"/>
               </a:spcBef>
+              <a:buNone/>
             </a:pPr>
+            <a:r>
+              <a:rPr lang="en-GB" dirty="0">
+                <a:solidFill>
+                  <a:srgbClr val="7030A0"/>
+                </a:solidFill>
+                <a:latin typeface="Courier New" panose="02070309020205020404" pitchFamily="49" charset="0"/>
+                <a:cs typeface="Courier New" panose="02070309020205020404" pitchFamily="49" charset="0"/>
+              </a:rPr>
+              <a:t>else:</a:t>
+            </a:r>
             <a:endParaRPr lang="en-GB" dirty="0">
+              <a:latin typeface="Courier New" panose="02070309020205020404" pitchFamily="49" charset="0"/>
               <a:cs typeface="Courier New" panose="02070309020205020404" pitchFamily="49" charset="0"/>
             </a:endParaRPr>
+          </a:p>
+          <a:p>
+            <a:pPr marL="0" indent="0">
+              <a:spcBef>
+                <a:spcPts val="0"/>
+              </a:spcBef>
+              <a:buNone/>
+            </a:pPr>
+            <a:r>
+              <a:rPr lang="en-GB" dirty="0">
+                <a:solidFill>
+                  <a:srgbClr val="7030A0"/>
+                </a:solidFill>
+                <a:latin typeface="Courier New" panose="02070309020205020404" pitchFamily="49" charset="0"/>
+                <a:cs typeface="Courier New" panose="02070309020205020404" pitchFamily="49" charset="0"/>
+              </a:rPr>
+              <a:t>    print(“Negative”)</a:t>
+            </a:r>
           </a:p>
         </p:txBody>
       </p:sp>
@@ -14959,8 +14870,8 @@
         </p:nvSpPr>
         <p:spPr>
           <a:xfrm>
-            <a:off x="5571242" y="755370"/>
-            <a:ext cx="5476170" cy="1015663"/>
+            <a:off x="6223819" y="679956"/>
+            <a:ext cx="4823592" cy="1015663"/>
           </a:xfrm>
           <a:prstGeom prst="rect">
             <a:avLst/>
@@ -14978,69 +14889,59 @@
               <a:rPr lang="en-GB" sz="2000" dirty="0">
                 <a:cs typeface="Courier New" panose="02070309020205020404" pitchFamily="49" charset="0"/>
               </a:rPr>
-              <a:t>Type help([function/object]) in the shell to see information about how to use the function/object, e.g. </a:t>
+              <a:t>Remember the </a:t>
+            </a:r>
+            <a:r>
+              <a:rPr lang="en-GB" sz="2000" b="1" dirty="0">
+                <a:cs typeface="Courier New" panose="02070309020205020404" pitchFamily="49" charset="0"/>
+              </a:rPr>
+              <a:t>colon</a:t>
             </a:r>
             <a:r>
               <a:rPr lang="en-GB" sz="2000" dirty="0">
-                <a:solidFill>
-                  <a:srgbClr val="7030A0"/>
-                </a:solidFill>
+                <a:cs typeface="Courier New" panose="02070309020205020404" pitchFamily="49" charset="0"/>
+              </a:rPr>
+              <a:t> after the </a:t>
+            </a:r>
+            <a:r>
+              <a:rPr lang="en-GB" sz="2000" dirty="0">
                 <a:latin typeface="Courier New" panose="02070309020205020404" pitchFamily="49" charset="0"/>
                 <a:cs typeface="Courier New" panose="02070309020205020404" pitchFamily="49" charset="0"/>
               </a:rPr>
-              <a:t>help(range)</a:t>
+              <a:t>if</a:t>
             </a:r>
             <a:r>
               <a:rPr lang="en-GB" sz="2000" dirty="0">
                 <a:cs typeface="Courier New" panose="02070309020205020404" pitchFamily="49" charset="0"/>
               </a:rPr>
-              <a:t>, </a:t>
-            </a:r>
-            <a:r>
-              <a:rPr lang="en-GB" sz="2000" dirty="0">
-                <a:solidFill>
-                  <a:srgbClr val="7030A0"/>
-                </a:solidFill>
-                <a:latin typeface="Courier New" panose="02070309020205020404" pitchFamily="49" charset="0"/>
+              <a:t> statement, and that an </a:t>
+            </a:r>
+            <a:r>
+              <a:rPr lang="en-GB" sz="2000" b="1" dirty="0">
                 <a:cs typeface="Courier New" panose="02070309020205020404" pitchFamily="49" charset="0"/>
               </a:rPr>
-              <a:t>help(</a:t>
-            </a:r>
-            <a:r>
-              <a:rPr lang="en-GB" sz="2000" dirty="0" err="1">
-                <a:solidFill>
-                  <a:srgbClr val="7030A0"/>
-                </a:solidFill>
-                <a:latin typeface="Courier New" panose="02070309020205020404" pitchFamily="49" charset="0"/>
-                <a:cs typeface="Courier New" panose="02070309020205020404" pitchFamily="49" charset="0"/>
-              </a:rPr>
-              <a:t>len</a:t>
-            </a:r>
-            <a:r>
-              <a:rPr lang="en-GB" sz="2000" dirty="0">
-                <a:solidFill>
-                  <a:srgbClr val="7030A0"/>
-                </a:solidFill>
-                <a:latin typeface="Courier New" panose="02070309020205020404" pitchFamily="49" charset="0"/>
-                <a:cs typeface="Courier New" panose="02070309020205020404" pitchFamily="49" charset="0"/>
-              </a:rPr>
-              <a:t>)</a:t>
+              <a:t>indent</a:t>
             </a:r>
             <a:r>
               <a:rPr lang="en-GB" sz="2000" dirty="0">
                 <a:cs typeface="Courier New" panose="02070309020205020404" pitchFamily="49" charset="0"/>
               </a:rPr>
-              <a:t>, </a:t>
-            </a:r>
-            <a:r>
-              <a:rPr lang="en-GB" sz="2000" dirty="0">
-                <a:solidFill>
-                  <a:srgbClr val="7030A0"/>
-                </a:solidFill>
-                <a:latin typeface="Courier New" panose="02070309020205020404" pitchFamily="49" charset="0"/>
+              <a:t> always follows a colon.</a:t>
+            </a:r>
+          </a:p>
+          <a:p>
+            <a:pPr algn="ctr"/>
+            <a:r>
+              <a:rPr lang="en-GB" sz="2000" b="1" dirty="0">
                 <a:cs typeface="Courier New" panose="02070309020205020404" pitchFamily="49" charset="0"/>
               </a:rPr>
-              <a:t>help(list)</a:t>
+              <a:t>Indentation</a:t>
+            </a:r>
+            <a:r>
+              <a:rPr lang="en-GB" sz="2000" dirty="0">
+                <a:cs typeface="Courier New" panose="02070309020205020404" pitchFamily="49" charset="0"/>
+              </a:rPr>
+              <a:t> is essential in Python.</a:t>
             </a:r>
           </a:p>
         </p:txBody>
@@ -15048,7 +14949,7 @@
     </p:spTree>
     <p:extLst>
       <p:ext uri="{BB962C8B-B14F-4D97-AF65-F5344CB8AC3E}">
-        <p14:creationId xmlns:p14="http://schemas.microsoft.com/office/powerpoint/2010/main" val="3124918447"/>
+        <p14:creationId xmlns:p14="http://schemas.microsoft.com/office/powerpoint/2010/main" val="2599195807"/>
       </p:ext>
     </p:extLst>
   </p:cSld>
@@ -15091,537 +14992,6 @@
           <a:lstStyle/>
           <a:p>
             <a:r>
-              <a:rPr lang="en-GB" dirty="0">
-                <a:latin typeface="+mn-lt"/>
-                <a:cs typeface="Courier New" panose="02070309020205020404" pitchFamily="49" charset="0"/>
-              </a:rPr>
-              <a:t>If</a:t>
-            </a:r>
-            <a:r>
-              <a:rPr lang="en-GB" dirty="0"/>
-              <a:t> Statements</a:t>
-            </a:r>
-          </a:p>
-        </p:txBody>
-      </p:sp>
-      <p:sp>
-        <p:nvSpPr>
-          <p:cNvPr id="3" name="Content Placeholder 2"/>
-          <p:cNvSpPr>
-            <a:spLocks noGrp="1"/>
-          </p:cNvSpPr>
-          <p:nvPr>
-            <p:ph idx="1"/>
-          </p:nvPr>
-        </p:nvSpPr>
-        <p:spPr>
-          <a:solidFill>
-            <a:srgbClr val="36AAC5"/>
-          </a:solidFill>
-        </p:spPr>
-        <p:txBody>
-          <a:bodyPr numCol="2">
-            <a:normAutofit lnSpcReduction="10000"/>
-          </a:bodyPr>
-          <a:lstStyle/>
-          <a:p>
-            <a:pPr marL="0" indent="0">
-              <a:spcBef>
-                <a:spcPts val="0"/>
-              </a:spcBef>
-              <a:buNone/>
-            </a:pPr>
-            <a:r>
-              <a:rPr lang="en-GB" dirty="0">
-                <a:solidFill>
-                  <a:srgbClr val="7030A0"/>
-                </a:solidFill>
-                <a:latin typeface="Courier New" panose="02070309020205020404" pitchFamily="49" charset="0"/>
-                <a:cs typeface="Courier New" panose="02070309020205020404" pitchFamily="49" charset="0"/>
-              </a:rPr>
-              <a:t>if </a:t>
-            </a:r>
-            <a:r>
-              <a:rPr lang="en-GB" dirty="0">
-                <a:solidFill>
-                  <a:srgbClr val="7030A0"/>
-                </a:solidFill>
-              </a:rPr>
-              <a:t>[condition]</a:t>
-            </a:r>
-            <a:r>
-              <a:rPr lang="en-GB" dirty="0">
-                <a:solidFill>
-                  <a:srgbClr val="7030A0"/>
-                </a:solidFill>
-                <a:latin typeface="Courier New" panose="02070309020205020404" pitchFamily="49" charset="0"/>
-                <a:cs typeface="Courier New" panose="02070309020205020404" pitchFamily="49" charset="0"/>
-              </a:rPr>
-              <a:t>:</a:t>
-            </a:r>
-          </a:p>
-          <a:p>
-            <a:pPr marL="0" indent="0">
-              <a:spcBef>
-                <a:spcPts val="0"/>
-              </a:spcBef>
-              <a:buNone/>
-            </a:pPr>
-            <a:r>
-              <a:rPr lang="en-GB" dirty="0">
-                <a:solidFill>
-                  <a:srgbClr val="7030A0"/>
-                </a:solidFill>
-              </a:rPr>
-              <a:t>    [do this]</a:t>
-            </a:r>
-          </a:p>
-          <a:p>
-            <a:pPr marL="0" indent="0">
-              <a:spcBef>
-                <a:spcPts val="0"/>
-              </a:spcBef>
-              <a:buNone/>
-            </a:pPr>
-            <a:r>
-              <a:rPr lang="en-GB" dirty="0" err="1">
-                <a:solidFill>
-                  <a:srgbClr val="7030A0"/>
-                </a:solidFill>
-                <a:latin typeface="Courier New" panose="02070309020205020404" pitchFamily="49" charset="0"/>
-                <a:cs typeface="Courier New" panose="02070309020205020404" pitchFamily="49" charset="0"/>
-              </a:rPr>
-              <a:t>elif</a:t>
-            </a:r>
-            <a:r>
-              <a:rPr lang="en-GB" dirty="0">
-                <a:solidFill>
-                  <a:srgbClr val="7030A0"/>
-                </a:solidFill>
-                <a:latin typeface="Courier New" panose="02070309020205020404" pitchFamily="49" charset="0"/>
-                <a:cs typeface="Courier New" panose="02070309020205020404" pitchFamily="49" charset="0"/>
-              </a:rPr>
-              <a:t> </a:t>
-            </a:r>
-            <a:r>
-              <a:rPr lang="en-GB" dirty="0">
-                <a:solidFill>
-                  <a:srgbClr val="7030A0"/>
-                </a:solidFill>
-              </a:rPr>
-              <a:t>[condition]</a:t>
-            </a:r>
-            <a:r>
-              <a:rPr lang="en-GB" dirty="0">
-                <a:solidFill>
-                  <a:srgbClr val="7030A0"/>
-                </a:solidFill>
-                <a:latin typeface="Courier New" panose="02070309020205020404" pitchFamily="49" charset="0"/>
-                <a:cs typeface="Courier New" panose="02070309020205020404" pitchFamily="49" charset="0"/>
-              </a:rPr>
-              <a:t>: </a:t>
-            </a:r>
-            <a:r>
-              <a:rPr lang="en-GB" dirty="0"/>
-              <a:t>(optional)</a:t>
-            </a:r>
-          </a:p>
-          <a:p>
-            <a:pPr marL="0" indent="0">
-              <a:spcBef>
-                <a:spcPts val="0"/>
-              </a:spcBef>
-              <a:buNone/>
-            </a:pPr>
-            <a:r>
-              <a:rPr lang="en-GB" dirty="0">
-                <a:solidFill>
-                  <a:srgbClr val="7030A0"/>
-                </a:solidFill>
-              </a:rPr>
-              <a:t>    [do this]</a:t>
-            </a:r>
-          </a:p>
-          <a:p>
-            <a:pPr marL="0" indent="0">
-              <a:spcBef>
-                <a:spcPts val="0"/>
-              </a:spcBef>
-              <a:buNone/>
-            </a:pPr>
-            <a:r>
-              <a:rPr lang="en-GB" dirty="0">
-                <a:solidFill>
-                  <a:srgbClr val="7030A0"/>
-                </a:solidFill>
-              </a:rPr>
-              <a:t>    [and this]</a:t>
-            </a:r>
-          </a:p>
-          <a:p>
-            <a:pPr marL="0" indent="0">
-              <a:spcBef>
-                <a:spcPts val="0"/>
-              </a:spcBef>
-              <a:buNone/>
-            </a:pPr>
-            <a:r>
-              <a:rPr lang="en-GB" dirty="0">
-                <a:solidFill>
-                  <a:srgbClr val="7030A0"/>
-                </a:solidFill>
-                <a:latin typeface="Courier New" panose="02070309020205020404" pitchFamily="49" charset="0"/>
-                <a:cs typeface="Courier New" panose="02070309020205020404" pitchFamily="49" charset="0"/>
-              </a:rPr>
-              <a:t>else: </a:t>
-            </a:r>
-            <a:r>
-              <a:rPr lang="en-GB" dirty="0"/>
-              <a:t>(optional)</a:t>
-            </a:r>
-          </a:p>
-          <a:p>
-            <a:pPr marL="0" indent="0">
-              <a:spcBef>
-                <a:spcPts val="0"/>
-              </a:spcBef>
-              <a:buNone/>
-            </a:pPr>
-            <a:r>
-              <a:rPr lang="en-GB" dirty="0">
-                <a:solidFill>
-                  <a:srgbClr val="7030A0"/>
-                </a:solidFill>
-              </a:rPr>
-              <a:t>    [do this]</a:t>
-            </a:r>
-          </a:p>
-          <a:p>
-            <a:pPr marL="0" indent="0">
-              <a:spcBef>
-                <a:spcPts val="0"/>
-              </a:spcBef>
-              <a:buNone/>
-            </a:pPr>
-            <a:endParaRPr lang="en-GB" dirty="0">
-              <a:solidFill>
-                <a:srgbClr val="7030A0"/>
-              </a:solidFill>
-            </a:endParaRPr>
-          </a:p>
-          <a:p>
-            <a:pPr marL="0" indent="0">
-              <a:spcBef>
-                <a:spcPts val="0"/>
-              </a:spcBef>
-              <a:buNone/>
-            </a:pPr>
-            <a:r>
-              <a:rPr lang="en-GB" dirty="0">
-                <a:solidFill>
-                  <a:srgbClr val="7030A0"/>
-                </a:solidFill>
-                <a:latin typeface="Courier New" panose="02070309020205020404" pitchFamily="49" charset="0"/>
-                <a:cs typeface="Courier New" panose="02070309020205020404" pitchFamily="49" charset="0"/>
-              </a:rPr>
-              <a:t>x = 1</a:t>
-            </a:r>
-          </a:p>
-          <a:p>
-            <a:pPr marL="0" indent="0">
-              <a:spcBef>
-                <a:spcPts val="0"/>
-              </a:spcBef>
-              <a:buNone/>
-            </a:pPr>
-            <a:r>
-              <a:rPr lang="en-GB" dirty="0">
-                <a:solidFill>
-                  <a:srgbClr val="7030A0"/>
-                </a:solidFill>
-                <a:latin typeface="Courier New" panose="02070309020205020404" pitchFamily="49" charset="0"/>
-                <a:cs typeface="Courier New" panose="02070309020205020404" pitchFamily="49" charset="0"/>
-              </a:rPr>
-              <a:t>if x &gt; 0:</a:t>
-            </a:r>
-          </a:p>
-          <a:p>
-            <a:pPr marL="0" indent="0">
-              <a:spcBef>
-                <a:spcPts val="0"/>
-              </a:spcBef>
-              <a:buNone/>
-            </a:pPr>
-            <a:r>
-              <a:rPr lang="en-GB" dirty="0">
-                <a:solidFill>
-                  <a:srgbClr val="7030A0"/>
-                </a:solidFill>
-                <a:latin typeface="Courier New" panose="02070309020205020404" pitchFamily="49" charset="0"/>
-                <a:cs typeface="Courier New" panose="02070309020205020404" pitchFamily="49" charset="0"/>
-              </a:rPr>
-              <a:t>    print(“Positive”)</a:t>
-            </a:r>
-          </a:p>
-          <a:p>
-            <a:pPr marL="0" indent="0">
-              <a:spcBef>
-                <a:spcPts val="0"/>
-              </a:spcBef>
-              <a:buNone/>
-            </a:pPr>
-            <a:r>
-              <a:rPr lang="en-GB" dirty="0" err="1">
-                <a:solidFill>
-                  <a:srgbClr val="7030A0"/>
-                </a:solidFill>
-                <a:latin typeface="Courier New" panose="02070309020205020404" pitchFamily="49" charset="0"/>
-                <a:cs typeface="Courier New" panose="02070309020205020404" pitchFamily="49" charset="0"/>
-              </a:rPr>
-              <a:t>elif</a:t>
-            </a:r>
-            <a:r>
-              <a:rPr lang="en-GB" dirty="0">
-                <a:solidFill>
-                  <a:srgbClr val="7030A0"/>
-                </a:solidFill>
-                <a:latin typeface="Courier New" panose="02070309020205020404" pitchFamily="49" charset="0"/>
-                <a:cs typeface="Courier New" panose="02070309020205020404" pitchFamily="49" charset="0"/>
-              </a:rPr>
-              <a:t> x == 0:</a:t>
-            </a:r>
-          </a:p>
-          <a:p>
-            <a:pPr marL="0" indent="0">
-              <a:spcBef>
-                <a:spcPts val="0"/>
-              </a:spcBef>
-              <a:buNone/>
-            </a:pPr>
-            <a:r>
-              <a:rPr lang="en-GB" dirty="0">
-                <a:solidFill>
-                  <a:srgbClr val="7030A0"/>
-                </a:solidFill>
-                <a:latin typeface="Courier New" panose="02070309020205020404" pitchFamily="49" charset="0"/>
-                <a:cs typeface="Courier New" panose="02070309020205020404" pitchFamily="49" charset="0"/>
-              </a:rPr>
-              <a:t>    print(“Zero”)</a:t>
-            </a:r>
-          </a:p>
-          <a:p>
-            <a:pPr marL="0" indent="0">
-              <a:spcBef>
-                <a:spcPts val="0"/>
-              </a:spcBef>
-              <a:buNone/>
-            </a:pPr>
-            <a:r>
-              <a:rPr lang="en-GB" dirty="0">
-                <a:solidFill>
-                  <a:srgbClr val="7030A0"/>
-                </a:solidFill>
-                <a:latin typeface="Courier New" panose="02070309020205020404" pitchFamily="49" charset="0"/>
-                <a:cs typeface="Courier New" panose="02070309020205020404" pitchFamily="49" charset="0"/>
-              </a:rPr>
-              <a:t>    x -= 1</a:t>
-            </a:r>
-          </a:p>
-          <a:p>
-            <a:pPr marL="0" indent="0">
-              <a:spcBef>
-                <a:spcPts val="0"/>
-              </a:spcBef>
-              <a:buNone/>
-            </a:pPr>
-            <a:r>
-              <a:rPr lang="en-GB" dirty="0">
-                <a:solidFill>
-                  <a:srgbClr val="7030A0"/>
-                </a:solidFill>
-                <a:latin typeface="Courier New" panose="02070309020205020404" pitchFamily="49" charset="0"/>
-                <a:cs typeface="Courier New" panose="02070309020205020404" pitchFamily="49" charset="0"/>
-              </a:rPr>
-              <a:t>else:</a:t>
-            </a:r>
-            <a:endParaRPr lang="en-GB" dirty="0">
-              <a:latin typeface="Courier New" panose="02070309020205020404" pitchFamily="49" charset="0"/>
-              <a:cs typeface="Courier New" panose="02070309020205020404" pitchFamily="49" charset="0"/>
-            </a:endParaRPr>
-          </a:p>
-          <a:p>
-            <a:pPr marL="0" indent="0">
-              <a:spcBef>
-                <a:spcPts val="0"/>
-              </a:spcBef>
-              <a:buNone/>
-            </a:pPr>
-            <a:r>
-              <a:rPr lang="en-GB" dirty="0">
-                <a:solidFill>
-                  <a:srgbClr val="7030A0"/>
-                </a:solidFill>
-                <a:latin typeface="Courier New" panose="02070309020205020404" pitchFamily="49" charset="0"/>
-                <a:cs typeface="Courier New" panose="02070309020205020404" pitchFamily="49" charset="0"/>
-              </a:rPr>
-              <a:t>    print(“Negative”)</a:t>
-            </a:r>
-          </a:p>
-        </p:txBody>
-      </p:sp>
-      <p:sp>
-        <p:nvSpPr>
-          <p:cNvPr id="4" name="Footer Placeholder 3"/>
-          <p:cNvSpPr>
-            <a:spLocks noGrp="1"/>
-          </p:cNvSpPr>
-          <p:nvPr>
-            <p:ph type="ftr" sz="quarter" idx="11"/>
-          </p:nvPr>
-        </p:nvSpPr>
-        <p:spPr/>
-        <p:txBody>
-          <a:bodyPr/>
-          <a:lstStyle/>
-          <a:p>
-            <a:r>
-              <a:rPr lang="en-US"/>
-              <a:t>lewis.gaul@seh.ox.ac.uk</a:t>
-            </a:r>
-            <a:endParaRPr lang="en-US" dirty="0"/>
-          </a:p>
-        </p:txBody>
-      </p:sp>
-      <p:sp>
-        <p:nvSpPr>
-          <p:cNvPr id="5" name="TextBox 4"/>
-          <p:cNvSpPr txBox="1"/>
-          <p:nvPr/>
-        </p:nvSpPr>
-        <p:spPr>
-          <a:xfrm>
-            <a:off x="6223819" y="679956"/>
-            <a:ext cx="4823592" cy="1015663"/>
-          </a:xfrm>
-          <a:prstGeom prst="rect">
-            <a:avLst/>
-          </a:prstGeom>
-          <a:noFill/>
-        </p:spPr>
-        <p:txBody>
-          <a:bodyPr wrap="square" rtlCol="0">
-            <a:spAutoFit/>
-          </a:bodyPr>
-          <a:lstStyle/>
-          <a:p>
-            <a:pPr algn="ctr"/>
-            <a:r>
-              <a:rPr lang="en-GB" sz="2000" dirty="0">
-                <a:cs typeface="Courier New" panose="02070309020205020404" pitchFamily="49" charset="0"/>
-              </a:rPr>
-              <a:t>Remember the </a:t>
-            </a:r>
-            <a:r>
-              <a:rPr lang="en-GB" sz="2000" b="1" dirty="0">
-                <a:cs typeface="Courier New" panose="02070309020205020404" pitchFamily="49" charset="0"/>
-              </a:rPr>
-              <a:t>colon</a:t>
-            </a:r>
-            <a:r>
-              <a:rPr lang="en-GB" sz="2000" dirty="0">
-                <a:cs typeface="Courier New" panose="02070309020205020404" pitchFamily="49" charset="0"/>
-              </a:rPr>
-              <a:t> after the </a:t>
-            </a:r>
-            <a:r>
-              <a:rPr lang="en-GB" sz="2000" dirty="0">
-                <a:latin typeface="Courier New" panose="02070309020205020404" pitchFamily="49" charset="0"/>
-                <a:cs typeface="Courier New" panose="02070309020205020404" pitchFamily="49" charset="0"/>
-              </a:rPr>
-              <a:t>if</a:t>
-            </a:r>
-            <a:r>
-              <a:rPr lang="en-GB" sz="2000" dirty="0">
-                <a:cs typeface="Courier New" panose="02070309020205020404" pitchFamily="49" charset="0"/>
-              </a:rPr>
-              <a:t> statement, and that an </a:t>
-            </a:r>
-            <a:r>
-              <a:rPr lang="en-GB" sz="2000" b="1" dirty="0">
-                <a:cs typeface="Courier New" panose="02070309020205020404" pitchFamily="49" charset="0"/>
-              </a:rPr>
-              <a:t>indent</a:t>
-            </a:r>
-            <a:r>
-              <a:rPr lang="en-GB" sz="2000" dirty="0">
-                <a:cs typeface="Courier New" panose="02070309020205020404" pitchFamily="49" charset="0"/>
-              </a:rPr>
-              <a:t> always follows a colon.</a:t>
-            </a:r>
-          </a:p>
-          <a:p>
-            <a:pPr algn="ctr"/>
-            <a:r>
-              <a:rPr lang="en-GB" sz="2000" b="1" dirty="0">
-                <a:cs typeface="Courier New" panose="02070309020205020404" pitchFamily="49" charset="0"/>
-              </a:rPr>
-              <a:t>Indentation</a:t>
-            </a:r>
-            <a:r>
-              <a:rPr lang="en-GB" sz="2000" dirty="0">
-                <a:cs typeface="Courier New" panose="02070309020205020404" pitchFamily="49" charset="0"/>
-              </a:rPr>
-              <a:t> is essential in Python.</a:t>
-            </a:r>
-          </a:p>
-        </p:txBody>
-      </p:sp>
-    </p:spTree>
-    <p:extLst>
-      <p:ext uri="{BB962C8B-B14F-4D97-AF65-F5344CB8AC3E}">
-        <p14:creationId xmlns:p14="http://schemas.microsoft.com/office/powerpoint/2010/main" val="2599195807"/>
-      </p:ext>
-    </p:extLst>
-  </p:cSld>
-  <p:clrMapOvr>
-    <a:masterClrMapping/>
-  </p:clrMapOvr>
-</p:sld>
-</file>
-
-<file path=ppt/slides/slide6.xml><?xml version="1.0" encoding="utf-8"?>
-<p:sld xmlns:a="http://schemas.openxmlformats.org/drawingml/2006/main" xmlns:r="http://schemas.openxmlformats.org/officeDocument/2006/relationships" xmlns:p="http://schemas.openxmlformats.org/presentationml/2006/main">
-  <p:cSld>
-    <p:spTree>
-      <p:nvGrpSpPr>
-        <p:cNvPr id="1" name=""/>
-        <p:cNvGrpSpPr/>
-        <p:nvPr/>
-      </p:nvGrpSpPr>
-      <p:grpSpPr>
-        <a:xfrm>
-          <a:off x="0" y="0"/>
-          <a:ext cx="0" cy="0"/>
-          <a:chOff x="0" y="0"/>
-          <a:chExt cx="0" cy="0"/>
-        </a:xfrm>
-      </p:grpSpPr>
-      <p:sp>
-        <p:nvSpPr>
-          <p:cNvPr id="2" name="Title 1"/>
-          <p:cNvSpPr>
-            <a:spLocks noGrp="1"/>
-          </p:cNvSpPr>
-          <p:nvPr>
-            <p:ph type="title"/>
-          </p:nvPr>
-        </p:nvSpPr>
-        <p:spPr/>
-        <p:txBody>
-          <a:bodyPr/>
-          <a:lstStyle/>
-          <a:p>
-            <a:r>
               <a:rPr lang="en-GB" dirty="0"/>
               <a:t>Loops</a:t>
             </a:r>
@@ -16170,7 +15540,7 @@
 </p:sld>
 </file>
 
-<file path=ppt/slides/slide7.xml><?xml version="1.0" encoding="utf-8"?>
+<file path=ppt/slides/slide6.xml><?xml version="1.0" encoding="utf-8"?>
 <p:sld xmlns:a="http://schemas.openxmlformats.org/drawingml/2006/main" xmlns:r="http://schemas.openxmlformats.org/officeDocument/2006/relationships" xmlns:p="http://schemas.openxmlformats.org/presentationml/2006/main">
   <p:cSld>
     <p:spTree>

--- a/slides.pptx
+++ b/slides.pptx
@@ -222,7 +222,7 @@
           <a:p>
             <a:fld id="{D5CCF024-8058-4E92-8B35-074515495720}" type="datetimeFigureOut">
               <a:rPr lang="en-GB" smtClean="0"/>
-              <a:t>30/01/2017</a:t>
+              <a:t>08/02/2017</a:t>
             </a:fld>
             <a:endParaRPr lang="en-GB"/>
           </a:p>
@@ -1056,7 +1056,7 @@
           <a:noFill/>
           <a:extLst>
             <a:ext uri="{909E8E84-426E-40dd-AFC4-6F175D3DCCD1}">
-              <a14:hiddenFill xmlns="" xmlns:a14="http://schemas.microsoft.com/office/drawing/2010/main">
+              <a14:hiddenFill xmlns:a14="http://schemas.microsoft.com/office/drawing/2010/main" xmlns="">
                 <a:solidFill>
                   <a:srgbClr val="FFFFFF"/>
                 </a:solidFill>
@@ -1116,7 +1116,7 @@
             </a:ln>
             <a:extLst>
               <a:ext uri="{91240B29-F687-4f45-9708-019B960494DF}">
-                <a14:hiddenLine xmlns="" xmlns:a14="http://schemas.microsoft.com/office/drawing/2010/main" w="9525">
+                <a14:hiddenLine xmlns:a14="http://schemas.microsoft.com/office/drawing/2010/main" xmlns="" w="9525">
                   <a:solidFill>
                     <a:srgbClr val="000000"/>
                   </a:solidFill>
@@ -1206,7 +1206,7 @@
             </a:ln>
             <a:extLst>
               <a:ext uri="{91240B29-F687-4f45-9708-019B960494DF}">
-                <a14:hiddenLine xmlns="" xmlns:a14="http://schemas.microsoft.com/office/drawing/2010/main" w="9525">
+                <a14:hiddenLine xmlns:a14="http://schemas.microsoft.com/office/drawing/2010/main" xmlns="" w="9525">
                   <a:solidFill>
                     <a:srgbClr val="000000"/>
                   </a:solidFill>
@@ -1296,7 +1296,7 @@
             </a:ln>
             <a:extLst>
               <a:ext uri="{91240B29-F687-4f45-9708-019B960494DF}">
-                <a14:hiddenLine xmlns="" xmlns:a14="http://schemas.microsoft.com/office/drawing/2010/main" w="9525">
+                <a14:hiddenLine xmlns:a14="http://schemas.microsoft.com/office/drawing/2010/main" xmlns="" w="9525">
                   <a:solidFill>
                     <a:srgbClr val="000000"/>
                   </a:solidFill>
@@ -1330,7 +1330,7 @@
             </a:ln>
             <a:extLst>
               <a:ext uri="{91240B29-F687-4f45-9708-019B960494DF}">
-                <a14:hiddenLine xmlns="" xmlns:a14="http://schemas.microsoft.com/office/drawing/2010/main" w="9525">
+                <a14:hiddenLine xmlns:a14="http://schemas.microsoft.com/office/drawing/2010/main" xmlns="" w="9525">
                   <a:solidFill>
                     <a:srgbClr val="000000"/>
                   </a:solidFill>
@@ -1420,7 +1420,7 @@
             </a:ln>
             <a:extLst>
               <a:ext uri="{91240B29-F687-4f45-9708-019B960494DF}">
-                <a14:hiddenLine xmlns="" xmlns:a14="http://schemas.microsoft.com/office/drawing/2010/main" w="9525">
+                <a14:hiddenLine xmlns:a14="http://schemas.microsoft.com/office/drawing/2010/main" xmlns="" w="9525">
                   <a:solidFill>
                     <a:srgbClr val="000000"/>
                   </a:solidFill>
@@ -1482,7 +1482,7 @@
             </a:ln>
             <a:extLst>
               <a:ext uri="{91240B29-F687-4f45-9708-019B960494DF}">
-                <a14:hiddenLine xmlns="" xmlns:a14="http://schemas.microsoft.com/office/drawing/2010/main" w="9525">
+                <a14:hiddenLine xmlns:a14="http://schemas.microsoft.com/office/drawing/2010/main" xmlns="" w="9525">
                   <a:solidFill>
                     <a:srgbClr val="000000"/>
                   </a:solidFill>
@@ -1544,7 +1544,7 @@
             </a:ln>
             <a:extLst>
               <a:ext uri="{91240B29-F687-4f45-9708-019B960494DF}">
-                <a14:hiddenLine xmlns="" xmlns:a14="http://schemas.microsoft.com/office/drawing/2010/main" w="9525">
+                <a14:hiddenLine xmlns:a14="http://schemas.microsoft.com/office/drawing/2010/main" xmlns="" w="9525">
                   <a:solidFill>
                     <a:srgbClr val="000000"/>
                   </a:solidFill>
@@ -1634,7 +1634,7 @@
             </a:ln>
             <a:extLst>
               <a:ext uri="{91240B29-F687-4f45-9708-019B960494DF}">
-                <a14:hiddenLine xmlns="" xmlns:a14="http://schemas.microsoft.com/office/drawing/2010/main" w="9525">
+                <a14:hiddenLine xmlns:a14="http://schemas.microsoft.com/office/drawing/2010/main" xmlns="" w="9525">
                   <a:solidFill>
                     <a:srgbClr val="000000"/>
                   </a:solidFill>
@@ -1696,7 +1696,7 @@
             </a:ln>
             <a:extLst>
               <a:ext uri="{91240B29-F687-4f45-9708-019B960494DF}">
-                <a14:hiddenLine xmlns="" xmlns:a14="http://schemas.microsoft.com/office/drawing/2010/main" w="9525">
+                <a14:hiddenLine xmlns:a14="http://schemas.microsoft.com/office/drawing/2010/main" xmlns="" w="9525">
                   <a:solidFill>
                     <a:srgbClr val="000000"/>
                   </a:solidFill>
@@ -1758,7 +1758,7 @@
             </a:ln>
             <a:extLst>
               <a:ext uri="{91240B29-F687-4f45-9708-019B960494DF}">
-                <a14:hiddenLine xmlns="" xmlns:a14="http://schemas.microsoft.com/office/drawing/2010/main" w="9525">
+                <a14:hiddenLine xmlns:a14="http://schemas.microsoft.com/office/drawing/2010/main" xmlns="" w="9525">
                   <a:solidFill>
                     <a:srgbClr val="000000"/>
                   </a:solidFill>
@@ -1848,7 +1848,7 @@
             </a:ln>
             <a:extLst>
               <a:ext uri="{91240B29-F687-4f45-9708-019B960494DF}">
-                <a14:hiddenLine xmlns="" xmlns:a14="http://schemas.microsoft.com/office/drawing/2010/main" w="9525">
+                <a14:hiddenLine xmlns:a14="http://schemas.microsoft.com/office/drawing/2010/main" xmlns="" w="9525">
                   <a:solidFill>
                     <a:srgbClr val="000000"/>
                   </a:solidFill>
@@ -1938,7 +1938,7 @@
             </a:ln>
             <a:extLst>
               <a:ext uri="{91240B29-F687-4f45-9708-019B960494DF}">
-                <a14:hiddenLine xmlns="" xmlns:a14="http://schemas.microsoft.com/office/drawing/2010/main" w="9525">
+                <a14:hiddenLine xmlns:a14="http://schemas.microsoft.com/office/drawing/2010/main" xmlns="" w="9525">
                   <a:solidFill>
                     <a:srgbClr val="000000"/>
                   </a:solidFill>
@@ -2000,7 +2000,7 @@
             </a:ln>
             <a:extLst>
               <a:ext uri="{91240B29-F687-4f45-9708-019B960494DF}">
-                <a14:hiddenLine xmlns="" xmlns:a14="http://schemas.microsoft.com/office/drawing/2010/main" w="9525">
+                <a14:hiddenLine xmlns:a14="http://schemas.microsoft.com/office/drawing/2010/main" xmlns="" w="9525">
                   <a:solidFill>
                     <a:srgbClr val="000000"/>
                   </a:solidFill>
@@ -2110,7 +2110,7 @@
             </a:ln>
             <a:extLst>
               <a:ext uri="{91240B29-F687-4f45-9708-019B960494DF}">
-                <a14:hiddenLine xmlns="" xmlns:a14="http://schemas.microsoft.com/office/drawing/2010/main" w="9525">
+                <a14:hiddenLine xmlns:a14="http://schemas.microsoft.com/office/drawing/2010/main" xmlns="" w="9525">
                   <a:solidFill>
                     <a:srgbClr val="000000"/>
                   </a:solidFill>
@@ -2172,7 +2172,7 @@
             </a:ln>
             <a:extLst>
               <a:ext uri="{91240B29-F687-4f45-9708-019B960494DF}">
-                <a14:hiddenLine xmlns="" xmlns:a14="http://schemas.microsoft.com/office/drawing/2010/main" w="9525">
+                <a14:hiddenLine xmlns:a14="http://schemas.microsoft.com/office/drawing/2010/main" xmlns="" w="9525">
                   <a:solidFill>
                     <a:srgbClr val="000000"/>
                   </a:solidFill>
@@ -2262,7 +2262,7 @@
             </a:ln>
             <a:extLst>
               <a:ext uri="{91240B29-F687-4f45-9708-019B960494DF}">
-                <a14:hiddenLine xmlns="" xmlns:a14="http://schemas.microsoft.com/office/drawing/2010/main" w="9525">
+                <a14:hiddenLine xmlns:a14="http://schemas.microsoft.com/office/drawing/2010/main" xmlns="" w="9525">
                   <a:solidFill>
                     <a:srgbClr val="000000"/>
                   </a:solidFill>
@@ -2352,7 +2352,7 @@
             </a:ln>
             <a:extLst>
               <a:ext uri="{91240B29-F687-4f45-9708-019B960494DF}">
-                <a14:hiddenLine xmlns="" xmlns:a14="http://schemas.microsoft.com/office/drawing/2010/main" w="9525">
+                <a14:hiddenLine xmlns:a14="http://schemas.microsoft.com/office/drawing/2010/main" xmlns="" w="9525">
                   <a:solidFill>
                     <a:srgbClr val="000000"/>
                   </a:solidFill>
@@ -2414,7 +2414,7 @@
             </a:ln>
             <a:extLst>
               <a:ext uri="{91240B29-F687-4f45-9708-019B960494DF}">
-                <a14:hiddenLine xmlns="" xmlns:a14="http://schemas.microsoft.com/office/drawing/2010/main" w="9525">
+                <a14:hiddenLine xmlns:a14="http://schemas.microsoft.com/office/drawing/2010/main" xmlns="" w="9525">
                   <a:solidFill>
                     <a:srgbClr val="000000"/>
                   </a:solidFill>
@@ -2504,7 +2504,7 @@
             </a:ln>
             <a:extLst>
               <a:ext uri="{91240B29-F687-4f45-9708-019B960494DF}">
-                <a14:hiddenLine xmlns="" xmlns:a14="http://schemas.microsoft.com/office/drawing/2010/main" w="9525">
+                <a14:hiddenLine xmlns:a14="http://schemas.microsoft.com/office/drawing/2010/main" xmlns="" w="9525">
                   <a:solidFill>
                     <a:srgbClr val="000000"/>
                   </a:solidFill>
@@ -2594,7 +2594,7 @@
             </a:ln>
             <a:extLst>
               <a:ext uri="{91240B29-F687-4f45-9708-019B960494DF}">
-                <a14:hiddenLine xmlns="" xmlns:a14="http://schemas.microsoft.com/office/drawing/2010/main" w="9525">
+                <a14:hiddenLine xmlns:a14="http://schemas.microsoft.com/office/drawing/2010/main" xmlns="" w="9525">
                   <a:solidFill>
                     <a:srgbClr val="000000"/>
                   </a:solidFill>
@@ -2650,7 +2650,7 @@
             </a:ln>
             <a:extLst>
               <a:ext uri="{91240B29-F687-4f45-9708-019B960494DF}">
-                <a14:hiddenLine xmlns="" xmlns:a14="http://schemas.microsoft.com/office/drawing/2010/main" w="9525">
+                <a14:hiddenLine xmlns:a14="http://schemas.microsoft.com/office/drawing/2010/main" xmlns="" w="9525">
                   <a:solidFill>
                     <a:srgbClr val="000000"/>
                   </a:solidFill>
@@ -2740,7 +2740,7 @@
             </a:ln>
             <a:extLst>
               <a:ext uri="{91240B29-F687-4f45-9708-019B960494DF}">
-                <a14:hiddenLine xmlns="" xmlns:a14="http://schemas.microsoft.com/office/drawing/2010/main" w="9525">
+                <a14:hiddenLine xmlns:a14="http://schemas.microsoft.com/office/drawing/2010/main" xmlns="" w="9525">
                   <a:solidFill>
                     <a:srgbClr val="000000"/>
                   </a:solidFill>
@@ -2796,7 +2796,7 @@
             </a:ln>
             <a:extLst>
               <a:ext uri="{91240B29-F687-4f45-9708-019B960494DF}">
-                <a14:hiddenLine xmlns="" xmlns:a14="http://schemas.microsoft.com/office/drawing/2010/main" w="9525">
+                <a14:hiddenLine xmlns:a14="http://schemas.microsoft.com/office/drawing/2010/main" xmlns="" w="9525">
                   <a:solidFill>
                     <a:srgbClr val="000000"/>
                   </a:solidFill>
@@ -2886,7 +2886,7 @@
             </a:ln>
             <a:extLst>
               <a:ext uri="{91240B29-F687-4f45-9708-019B960494DF}">
-                <a14:hiddenLine xmlns="" xmlns:a14="http://schemas.microsoft.com/office/drawing/2010/main" w="9525">
+                <a14:hiddenLine xmlns:a14="http://schemas.microsoft.com/office/drawing/2010/main" xmlns="" w="9525">
                   <a:solidFill>
                     <a:srgbClr val="000000"/>
                   </a:solidFill>
@@ -2954,7 +2954,7 @@
             </a:ln>
             <a:extLst>
               <a:ext uri="{91240B29-F687-4f45-9708-019B960494DF}">
-                <a14:hiddenLine xmlns="" xmlns:a14="http://schemas.microsoft.com/office/drawing/2010/main" w="9525">
+                <a14:hiddenLine xmlns:a14="http://schemas.microsoft.com/office/drawing/2010/main" xmlns="" w="9525">
                   <a:solidFill>
                     <a:srgbClr val="000000"/>
                   </a:solidFill>
@@ -3044,7 +3044,7 @@
             </a:ln>
             <a:extLst>
               <a:ext uri="{91240B29-F687-4f45-9708-019B960494DF}">
-                <a14:hiddenLine xmlns="" xmlns:a14="http://schemas.microsoft.com/office/drawing/2010/main" w="9525">
+                <a14:hiddenLine xmlns:a14="http://schemas.microsoft.com/office/drawing/2010/main" xmlns="" w="9525">
                   <a:solidFill>
                     <a:srgbClr val="000000"/>
                   </a:solidFill>
@@ -3112,7 +3112,7 @@
             </a:ln>
             <a:extLst>
               <a:ext uri="{91240B29-F687-4f45-9708-019B960494DF}">
-                <a14:hiddenLine xmlns="" xmlns:a14="http://schemas.microsoft.com/office/drawing/2010/main" w="9525">
+                <a14:hiddenLine xmlns:a14="http://schemas.microsoft.com/office/drawing/2010/main" xmlns="" w="9525">
                   <a:solidFill>
                     <a:srgbClr val="000000"/>
                   </a:solidFill>
@@ -3202,7 +3202,7 @@
             </a:ln>
             <a:extLst>
               <a:ext uri="{91240B29-F687-4f45-9708-019B960494DF}">
-                <a14:hiddenLine xmlns="" xmlns:a14="http://schemas.microsoft.com/office/drawing/2010/main" w="9525">
+                <a14:hiddenLine xmlns:a14="http://schemas.microsoft.com/office/drawing/2010/main" xmlns="" w="9525">
                   <a:solidFill>
                     <a:srgbClr val="000000"/>
                   </a:solidFill>
@@ -3236,7 +3236,7 @@
             </a:ln>
             <a:extLst>
               <a:ext uri="{91240B29-F687-4f45-9708-019B960494DF}">
-                <a14:hiddenLine xmlns="" xmlns:a14="http://schemas.microsoft.com/office/drawing/2010/main" w="9525">
+                <a14:hiddenLine xmlns:a14="http://schemas.microsoft.com/office/drawing/2010/main" xmlns="" w="9525">
                   <a:solidFill>
                     <a:srgbClr val="000000"/>
                   </a:solidFill>
@@ -3326,7 +3326,7 @@
             </a:ln>
             <a:extLst>
               <a:ext uri="{91240B29-F687-4f45-9708-019B960494DF}">
-                <a14:hiddenLine xmlns="" xmlns:a14="http://schemas.microsoft.com/office/drawing/2010/main" w="9525">
+                <a14:hiddenLine xmlns:a14="http://schemas.microsoft.com/office/drawing/2010/main" xmlns="" w="9525">
                   <a:solidFill>
                     <a:srgbClr val="000000"/>
                   </a:solidFill>
@@ -3388,7 +3388,7 @@
             </a:ln>
             <a:extLst>
               <a:ext uri="{91240B29-F687-4f45-9708-019B960494DF}">
-                <a14:hiddenLine xmlns="" xmlns:a14="http://schemas.microsoft.com/office/drawing/2010/main" w="9525">
+                <a14:hiddenLine xmlns:a14="http://schemas.microsoft.com/office/drawing/2010/main" xmlns="" w="9525">
                   <a:solidFill>
                     <a:srgbClr val="000000"/>
                   </a:solidFill>
@@ -3450,7 +3450,7 @@
             </a:ln>
             <a:extLst>
               <a:ext uri="{91240B29-F687-4f45-9708-019B960494DF}">
-                <a14:hiddenLine xmlns="" xmlns:a14="http://schemas.microsoft.com/office/drawing/2010/main" w="9525">
+                <a14:hiddenLine xmlns:a14="http://schemas.microsoft.com/office/drawing/2010/main" xmlns="" w="9525">
                   <a:solidFill>
                     <a:srgbClr val="000000"/>
                   </a:solidFill>
@@ -3540,7 +3540,7 @@
             </a:ln>
             <a:extLst>
               <a:ext uri="{91240B29-F687-4f45-9708-019B960494DF}">
-                <a14:hiddenLine xmlns="" xmlns:a14="http://schemas.microsoft.com/office/drawing/2010/main" w="9525">
+                <a14:hiddenLine xmlns:a14="http://schemas.microsoft.com/office/drawing/2010/main" xmlns="" w="9525">
                   <a:solidFill>
                     <a:srgbClr val="000000"/>
                   </a:solidFill>
@@ -3608,7 +3608,7 @@
             </a:ln>
             <a:extLst>
               <a:ext uri="{91240B29-F687-4f45-9708-019B960494DF}">
-                <a14:hiddenLine xmlns="" xmlns:a14="http://schemas.microsoft.com/office/drawing/2010/main" w="9525">
+                <a14:hiddenLine xmlns:a14="http://schemas.microsoft.com/office/drawing/2010/main" xmlns="" w="9525">
                   <a:solidFill>
                     <a:srgbClr val="000000"/>
                   </a:solidFill>
@@ -3670,7 +3670,7 @@
             </a:ln>
             <a:extLst>
               <a:ext uri="{91240B29-F687-4f45-9708-019B960494DF}">
-                <a14:hiddenLine xmlns="" xmlns:a14="http://schemas.microsoft.com/office/drawing/2010/main" w="9525">
+                <a14:hiddenLine xmlns:a14="http://schemas.microsoft.com/office/drawing/2010/main" xmlns="" w="9525">
                   <a:solidFill>
                     <a:srgbClr val="000000"/>
                   </a:solidFill>
@@ -3760,7 +3760,7 @@
             </a:ln>
             <a:extLst>
               <a:ext uri="{91240B29-F687-4f45-9708-019B960494DF}">
-                <a14:hiddenLine xmlns="" xmlns:a14="http://schemas.microsoft.com/office/drawing/2010/main" w="9525">
+                <a14:hiddenLine xmlns:a14="http://schemas.microsoft.com/office/drawing/2010/main" xmlns="" w="9525">
                   <a:solidFill>
                     <a:srgbClr val="000000"/>
                   </a:solidFill>
@@ -3822,7 +3822,7 @@
             </a:ln>
             <a:extLst>
               <a:ext uri="{91240B29-F687-4f45-9708-019B960494DF}">
-                <a14:hiddenLine xmlns="" xmlns:a14="http://schemas.microsoft.com/office/drawing/2010/main" w="9525">
+                <a14:hiddenLine xmlns:a14="http://schemas.microsoft.com/office/drawing/2010/main" xmlns="" w="9525">
                   <a:solidFill>
                     <a:srgbClr val="000000"/>
                   </a:solidFill>
@@ -3912,7 +3912,7 @@
             </a:ln>
             <a:extLst>
               <a:ext uri="{91240B29-F687-4f45-9708-019B960494DF}">
-                <a14:hiddenLine xmlns="" xmlns:a14="http://schemas.microsoft.com/office/drawing/2010/main" w="9525">
+                <a14:hiddenLine xmlns:a14="http://schemas.microsoft.com/office/drawing/2010/main" xmlns="" w="9525">
                   <a:solidFill>
                     <a:srgbClr val="000000"/>
                   </a:solidFill>
@@ -3974,7 +3974,7 @@
             </a:ln>
             <a:extLst>
               <a:ext uri="{91240B29-F687-4f45-9708-019B960494DF}">
-                <a14:hiddenLine xmlns="" xmlns:a14="http://schemas.microsoft.com/office/drawing/2010/main" w="9525">
+                <a14:hiddenLine xmlns:a14="http://schemas.microsoft.com/office/drawing/2010/main" xmlns="" w="9525">
                   <a:solidFill>
                     <a:srgbClr val="000000"/>
                   </a:solidFill>
@@ -4064,7 +4064,7 @@
             </a:ln>
             <a:extLst>
               <a:ext uri="{91240B29-F687-4f45-9708-019B960494DF}">
-                <a14:hiddenLine xmlns="" xmlns:a14="http://schemas.microsoft.com/office/drawing/2010/main" w="9525">
+                <a14:hiddenLine xmlns:a14="http://schemas.microsoft.com/office/drawing/2010/main" xmlns="" w="9525">
                   <a:solidFill>
                     <a:srgbClr val="000000"/>
                   </a:solidFill>
@@ -4098,7 +4098,7 @@
             </a:ln>
             <a:extLst>
               <a:ext uri="{91240B29-F687-4f45-9708-019B960494DF}">
-                <a14:hiddenLine xmlns="" xmlns:a14="http://schemas.microsoft.com/office/drawing/2010/main" w="9525">
+                <a14:hiddenLine xmlns:a14="http://schemas.microsoft.com/office/drawing/2010/main" xmlns="" w="9525">
                   <a:solidFill>
                     <a:srgbClr val="000000"/>
                   </a:solidFill>
@@ -4163,7 +4163,7 @@
             </a:ln>
             <a:extLst>
               <a:ext uri="{91240B29-F687-4f45-9708-019B960494DF}">
-                <a14:hiddenLine xmlns="" xmlns:a14="http://schemas.microsoft.com/office/drawing/2010/main" w="9525">
+                <a14:hiddenLine xmlns:a14="http://schemas.microsoft.com/office/drawing/2010/main" xmlns="" w="9525">
                   <a:solidFill>
                     <a:srgbClr val="000000"/>
                   </a:solidFill>
@@ -4253,7 +4253,7 @@
             </a:ln>
             <a:extLst>
               <a:ext uri="{91240B29-F687-4f45-9708-019B960494DF}">
-                <a14:hiddenLine xmlns="" xmlns:a14="http://schemas.microsoft.com/office/drawing/2010/main" w="9525">
+                <a14:hiddenLine xmlns:a14="http://schemas.microsoft.com/office/drawing/2010/main" xmlns="" w="9525">
                   <a:solidFill>
                     <a:srgbClr val="000000"/>
                   </a:solidFill>
@@ -4315,7 +4315,7 @@
             </a:ln>
             <a:extLst>
               <a:ext uri="{91240B29-F687-4f45-9708-019B960494DF}">
-                <a14:hiddenLine xmlns="" xmlns:a14="http://schemas.microsoft.com/office/drawing/2010/main" w="9525">
+                <a14:hiddenLine xmlns:a14="http://schemas.microsoft.com/office/drawing/2010/main" xmlns="" w="9525">
                   <a:solidFill>
                     <a:srgbClr val="000000"/>
                   </a:solidFill>
@@ -4405,7 +4405,7 @@
             </a:ln>
             <a:extLst>
               <a:ext uri="{91240B29-F687-4f45-9708-019B960494DF}">
-                <a14:hiddenLine xmlns="" xmlns:a14="http://schemas.microsoft.com/office/drawing/2010/main" w="9525">
+                <a14:hiddenLine xmlns:a14="http://schemas.microsoft.com/office/drawing/2010/main" xmlns="" w="9525">
                   <a:solidFill>
                     <a:srgbClr val="000000"/>
                   </a:solidFill>
@@ -4495,7 +4495,7 @@
             </a:ln>
             <a:extLst>
               <a:ext uri="{91240B29-F687-4f45-9708-019B960494DF}">
-                <a14:hiddenLine xmlns="" xmlns:a14="http://schemas.microsoft.com/office/drawing/2010/main" w="9525">
+                <a14:hiddenLine xmlns:a14="http://schemas.microsoft.com/office/drawing/2010/main" xmlns="" w="9525">
                   <a:solidFill>
                     <a:srgbClr val="000000"/>
                   </a:solidFill>
@@ -4560,7 +4560,7 @@
             </a:ln>
             <a:extLst>
               <a:ext uri="{91240B29-F687-4f45-9708-019B960494DF}">
-                <a14:hiddenLine xmlns="" xmlns:a14="http://schemas.microsoft.com/office/drawing/2010/main" w="9525">
+                <a14:hiddenLine xmlns:a14="http://schemas.microsoft.com/office/drawing/2010/main" xmlns="" w="9525">
                   <a:solidFill>
                     <a:srgbClr val="000000"/>
                   </a:solidFill>
@@ -4622,7 +4622,7 @@
             </a:ln>
             <a:extLst>
               <a:ext uri="{91240B29-F687-4f45-9708-019B960494DF}">
-                <a14:hiddenLine xmlns="" xmlns:a14="http://schemas.microsoft.com/office/drawing/2010/main" w="9525">
+                <a14:hiddenLine xmlns:a14="http://schemas.microsoft.com/office/drawing/2010/main" xmlns="" w="9525">
                   <a:solidFill>
                     <a:srgbClr val="000000"/>
                   </a:solidFill>
@@ -4712,7 +4712,7 @@
             </a:ln>
             <a:extLst>
               <a:ext uri="{91240B29-F687-4f45-9708-019B960494DF}">
-                <a14:hiddenLine xmlns="" xmlns:a14="http://schemas.microsoft.com/office/drawing/2010/main" w="9525">
+                <a14:hiddenLine xmlns:a14="http://schemas.microsoft.com/office/drawing/2010/main" xmlns="" w="9525">
                   <a:solidFill>
                     <a:srgbClr val="000000"/>
                   </a:solidFill>
@@ -4802,7 +4802,7 @@
             </a:ln>
             <a:extLst>
               <a:ext uri="{91240B29-F687-4f45-9708-019B960494DF}">
-                <a14:hiddenLine xmlns="" xmlns:a14="http://schemas.microsoft.com/office/drawing/2010/main" w="9525">
+                <a14:hiddenLine xmlns:a14="http://schemas.microsoft.com/office/drawing/2010/main" xmlns="" w="9525">
                   <a:solidFill>
                     <a:srgbClr val="000000"/>
                   </a:solidFill>
@@ -4864,7 +4864,7 @@
             </a:ln>
             <a:extLst>
               <a:ext uri="{91240B29-F687-4f45-9708-019B960494DF}">
-                <a14:hiddenLine xmlns="" xmlns:a14="http://schemas.microsoft.com/office/drawing/2010/main" w="9525">
+                <a14:hiddenLine xmlns:a14="http://schemas.microsoft.com/office/drawing/2010/main" xmlns="" w="9525">
                   <a:solidFill>
                     <a:srgbClr val="000000"/>
                   </a:solidFill>
@@ -4984,7 +4984,7 @@
             </a:ln>
             <a:extLst>
               <a:ext uri="{91240B29-F687-4f45-9708-019B960494DF}">
-                <a14:hiddenLine xmlns="" xmlns:a14="http://schemas.microsoft.com/office/drawing/2010/main" w="9525">
+                <a14:hiddenLine xmlns:a14="http://schemas.microsoft.com/office/drawing/2010/main" xmlns="" w="9525">
                   <a:solidFill>
                     <a:srgbClr val="000000"/>
                   </a:solidFill>
@@ -5052,7 +5052,7 @@
             </a:ln>
             <a:extLst>
               <a:ext uri="{91240B29-F687-4f45-9708-019B960494DF}">
-                <a14:hiddenLine xmlns="" xmlns:a14="http://schemas.microsoft.com/office/drawing/2010/main" w="9525">
+                <a14:hiddenLine xmlns:a14="http://schemas.microsoft.com/office/drawing/2010/main" xmlns="" w="9525">
                   <a:solidFill>
                     <a:srgbClr val="000000"/>
                   </a:solidFill>
@@ -5142,7 +5142,7 @@
             </a:ln>
             <a:extLst>
               <a:ext uri="{91240B29-F687-4f45-9708-019B960494DF}">
-                <a14:hiddenLine xmlns="" xmlns:a14="http://schemas.microsoft.com/office/drawing/2010/main" w="9525">
+                <a14:hiddenLine xmlns:a14="http://schemas.microsoft.com/office/drawing/2010/main" xmlns="" w="9525">
                   <a:solidFill>
                     <a:srgbClr val="000000"/>
                   </a:solidFill>
@@ -5282,7 +5282,7 @@
           <a:p>
             <a:fld id="{D8087129-5EB3-407F-9D58-12B58254E57D}" type="datetime1">
               <a:rPr lang="en-US" smtClean="0"/>
-              <a:t>1/30/2017</a:t>
+              <a:t>2/8/2017</a:t>
             </a:fld>
             <a:endParaRPr lang="en-US" dirty="0"/>
           </a:p>
@@ -5548,7 +5548,7 @@
           <a:p>
             <a:fld id="{D3E4790F-9337-4CDC-8D14-B06CCEB6C73C}" type="datetime1">
               <a:rPr lang="en-US" smtClean="0"/>
-              <a:t>1/30/2017</a:t>
+              <a:t>2/8/2017</a:t>
             </a:fld>
             <a:endParaRPr lang="en-US" dirty="0"/>
           </a:p>
@@ -5743,7 +5743,7 @@
           <a:p>
             <a:fld id="{9B0760F9-7BA8-4EC7-8BDB-5C223A9F1787}" type="datetime1">
               <a:rPr lang="en-US" smtClean="0"/>
-              <a:t>1/30/2017</a:t>
+              <a:t>2/8/2017</a:t>
             </a:fld>
             <a:endParaRPr lang="en-US" dirty="0"/>
           </a:p>
@@ -6005,7 +6005,7 @@
           <a:p>
             <a:fld id="{A03E3F31-3630-4F25-9FD3-9398F0ABBE91}" type="datetime1">
               <a:rPr lang="en-US" smtClean="0"/>
-              <a:t>1/30/2017</a:t>
+              <a:t>2/8/2017</a:t>
             </a:fld>
             <a:endParaRPr lang="en-US" dirty="0"/>
           </a:p>
@@ -6438,7 +6438,7 @@
           <a:p>
             <a:fld id="{A66298DF-41F0-4FCA-8F78-168349C886A1}" type="datetime1">
               <a:rPr lang="en-US" smtClean="0"/>
-              <a:t>1/30/2017</a:t>
+              <a:t>2/8/2017</a:t>
             </a:fld>
             <a:endParaRPr lang="en-US" dirty="0"/>
           </a:p>
@@ -6983,7 +6983,7 @@
           <a:p>
             <a:fld id="{E78E2497-700C-4D1C-8F0E-0217BC78D22A}" type="datetime1">
               <a:rPr lang="en-US" smtClean="0"/>
-              <a:t>1/30/2017</a:t>
+              <a:t>2/8/2017</a:t>
             </a:fld>
             <a:endParaRPr lang="en-US" dirty="0"/>
           </a:p>
@@ -7702,7 +7702,7 @@
           <a:p>
             <a:fld id="{11B0A668-7952-4E05-A29E-3CAE9E4C88B3}" type="datetime1">
               <a:rPr lang="en-US" smtClean="0"/>
-              <a:t>1/30/2017</a:t>
+              <a:t>2/8/2017</a:t>
             </a:fld>
             <a:endParaRPr lang="en-US" dirty="0"/>
           </a:p>
@@ -7871,7 +7871,7 @@
           <a:p>
             <a:fld id="{51572ADD-8853-4F9B-BE74-04D3631B0AE8}" type="datetime1">
               <a:rPr lang="en-US" smtClean="0"/>
-              <a:t>1/30/2017</a:t>
+              <a:t>2/8/2017</a:t>
             </a:fld>
             <a:endParaRPr lang="en-US" dirty="0"/>
           </a:p>
@@ -8050,7 +8050,7 @@
           <a:p>
             <a:fld id="{F4AE7FAB-9C63-45B1-B528-0E08F0958326}" type="datetime1">
               <a:rPr lang="en-US" smtClean="0"/>
-              <a:t>1/30/2017</a:t>
+              <a:t>2/8/2017</a:t>
             </a:fld>
             <a:endParaRPr lang="en-US" dirty="0"/>
           </a:p>
@@ -8219,7 +8219,7 @@
           <a:p>
             <a:fld id="{789D286F-1FB1-4449-8266-6E87DF39D004}" type="datetime1">
               <a:rPr lang="en-US" smtClean="0"/>
-              <a:t>1/30/2017</a:t>
+              <a:t>2/8/2017</a:t>
             </a:fld>
             <a:endParaRPr lang="en-US" dirty="0"/>
           </a:p>
@@ -8468,7 +8468,7 @@
           <a:p>
             <a:fld id="{71778EDE-CE0C-4BA8-BD03-52FA661B2ABD}" type="datetime1">
               <a:rPr lang="en-US" smtClean="0"/>
-              <a:t>1/30/2017</a:t>
+              <a:t>2/8/2017</a:t>
             </a:fld>
             <a:endParaRPr lang="en-US" dirty="0"/>
           </a:p>
@@ -8699,7 +8699,7 @@
           <a:p>
             <a:fld id="{88B2015C-2313-4FA0-967E-15787170F8A4}" type="datetime1">
               <a:rPr lang="en-US" smtClean="0"/>
-              <a:t>1/30/2017</a:t>
+              <a:t>2/8/2017</a:t>
             </a:fld>
             <a:endParaRPr lang="en-US" dirty="0"/>
           </a:p>
@@ -9079,7 +9079,7 @@
           <a:p>
             <a:fld id="{337E4337-038C-466F-9539-3AC9182A3E7A}" type="datetime1">
               <a:rPr lang="en-US" smtClean="0"/>
-              <a:t>1/30/2017</a:t>
+              <a:t>2/8/2017</a:t>
             </a:fld>
             <a:endParaRPr lang="en-US" dirty="0"/>
           </a:p>
@@ -9196,7 +9196,7 @@
           <a:p>
             <a:fld id="{8AD42594-B169-4822-92C9-42932B767ACF}" type="datetime1">
               <a:rPr lang="en-US" smtClean="0"/>
-              <a:t>1/30/2017</a:t>
+              <a:t>2/8/2017</a:t>
             </a:fld>
             <a:endParaRPr lang="en-US" dirty="0"/>
           </a:p>
@@ -9290,7 +9290,7 @@
           <a:p>
             <a:fld id="{F960638A-EF8D-4E59-9B91-E876A1027CEA}" type="datetime1">
               <a:rPr lang="en-US" smtClean="0"/>
-              <a:t>1/30/2017</a:t>
+              <a:t>2/8/2017</a:t>
             </a:fld>
             <a:endParaRPr lang="en-US" dirty="0"/>
           </a:p>
@@ -9538,7 +9538,7 @@
           <a:p>
             <a:fld id="{77094E32-9543-411B-B3AF-87FC3BF95F14}" type="datetime1">
               <a:rPr lang="en-US" smtClean="0"/>
-              <a:t>1/30/2017</a:t>
+              <a:t>2/8/2017</a:t>
             </a:fld>
             <a:endParaRPr lang="en-US" dirty="0"/>
           </a:p>
@@ -9817,7 +9817,7 @@
           <a:p>
             <a:fld id="{6ADE433C-70DD-4676-82F0-30FDB4061909}" type="datetime1">
               <a:rPr lang="en-US" smtClean="0"/>
-              <a:t>1/30/2017</a:t>
+              <a:t>2/8/2017</a:t>
             </a:fld>
             <a:endParaRPr lang="en-US" dirty="0"/>
           </a:p>
@@ -9932,7 +9932,7 @@
           <a:noFill/>
           <a:extLst>
             <a:ext uri="{909E8E84-426E-40dd-AFC4-6F175D3DCCD1}">
-              <a14:hiddenFill xmlns="" xmlns:a14="http://schemas.microsoft.com/office/drawing/2010/main">
+              <a14:hiddenFill xmlns:a14="http://schemas.microsoft.com/office/drawing/2010/main" xmlns="">
                 <a:solidFill>
                   <a:srgbClr val="FFFFFF"/>
                 </a:solidFill>
@@ -10006,7 +10006,7 @@
               </a:ln>
               <a:extLst>
                 <a:ext uri="{91240B29-F687-4f45-9708-019B960494DF}">
-                  <a14:hiddenLine xmlns="" xmlns:a14="http://schemas.microsoft.com/office/drawing/2010/main" w="9525">
+                  <a14:hiddenLine xmlns:a14="http://schemas.microsoft.com/office/drawing/2010/main" xmlns="" w="9525">
                     <a:solidFill>
                       <a:srgbClr val="000000"/>
                     </a:solidFill>
@@ -10096,7 +10096,7 @@
               </a:ln>
               <a:extLst>
                 <a:ext uri="{91240B29-F687-4f45-9708-019B960494DF}">
-                  <a14:hiddenLine xmlns="" xmlns:a14="http://schemas.microsoft.com/office/drawing/2010/main" w="9525">
+                  <a14:hiddenLine xmlns:a14="http://schemas.microsoft.com/office/drawing/2010/main" xmlns="" w="9525">
                     <a:solidFill>
                       <a:srgbClr val="000000"/>
                     </a:solidFill>
@@ -10186,7 +10186,7 @@
               </a:ln>
               <a:extLst>
                 <a:ext uri="{91240B29-F687-4f45-9708-019B960494DF}">
-                  <a14:hiddenLine xmlns="" xmlns:a14="http://schemas.microsoft.com/office/drawing/2010/main" w="9525">
+                  <a14:hiddenLine xmlns:a14="http://schemas.microsoft.com/office/drawing/2010/main" xmlns="" w="9525">
                     <a:solidFill>
                       <a:srgbClr val="000000"/>
                     </a:solidFill>
@@ -10248,7 +10248,7 @@
               </a:ln>
               <a:extLst>
                 <a:ext uri="{91240B29-F687-4f45-9708-019B960494DF}">
-                  <a14:hiddenLine xmlns="" xmlns:a14="http://schemas.microsoft.com/office/drawing/2010/main" w="9525">
+                  <a14:hiddenLine xmlns:a14="http://schemas.microsoft.com/office/drawing/2010/main" xmlns="" w="9525">
                     <a:solidFill>
                       <a:srgbClr val="000000"/>
                     </a:solidFill>
@@ -10338,7 +10338,7 @@
               </a:ln>
               <a:extLst>
                 <a:ext uri="{91240B29-F687-4f45-9708-019B960494DF}">
-                  <a14:hiddenLine xmlns="" xmlns:a14="http://schemas.microsoft.com/office/drawing/2010/main" w="9525">
+                  <a14:hiddenLine xmlns:a14="http://schemas.microsoft.com/office/drawing/2010/main" xmlns="" w="9525">
                     <a:solidFill>
                       <a:srgbClr val="000000"/>
                     </a:solidFill>
@@ -10400,7 +10400,7 @@
               </a:ln>
               <a:extLst>
                 <a:ext uri="{91240B29-F687-4f45-9708-019B960494DF}">
-                  <a14:hiddenLine xmlns="" xmlns:a14="http://schemas.microsoft.com/office/drawing/2010/main" w="9525">
+                  <a14:hiddenLine xmlns:a14="http://schemas.microsoft.com/office/drawing/2010/main" xmlns="" w="9525">
                     <a:solidFill>
                       <a:srgbClr val="000000"/>
                     </a:solidFill>
@@ -10462,7 +10462,7 @@
               </a:ln>
               <a:extLst>
                 <a:ext uri="{91240B29-F687-4f45-9708-019B960494DF}">
-                  <a14:hiddenLine xmlns="" xmlns:a14="http://schemas.microsoft.com/office/drawing/2010/main" w="9525">
+                  <a14:hiddenLine xmlns:a14="http://schemas.microsoft.com/office/drawing/2010/main" xmlns="" w="9525">
                     <a:solidFill>
                       <a:srgbClr val="000000"/>
                     </a:solidFill>
@@ -10552,7 +10552,7 @@
               </a:ln>
               <a:extLst>
                 <a:ext uri="{91240B29-F687-4f45-9708-019B960494DF}">
-                  <a14:hiddenLine xmlns="" xmlns:a14="http://schemas.microsoft.com/office/drawing/2010/main" w="9525">
+                  <a14:hiddenLine xmlns:a14="http://schemas.microsoft.com/office/drawing/2010/main" xmlns="" w="9525">
                     <a:solidFill>
                       <a:srgbClr val="000000"/>
                     </a:solidFill>
@@ -10642,7 +10642,7 @@
               </a:ln>
               <a:extLst>
                 <a:ext uri="{91240B29-F687-4f45-9708-019B960494DF}">
-                  <a14:hiddenLine xmlns="" xmlns:a14="http://schemas.microsoft.com/office/drawing/2010/main" w="9525">
+                  <a14:hiddenLine xmlns:a14="http://schemas.microsoft.com/office/drawing/2010/main" xmlns="" w="9525">
                     <a:solidFill>
                       <a:srgbClr val="000000"/>
                     </a:solidFill>
@@ -10704,7 +10704,7 @@
               </a:ln>
               <a:extLst>
                 <a:ext uri="{91240B29-F687-4f45-9708-019B960494DF}">
-                  <a14:hiddenLine xmlns="" xmlns:a14="http://schemas.microsoft.com/office/drawing/2010/main" w="9525">
+                  <a14:hiddenLine xmlns:a14="http://schemas.microsoft.com/office/drawing/2010/main" xmlns="" w="9525">
                     <a:solidFill>
                       <a:srgbClr val="000000"/>
                     </a:solidFill>
@@ -10814,7 +10814,7 @@
               </a:ln>
               <a:extLst>
                 <a:ext uri="{91240B29-F687-4f45-9708-019B960494DF}">
-                  <a14:hiddenLine xmlns="" xmlns:a14="http://schemas.microsoft.com/office/drawing/2010/main" w="9525">
+                  <a14:hiddenLine xmlns:a14="http://schemas.microsoft.com/office/drawing/2010/main" xmlns="" w="9525">
                     <a:solidFill>
                       <a:srgbClr val="000000"/>
                     </a:solidFill>
@@ -10898,7 +10898,7 @@
               </a:ln>
               <a:extLst>
                 <a:ext uri="{91240B29-F687-4f45-9708-019B960494DF}">
-                  <a14:hiddenLine xmlns="" xmlns:a14="http://schemas.microsoft.com/office/drawing/2010/main" w="9525">
+                  <a14:hiddenLine xmlns:a14="http://schemas.microsoft.com/office/drawing/2010/main" xmlns="" w="9525">
                     <a:solidFill>
                       <a:srgbClr val="000000"/>
                     </a:solidFill>
@@ -10960,7 +10960,7 @@
               </a:ln>
               <a:extLst>
                 <a:ext uri="{91240B29-F687-4f45-9708-019B960494DF}">
-                  <a14:hiddenLine xmlns="" xmlns:a14="http://schemas.microsoft.com/office/drawing/2010/main" w="9525">
+                  <a14:hiddenLine xmlns:a14="http://schemas.microsoft.com/office/drawing/2010/main" xmlns="" w="9525">
                     <a:solidFill>
                       <a:srgbClr val="000000"/>
                     </a:solidFill>
@@ -11022,7 +11022,7 @@
               </a:ln>
               <a:extLst>
                 <a:ext uri="{91240B29-F687-4f45-9708-019B960494DF}">
-                  <a14:hiddenLine xmlns="" xmlns:a14="http://schemas.microsoft.com/office/drawing/2010/main" w="9525">
+                  <a14:hiddenLine xmlns:a14="http://schemas.microsoft.com/office/drawing/2010/main" xmlns="" w="9525">
                     <a:solidFill>
                       <a:srgbClr val="000000"/>
                     </a:solidFill>
@@ -11112,7 +11112,7 @@
               </a:ln>
               <a:extLst>
                 <a:ext uri="{91240B29-F687-4f45-9708-019B960494DF}">
-                  <a14:hiddenLine xmlns="" xmlns:a14="http://schemas.microsoft.com/office/drawing/2010/main" w="9525">
+                  <a14:hiddenLine xmlns:a14="http://schemas.microsoft.com/office/drawing/2010/main" xmlns="" w="9525">
                     <a:solidFill>
                       <a:srgbClr val="000000"/>
                     </a:solidFill>
@@ -11146,7 +11146,7 @@
               </a:ln>
               <a:extLst>
                 <a:ext uri="{91240B29-F687-4f45-9708-019B960494DF}">
-                  <a14:hiddenLine xmlns="" xmlns:a14="http://schemas.microsoft.com/office/drawing/2010/main" w="9525">
+                  <a14:hiddenLine xmlns:a14="http://schemas.microsoft.com/office/drawing/2010/main" xmlns="" w="9525">
                     <a:solidFill>
                       <a:srgbClr val="000000"/>
                     </a:solidFill>
@@ -11211,7 +11211,7 @@
               </a:ln>
               <a:extLst>
                 <a:ext uri="{91240B29-F687-4f45-9708-019B960494DF}">
-                  <a14:hiddenLine xmlns="" xmlns:a14="http://schemas.microsoft.com/office/drawing/2010/main" w="9525">
+                  <a14:hiddenLine xmlns:a14="http://schemas.microsoft.com/office/drawing/2010/main" xmlns="" w="9525">
                     <a:solidFill>
                       <a:srgbClr val="000000"/>
                     </a:solidFill>
@@ -11301,7 +11301,7 @@
               </a:ln>
               <a:extLst>
                 <a:ext uri="{91240B29-F687-4f45-9708-019B960494DF}">
-                  <a14:hiddenLine xmlns="" xmlns:a14="http://schemas.microsoft.com/office/drawing/2010/main" w="9525">
+                  <a14:hiddenLine xmlns:a14="http://schemas.microsoft.com/office/drawing/2010/main" xmlns="" w="9525">
                     <a:solidFill>
                       <a:srgbClr val="000000"/>
                     </a:solidFill>
@@ -11363,7 +11363,7 @@
               </a:ln>
               <a:extLst>
                 <a:ext uri="{91240B29-F687-4f45-9708-019B960494DF}">
-                  <a14:hiddenLine xmlns="" xmlns:a14="http://schemas.microsoft.com/office/drawing/2010/main" w="9525">
+                  <a14:hiddenLine xmlns:a14="http://schemas.microsoft.com/office/drawing/2010/main" xmlns="" w="9525">
                     <a:solidFill>
                       <a:srgbClr val="000000"/>
                     </a:solidFill>
@@ -11453,7 +11453,7 @@
               </a:ln>
               <a:extLst>
                 <a:ext uri="{91240B29-F687-4f45-9708-019B960494DF}">
-                  <a14:hiddenLine xmlns="" xmlns:a14="http://schemas.microsoft.com/office/drawing/2010/main" w="9525">
+                  <a14:hiddenLine xmlns:a14="http://schemas.microsoft.com/office/drawing/2010/main" xmlns="" w="9525">
                     <a:solidFill>
                       <a:srgbClr val="000000"/>
                     </a:solidFill>
@@ -11518,7 +11518,7 @@
               </a:ln>
               <a:extLst>
                 <a:ext uri="{91240B29-F687-4f45-9708-019B960494DF}">
-                  <a14:hiddenLine xmlns="" xmlns:a14="http://schemas.microsoft.com/office/drawing/2010/main" w="9525">
+                  <a14:hiddenLine xmlns:a14="http://schemas.microsoft.com/office/drawing/2010/main" xmlns="" w="9525">
                     <a:solidFill>
                       <a:srgbClr val="000000"/>
                     </a:solidFill>
@@ -11580,7 +11580,7 @@
               </a:ln>
               <a:extLst>
                 <a:ext uri="{91240B29-F687-4f45-9708-019B960494DF}">
-                  <a14:hiddenLine xmlns="" xmlns:a14="http://schemas.microsoft.com/office/drawing/2010/main" w="9525">
+                  <a14:hiddenLine xmlns:a14="http://schemas.microsoft.com/office/drawing/2010/main" xmlns="" w="9525">
                     <a:solidFill>
                       <a:srgbClr val="000000"/>
                     </a:solidFill>
@@ -11670,7 +11670,7 @@
               </a:ln>
               <a:extLst>
                 <a:ext uri="{91240B29-F687-4f45-9708-019B960494DF}">
-                  <a14:hiddenLine xmlns="" xmlns:a14="http://schemas.microsoft.com/office/drawing/2010/main" w="9525">
+                  <a14:hiddenLine xmlns:a14="http://schemas.microsoft.com/office/drawing/2010/main" xmlns="" w="9525">
                     <a:solidFill>
                       <a:srgbClr val="000000"/>
                     </a:solidFill>
@@ -11760,7 +11760,7 @@
               </a:ln>
               <a:extLst>
                 <a:ext uri="{91240B29-F687-4f45-9708-019B960494DF}">
-                  <a14:hiddenLine xmlns="" xmlns:a14="http://schemas.microsoft.com/office/drawing/2010/main" w="9525">
+                  <a14:hiddenLine xmlns:a14="http://schemas.microsoft.com/office/drawing/2010/main" xmlns="" w="9525">
                     <a:solidFill>
                       <a:srgbClr val="000000"/>
                     </a:solidFill>
@@ -11825,7 +11825,7 @@
               </a:ln>
               <a:extLst>
                 <a:ext uri="{91240B29-F687-4f45-9708-019B960494DF}">
-                  <a14:hiddenLine xmlns="" xmlns:a14="http://schemas.microsoft.com/office/drawing/2010/main" w="9525">
+                  <a14:hiddenLine xmlns:a14="http://schemas.microsoft.com/office/drawing/2010/main" xmlns="" w="9525">
                     <a:solidFill>
                       <a:srgbClr val="000000"/>
                     </a:solidFill>
@@ -11945,7 +11945,7 @@
               </a:ln>
               <a:extLst>
                 <a:ext uri="{91240B29-F687-4f45-9708-019B960494DF}">
-                  <a14:hiddenLine xmlns="" xmlns:a14="http://schemas.microsoft.com/office/drawing/2010/main" w="9525">
+                  <a14:hiddenLine xmlns:a14="http://schemas.microsoft.com/office/drawing/2010/main" xmlns="" w="9525">
                     <a:solidFill>
                       <a:srgbClr val="000000"/>
                     </a:solidFill>
@@ -12043,7 +12043,7 @@
               </a:ln>
               <a:extLst>
                 <a:ext uri="{91240B29-F687-4f45-9708-019B960494DF}">
-                  <a14:hiddenLine xmlns="" xmlns:a14="http://schemas.microsoft.com/office/drawing/2010/main" w="9525">
+                  <a14:hiddenLine xmlns:a14="http://schemas.microsoft.com/office/drawing/2010/main" xmlns="" w="9525">
                     <a:solidFill>
                       <a:srgbClr val="000000"/>
                     </a:solidFill>
@@ -12158,7 +12158,7 @@
               </a:ln>
               <a:extLst>
                 <a:ext uri="{91240B29-F687-4f45-9708-019B960494DF}">
-                  <a14:hiddenLine xmlns="" xmlns:a14="http://schemas.microsoft.com/office/drawing/2010/main" w="9525">
+                  <a14:hiddenLine xmlns:a14="http://schemas.microsoft.com/office/drawing/2010/main" xmlns="" w="9525">
                     <a:solidFill>
                       <a:srgbClr val="000000"/>
                     </a:solidFill>
@@ -12248,7 +12248,7 @@
               </a:ln>
               <a:extLst>
                 <a:ext uri="{91240B29-F687-4f45-9708-019B960494DF}">
-                  <a14:hiddenLine xmlns="" xmlns:a14="http://schemas.microsoft.com/office/drawing/2010/main" w="9525">
+                  <a14:hiddenLine xmlns:a14="http://schemas.microsoft.com/office/drawing/2010/main" xmlns="" w="9525">
                     <a:solidFill>
                       <a:srgbClr val="000000"/>
                     </a:solidFill>
@@ -12313,7 +12313,7 @@
               </a:ln>
               <a:extLst>
                 <a:ext uri="{91240B29-F687-4f45-9708-019B960494DF}">
-                  <a14:hiddenLine xmlns="" xmlns:a14="http://schemas.microsoft.com/office/drawing/2010/main" w="9525">
+                  <a14:hiddenLine xmlns:a14="http://schemas.microsoft.com/office/drawing/2010/main" xmlns="" w="9525">
                     <a:solidFill>
                       <a:srgbClr val="000000"/>
                     </a:solidFill>
@@ -12403,7 +12403,7 @@
               </a:ln>
               <a:extLst>
                 <a:ext uri="{91240B29-F687-4f45-9708-019B960494DF}">
-                  <a14:hiddenLine xmlns="" xmlns:a14="http://schemas.microsoft.com/office/drawing/2010/main" w="9525">
+                  <a14:hiddenLine xmlns:a14="http://schemas.microsoft.com/office/drawing/2010/main" xmlns="" w="9525">
                     <a:solidFill>
                       <a:srgbClr val="000000"/>
                     </a:solidFill>
@@ -12471,7 +12471,7 @@
               </a:ln>
               <a:extLst>
                 <a:ext uri="{91240B29-F687-4f45-9708-019B960494DF}">
-                  <a14:hiddenLine xmlns="" xmlns:a14="http://schemas.microsoft.com/office/drawing/2010/main" w="9525">
+                  <a14:hiddenLine xmlns:a14="http://schemas.microsoft.com/office/drawing/2010/main" xmlns="" w="9525">
                     <a:solidFill>
                       <a:srgbClr val="000000"/>
                     </a:solidFill>
@@ -12561,7 +12561,7 @@
               </a:ln>
               <a:extLst>
                 <a:ext uri="{91240B29-F687-4f45-9708-019B960494DF}">
-                  <a14:hiddenLine xmlns="" xmlns:a14="http://schemas.microsoft.com/office/drawing/2010/main" w="9525">
+                  <a14:hiddenLine xmlns:a14="http://schemas.microsoft.com/office/drawing/2010/main" xmlns="" w="9525">
                     <a:solidFill>
                       <a:srgbClr val="000000"/>
                     </a:solidFill>
@@ -12629,7 +12629,7 @@
               </a:ln>
               <a:extLst>
                 <a:ext uri="{91240B29-F687-4f45-9708-019B960494DF}">
-                  <a14:hiddenLine xmlns="" xmlns:a14="http://schemas.microsoft.com/office/drawing/2010/main" w="9525">
+                  <a14:hiddenLine xmlns:a14="http://schemas.microsoft.com/office/drawing/2010/main" xmlns="" w="9525">
                     <a:solidFill>
                       <a:srgbClr val="000000"/>
                     </a:solidFill>
@@ -12719,7 +12719,7 @@
               </a:ln>
               <a:extLst>
                 <a:ext uri="{91240B29-F687-4f45-9708-019B960494DF}">
-                  <a14:hiddenLine xmlns="" xmlns:a14="http://schemas.microsoft.com/office/drawing/2010/main" w="9525">
+                  <a14:hiddenLine xmlns:a14="http://schemas.microsoft.com/office/drawing/2010/main" xmlns="" w="9525">
                     <a:solidFill>
                       <a:srgbClr val="000000"/>
                     </a:solidFill>
@@ -12753,7 +12753,7 @@
               </a:ln>
               <a:extLst>
                 <a:ext uri="{91240B29-F687-4f45-9708-019B960494DF}">
-                  <a14:hiddenLine xmlns="" xmlns:a14="http://schemas.microsoft.com/office/drawing/2010/main" w="9525">
+                  <a14:hiddenLine xmlns:a14="http://schemas.microsoft.com/office/drawing/2010/main" xmlns="" w="9525">
                     <a:solidFill>
                       <a:srgbClr val="000000"/>
                     </a:solidFill>
@@ -12893,7 +12893,7 @@
           <a:p>
             <a:fld id="{DF502B2A-9274-4FE7-A76D-3524148FACFA}" type="datetime1">
               <a:rPr lang="en-US" smtClean="0"/>
-              <a:t>1/30/2017</a:t>
+              <a:t>2/8/2017</a:t>
             </a:fld>
             <a:endParaRPr lang="en-US" dirty="0"/>
           </a:p>
@@ -15332,7 +15332,7 @@
         </p:spPr>
         <p:txBody>
           <a:bodyPr>
-            <a:normAutofit fontScale="92500" lnSpcReduction="10000"/>
+            <a:normAutofit/>
           </a:bodyPr>
           <a:lstStyle/>
           <a:p>
@@ -15392,19 +15392,21 @@
           <a:p>
             <a:r>
               <a:rPr lang="en-GB" dirty="0"/>
-              <a:t>Write comments with ‘#’ to explain how it works</a:t>
-            </a:r>
-          </a:p>
-          <a:p>
+              <a:t>Write comments with ‘#’ to explain how </a:t>
+            </a:r>
+            <a:r>
+              <a:rPr lang="en-GB"/>
+              <a:t>it works</a:t>
+            </a:r>
+          </a:p>
+          <a:p>
+            <a:r>
+              <a:rPr lang="en-GB"/>
+              <a:t>When </a:t>
+            </a:r>
             <a:r>
               <a:rPr lang="en-GB" dirty="0"/>
-              <a:t>Can you improve the code?</a:t>
-            </a:r>
-          </a:p>
-          <a:p>
-            <a:r>
-              <a:rPr lang="en-GB" dirty="0"/>
-              <a:t>When you understand it all have a go at the challenge</a:t>
+              <a:t>you understand it all have a go at the challenge</a:t>
             </a:r>
           </a:p>
           <a:p>
